--- a/칸반보드.pptx
+++ b/칸반보드.pptx
@@ -7,6 +7,7 @@
   <p:sldIdLst>
     <p:sldId id="256" r:id="rId2"/>
     <p:sldId id="257" r:id="rId3"/>
+    <p:sldId id="258" r:id="rId4"/>
   </p:sldIdLst>
   <p:sldSz cx="12192000" cy="6858000"/>
   <p:notesSz cx="6858000" cy="9144000"/>
@@ -105,6 +106,11 @@
       </a:defRPr>
     </a:lvl9pPr>
   </p:defaultTextStyle>
+  <p:extLst>
+    <p:ext uri="{EFAFB233-063F-42B5-8137-9DF3F51BA10A}">
+      <p15:sldGuideLst xmlns:p15="http://schemas.microsoft.com/office/powerpoint/2012/main"/>
+    </p:ext>
+  </p:extLst>
 </p:presentation>
 </file>
 
@@ -255,7 +261,7 @@
           <a:p>
             <a:fld id="{19E96057-ABBF-44EC-96AE-4EFDAE11D92C}" type="datetimeFigureOut">
               <a:rPr lang="ko-KR" altLang="en-US" smtClean="0"/>
-              <a:t>2021-07-20</a:t>
+              <a:t>2021-07-21</a:t>
             </a:fld>
             <a:endParaRPr lang="ko-KR" altLang="en-US"/>
           </a:p>
@@ -453,7 +459,7 @@
           <a:p>
             <a:fld id="{19E96057-ABBF-44EC-96AE-4EFDAE11D92C}" type="datetimeFigureOut">
               <a:rPr lang="ko-KR" altLang="en-US" smtClean="0"/>
-              <a:t>2021-07-20</a:t>
+              <a:t>2021-07-21</a:t>
             </a:fld>
             <a:endParaRPr lang="ko-KR" altLang="en-US"/>
           </a:p>
@@ -661,7 +667,7 @@
           <a:p>
             <a:fld id="{19E96057-ABBF-44EC-96AE-4EFDAE11D92C}" type="datetimeFigureOut">
               <a:rPr lang="ko-KR" altLang="en-US" smtClean="0"/>
-              <a:t>2021-07-20</a:t>
+              <a:t>2021-07-21</a:t>
             </a:fld>
             <a:endParaRPr lang="ko-KR" altLang="en-US"/>
           </a:p>
@@ -859,7 +865,7 @@
           <a:p>
             <a:fld id="{19E96057-ABBF-44EC-96AE-4EFDAE11D92C}" type="datetimeFigureOut">
               <a:rPr lang="ko-KR" altLang="en-US" smtClean="0"/>
-              <a:t>2021-07-20</a:t>
+              <a:t>2021-07-21</a:t>
             </a:fld>
             <a:endParaRPr lang="ko-KR" altLang="en-US"/>
           </a:p>
@@ -1134,7 +1140,7 @@
           <a:p>
             <a:fld id="{19E96057-ABBF-44EC-96AE-4EFDAE11D92C}" type="datetimeFigureOut">
               <a:rPr lang="ko-KR" altLang="en-US" smtClean="0"/>
-              <a:t>2021-07-20</a:t>
+              <a:t>2021-07-21</a:t>
             </a:fld>
             <a:endParaRPr lang="ko-KR" altLang="en-US"/>
           </a:p>
@@ -1399,7 +1405,7 @@
           <a:p>
             <a:fld id="{19E96057-ABBF-44EC-96AE-4EFDAE11D92C}" type="datetimeFigureOut">
               <a:rPr lang="ko-KR" altLang="en-US" smtClean="0"/>
-              <a:t>2021-07-20</a:t>
+              <a:t>2021-07-21</a:t>
             </a:fld>
             <a:endParaRPr lang="ko-KR" altLang="en-US"/>
           </a:p>
@@ -1811,7 +1817,7 @@
           <a:p>
             <a:fld id="{19E96057-ABBF-44EC-96AE-4EFDAE11D92C}" type="datetimeFigureOut">
               <a:rPr lang="ko-KR" altLang="en-US" smtClean="0"/>
-              <a:t>2021-07-20</a:t>
+              <a:t>2021-07-21</a:t>
             </a:fld>
             <a:endParaRPr lang="ko-KR" altLang="en-US"/>
           </a:p>
@@ -1952,7 +1958,7 @@
           <a:p>
             <a:fld id="{19E96057-ABBF-44EC-96AE-4EFDAE11D92C}" type="datetimeFigureOut">
               <a:rPr lang="ko-KR" altLang="en-US" smtClean="0"/>
-              <a:t>2021-07-20</a:t>
+              <a:t>2021-07-21</a:t>
             </a:fld>
             <a:endParaRPr lang="ko-KR" altLang="en-US"/>
           </a:p>
@@ -2065,7 +2071,7 @@
           <a:p>
             <a:fld id="{19E96057-ABBF-44EC-96AE-4EFDAE11D92C}" type="datetimeFigureOut">
               <a:rPr lang="ko-KR" altLang="en-US" smtClean="0"/>
-              <a:t>2021-07-20</a:t>
+              <a:t>2021-07-21</a:t>
             </a:fld>
             <a:endParaRPr lang="ko-KR" altLang="en-US"/>
           </a:p>
@@ -2376,7 +2382,7 @@
           <a:p>
             <a:fld id="{19E96057-ABBF-44EC-96AE-4EFDAE11D92C}" type="datetimeFigureOut">
               <a:rPr lang="ko-KR" altLang="en-US" smtClean="0"/>
-              <a:t>2021-07-20</a:t>
+              <a:t>2021-07-21</a:t>
             </a:fld>
             <a:endParaRPr lang="ko-KR" altLang="en-US"/>
           </a:p>
@@ -2664,7 +2670,7 @@
           <a:p>
             <a:fld id="{19E96057-ABBF-44EC-96AE-4EFDAE11D92C}" type="datetimeFigureOut">
               <a:rPr lang="ko-KR" altLang="en-US" smtClean="0"/>
-              <a:t>2021-07-20</a:t>
+              <a:t>2021-07-21</a:t>
             </a:fld>
             <a:endParaRPr lang="ko-KR" altLang="en-US"/>
           </a:p>
@@ -2905,7 +2911,7 @@
           <a:p>
             <a:fld id="{19E96057-ABBF-44EC-96AE-4EFDAE11D92C}" type="datetimeFigureOut">
               <a:rPr lang="ko-KR" altLang="en-US" smtClean="0"/>
-              <a:t>2021-07-20</a:t>
+              <a:t>2021-07-21</a:t>
             </a:fld>
             <a:endParaRPr lang="ko-KR" altLang="en-US"/>
           </a:p>
@@ -4021,7 +4027,7 @@
                   <a:schemeClr val="tx1"/>
                 </a:solidFill>
               </a:rPr>
-              <a:t>2021-07-21</a:t>
+              <a:t>20xx-xx-xx</a:t>
             </a:r>
           </a:p>
           <a:p>
@@ -4790,7 +4796,7 @@
                   <a:schemeClr val="tx1"/>
                 </a:solidFill>
               </a:rPr>
-              <a:t>2021-07-21</a:t>
+              <a:t>2021-07-20</a:t>
             </a:r>
           </a:p>
           <a:p>
@@ -4825,7 +4831,7 @@
         </p:nvSpPr>
         <p:spPr>
           <a:xfrm>
-            <a:off x="4870873" y="5444688"/>
+            <a:off x="1500866" y="5500888"/>
             <a:ext cx="1067965" cy="885852"/>
           </a:xfrm>
           <a:prstGeom prst="foldedCorner">
@@ -5027,7 +5033,7 @@
         </p:nvSpPr>
         <p:spPr>
           <a:xfrm>
-            <a:off x="4841345" y="2779859"/>
+            <a:off x="9263556" y="2804625"/>
             <a:ext cx="1067965" cy="935385"/>
           </a:xfrm>
           <a:prstGeom prst="foldedCorner">
@@ -5082,7 +5088,7 @@
         </p:nvSpPr>
         <p:spPr>
           <a:xfrm>
-            <a:off x="3493831" y="2801790"/>
+            <a:off x="1550413" y="2750460"/>
             <a:ext cx="1067965" cy="1173049"/>
           </a:xfrm>
           <a:prstGeom prst="foldedCorner">
@@ -5137,7 +5143,7 @@
         </p:nvSpPr>
         <p:spPr>
           <a:xfrm>
-            <a:off x="4870873" y="1422509"/>
+            <a:off x="2642115" y="1411531"/>
             <a:ext cx="1067965" cy="885852"/>
           </a:xfrm>
           <a:prstGeom prst="foldedCorner">
@@ -5267,7 +5273,7 @@
         </p:nvSpPr>
         <p:spPr>
           <a:xfrm>
-            <a:off x="2601668" y="1404349"/>
+            <a:off x="8087655" y="1393370"/>
             <a:ext cx="1067965" cy="885852"/>
           </a:xfrm>
           <a:prstGeom prst="foldedCorner">
@@ -5330,7 +5336,7 @@
         </p:nvSpPr>
         <p:spPr>
           <a:xfrm>
-            <a:off x="4870874" y="4113619"/>
+            <a:off x="1564862" y="4065728"/>
             <a:ext cx="1067965" cy="885852"/>
           </a:xfrm>
           <a:prstGeom prst="foldedCorner">
@@ -5398,7 +5404,7 @@
         </p:nvSpPr>
         <p:spPr>
           <a:xfrm>
-            <a:off x="2601668" y="4108079"/>
+            <a:off x="8115845" y="4101359"/>
             <a:ext cx="1067965" cy="1035420"/>
           </a:xfrm>
           <a:prstGeom prst="foldedCorner">
@@ -5459,6 +5465,1512 @@
     <p:extLst>
       <p:ext uri="{BB962C8B-B14F-4D97-AF65-F5344CB8AC3E}">
         <p14:creationId xmlns:p14="http://schemas.microsoft.com/office/powerpoint/2010/main" val="65423662"/>
+      </p:ext>
+    </p:extLst>
+  </p:cSld>
+  <p:clrMapOvr>
+    <a:masterClrMapping/>
+  </p:clrMapOvr>
+</p:sld>
+</file>
+
+<file path=ppt/slides/slide3.xml><?xml version="1.0" encoding="utf-8"?>
+<p:sld xmlns:a="http://schemas.openxmlformats.org/drawingml/2006/main" xmlns:r="http://schemas.openxmlformats.org/officeDocument/2006/relationships" xmlns:p="http://schemas.openxmlformats.org/presentationml/2006/main">
+  <p:cSld>
+    <p:bg>
+      <p:bgPr>
+        <a:solidFill>
+          <a:schemeClr val="bg2">
+            <a:lumMod val="90000"/>
+          </a:schemeClr>
+        </a:solidFill>
+        <a:effectLst/>
+      </p:bgPr>
+    </p:bg>
+    <p:spTree>
+      <p:nvGrpSpPr>
+        <p:cNvPr id="1" name=""/>
+        <p:cNvGrpSpPr/>
+        <p:nvPr/>
+      </p:nvGrpSpPr>
+      <p:grpSpPr>
+        <a:xfrm>
+          <a:off x="0" y="0"/>
+          <a:ext cx="0" cy="0"/>
+          <a:chOff x="0" y="0"/>
+          <a:chExt cx="0" cy="0"/>
+        </a:xfrm>
+      </p:grpSpPr>
+      <p:sp>
+        <p:nvSpPr>
+          <p:cNvPr id="4" name="직사각형 3">
+            <a:extLst>
+              <a:ext uri="{FF2B5EF4-FFF2-40B4-BE49-F238E27FC236}">
+                <a16:creationId xmlns:a16="http://schemas.microsoft.com/office/drawing/2014/main" id="{1B84EBAF-0A2B-4903-A932-FF51E306C701}"/>
+              </a:ext>
+            </a:extLst>
+          </p:cNvPr>
+          <p:cNvSpPr/>
+          <p:nvPr/>
+        </p:nvSpPr>
+        <p:spPr>
+          <a:xfrm>
+            <a:off x="1427584" y="1254967"/>
+            <a:ext cx="9773038" cy="1198983"/>
+          </a:xfrm>
+          <a:prstGeom prst="rect">
+            <a:avLst/>
+          </a:prstGeom>
+          <a:solidFill>
+            <a:srgbClr val="FF0000">
+              <a:alpha val="20000"/>
+            </a:srgbClr>
+          </a:solidFill>
+          <a:ln>
+            <a:noFill/>
+          </a:ln>
+        </p:spPr>
+        <p:style>
+          <a:lnRef idx="2">
+            <a:schemeClr val="accent1">
+              <a:shade val="50000"/>
+            </a:schemeClr>
+          </a:lnRef>
+          <a:fillRef idx="1">
+            <a:schemeClr val="accent1"/>
+          </a:fillRef>
+          <a:effectRef idx="0">
+            <a:schemeClr val="accent1"/>
+          </a:effectRef>
+          <a:fontRef idx="minor">
+            <a:schemeClr val="lt1"/>
+          </a:fontRef>
+        </p:style>
+        <p:txBody>
+          <a:bodyPr rtlCol="0" anchor="ctr"/>
+          <a:lstStyle/>
+          <a:p>
+            <a:pPr algn="ctr"/>
+            <a:endParaRPr lang="ko-KR" altLang="en-US"/>
+          </a:p>
+        </p:txBody>
+      </p:sp>
+      <p:sp>
+        <p:nvSpPr>
+          <p:cNvPr id="5" name="TextBox 4">
+            <a:extLst>
+              <a:ext uri="{FF2B5EF4-FFF2-40B4-BE49-F238E27FC236}">
+                <a16:creationId xmlns:a16="http://schemas.microsoft.com/office/drawing/2014/main" id="{BECF346F-56F2-4352-AFCF-CD191492F809}"/>
+              </a:ext>
+            </a:extLst>
+          </p:cNvPr>
+          <p:cNvSpPr txBox="1"/>
+          <p:nvPr/>
+        </p:nvSpPr>
+        <p:spPr>
+          <a:xfrm>
+            <a:off x="2319099" y="523680"/>
+            <a:ext cx="1394484" cy="646331"/>
+          </a:xfrm>
+          <a:prstGeom prst="rect">
+            <a:avLst/>
+          </a:prstGeom>
+          <a:noFill/>
+        </p:spPr>
+        <p:txBody>
+          <a:bodyPr wrap="none" rtlCol="0">
+            <a:spAutoFit/>
+          </a:bodyPr>
+          <a:lstStyle/>
+          <a:p>
+            <a:r>
+              <a:rPr lang="en-US" altLang="ko-KR" sz="3600">
+                <a:latin typeface="나눔스퀘어 Bold" panose="020B0600000101010101" pitchFamily="50" charset="-127"/>
+                <a:ea typeface="나눔스퀘어 Bold" panose="020B0600000101010101" pitchFamily="50" charset="-127"/>
+              </a:rPr>
+              <a:t>To Do</a:t>
+            </a:r>
+            <a:endParaRPr lang="ko-KR" altLang="en-US" sz="3600">
+              <a:latin typeface="나눔스퀘어 Bold" panose="020B0600000101010101" pitchFamily="50" charset="-127"/>
+              <a:ea typeface="나눔스퀘어 Bold" panose="020B0600000101010101" pitchFamily="50" charset="-127"/>
+            </a:endParaRPr>
+          </a:p>
+        </p:txBody>
+      </p:sp>
+      <p:sp>
+        <p:nvSpPr>
+          <p:cNvPr id="8" name="직사각형 7">
+            <a:extLst>
+              <a:ext uri="{FF2B5EF4-FFF2-40B4-BE49-F238E27FC236}">
+                <a16:creationId xmlns:a16="http://schemas.microsoft.com/office/drawing/2014/main" id="{FE4E8BFE-B574-4FCC-B8A2-B1E58767D671}"/>
+              </a:ext>
+            </a:extLst>
+          </p:cNvPr>
+          <p:cNvSpPr/>
+          <p:nvPr/>
+        </p:nvSpPr>
+        <p:spPr>
+          <a:xfrm>
+            <a:off x="1427582" y="2614903"/>
+            <a:ext cx="9773038" cy="1198983"/>
+          </a:xfrm>
+          <a:prstGeom prst="rect">
+            <a:avLst/>
+          </a:prstGeom>
+          <a:solidFill>
+            <a:srgbClr val="FFFF00">
+              <a:alpha val="20000"/>
+            </a:srgbClr>
+          </a:solidFill>
+          <a:ln>
+            <a:noFill/>
+          </a:ln>
+        </p:spPr>
+        <p:style>
+          <a:lnRef idx="2">
+            <a:schemeClr val="accent1">
+              <a:shade val="50000"/>
+            </a:schemeClr>
+          </a:lnRef>
+          <a:fillRef idx="1">
+            <a:schemeClr val="accent1"/>
+          </a:fillRef>
+          <a:effectRef idx="0">
+            <a:schemeClr val="accent1"/>
+          </a:effectRef>
+          <a:fontRef idx="minor">
+            <a:schemeClr val="lt1"/>
+          </a:fontRef>
+        </p:style>
+        <p:txBody>
+          <a:bodyPr rtlCol="0" anchor="ctr"/>
+          <a:lstStyle/>
+          <a:p>
+            <a:pPr algn="ctr"/>
+            <a:endParaRPr lang="ko-KR" altLang="en-US"/>
+          </a:p>
+        </p:txBody>
+      </p:sp>
+      <p:sp>
+        <p:nvSpPr>
+          <p:cNvPr id="9" name="직사각형 8">
+            <a:extLst>
+              <a:ext uri="{FF2B5EF4-FFF2-40B4-BE49-F238E27FC236}">
+                <a16:creationId xmlns:a16="http://schemas.microsoft.com/office/drawing/2014/main" id="{68974D7F-CCE5-4593-B1F0-D65AAC486F7D}"/>
+              </a:ext>
+            </a:extLst>
+          </p:cNvPr>
+          <p:cNvSpPr/>
+          <p:nvPr/>
+        </p:nvSpPr>
+        <p:spPr>
+          <a:xfrm>
+            <a:off x="1427582" y="3944516"/>
+            <a:ext cx="9773038" cy="1198983"/>
+          </a:xfrm>
+          <a:prstGeom prst="rect">
+            <a:avLst/>
+          </a:prstGeom>
+          <a:solidFill>
+            <a:srgbClr val="00B050">
+              <a:alpha val="20000"/>
+            </a:srgbClr>
+          </a:solidFill>
+          <a:ln>
+            <a:noFill/>
+          </a:ln>
+        </p:spPr>
+        <p:style>
+          <a:lnRef idx="2">
+            <a:schemeClr val="accent1">
+              <a:shade val="50000"/>
+            </a:schemeClr>
+          </a:lnRef>
+          <a:fillRef idx="1">
+            <a:schemeClr val="accent1"/>
+          </a:fillRef>
+          <a:effectRef idx="0">
+            <a:schemeClr val="accent1"/>
+          </a:effectRef>
+          <a:fontRef idx="minor">
+            <a:schemeClr val="lt1"/>
+          </a:fontRef>
+        </p:style>
+        <p:txBody>
+          <a:bodyPr rtlCol="0" anchor="ctr"/>
+          <a:lstStyle/>
+          <a:p>
+            <a:pPr algn="ctr"/>
+            <a:endParaRPr lang="ko-KR" altLang="en-US"/>
+          </a:p>
+        </p:txBody>
+      </p:sp>
+      <p:sp>
+        <p:nvSpPr>
+          <p:cNvPr id="10" name="직사각형 9">
+            <a:extLst>
+              <a:ext uri="{FF2B5EF4-FFF2-40B4-BE49-F238E27FC236}">
+                <a16:creationId xmlns:a16="http://schemas.microsoft.com/office/drawing/2014/main" id="{A8A744CC-536E-4000-A0E0-93568EA97CB6}"/>
+              </a:ext>
+            </a:extLst>
+          </p:cNvPr>
+          <p:cNvSpPr/>
+          <p:nvPr/>
+        </p:nvSpPr>
+        <p:spPr>
+          <a:xfrm>
+            <a:off x="1427581" y="5288123"/>
+            <a:ext cx="9773038" cy="1198983"/>
+          </a:xfrm>
+          <a:prstGeom prst="rect">
+            <a:avLst/>
+          </a:prstGeom>
+          <a:solidFill>
+            <a:srgbClr val="002060">
+              <a:alpha val="20000"/>
+            </a:srgbClr>
+          </a:solidFill>
+          <a:ln>
+            <a:noFill/>
+          </a:ln>
+        </p:spPr>
+        <p:style>
+          <a:lnRef idx="2">
+            <a:schemeClr val="accent1">
+              <a:shade val="50000"/>
+            </a:schemeClr>
+          </a:lnRef>
+          <a:fillRef idx="1">
+            <a:schemeClr val="accent1"/>
+          </a:fillRef>
+          <a:effectRef idx="0">
+            <a:schemeClr val="accent1"/>
+          </a:effectRef>
+          <a:fontRef idx="minor">
+            <a:schemeClr val="lt1"/>
+          </a:fontRef>
+        </p:style>
+        <p:txBody>
+          <a:bodyPr rtlCol="0" anchor="ctr"/>
+          <a:lstStyle/>
+          <a:p>
+            <a:pPr algn="ctr"/>
+            <a:endParaRPr lang="ko-KR" altLang="en-US"/>
+          </a:p>
+        </p:txBody>
+      </p:sp>
+      <p:cxnSp>
+        <p:nvCxnSpPr>
+          <p:cNvPr id="12" name="직선 연결선 11">
+            <a:extLst>
+              <a:ext uri="{FF2B5EF4-FFF2-40B4-BE49-F238E27FC236}">
+                <a16:creationId xmlns:a16="http://schemas.microsoft.com/office/drawing/2014/main" id="{DC85EB95-36F1-44ED-9CD7-FF29E510531E}"/>
+              </a:ext>
+            </a:extLst>
+          </p:cNvPr>
+          <p:cNvCxnSpPr>
+            <a:cxnSpLocks/>
+          </p:cNvCxnSpPr>
+          <p:nvPr/>
+        </p:nvCxnSpPr>
+        <p:spPr>
+          <a:xfrm>
+            <a:off x="5179072" y="1254967"/>
+            <a:ext cx="0" cy="5232139"/>
+          </a:xfrm>
+          <a:prstGeom prst="line">
+            <a:avLst/>
+          </a:prstGeom>
+          <a:ln>
+            <a:solidFill>
+              <a:schemeClr val="bg1"/>
+            </a:solidFill>
+          </a:ln>
+        </p:spPr>
+        <p:style>
+          <a:lnRef idx="1">
+            <a:schemeClr val="accent1"/>
+          </a:lnRef>
+          <a:fillRef idx="0">
+            <a:schemeClr val="accent1"/>
+          </a:fillRef>
+          <a:effectRef idx="0">
+            <a:schemeClr val="accent1"/>
+          </a:effectRef>
+          <a:fontRef idx="minor">
+            <a:schemeClr val="tx1"/>
+          </a:fontRef>
+        </p:style>
+      </p:cxnSp>
+      <p:sp>
+        <p:nvSpPr>
+          <p:cNvPr id="14" name="TextBox 13">
+            <a:extLst>
+              <a:ext uri="{FF2B5EF4-FFF2-40B4-BE49-F238E27FC236}">
+                <a16:creationId xmlns:a16="http://schemas.microsoft.com/office/drawing/2014/main" id="{A0E737BC-FD52-4F4B-B3E5-B8CF7A961814}"/>
+              </a:ext>
+            </a:extLst>
+          </p:cNvPr>
+          <p:cNvSpPr txBox="1"/>
+          <p:nvPr/>
+        </p:nvSpPr>
+        <p:spPr>
+          <a:xfrm>
+            <a:off x="5590985" y="523679"/>
+            <a:ext cx="1446230" cy="646331"/>
+          </a:xfrm>
+          <a:prstGeom prst="rect">
+            <a:avLst/>
+          </a:prstGeom>
+          <a:noFill/>
+        </p:spPr>
+        <p:txBody>
+          <a:bodyPr wrap="none" rtlCol="0">
+            <a:spAutoFit/>
+          </a:bodyPr>
+          <a:lstStyle/>
+          <a:p>
+            <a:r>
+              <a:rPr lang="en-US" altLang="ko-KR" sz="3600">
+                <a:latin typeface="나눔스퀘어 Bold" panose="020B0600000101010101" pitchFamily="50" charset="-127"/>
+                <a:ea typeface="나눔스퀘어 Bold" panose="020B0600000101010101" pitchFamily="50" charset="-127"/>
+              </a:rPr>
+              <a:t>Doing</a:t>
+            </a:r>
+            <a:endParaRPr lang="ko-KR" altLang="en-US" sz="3600">
+              <a:latin typeface="나눔스퀘어 Bold" panose="020B0600000101010101" pitchFamily="50" charset="-127"/>
+              <a:ea typeface="나눔스퀘어 Bold" panose="020B0600000101010101" pitchFamily="50" charset="-127"/>
+            </a:endParaRPr>
+          </a:p>
+        </p:txBody>
+      </p:sp>
+      <p:sp>
+        <p:nvSpPr>
+          <p:cNvPr id="15" name="TextBox 14">
+            <a:extLst>
+              <a:ext uri="{FF2B5EF4-FFF2-40B4-BE49-F238E27FC236}">
+                <a16:creationId xmlns:a16="http://schemas.microsoft.com/office/drawing/2014/main" id="{A5B5FD08-F728-4D59-8F50-59F1A661BAEC}"/>
+              </a:ext>
+            </a:extLst>
+          </p:cNvPr>
+          <p:cNvSpPr txBox="1"/>
+          <p:nvPr/>
+        </p:nvSpPr>
+        <p:spPr>
+          <a:xfrm>
+            <a:off x="8914617" y="523678"/>
+            <a:ext cx="1309974" cy="646331"/>
+          </a:xfrm>
+          <a:prstGeom prst="rect">
+            <a:avLst/>
+          </a:prstGeom>
+          <a:noFill/>
+        </p:spPr>
+        <p:txBody>
+          <a:bodyPr wrap="none" rtlCol="0">
+            <a:spAutoFit/>
+          </a:bodyPr>
+          <a:lstStyle/>
+          <a:p>
+            <a:r>
+              <a:rPr lang="en-US" altLang="ko-KR" sz="3600">
+                <a:latin typeface="나눔스퀘어 Bold" panose="020B0600000101010101" pitchFamily="50" charset="-127"/>
+                <a:ea typeface="나눔스퀘어 Bold" panose="020B0600000101010101" pitchFamily="50" charset="-127"/>
+              </a:rPr>
+              <a:t>Done</a:t>
+            </a:r>
+            <a:endParaRPr lang="ko-KR" altLang="en-US" sz="3600">
+              <a:latin typeface="나눔스퀘어 Bold" panose="020B0600000101010101" pitchFamily="50" charset="-127"/>
+              <a:ea typeface="나눔스퀘어 Bold" panose="020B0600000101010101" pitchFamily="50" charset="-127"/>
+            </a:endParaRPr>
+          </a:p>
+        </p:txBody>
+      </p:sp>
+      <p:sp>
+        <p:nvSpPr>
+          <p:cNvPr id="20" name="TextBox 19">
+            <a:extLst>
+              <a:ext uri="{FF2B5EF4-FFF2-40B4-BE49-F238E27FC236}">
+                <a16:creationId xmlns:a16="http://schemas.microsoft.com/office/drawing/2014/main" id="{0441CE23-9CFD-46E8-8BFA-7AC6FF2DB2A9}"/>
+              </a:ext>
+            </a:extLst>
+          </p:cNvPr>
+          <p:cNvSpPr txBox="1"/>
+          <p:nvPr/>
+        </p:nvSpPr>
+        <p:spPr>
+          <a:xfrm rot="16200000">
+            <a:off x="587214" y="1623625"/>
+            <a:ext cx="1026243" cy="461665"/>
+          </a:xfrm>
+          <a:prstGeom prst="rect">
+            <a:avLst/>
+          </a:prstGeom>
+          <a:noFill/>
+        </p:spPr>
+        <p:txBody>
+          <a:bodyPr wrap="none" rtlCol="0">
+            <a:spAutoFit/>
+          </a:bodyPr>
+          <a:lstStyle/>
+          <a:p>
+            <a:r>
+              <a:rPr lang="ko-KR" altLang="en-US" sz="2400">
+                <a:latin typeface="나눔스퀘어 Bold" panose="020B0600000101010101" pitchFamily="50" charset="-127"/>
+                <a:ea typeface="나눔스퀘어 Bold" panose="020B0600000101010101" pitchFamily="50" charset="-127"/>
+              </a:rPr>
+              <a:t>김승철</a:t>
+            </a:r>
+          </a:p>
+        </p:txBody>
+      </p:sp>
+      <p:sp>
+        <p:nvSpPr>
+          <p:cNvPr id="21" name="TextBox 20">
+            <a:extLst>
+              <a:ext uri="{FF2B5EF4-FFF2-40B4-BE49-F238E27FC236}">
+                <a16:creationId xmlns:a16="http://schemas.microsoft.com/office/drawing/2014/main" id="{9CF3ECB3-977A-4271-929F-0386AF467B83}"/>
+              </a:ext>
+            </a:extLst>
+          </p:cNvPr>
+          <p:cNvSpPr txBox="1"/>
+          <p:nvPr/>
+        </p:nvSpPr>
+        <p:spPr>
+          <a:xfrm rot="16200000">
+            <a:off x="567876" y="5642786"/>
+            <a:ext cx="1026243" cy="461665"/>
+          </a:xfrm>
+          <a:prstGeom prst="rect">
+            <a:avLst/>
+          </a:prstGeom>
+          <a:noFill/>
+        </p:spPr>
+        <p:txBody>
+          <a:bodyPr wrap="none" rtlCol="0">
+            <a:spAutoFit/>
+          </a:bodyPr>
+          <a:lstStyle/>
+          <a:p>
+            <a:r>
+              <a:rPr lang="ko-KR" altLang="en-US" sz="2400">
+                <a:latin typeface="나눔스퀘어 Bold" panose="020B0600000101010101" pitchFamily="50" charset="-127"/>
+                <a:ea typeface="나눔스퀘어 Bold" panose="020B0600000101010101" pitchFamily="50" charset="-127"/>
+              </a:rPr>
+              <a:t>김인철</a:t>
+            </a:r>
+          </a:p>
+        </p:txBody>
+      </p:sp>
+      <p:sp>
+        <p:nvSpPr>
+          <p:cNvPr id="22" name="TextBox 21">
+            <a:extLst>
+              <a:ext uri="{FF2B5EF4-FFF2-40B4-BE49-F238E27FC236}">
+                <a16:creationId xmlns:a16="http://schemas.microsoft.com/office/drawing/2014/main" id="{ADDBDFE2-F631-49F2-91DA-1D2AF5E108C8}"/>
+              </a:ext>
+            </a:extLst>
+          </p:cNvPr>
+          <p:cNvSpPr txBox="1"/>
+          <p:nvPr/>
+        </p:nvSpPr>
+        <p:spPr>
+          <a:xfrm rot="16200000">
+            <a:off x="567876" y="4313174"/>
+            <a:ext cx="1026243" cy="461665"/>
+          </a:xfrm>
+          <a:prstGeom prst="rect">
+            <a:avLst/>
+          </a:prstGeom>
+          <a:noFill/>
+        </p:spPr>
+        <p:txBody>
+          <a:bodyPr wrap="none" rtlCol="0">
+            <a:spAutoFit/>
+          </a:bodyPr>
+          <a:lstStyle/>
+          <a:p>
+            <a:r>
+              <a:rPr lang="ko-KR" altLang="en-US" sz="2400">
+                <a:latin typeface="나눔스퀘어 Bold" panose="020B0600000101010101" pitchFamily="50" charset="-127"/>
+                <a:ea typeface="나눔스퀘어 Bold" panose="020B0600000101010101" pitchFamily="50" charset="-127"/>
+              </a:rPr>
+              <a:t>김민주</a:t>
+            </a:r>
+          </a:p>
+        </p:txBody>
+      </p:sp>
+      <p:sp>
+        <p:nvSpPr>
+          <p:cNvPr id="23" name="TextBox 22">
+            <a:extLst>
+              <a:ext uri="{FF2B5EF4-FFF2-40B4-BE49-F238E27FC236}">
+                <a16:creationId xmlns:a16="http://schemas.microsoft.com/office/drawing/2014/main" id="{DF5E7D36-64E5-484E-87DD-402055396757}"/>
+              </a:ext>
+            </a:extLst>
+          </p:cNvPr>
+          <p:cNvSpPr txBox="1"/>
+          <p:nvPr/>
+        </p:nvSpPr>
+        <p:spPr>
+          <a:xfrm rot="16200000">
+            <a:off x="567877" y="2983561"/>
+            <a:ext cx="1026243" cy="461665"/>
+          </a:xfrm>
+          <a:prstGeom prst="rect">
+            <a:avLst/>
+          </a:prstGeom>
+          <a:noFill/>
+        </p:spPr>
+        <p:txBody>
+          <a:bodyPr wrap="none" rtlCol="0">
+            <a:spAutoFit/>
+          </a:bodyPr>
+          <a:lstStyle/>
+          <a:p>
+            <a:r>
+              <a:rPr lang="ko-KR" altLang="en-US" sz="2400">
+                <a:latin typeface="나눔스퀘어 Bold" panose="020B0600000101010101" pitchFamily="50" charset="-127"/>
+                <a:ea typeface="나눔스퀘어 Bold" panose="020B0600000101010101" pitchFamily="50" charset="-127"/>
+              </a:rPr>
+              <a:t>편이슬</a:t>
+            </a:r>
+          </a:p>
+        </p:txBody>
+      </p:sp>
+      <p:sp>
+        <p:nvSpPr>
+          <p:cNvPr id="25" name="사각형: 둥근 모서리 24">
+            <a:extLst>
+              <a:ext uri="{FF2B5EF4-FFF2-40B4-BE49-F238E27FC236}">
+                <a16:creationId xmlns:a16="http://schemas.microsoft.com/office/drawing/2014/main" id="{EC5ED9F5-91E5-414A-A134-480CB1CCA16A}"/>
+              </a:ext>
+            </a:extLst>
+          </p:cNvPr>
+          <p:cNvSpPr/>
+          <p:nvPr/>
+        </p:nvSpPr>
+        <p:spPr>
+          <a:xfrm>
+            <a:off x="0" y="18258"/>
+            <a:ext cx="1447920" cy="505420"/>
+          </a:xfrm>
+          <a:prstGeom prst="roundRect">
+            <a:avLst/>
+          </a:prstGeom>
+          <a:noFill/>
+          <a:ln w="41275">
+            <a:solidFill>
+              <a:srgbClr val="FF0000"/>
+            </a:solidFill>
+          </a:ln>
+        </p:spPr>
+        <p:style>
+          <a:lnRef idx="2">
+            <a:schemeClr val="accent1">
+              <a:shade val="50000"/>
+            </a:schemeClr>
+          </a:lnRef>
+          <a:fillRef idx="1">
+            <a:schemeClr val="accent1"/>
+          </a:fillRef>
+          <a:effectRef idx="0">
+            <a:schemeClr val="accent1"/>
+          </a:effectRef>
+          <a:fontRef idx="minor">
+            <a:schemeClr val="lt1"/>
+          </a:fontRef>
+        </p:style>
+        <p:txBody>
+          <a:bodyPr rtlCol="0" anchor="ctr"/>
+          <a:lstStyle/>
+          <a:p>
+            <a:pPr algn="ctr"/>
+            <a:r>
+              <a:rPr lang="en-US" altLang="ko-KR">
+                <a:solidFill>
+                  <a:schemeClr val="tx1"/>
+                </a:solidFill>
+              </a:rPr>
+              <a:t>2021-07-21</a:t>
+            </a:r>
+          </a:p>
+          <a:p>
+            <a:pPr algn="ctr"/>
+            <a:r>
+              <a:rPr lang="en-US" altLang="ko-KR" sz="1200">
+                <a:solidFill>
+                  <a:schemeClr val="tx1"/>
+                </a:solidFill>
+              </a:rPr>
+              <a:t>Givengel</a:t>
+            </a:r>
+            <a:endParaRPr lang="ko-KR" altLang="en-US" sz="1200">
+              <a:solidFill>
+                <a:schemeClr val="tx1"/>
+              </a:solidFill>
+            </a:endParaRPr>
+          </a:p>
+        </p:txBody>
+      </p:sp>
+      <p:sp>
+        <p:nvSpPr>
+          <p:cNvPr id="17" name="사각형: 모서리가 접힌 도형 16">
+            <a:extLst>
+              <a:ext uri="{FF2B5EF4-FFF2-40B4-BE49-F238E27FC236}">
+                <a16:creationId xmlns:a16="http://schemas.microsoft.com/office/drawing/2014/main" id="{BCCC5DA2-1883-4D6C-B964-B6FDC441D582}"/>
+              </a:ext>
+            </a:extLst>
+          </p:cNvPr>
+          <p:cNvSpPr/>
+          <p:nvPr/>
+        </p:nvSpPr>
+        <p:spPr>
+          <a:xfrm>
+            <a:off x="5410533" y="5520133"/>
+            <a:ext cx="1067965" cy="885852"/>
+          </a:xfrm>
+          <a:prstGeom prst="foldedCorner">
+            <a:avLst/>
+          </a:prstGeom>
+          <a:solidFill>
+            <a:schemeClr val="tx1">
+              <a:lumMod val="75000"/>
+              <a:lumOff val="25000"/>
+            </a:schemeClr>
+          </a:solidFill>
+        </p:spPr>
+        <p:style>
+          <a:lnRef idx="2">
+            <a:schemeClr val="accent1">
+              <a:shade val="50000"/>
+            </a:schemeClr>
+          </a:lnRef>
+          <a:fillRef idx="1">
+            <a:schemeClr val="accent1"/>
+          </a:fillRef>
+          <a:effectRef idx="0">
+            <a:schemeClr val="accent1"/>
+          </a:effectRef>
+          <a:fontRef idx="minor">
+            <a:schemeClr val="lt1"/>
+          </a:fontRef>
+        </p:style>
+        <p:txBody>
+          <a:bodyPr rtlCol="0" anchor="ctr"/>
+          <a:lstStyle/>
+          <a:p>
+            <a:pPr algn="ctr"/>
+            <a:r>
+              <a:rPr lang="en-US" altLang="ko-KR" sz="1050"/>
+              <a:t>[</a:t>
+            </a:r>
+            <a:r>
+              <a:rPr lang="ko-KR" altLang="en-US" sz="1050"/>
+              <a:t>관리자 메뉴</a:t>
+            </a:r>
+            <a:r>
+              <a:rPr lang="en-US" altLang="ko-KR" sz="1050"/>
+              <a:t>]</a:t>
+            </a:r>
+          </a:p>
+          <a:p>
+            <a:pPr algn="ctr"/>
+            <a:r>
+              <a:rPr lang="ko-KR" altLang="en-US" sz="1050"/>
+              <a:t>상품 추가 항목 만들기</a:t>
+            </a:r>
+          </a:p>
+        </p:txBody>
+      </p:sp>
+      <p:sp>
+        <p:nvSpPr>
+          <p:cNvPr id="27" name="사각형: 모서리가 접힌 도형 26">
+            <a:extLst>
+              <a:ext uri="{FF2B5EF4-FFF2-40B4-BE49-F238E27FC236}">
+                <a16:creationId xmlns:a16="http://schemas.microsoft.com/office/drawing/2014/main" id="{70109CDC-E30F-4FC2-8A56-BE4871E8F294}"/>
+              </a:ext>
+            </a:extLst>
+          </p:cNvPr>
+          <p:cNvSpPr/>
+          <p:nvPr/>
+        </p:nvSpPr>
+        <p:spPr>
+          <a:xfrm>
+            <a:off x="1444850" y="2759309"/>
+            <a:ext cx="1067965" cy="1173049"/>
+          </a:xfrm>
+          <a:prstGeom prst="foldedCorner">
+            <a:avLst/>
+          </a:prstGeom>
+          <a:solidFill>
+            <a:schemeClr val="tx1">
+              <a:lumMod val="75000"/>
+              <a:lumOff val="25000"/>
+            </a:schemeClr>
+          </a:solidFill>
+        </p:spPr>
+        <p:style>
+          <a:lnRef idx="2">
+            <a:schemeClr val="accent1">
+              <a:shade val="50000"/>
+            </a:schemeClr>
+          </a:lnRef>
+          <a:fillRef idx="1">
+            <a:schemeClr val="accent1"/>
+          </a:fillRef>
+          <a:effectRef idx="0">
+            <a:schemeClr val="accent1"/>
+          </a:effectRef>
+          <a:fontRef idx="minor">
+            <a:schemeClr val="lt1"/>
+          </a:fontRef>
+        </p:style>
+        <p:txBody>
+          <a:bodyPr rtlCol="0" anchor="ctr"/>
+          <a:lstStyle/>
+          <a:p>
+            <a:pPr algn="ctr"/>
+            <a:r>
+              <a:rPr lang="ko-KR" altLang="en-US" sz="1050"/>
+              <a:t>후원단체 총 기부액에 후원한 마일리지를 누적한 합을 디비에 저장할 수 있는 기능</a:t>
+            </a:r>
+          </a:p>
+        </p:txBody>
+      </p:sp>
+      <p:sp>
+        <p:nvSpPr>
+          <p:cNvPr id="28" name="사각형: 모서리가 접힌 도형 27">
+            <a:extLst>
+              <a:ext uri="{FF2B5EF4-FFF2-40B4-BE49-F238E27FC236}">
+                <a16:creationId xmlns:a16="http://schemas.microsoft.com/office/drawing/2014/main" id="{821BF8BB-A1A6-4376-9E95-AE7784A9E8D5}"/>
+              </a:ext>
+            </a:extLst>
+          </p:cNvPr>
+          <p:cNvSpPr/>
+          <p:nvPr/>
+        </p:nvSpPr>
+        <p:spPr>
+          <a:xfrm>
+            <a:off x="1617922" y="1476842"/>
+            <a:ext cx="1067965" cy="885852"/>
+          </a:xfrm>
+          <a:prstGeom prst="foldedCorner">
+            <a:avLst/>
+          </a:prstGeom>
+          <a:solidFill>
+            <a:schemeClr val="tx1">
+              <a:lumMod val="75000"/>
+              <a:lumOff val="25000"/>
+            </a:schemeClr>
+          </a:solidFill>
+        </p:spPr>
+        <p:style>
+          <a:lnRef idx="2">
+            <a:schemeClr val="accent1">
+              <a:shade val="50000"/>
+            </a:schemeClr>
+          </a:lnRef>
+          <a:fillRef idx="1">
+            <a:schemeClr val="accent1"/>
+          </a:fillRef>
+          <a:effectRef idx="0">
+            <a:schemeClr val="accent1"/>
+          </a:effectRef>
+          <a:fontRef idx="minor">
+            <a:schemeClr val="lt1"/>
+          </a:fontRef>
+        </p:style>
+        <p:txBody>
+          <a:bodyPr rtlCol="0" anchor="ctr"/>
+          <a:lstStyle/>
+          <a:p>
+            <a:pPr algn="ctr"/>
+            <a:r>
+              <a:rPr lang="ko-KR" altLang="en-US" sz="1050"/>
+              <a:t>이미지를 리스트로 출력하고 배치하기</a:t>
+            </a:r>
+          </a:p>
+        </p:txBody>
+      </p:sp>
+      <p:sp>
+        <p:nvSpPr>
+          <p:cNvPr id="29" name="사각형: 모서리가 접힌 도형 28">
+            <a:extLst>
+              <a:ext uri="{FF2B5EF4-FFF2-40B4-BE49-F238E27FC236}">
+                <a16:creationId xmlns:a16="http://schemas.microsoft.com/office/drawing/2014/main" id="{F337523C-91AC-48E9-B1A2-41A4A21C826C}"/>
+              </a:ext>
+            </a:extLst>
+          </p:cNvPr>
+          <p:cNvSpPr/>
+          <p:nvPr/>
+        </p:nvSpPr>
+        <p:spPr>
+          <a:xfrm>
+            <a:off x="5327944" y="1439226"/>
+            <a:ext cx="1067965" cy="885852"/>
+          </a:xfrm>
+          <a:prstGeom prst="foldedCorner">
+            <a:avLst/>
+          </a:prstGeom>
+          <a:solidFill>
+            <a:schemeClr val="tx1">
+              <a:lumMod val="75000"/>
+              <a:lumOff val="25000"/>
+            </a:schemeClr>
+          </a:solidFill>
+        </p:spPr>
+        <p:style>
+          <a:lnRef idx="2">
+            <a:schemeClr val="accent1">
+              <a:shade val="50000"/>
+            </a:schemeClr>
+          </a:lnRef>
+          <a:fillRef idx="1">
+            <a:schemeClr val="accent1"/>
+          </a:fillRef>
+          <a:effectRef idx="0">
+            <a:schemeClr val="accent1"/>
+          </a:effectRef>
+          <a:fontRef idx="minor">
+            <a:schemeClr val="lt1"/>
+          </a:fontRef>
+        </p:style>
+        <p:txBody>
+          <a:bodyPr rtlCol="0" anchor="ctr"/>
+          <a:lstStyle/>
+          <a:p>
+            <a:pPr algn="ctr"/>
+            <a:r>
+              <a:rPr lang="ko-KR" altLang="en-US" sz="1050"/>
+              <a:t>댓글 출력</a:t>
+            </a:r>
+            <a:r>
+              <a:rPr lang="en-US" altLang="ko-KR" sz="1050"/>
+              <a:t>,</a:t>
+            </a:r>
+            <a:r>
+              <a:rPr lang="ko-KR" altLang="en-US" sz="1050"/>
+              <a:t>수정</a:t>
+            </a:r>
+            <a:r>
+              <a:rPr lang="en-US" altLang="ko-KR" sz="1050"/>
+              <a:t>,</a:t>
+            </a:r>
+            <a:r>
+              <a:rPr lang="ko-KR" altLang="en-US" sz="1050"/>
+              <a:t>삭제</a:t>
+            </a:r>
+            <a:r>
+              <a:rPr lang="en-US" altLang="ko-KR" sz="1050"/>
+              <a:t>,</a:t>
+            </a:r>
+            <a:r>
+              <a:rPr lang="ko-KR" altLang="en-US" sz="1050"/>
+              <a:t>입력 보완 및 완성</a:t>
+            </a:r>
+          </a:p>
+          <a:p>
+            <a:pPr algn="ctr"/>
+            <a:r>
+              <a:rPr lang="en-US" altLang="ko-KR" sz="1050"/>
+              <a:t>(ajax)</a:t>
+            </a:r>
+            <a:endParaRPr lang="ko-KR" altLang="en-US" sz="1050"/>
+          </a:p>
+        </p:txBody>
+      </p:sp>
+      <p:sp>
+        <p:nvSpPr>
+          <p:cNvPr id="31" name="사각형: 모서리가 접힌 도형 30">
+            <a:extLst>
+              <a:ext uri="{FF2B5EF4-FFF2-40B4-BE49-F238E27FC236}">
+                <a16:creationId xmlns:a16="http://schemas.microsoft.com/office/drawing/2014/main" id="{7839D600-5322-4F3E-86EF-108E2EB8B2F2}"/>
+              </a:ext>
+            </a:extLst>
+          </p:cNvPr>
+          <p:cNvSpPr/>
+          <p:nvPr/>
+        </p:nvSpPr>
+        <p:spPr>
+          <a:xfrm>
+            <a:off x="5327944" y="4121507"/>
+            <a:ext cx="1067965" cy="885852"/>
+          </a:xfrm>
+          <a:prstGeom prst="foldedCorner">
+            <a:avLst/>
+          </a:prstGeom>
+          <a:solidFill>
+            <a:schemeClr val="tx1">
+              <a:lumMod val="75000"/>
+              <a:lumOff val="25000"/>
+            </a:schemeClr>
+          </a:solidFill>
+        </p:spPr>
+        <p:style>
+          <a:lnRef idx="2">
+            <a:schemeClr val="accent1">
+              <a:shade val="50000"/>
+            </a:schemeClr>
+          </a:lnRef>
+          <a:fillRef idx="1">
+            <a:schemeClr val="accent1"/>
+          </a:fillRef>
+          <a:effectRef idx="0">
+            <a:schemeClr val="accent1"/>
+          </a:effectRef>
+          <a:fontRef idx="minor">
+            <a:schemeClr val="lt1"/>
+          </a:fontRef>
+        </p:style>
+        <p:txBody>
+          <a:bodyPr rtlCol="0" anchor="ctr"/>
+          <a:lstStyle/>
+          <a:p>
+            <a:pPr algn="ctr"/>
+            <a:r>
+              <a:rPr lang="ko-KR" altLang="en-US" sz="1050"/>
+              <a:t>상품상세보기페이지 구현</a:t>
+            </a:r>
+            <a:r>
+              <a:rPr lang="en-US" altLang="ko-KR" sz="1050"/>
+              <a:t>,</a:t>
+            </a:r>
+            <a:endParaRPr lang="ko-KR" altLang="en-US" sz="1050"/>
+          </a:p>
+        </p:txBody>
+      </p:sp>
+      <p:sp>
+        <p:nvSpPr>
+          <p:cNvPr id="24" name="사각형: 모서리가 접힌 도형 23">
+            <a:extLst>
+              <a:ext uri="{FF2B5EF4-FFF2-40B4-BE49-F238E27FC236}">
+                <a16:creationId xmlns:a16="http://schemas.microsoft.com/office/drawing/2014/main" id="{2596DEAC-DE34-43CE-828C-53B4CE2489AA}"/>
+              </a:ext>
+            </a:extLst>
+          </p:cNvPr>
+          <p:cNvSpPr/>
+          <p:nvPr/>
+        </p:nvSpPr>
+        <p:spPr>
+          <a:xfrm>
+            <a:off x="1566965" y="5491530"/>
+            <a:ext cx="1067965" cy="885852"/>
+          </a:xfrm>
+          <a:prstGeom prst="foldedCorner">
+            <a:avLst/>
+          </a:prstGeom>
+          <a:solidFill>
+            <a:schemeClr val="tx1">
+              <a:lumMod val="75000"/>
+              <a:lumOff val="25000"/>
+            </a:schemeClr>
+          </a:solidFill>
+        </p:spPr>
+        <p:style>
+          <a:lnRef idx="2">
+            <a:schemeClr val="accent1">
+              <a:shade val="50000"/>
+            </a:schemeClr>
+          </a:lnRef>
+          <a:fillRef idx="1">
+            <a:schemeClr val="accent1"/>
+          </a:fillRef>
+          <a:effectRef idx="0">
+            <a:schemeClr val="accent1"/>
+          </a:effectRef>
+          <a:fontRef idx="minor">
+            <a:schemeClr val="lt1"/>
+          </a:fontRef>
+        </p:style>
+        <p:txBody>
+          <a:bodyPr rtlCol="0" anchor="ctr"/>
+          <a:lstStyle/>
+          <a:p>
+            <a:pPr algn="ctr"/>
+            <a:r>
+              <a:rPr lang="ko-KR" altLang="en-US" sz="1050"/>
+              <a:t>전체 기능 주석 달기</a:t>
+            </a:r>
+          </a:p>
+        </p:txBody>
+      </p:sp>
+      <p:sp>
+        <p:nvSpPr>
+          <p:cNvPr id="26" name="사각형: 모서리가 접힌 도형 25">
+            <a:extLst>
+              <a:ext uri="{FF2B5EF4-FFF2-40B4-BE49-F238E27FC236}">
+                <a16:creationId xmlns:a16="http://schemas.microsoft.com/office/drawing/2014/main" id="{A2E6A472-459D-41D9-B8CB-36DC4AB66388}"/>
+              </a:ext>
+            </a:extLst>
+          </p:cNvPr>
+          <p:cNvSpPr/>
+          <p:nvPr/>
+        </p:nvSpPr>
+        <p:spPr>
+          <a:xfrm>
+            <a:off x="2716379" y="5462185"/>
+            <a:ext cx="1067965" cy="885852"/>
+          </a:xfrm>
+          <a:prstGeom prst="foldedCorner">
+            <a:avLst/>
+          </a:prstGeom>
+          <a:solidFill>
+            <a:schemeClr val="tx1">
+              <a:lumMod val="75000"/>
+              <a:lumOff val="25000"/>
+            </a:schemeClr>
+          </a:solidFill>
+        </p:spPr>
+        <p:style>
+          <a:lnRef idx="2">
+            <a:schemeClr val="accent1">
+              <a:shade val="50000"/>
+            </a:schemeClr>
+          </a:lnRef>
+          <a:fillRef idx="1">
+            <a:schemeClr val="accent1"/>
+          </a:fillRef>
+          <a:effectRef idx="0">
+            <a:schemeClr val="accent1"/>
+          </a:effectRef>
+          <a:fontRef idx="minor">
+            <a:schemeClr val="lt1"/>
+          </a:fontRef>
+        </p:style>
+        <p:txBody>
+          <a:bodyPr rtlCol="0" anchor="ctr"/>
+          <a:lstStyle/>
+          <a:p>
+            <a:pPr algn="ctr"/>
+            <a:r>
+              <a:rPr lang="en-US" altLang="ko-KR" sz="1050"/>
+              <a:t>[</a:t>
+            </a:r>
+            <a:r>
+              <a:rPr lang="ko-KR" altLang="en-US" sz="1050"/>
+              <a:t>관리자 메뉴</a:t>
+            </a:r>
+            <a:r>
+              <a:rPr lang="en-US" altLang="ko-KR" sz="1050"/>
+              <a:t>]</a:t>
+            </a:r>
+          </a:p>
+          <a:p>
+            <a:pPr algn="ctr"/>
+            <a:r>
+              <a:rPr lang="ko-KR" altLang="en-US" sz="1050"/>
+              <a:t>구글폼 조사 결과 차트로 추가</a:t>
+            </a:r>
+          </a:p>
+        </p:txBody>
+      </p:sp>
+      <p:sp>
+        <p:nvSpPr>
+          <p:cNvPr id="30" name="사각형: 모서리가 접힌 도형 29">
+            <a:extLst>
+              <a:ext uri="{FF2B5EF4-FFF2-40B4-BE49-F238E27FC236}">
+                <a16:creationId xmlns:a16="http://schemas.microsoft.com/office/drawing/2014/main" id="{7EADB437-E680-4CFF-97F8-9E4D97B93ECD}"/>
+              </a:ext>
+            </a:extLst>
+          </p:cNvPr>
+          <p:cNvSpPr/>
+          <p:nvPr/>
+        </p:nvSpPr>
+        <p:spPr>
+          <a:xfrm>
+            <a:off x="2716380" y="4065728"/>
+            <a:ext cx="1067965" cy="885852"/>
+          </a:xfrm>
+          <a:prstGeom prst="foldedCorner">
+            <a:avLst/>
+          </a:prstGeom>
+          <a:solidFill>
+            <a:schemeClr val="tx1">
+              <a:lumMod val="75000"/>
+              <a:lumOff val="25000"/>
+            </a:schemeClr>
+          </a:solidFill>
+        </p:spPr>
+        <p:style>
+          <a:lnRef idx="2">
+            <a:schemeClr val="accent1">
+              <a:shade val="50000"/>
+            </a:schemeClr>
+          </a:lnRef>
+          <a:fillRef idx="1">
+            <a:schemeClr val="accent1"/>
+          </a:fillRef>
+          <a:effectRef idx="0">
+            <a:schemeClr val="accent1"/>
+          </a:effectRef>
+          <a:fontRef idx="minor">
+            <a:schemeClr val="lt1"/>
+          </a:fontRef>
+        </p:style>
+        <p:txBody>
+          <a:bodyPr rtlCol="0" anchor="ctr"/>
+          <a:lstStyle/>
+          <a:p>
+            <a:pPr algn="ctr"/>
+            <a:r>
+              <a:rPr lang="ko-KR" altLang="en-US" sz="1050"/>
+              <a:t>상품상세보기페이지 댓글 구현</a:t>
+            </a:r>
+            <a:r>
+              <a:rPr lang="en-US" altLang="ko-KR" sz="1050"/>
+              <a:t>,</a:t>
+            </a:r>
+            <a:endParaRPr lang="ko-KR" altLang="en-US" sz="1050"/>
+          </a:p>
+        </p:txBody>
+      </p:sp>
+      <p:sp>
+        <p:nvSpPr>
+          <p:cNvPr id="32" name="사각형: 모서리가 접힌 도형 31">
+            <a:extLst>
+              <a:ext uri="{FF2B5EF4-FFF2-40B4-BE49-F238E27FC236}">
+                <a16:creationId xmlns:a16="http://schemas.microsoft.com/office/drawing/2014/main" id="{9E1977DF-8F33-4C45-A37F-A385715CA840}"/>
+              </a:ext>
+            </a:extLst>
+          </p:cNvPr>
+          <p:cNvSpPr/>
+          <p:nvPr/>
+        </p:nvSpPr>
+        <p:spPr>
+          <a:xfrm>
+            <a:off x="1588981" y="4065728"/>
+            <a:ext cx="1067965" cy="885852"/>
+          </a:xfrm>
+          <a:prstGeom prst="foldedCorner">
+            <a:avLst/>
+          </a:prstGeom>
+          <a:solidFill>
+            <a:schemeClr val="tx1">
+              <a:lumMod val="75000"/>
+              <a:lumOff val="25000"/>
+            </a:schemeClr>
+          </a:solidFill>
+        </p:spPr>
+        <p:style>
+          <a:lnRef idx="2">
+            <a:schemeClr val="accent1">
+              <a:shade val="50000"/>
+            </a:schemeClr>
+          </a:lnRef>
+          <a:fillRef idx="1">
+            <a:schemeClr val="accent1"/>
+          </a:fillRef>
+          <a:effectRef idx="0">
+            <a:schemeClr val="accent1"/>
+          </a:effectRef>
+          <a:fontRef idx="minor">
+            <a:schemeClr val="lt1"/>
+          </a:fontRef>
+        </p:style>
+        <p:txBody>
+          <a:bodyPr rtlCol="0" anchor="ctr"/>
+          <a:lstStyle/>
+          <a:p>
+            <a:pPr algn="ctr"/>
+            <a:r>
+              <a:rPr lang="ko-KR" altLang="en-US" sz="1050"/>
+              <a:t>상품 구매 및 장바구니 추가</a:t>
+            </a:r>
+          </a:p>
+        </p:txBody>
+      </p:sp>
+      <p:cxnSp>
+        <p:nvCxnSpPr>
+          <p:cNvPr id="33" name="직선 연결선 32">
+            <a:extLst>
+              <a:ext uri="{FF2B5EF4-FFF2-40B4-BE49-F238E27FC236}">
+                <a16:creationId xmlns:a16="http://schemas.microsoft.com/office/drawing/2014/main" id="{620AF5B9-F4A0-41E0-B508-86FA9E0B5B33}"/>
+              </a:ext>
+            </a:extLst>
+          </p:cNvPr>
+          <p:cNvCxnSpPr>
+            <a:cxnSpLocks/>
+          </p:cNvCxnSpPr>
+          <p:nvPr/>
+        </p:nvCxnSpPr>
+        <p:spPr>
+          <a:xfrm>
+            <a:off x="7962123" y="1254967"/>
+            <a:ext cx="0" cy="5232139"/>
+          </a:xfrm>
+          <a:prstGeom prst="line">
+            <a:avLst/>
+          </a:prstGeom>
+          <a:ln>
+            <a:solidFill>
+              <a:schemeClr val="bg1"/>
+            </a:solidFill>
+          </a:ln>
+        </p:spPr>
+        <p:style>
+          <a:lnRef idx="1">
+            <a:schemeClr val="accent1"/>
+          </a:lnRef>
+          <a:fillRef idx="0">
+            <a:schemeClr val="accent1"/>
+          </a:fillRef>
+          <a:effectRef idx="0">
+            <a:schemeClr val="accent1"/>
+          </a:effectRef>
+          <a:fontRef idx="minor">
+            <a:schemeClr val="tx1"/>
+          </a:fontRef>
+        </p:style>
+      </p:cxnSp>
+      <p:sp>
+        <p:nvSpPr>
+          <p:cNvPr id="34" name="사각형: 모서리가 접힌 도형 33">
+            <a:extLst>
+              <a:ext uri="{FF2B5EF4-FFF2-40B4-BE49-F238E27FC236}">
+                <a16:creationId xmlns:a16="http://schemas.microsoft.com/office/drawing/2014/main" id="{AFEB7701-7A70-4B57-820C-0A8C1BBA62A8}"/>
+              </a:ext>
+            </a:extLst>
+          </p:cNvPr>
+          <p:cNvSpPr/>
+          <p:nvPr/>
+        </p:nvSpPr>
+        <p:spPr>
+          <a:xfrm>
+            <a:off x="2750749" y="2771467"/>
+            <a:ext cx="1067965" cy="1173049"/>
+          </a:xfrm>
+          <a:prstGeom prst="foldedCorner">
+            <a:avLst/>
+          </a:prstGeom>
+          <a:solidFill>
+            <a:schemeClr val="tx1">
+              <a:lumMod val="75000"/>
+              <a:lumOff val="25000"/>
+            </a:schemeClr>
+          </a:solidFill>
+        </p:spPr>
+        <p:style>
+          <a:lnRef idx="2">
+            <a:schemeClr val="accent1">
+              <a:shade val="50000"/>
+            </a:schemeClr>
+          </a:lnRef>
+          <a:fillRef idx="1">
+            <a:schemeClr val="accent1"/>
+          </a:fillRef>
+          <a:effectRef idx="0">
+            <a:schemeClr val="accent1"/>
+          </a:effectRef>
+          <a:fontRef idx="minor">
+            <a:schemeClr val="lt1"/>
+          </a:fontRef>
+        </p:style>
+        <p:txBody>
+          <a:bodyPr rtlCol="0" anchor="ctr"/>
+          <a:lstStyle/>
+          <a:p>
+            <a:pPr algn="ctr"/>
+            <a:r>
+              <a:rPr lang="ko-KR" altLang="en-US" sz="1050"/>
+              <a:t>회원의 정보를 불러와 마일리지 사용 후 차감한 금액을 디비에 저장할 수 있는 기능</a:t>
+            </a:r>
+          </a:p>
+        </p:txBody>
+      </p:sp>
+      <p:sp>
+        <p:nvSpPr>
+          <p:cNvPr id="35" name="사각형: 모서리가 접힌 도형 34">
+            <a:extLst>
+              <a:ext uri="{FF2B5EF4-FFF2-40B4-BE49-F238E27FC236}">
+                <a16:creationId xmlns:a16="http://schemas.microsoft.com/office/drawing/2014/main" id="{5188FB3C-08F4-481D-9FD9-28ADA9F4DE8A}"/>
+              </a:ext>
+            </a:extLst>
+          </p:cNvPr>
+          <p:cNvSpPr/>
+          <p:nvPr/>
+        </p:nvSpPr>
+        <p:spPr>
+          <a:xfrm>
+            <a:off x="8077875" y="2873925"/>
+            <a:ext cx="1067965" cy="774618"/>
+          </a:xfrm>
+          <a:prstGeom prst="foldedCorner">
+            <a:avLst/>
+          </a:prstGeom>
+          <a:solidFill>
+            <a:schemeClr val="tx1">
+              <a:lumMod val="75000"/>
+              <a:lumOff val="25000"/>
+            </a:schemeClr>
+          </a:solidFill>
+        </p:spPr>
+        <p:style>
+          <a:lnRef idx="2">
+            <a:schemeClr val="accent1">
+              <a:shade val="50000"/>
+            </a:schemeClr>
+          </a:lnRef>
+          <a:fillRef idx="1">
+            <a:schemeClr val="accent1"/>
+          </a:fillRef>
+          <a:effectRef idx="0">
+            <a:schemeClr val="accent1"/>
+          </a:effectRef>
+          <a:fontRef idx="minor">
+            <a:schemeClr val="lt1"/>
+          </a:fontRef>
+        </p:style>
+        <p:txBody>
+          <a:bodyPr rtlCol="0" anchor="ctr"/>
+          <a:lstStyle/>
+          <a:p>
+            <a:pPr algn="ctr"/>
+            <a:r>
+              <a:rPr lang="ko-KR" altLang="en-US" sz="1050"/>
+              <a:t>댓글 목록 불러오기</a:t>
+            </a:r>
+          </a:p>
+        </p:txBody>
+      </p:sp>
+      <p:sp>
+        <p:nvSpPr>
+          <p:cNvPr id="36" name="사각형: 모서리가 접힌 도형 35">
+            <a:extLst>
+              <a:ext uri="{FF2B5EF4-FFF2-40B4-BE49-F238E27FC236}">
+                <a16:creationId xmlns:a16="http://schemas.microsoft.com/office/drawing/2014/main" id="{5ADE4B74-0044-4527-B233-7830D1E1B801}"/>
+              </a:ext>
+            </a:extLst>
+          </p:cNvPr>
+          <p:cNvSpPr/>
+          <p:nvPr/>
+        </p:nvSpPr>
+        <p:spPr>
+          <a:xfrm>
+            <a:off x="5294824" y="2871085"/>
+            <a:ext cx="1067965" cy="774618"/>
+          </a:xfrm>
+          <a:prstGeom prst="foldedCorner">
+            <a:avLst/>
+          </a:prstGeom>
+          <a:solidFill>
+            <a:schemeClr val="tx1">
+              <a:lumMod val="75000"/>
+              <a:lumOff val="25000"/>
+            </a:schemeClr>
+          </a:solidFill>
+        </p:spPr>
+        <p:style>
+          <a:lnRef idx="2">
+            <a:schemeClr val="accent1">
+              <a:shade val="50000"/>
+            </a:schemeClr>
+          </a:lnRef>
+          <a:fillRef idx="1">
+            <a:schemeClr val="accent1"/>
+          </a:fillRef>
+          <a:effectRef idx="0">
+            <a:schemeClr val="accent1"/>
+          </a:effectRef>
+          <a:fontRef idx="minor">
+            <a:schemeClr val="lt1"/>
+          </a:fontRef>
+        </p:style>
+        <p:txBody>
+          <a:bodyPr rtlCol="0" anchor="ctr"/>
+          <a:lstStyle/>
+          <a:p>
+            <a:pPr algn="ctr"/>
+            <a:r>
+              <a:rPr lang="ko-KR" altLang="en-US" sz="1050"/>
+              <a:t>댓글 수정</a:t>
+            </a:r>
+            <a:r>
+              <a:rPr lang="en-US" altLang="ko-KR" sz="1050"/>
+              <a:t>, </a:t>
+            </a:r>
+            <a:r>
+              <a:rPr lang="ko-KR" altLang="en-US" sz="1050"/>
+              <a:t>삭제</a:t>
+            </a:r>
+          </a:p>
+        </p:txBody>
+      </p:sp>
+      <p:sp>
+        <p:nvSpPr>
+          <p:cNvPr id="37" name="사각형: 모서리가 접힌 도형 36">
+            <a:extLst>
+              <a:ext uri="{FF2B5EF4-FFF2-40B4-BE49-F238E27FC236}">
+                <a16:creationId xmlns:a16="http://schemas.microsoft.com/office/drawing/2014/main" id="{7D4EE499-6890-42C2-8BD4-B55FA396DD81}"/>
+              </a:ext>
+            </a:extLst>
+          </p:cNvPr>
+          <p:cNvSpPr/>
+          <p:nvPr/>
+        </p:nvSpPr>
+        <p:spPr>
+          <a:xfrm>
+            <a:off x="2805986" y="1465301"/>
+            <a:ext cx="1067965" cy="885852"/>
+          </a:xfrm>
+          <a:prstGeom prst="foldedCorner">
+            <a:avLst/>
+          </a:prstGeom>
+          <a:solidFill>
+            <a:schemeClr val="tx1">
+              <a:lumMod val="75000"/>
+              <a:lumOff val="25000"/>
+            </a:schemeClr>
+          </a:solidFill>
+        </p:spPr>
+        <p:style>
+          <a:lnRef idx="2">
+            <a:schemeClr val="accent1">
+              <a:shade val="50000"/>
+            </a:schemeClr>
+          </a:lnRef>
+          <a:fillRef idx="1">
+            <a:schemeClr val="accent1"/>
+          </a:fillRef>
+          <a:effectRef idx="0">
+            <a:schemeClr val="accent1"/>
+          </a:effectRef>
+          <a:fontRef idx="minor">
+            <a:schemeClr val="lt1"/>
+          </a:fontRef>
+        </p:style>
+        <p:txBody>
+          <a:bodyPr rtlCol="0" anchor="ctr"/>
+          <a:lstStyle/>
+          <a:p>
+            <a:pPr algn="ctr"/>
+            <a:r>
+              <a:rPr lang="ko-KR" altLang="en-US" sz="1050"/>
+              <a:t>마일리지 기부 </a:t>
+            </a:r>
+            <a:r>
+              <a:rPr lang="en-US" altLang="ko-KR" sz="1050"/>
+              <a:t>/ </a:t>
+            </a:r>
+            <a:r>
+              <a:rPr lang="ko-KR" altLang="en-US" sz="1050"/>
+              <a:t>차감 완료하기</a:t>
+            </a:r>
+          </a:p>
+          <a:p>
+            <a:pPr algn="ctr"/>
+            <a:r>
+              <a:rPr lang="en-US" altLang="ko-KR" sz="1050"/>
+              <a:t>(ajax)</a:t>
+            </a:r>
+            <a:endParaRPr lang="ko-KR" altLang="en-US" sz="1050"/>
+          </a:p>
+        </p:txBody>
+      </p:sp>
+    </p:spTree>
+    <p:extLst>
+      <p:ext uri="{BB962C8B-B14F-4D97-AF65-F5344CB8AC3E}">
+        <p14:creationId xmlns:p14="http://schemas.microsoft.com/office/powerpoint/2010/main" val="2118677397"/>
       </p:ext>
     </p:extLst>
   </p:cSld>

--- a/칸반보드.pptx
+++ b/칸반보드.pptx
@@ -6127,7 +6127,7 @@
         </p:nvSpPr>
         <p:spPr>
           <a:xfrm>
-            <a:off x="5410533" y="5520133"/>
+            <a:off x="8077874" y="5448470"/>
             <a:ext cx="1067965" cy="885852"/>
           </a:xfrm>
           <a:prstGeom prst="foldedCorner">
@@ -6454,7 +6454,7 @@
         </p:nvSpPr>
         <p:spPr>
           <a:xfrm>
-            <a:off x="1566965" y="5491530"/>
+            <a:off x="5373360" y="5404235"/>
             <a:ext cx="1067965" cy="885852"/>
           </a:xfrm>
           <a:prstGeom prst="foldedCorner">
@@ -6509,7 +6509,7 @@
         </p:nvSpPr>
         <p:spPr>
           <a:xfrm>
-            <a:off x="2716379" y="5462185"/>
+            <a:off x="1560954" y="5500888"/>
             <a:ext cx="1067965" cy="885852"/>
           </a:xfrm>
           <a:prstGeom prst="foldedCorner">

--- a/칸반보드.pptx
+++ b/칸반보드.pptx
@@ -3612,7 +3612,7 @@
         </p:nvCxnSpPr>
         <p:spPr>
           <a:xfrm>
-            <a:off x="4646645" y="1254967"/>
+            <a:off x="5250652" y="1260894"/>
             <a:ext cx="0" cy="5232139"/>
           </a:xfrm>
           <a:prstGeom prst="line">
@@ -3655,7 +3655,7 @@
         </p:nvCxnSpPr>
         <p:spPr>
           <a:xfrm>
-            <a:off x="7962123" y="1254967"/>
+            <a:off x="7232281" y="1254967"/>
             <a:ext cx="0" cy="5232139"/>
           </a:xfrm>
           <a:prstGeom prst="line">
@@ -6127,7 +6127,7 @@
         </p:nvSpPr>
         <p:spPr>
           <a:xfrm>
-            <a:off x="8077874" y="5448470"/>
+            <a:off x="7779097" y="5462185"/>
             <a:ext cx="1067965" cy="885852"/>
           </a:xfrm>
           <a:prstGeom prst="foldedCorner">
@@ -6197,7 +6197,7 @@
         </p:nvSpPr>
         <p:spPr>
           <a:xfrm>
-            <a:off x="1444850" y="2759309"/>
+            <a:off x="1588237" y="2763098"/>
             <a:ext cx="1067965" cy="1173049"/>
           </a:xfrm>
           <a:prstGeom prst="foldedCorner">
@@ -6307,7 +6307,7 @@
         </p:nvSpPr>
         <p:spPr>
           <a:xfrm>
-            <a:off x="5327944" y="1439226"/>
+            <a:off x="5339956" y="1458127"/>
             <a:ext cx="1067965" cy="885852"/>
           </a:xfrm>
           <a:prstGeom prst="foldedCorner">
@@ -6394,7 +6394,7 @@
         </p:nvSpPr>
         <p:spPr>
           <a:xfrm>
-            <a:off x="5327944" y="4121507"/>
+            <a:off x="7725539" y="4101080"/>
             <a:ext cx="1067965" cy="885852"/>
           </a:xfrm>
           <a:prstGeom prst="foldedCorner">
@@ -6454,7 +6454,7 @@
         </p:nvSpPr>
         <p:spPr>
           <a:xfrm>
-            <a:off x="5373360" y="5404235"/>
+            <a:off x="8955875" y="5444688"/>
             <a:ext cx="1067965" cy="885852"/>
           </a:xfrm>
           <a:prstGeom prst="foldedCorner">
@@ -6509,7 +6509,7 @@
         </p:nvSpPr>
         <p:spPr>
           <a:xfrm>
-            <a:off x="1560954" y="5500888"/>
+            <a:off x="10083664" y="5444688"/>
             <a:ext cx="1067965" cy="885852"/>
           </a:xfrm>
           <a:prstGeom prst="foldedCorner">
@@ -6579,7 +6579,7 @@
         </p:nvSpPr>
         <p:spPr>
           <a:xfrm>
-            <a:off x="2716380" y="4065728"/>
+            <a:off x="1610699" y="4108079"/>
             <a:ext cx="1067965" cy="885852"/>
           </a:xfrm>
           <a:prstGeom prst="foldedCorner">
@@ -6639,7 +6639,7 @@
         </p:nvSpPr>
         <p:spPr>
           <a:xfrm>
-            <a:off x="1588981" y="4065728"/>
+            <a:off x="5338373" y="4080300"/>
             <a:ext cx="1067965" cy="885852"/>
           </a:xfrm>
           <a:prstGeom prst="foldedCorner">
@@ -6696,7 +6696,7 @@
         </p:nvCxnSpPr>
         <p:spPr>
           <a:xfrm>
-            <a:off x="7962123" y="1254967"/>
+            <a:off x="7609786" y="1254966"/>
             <a:ext cx="0" cy="5232139"/>
           </a:xfrm>
           <a:prstGeom prst="line">
@@ -6792,7 +6792,7 @@
         </p:nvSpPr>
         <p:spPr>
           <a:xfrm>
-            <a:off x="8077875" y="2873925"/>
+            <a:off x="7725537" y="2884286"/>
             <a:ext cx="1067965" cy="774618"/>
           </a:xfrm>
           <a:prstGeom prst="foldedCorner">
@@ -6847,7 +6847,7 @@
         </p:nvSpPr>
         <p:spPr>
           <a:xfrm>
-            <a:off x="5294824" y="2871085"/>
+            <a:off x="5372541" y="2846061"/>
             <a:ext cx="1067965" cy="774618"/>
           </a:xfrm>
           <a:prstGeom prst="foldedCorner">

--- a/칸반보드.pptx
+++ b/칸반보드.pptx
@@ -8,6 +8,7 @@
     <p:sldId id="256" r:id="rId2"/>
     <p:sldId id="257" r:id="rId3"/>
     <p:sldId id="258" r:id="rId4"/>
+    <p:sldId id="259" r:id="rId5"/>
   </p:sldIdLst>
   <p:sldSz cx="12192000" cy="6858000"/>
   <p:notesSz cx="6858000" cy="9144000"/>
@@ -6980,6 +6981,1539 @@
 </p:sld>
 </file>
 
+<file path=ppt/slides/slide4.xml><?xml version="1.0" encoding="utf-8"?>
+<p:sld xmlns:a="http://schemas.openxmlformats.org/drawingml/2006/main" xmlns:r="http://schemas.openxmlformats.org/officeDocument/2006/relationships" xmlns:p="http://schemas.openxmlformats.org/presentationml/2006/main">
+  <p:cSld>
+    <p:bg>
+      <p:bgPr>
+        <a:solidFill>
+          <a:schemeClr val="bg2">
+            <a:lumMod val="90000"/>
+          </a:schemeClr>
+        </a:solidFill>
+        <a:effectLst/>
+      </p:bgPr>
+    </p:bg>
+    <p:spTree>
+      <p:nvGrpSpPr>
+        <p:cNvPr id="1" name=""/>
+        <p:cNvGrpSpPr/>
+        <p:nvPr/>
+      </p:nvGrpSpPr>
+      <p:grpSpPr>
+        <a:xfrm>
+          <a:off x="0" y="0"/>
+          <a:ext cx="0" cy="0"/>
+          <a:chOff x="0" y="0"/>
+          <a:chExt cx="0" cy="0"/>
+        </a:xfrm>
+      </p:grpSpPr>
+      <p:sp>
+        <p:nvSpPr>
+          <p:cNvPr id="4" name="직사각형 3">
+            <a:extLst>
+              <a:ext uri="{FF2B5EF4-FFF2-40B4-BE49-F238E27FC236}">
+                <a16:creationId xmlns:a16="http://schemas.microsoft.com/office/drawing/2014/main" id="{1B84EBAF-0A2B-4903-A932-FF51E306C701}"/>
+              </a:ext>
+            </a:extLst>
+          </p:cNvPr>
+          <p:cNvSpPr/>
+          <p:nvPr/>
+        </p:nvSpPr>
+        <p:spPr>
+          <a:xfrm>
+            <a:off x="1427584" y="1254967"/>
+            <a:ext cx="9773038" cy="1198983"/>
+          </a:xfrm>
+          <a:prstGeom prst="rect">
+            <a:avLst/>
+          </a:prstGeom>
+          <a:solidFill>
+            <a:srgbClr val="FF0000">
+              <a:alpha val="20000"/>
+            </a:srgbClr>
+          </a:solidFill>
+          <a:ln>
+            <a:noFill/>
+          </a:ln>
+        </p:spPr>
+        <p:style>
+          <a:lnRef idx="2">
+            <a:schemeClr val="accent1">
+              <a:shade val="50000"/>
+            </a:schemeClr>
+          </a:lnRef>
+          <a:fillRef idx="1">
+            <a:schemeClr val="accent1"/>
+          </a:fillRef>
+          <a:effectRef idx="0">
+            <a:schemeClr val="accent1"/>
+          </a:effectRef>
+          <a:fontRef idx="minor">
+            <a:schemeClr val="lt1"/>
+          </a:fontRef>
+        </p:style>
+        <p:txBody>
+          <a:bodyPr rtlCol="0" anchor="ctr"/>
+          <a:lstStyle/>
+          <a:p>
+            <a:pPr algn="ctr"/>
+            <a:endParaRPr lang="ko-KR" altLang="en-US"/>
+          </a:p>
+        </p:txBody>
+      </p:sp>
+      <p:sp>
+        <p:nvSpPr>
+          <p:cNvPr id="5" name="TextBox 4">
+            <a:extLst>
+              <a:ext uri="{FF2B5EF4-FFF2-40B4-BE49-F238E27FC236}">
+                <a16:creationId xmlns:a16="http://schemas.microsoft.com/office/drawing/2014/main" id="{BECF346F-56F2-4352-AFCF-CD191492F809}"/>
+              </a:ext>
+            </a:extLst>
+          </p:cNvPr>
+          <p:cNvSpPr txBox="1"/>
+          <p:nvPr/>
+        </p:nvSpPr>
+        <p:spPr>
+          <a:xfrm>
+            <a:off x="2319099" y="523680"/>
+            <a:ext cx="1394484" cy="646331"/>
+          </a:xfrm>
+          <a:prstGeom prst="rect">
+            <a:avLst/>
+          </a:prstGeom>
+          <a:noFill/>
+        </p:spPr>
+        <p:txBody>
+          <a:bodyPr wrap="none" rtlCol="0">
+            <a:spAutoFit/>
+          </a:bodyPr>
+          <a:lstStyle/>
+          <a:p>
+            <a:r>
+              <a:rPr lang="en-US" altLang="ko-KR" sz="3600">
+                <a:latin typeface="나눔스퀘어 Bold" panose="020B0600000101010101" pitchFamily="50" charset="-127"/>
+                <a:ea typeface="나눔스퀘어 Bold" panose="020B0600000101010101" pitchFamily="50" charset="-127"/>
+              </a:rPr>
+              <a:t>To Do</a:t>
+            </a:r>
+            <a:endParaRPr lang="ko-KR" altLang="en-US" sz="3600">
+              <a:latin typeface="나눔스퀘어 Bold" panose="020B0600000101010101" pitchFamily="50" charset="-127"/>
+              <a:ea typeface="나눔스퀘어 Bold" panose="020B0600000101010101" pitchFamily="50" charset="-127"/>
+            </a:endParaRPr>
+          </a:p>
+        </p:txBody>
+      </p:sp>
+      <p:sp>
+        <p:nvSpPr>
+          <p:cNvPr id="8" name="직사각형 7">
+            <a:extLst>
+              <a:ext uri="{FF2B5EF4-FFF2-40B4-BE49-F238E27FC236}">
+                <a16:creationId xmlns:a16="http://schemas.microsoft.com/office/drawing/2014/main" id="{FE4E8BFE-B574-4FCC-B8A2-B1E58767D671}"/>
+              </a:ext>
+            </a:extLst>
+          </p:cNvPr>
+          <p:cNvSpPr/>
+          <p:nvPr/>
+        </p:nvSpPr>
+        <p:spPr>
+          <a:xfrm>
+            <a:off x="1427582" y="2614903"/>
+            <a:ext cx="9773038" cy="1198983"/>
+          </a:xfrm>
+          <a:prstGeom prst="rect">
+            <a:avLst/>
+          </a:prstGeom>
+          <a:solidFill>
+            <a:srgbClr val="FFFF00">
+              <a:alpha val="20000"/>
+            </a:srgbClr>
+          </a:solidFill>
+          <a:ln>
+            <a:noFill/>
+          </a:ln>
+        </p:spPr>
+        <p:style>
+          <a:lnRef idx="2">
+            <a:schemeClr val="accent1">
+              <a:shade val="50000"/>
+            </a:schemeClr>
+          </a:lnRef>
+          <a:fillRef idx="1">
+            <a:schemeClr val="accent1"/>
+          </a:fillRef>
+          <a:effectRef idx="0">
+            <a:schemeClr val="accent1"/>
+          </a:effectRef>
+          <a:fontRef idx="minor">
+            <a:schemeClr val="lt1"/>
+          </a:fontRef>
+        </p:style>
+        <p:txBody>
+          <a:bodyPr rtlCol="0" anchor="ctr"/>
+          <a:lstStyle/>
+          <a:p>
+            <a:pPr algn="ctr"/>
+            <a:endParaRPr lang="ko-KR" altLang="en-US"/>
+          </a:p>
+        </p:txBody>
+      </p:sp>
+      <p:sp>
+        <p:nvSpPr>
+          <p:cNvPr id="9" name="직사각형 8">
+            <a:extLst>
+              <a:ext uri="{FF2B5EF4-FFF2-40B4-BE49-F238E27FC236}">
+                <a16:creationId xmlns:a16="http://schemas.microsoft.com/office/drawing/2014/main" id="{68974D7F-CCE5-4593-B1F0-D65AAC486F7D}"/>
+              </a:ext>
+            </a:extLst>
+          </p:cNvPr>
+          <p:cNvSpPr/>
+          <p:nvPr/>
+        </p:nvSpPr>
+        <p:spPr>
+          <a:xfrm>
+            <a:off x="1427582" y="3944516"/>
+            <a:ext cx="9773038" cy="1198983"/>
+          </a:xfrm>
+          <a:prstGeom prst="rect">
+            <a:avLst/>
+          </a:prstGeom>
+          <a:solidFill>
+            <a:srgbClr val="00B050">
+              <a:alpha val="20000"/>
+            </a:srgbClr>
+          </a:solidFill>
+          <a:ln>
+            <a:noFill/>
+          </a:ln>
+        </p:spPr>
+        <p:style>
+          <a:lnRef idx="2">
+            <a:schemeClr val="accent1">
+              <a:shade val="50000"/>
+            </a:schemeClr>
+          </a:lnRef>
+          <a:fillRef idx="1">
+            <a:schemeClr val="accent1"/>
+          </a:fillRef>
+          <a:effectRef idx="0">
+            <a:schemeClr val="accent1"/>
+          </a:effectRef>
+          <a:fontRef idx="minor">
+            <a:schemeClr val="lt1"/>
+          </a:fontRef>
+        </p:style>
+        <p:txBody>
+          <a:bodyPr rtlCol="0" anchor="ctr"/>
+          <a:lstStyle/>
+          <a:p>
+            <a:pPr algn="ctr"/>
+            <a:endParaRPr lang="ko-KR" altLang="en-US"/>
+          </a:p>
+        </p:txBody>
+      </p:sp>
+      <p:sp>
+        <p:nvSpPr>
+          <p:cNvPr id="10" name="직사각형 9">
+            <a:extLst>
+              <a:ext uri="{FF2B5EF4-FFF2-40B4-BE49-F238E27FC236}">
+                <a16:creationId xmlns:a16="http://schemas.microsoft.com/office/drawing/2014/main" id="{A8A744CC-536E-4000-A0E0-93568EA97CB6}"/>
+              </a:ext>
+            </a:extLst>
+          </p:cNvPr>
+          <p:cNvSpPr/>
+          <p:nvPr/>
+        </p:nvSpPr>
+        <p:spPr>
+          <a:xfrm>
+            <a:off x="1427581" y="5288123"/>
+            <a:ext cx="9773038" cy="1198983"/>
+          </a:xfrm>
+          <a:prstGeom prst="rect">
+            <a:avLst/>
+          </a:prstGeom>
+          <a:solidFill>
+            <a:srgbClr val="002060">
+              <a:alpha val="20000"/>
+            </a:srgbClr>
+          </a:solidFill>
+          <a:ln>
+            <a:noFill/>
+          </a:ln>
+        </p:spPr>
+        <p:style>
+          <a:lnRef idx="2">
+            <a:schemeClr val="accent1">
+              <a:shade val="50000"/>
+            </a:schemeClr>
+          </a:lnRef>
+          <a:fillRef idx="1">
+            <a:schemeClr val="accent1"/>
+          </a:fillRef>
+          <a:effectRef idx="0">
+            <a:schemeClr val="accent1"/>
+          </a:effectRef>
+          <a:fontRef idx="minor">
+            <a:schemeClr val="lt1"/>
+          </a:fontRef>
+        </p:style>
+        <p:txBody>
+          <a:bodyPr rtlCol="0" anchor="ctr"/>
+          <a:lstStyle/>
+          <a:p>
+            <a:pPr algn="ctr"/>
+            <a:endParaRPr lang="ko-KR" altLang="en-US"/>
+          </a:p>
+        </p:txBody>
+      </p:sp>
+      <p:cxnSp>
+        <p:nvCxnSpPr>
+          <p:cNvPr id="12" name="직선 연결선 11">
+            <a:extLst>
+              <a:ext uri="{FF2B5EF4-FFF2-40B4-BE49-F238E27FC236}">
+                <a16:creationId xmlns:a16="http://schemas.microsoft.com/office/drawing/2014/main" id="{DC85EB95-36F1-44ED-9CD7-FF29E510531E}"/>
+              </a:ext>
+            </a:extLst>
+          </p:cNvPr>
+          <p:cNvCxnSpPr>
+            <a:cxnSpLocks/>
+          </p:cNvCxnSpPr>
+          <p:nvPr/>
+        </p:nvCxnSpPr>
+        <p:spPr>
+          <a:xfrm>
+            <a:off x="5179072" y="1254967"/>
+            <a:ext cx="0" cy="5232139"/>
+          </a:xfrm>
+          <a:prstGeom prst="line">
+            <a:avLst/>
+          </a:prstGeom>
+          <a:ln>
+            <a:solidFill>
+              <a:schemeClr val="bg1"/>
+            </a:solidFill>
+          </a:ln>
+        </p:spPr>
+        <p:style>
+          <a:lnRef idx="1">
+            <a:schemeClr val="accent1"/>
+          </a:lnRef>
+          <a:fillRef idx="0">
+            <a:schemeClr val="accent1"/>
+          </a:fillRef>
+          <a:effectRef idx="0">
+            <a:schemeClr val="accent1"/>
+          </a:effectRef>
+          <a:fontRef idx="minor">
+            <a:schemeClr val="tx1"/>
+          </a:fontRef>
+        </p:style>
+      </p:cxnSp>
+      <p:sp>
+        <p:nvSpPr>
+          <p:cNvPr id="14" name="TextBox 13">
+            <a:extLst>
+              <a:ext uri="{FF2B5EF4-FFF2-40B4-BE49-F238E27FC236}">
+                <a16:creationId xmlns:a16="http://schemas.microsoft.com/office/drawing/2014/main" id="{A0E737BC-FD52-4F4B-B3E5-B8CF7A961814}"/>
+              </a:ext>
+            </a:extLst>
+          </p:cNvPr>
+          <p:cNvSpPr txBox="1"/>
+          <p:nvPr/>
+        </p:nvSpPr>
+        <p:spPr>
+          <a:xfrm>
+            <a:off x="5590985" y="523679"/>
+            <a:ext cx="1446230" cy="646331"/>
+          </a:xfrm>
+          <a:prstGeom prst="rect">
+            <a:avLst/>
+          </a:prstGeom>
+          <a:noFill/>
+        </p:spPr>
+        <p:txBody>
+          <a:bodyPr wrap="none" rtlCol="0">
+            <a:spAutoFit/>
+          </a:bodyPr>
+          <a:lstStyle/>
+          <a:p>
+            <a:r>
+              <a:rPr lang="en-US" altLang="ko-KR" sz="3600">
+                <a:latin typeface="나눔스퀘어 Bold" panose="020B0600000101010101" pitchFamily="50" charset="-127"/>
+                <a:ea typeface="나눔스퀘어 Bold" panose="020B0600000101010101" pitchFamily="50" charset="-127"/>
+              </a:rPr>
+              <a:t>Doing</a:t>
+            </a:r>
+            <a:endParaRPr lang="ko-KR" altLang="en-US" sz="3600">
+              <a:latin typeface="나눔스퀘어 Bold" panose="020B0600000101010101" pitchFamily="50" charset="-127"/>
+              <a:ea typeface="나눔스퀘어 Bold" panose="020B0600000101010101" pitchFamily="50" charset="-127"/>
+            </a:endParaRPr>
+          </a:p>
+        </p:txBody>
+      </p:sp>
+      <p:sp>
+        <p:nvSpPr>
+          <p:cNvPr id="15" name="TextBox 14">
+            <a:extLst>
+              <a:ext uri="{FF2B5EF4-FFF2-40B4-BE49-F238E27FC236}">
+                <a16:creationId xmlns:a16="http://schemas.microsoft.com/office/drawing/2014/main" id="{A5B5FD08-F728-4D59-8F50-59F1A661BAEC}"/>
+              </a:ext>
+            </a:extLst>
+          </p:cNvPr>
+          <p:cNvSpPr txBox="1"/>
+          <p:nvPr/>
+        </p:nvSpPr>
+        <p:spPr>
+          <a:xfrm>
+            <a:off x="8914617" y="523678"/>
+            <a:ext cx="1309974" cy="646331"/>
+          </a:xfrm>
+          <a:prstGeom prst="rect">
+            <a:avLst/>
+          </a:prstGeom>
+          <a:noFill/>
+        </p:spPr>
+        <p:txBody>
+          <a:bodyPr wrap="none" rtlCol="0">
+            <a:spAutoFit/>
+          </a:bodyPr>
+          <a:lstStyle/>
+          <a:p>
+            <a:r>
+              <a:rPr lang="en-US" altLang="ko-KR" sz="3600">
+                <a:latin typeface="나눔스퀘어 Bold" panose="020B0600000101010101" pitchFamily="50" charset="-127"/>
+                <a:ea typeface="나눔스퀘어 Bold" panose="020B0600000101010101" pitchFamily="50" charset="-127"/>
+              </a:rPr>
+              <a:t>Done</a:t>
+            </a:r>
+            <a:endParaRPr lang="ko-KR" altLang="en-US" sz="3600">
+              <a:latin typeface="나눔스퀘어 Bold" panose="020B0600000101010101" pitchFamily="50" charset="-127"/>
+              <a:ea typeface="나눔스퀘어 Bold" panose="020B0600000101010101" pitchFamily="50" charset="-127"/>
+            </a:endParaRPr>
+          </a:p>
+        </p:txBody>
+      </p:sp>
+      <p:sp>
+        <p:nvSpPr>
+          <p:cNvPr id="20" name="TextBox 19">
+            <a:extLst>
+              <a:ext uri="{FF2B5EF4-FFF2-40B4-BE49-F238E27FC236}">
+                <a16:creationId xmlns:a16="http://schemas.microsoft.com/office/drawing/2014/main" id="{0441CE23-9CFD-46E8-8BFA-7AC6FF2DB2A9}"/>
+              </a:ext>
+            </a:extLst>
+          </p:cNvPr>
+          <p:cNvSpPr txBox="1"/>
+          <p:nvPr/>
+        </p:nvSpPr>
+        <p:spPr>
+          <a:xfrm rot="16200000">
+            <a:off x="587214" y="1623625"/>
+            <a:ext cx="1026243" cy="461665"/>
+          </a:xfrm>
+          <a:prstGeom prst="rect">
+            <a:avLst/>
+          </a:prstGeom>
+          <a:noFill/>
+        </p:spPr>
+        <p:txBody>
+          <a:bodyPr wrap="none" rtlCol="0">
+            <a:spAutoFit/>
+          </a:bodyPr>
+          <a:lstStyle/>
+          <a:p>
+            <a:r>
+              <a:rPr lang="ko-KR" altLang="en-US" sz="2400">
+                <a:latin typeface="나눔스퀘어 Bold" panose="020B0600000101010101" pitchFamily="50" charset="-127"/>
+                <a:ea typeface="나눔스퀘어 Bold" panose="020B0600000101010101" pitchFamily="50" charset="-127"/>
+              </a:rPr>
+              <a:t>김승철</a:t>
+            </a:r>
+          </a:p>
+        </p:txBody>
+      </p:sp>
+      <p:sp>
+        <p:nvSpPr>
+          <p:cNvPr id="21" name="TextBox 20">
+            <a:extLst>
+              <a:ext uri="{FF2B5EF4-FFF2-40B4-BE49-F238E27FC236}">
+                <a16:creationId xmlns:a16="http://schemas.microsoft.com/office/drawing/2014/main" id="{9CF3ECB3-977A-4271-929F-0386AF467B83}"/>
+              </a:ext>
+            </a:extLst>
+          </p:cNvPr>
+          <p:cNvSpPr txBox="1"/>
+          <p:nvPr/>
+        </p:nvSpPr>
+        <p:spPr>
+          <a:xfrm rot="16200000">
+            <a:off x="567876" y="5642786"/>
+            <a:ext cx="1026243" cy="461665"/>
+          </a:xfrm>
+          <a:prstGeom prst="rect">
+            <a:avLst/>
+          </a:prstGeom>
+          <a:noFill/>
+        </p:spPr>
+        <p:txBody>
+          <a:bodyPr wrap="none" rtlCol="0">
+            <a:spAutoFit/>
+          </a:bodyPr>
+          <a:lstStyle/>
+          <a:p>
+            <a:r>
+              <a:rPr lang="ko-KR" altLang="en-US" sz="2400">
+                <a:latin typeface="나눔스퀘어 Bold" panose="020B0600000101010101" pitchFamily="50" charset="-127"/>
+                <a:ea typeface="나눔스퀘어 Bold" panose="020B0600000101010101" pitchFamily="50" charset="-127"/>
+              </a:rPr>
+              <a:t>김인철</a:t>
+            </a:r>
+          </a:p>
+        </p:txBody>
+      </p:sp>
+      <p:sp>
+        <p:nvSpPr>
+          <p:cNvPr id="22" name="TextBox 21">
+            <a:extLst>
+              <a:ext uri="{FF2B5EF4-FFF2-40B4-BE49-F238E27FC236}">
+                <a16:creationId xmlns:a16="http://schemas.microsoft.com/office/drawing/2014/main" id="{ADDBDFE2-F631-49F2-91DA-1D2AF5E108C8}"/>
+              </a:ext>
+            </a:extLst>
+          </p:cNvPr>
+          <p:cNvSpPr txBox="1"/>
+          <p:nvPr/>
+        </p:nvSpPr>
+        <p:spPr>
+          <a:xfrm rot="16200000">
+            <a:off x="567876" y="4313174"/>
+            <a:ext cx="1026243" cy="461665"/>
+          </a:xfrm>
+          <a:prstGeom prst="rect">
+            <a:avLst/>
+          </a:prstGeom>
+          <a:noFill/>
+        </p:spPr>
+        <p:txBody>
+          <a:bodyPr wrap="none" rtlCol="0">
+            <a:spAutoFit/>
+          </a:bodyPr>
+          <a:lstStyle/>
+          <a:p>
+            <a:r>
+              <a:rPr lang="ko-KR" altLang="en-US" sz="2400">
+                <a:latin typeface="나눔스퀘어 Bold" panose="020B0600000101010101" pitchFamily="50" charset="-127"/>
+                <a:ea typeface="나눔스퀘어 Bold" panose="020B0600000101010101" pitchFamily="50" charset="-127"/>
+              </a:rPr>
+              <a:t>김민주</a:t>
+            </a:r>
+          </a:p>
+        </p:txBody>
+      </p:sp>
+      <p:sp>
+        <p:nvSpPr>
+          <p:cNvPr id="23" name="TextBox 22">
+            <a:extLst>
+              <a:ext uri="{FF2B5EF4-FFF2-40B4-BE49-F238E27FC236}">
+                <a16:creationId xmlns:a16="http://schemas.microsoft.com/office/drawing/2014/main" id="{DF5E7D36-64E5-484E-87DD-402055396757}"/>
+              </a:ext>
+            </a:extLst>
+          </p:cNvPr>
+          <p:cNvSpPr txBox="1"/>
+          <p:nvPr/>
+        </p:nvSpPr>
+        <p:spPr>
+          <a:xfrm rot="16200000">
+            <a:off x="567877" y="2983561"/>
+            <a:ext cx="1026243" cy="461665"/>
+          </a:xfrm>
+          <a:prstGeom prst="rect">
+            <a:avLst/>
+          </a:prstGeom>
+          <a:noFill/>
+        </p:spPr>
+        <p:txBody>
+          <a:bodyPr wrap="none" rtlCol="0">
+            <a:spAutoFit/>
+          </a:bodyPr>
+          <a:lstStyle/>
+          <a:p>
+            <a:r>
+              <a:rPr lang="ko-KR" altLang="en-US" sz="2400">
+                <a:latin typeface="나눔스퀘어 Bold" panose="020B0600000101010101" pitchFamily="50" charset="-127"/>
+                <a:ea typeface="나눔스퀘어 Bold" panose="020B0600000101010101" pitchFamily="50" charset="-127"/>
+              </a:rPr>
+              <a:t>편이슬</a:t>
+            </a:r>
+          </a:p>
+        </p:txBody>
+      </p:sp>
+      <p:sp>
+        <p:nvSpPr>
+          <p:cNvPr id="25" name="사각형: 둥근 모서리 24">
+            <a:extLst>
+              <a:ext uri="{FF2B5EF4-FFF2-40B4-BE49-F238E27FC236}">
+                <a16:creationId xmlns:a16="http://schemas.microsoft.com/office/drawing/2014/main" id="{EC5ED9F5-91E5-414A-A134-480CB1CCA16A}"/>
+              </a:ext>
+            </a:extLst>
+          </p:cNvPr>
+          <p:cNvSpPr/>
+          <p:nvPr/>
+        </p:nvSpPr>
+        <p:spPr>
+          <a:xfrm>
+            <a:off x="0" y="18258"/>
+            <a:ext cx="1447920" cy="505420"/>
+          </a:xfrm>
+          <a:prstGeom prst="roundRect">
+            <a:avLst/>
+          </a:prstGeom>
+          <a:noFill/>
+          <a:ln w="41275">
+            <a:solidFill>
+              <a:srgbClr val="FF0000"/>
+            </a:solidFill>
+          </a:ln>
+        </p:spPr>
+        <p:style>
+          <a:lnRef idx="2">
+            <a:schemeClr val="accent1">
+              <a:shade val="50000"/>
+            </a:schemeClr>
+          </a:lnRef>
+          <a:fillRef idx="1">
+            <a:schemeClr val="accent1"/>
+          </a:fillRef>
+          <a:effectRef idx="0">
+            <a:schemeClr val="accent1"/>
+          </a:effectRef>
+          <a:fontRef idx="minor">
+            <a:schemeClr val="lt1"/>
+          </a:fontRef>
+        </p:style>
+        <p:txBody>
+          <a:bodyPr rtlCol="0" anchor="ctr"/>
+          <a:lstStyle/>
+          <a:p>
+            <a:pPr algn="ctr"/>
+            <a:r>
+              <a:rPr lang="en-US" altLang="ko-KR">
+                <a:solidFill>
+                  <a:schemeClr val="tx1"/>
+                </a:solidFill>
+              </a:rPr>
+              <a:t>2021-07-22</a:t>
+            </a:r>
+          </a:p>
+          <a:p>
+            <a:pPr algn="ctr"/>
+            <a:r>
+              <a:rPr lang="en-US" altLang="ko-KR" sz="1200">
+                <a:solidFill>
+                  <a:schemeClr val="tx1"/>
+                </a:solidFill>
+              </a:rPr>
+              <a:t>Givengel</a:t>
+            </a:r>
+            <a:endParaRPr lang="ko-KR" altLang="en-US" sz="1200">
+              <a:solidFill>
+                <a:schemeClr val="tx1"/>
+              </a:solidFill>
+            </a:endParaRPr>
+          </a:p>
+        </p:txBody>
+      </p:sp>
+      <p:sp>
+        <p:nvSpPr>
+          <p:cNvPr id="17" name="사각형: 모서리가 접힌 도형 16">
+            <a:extLst>
+              <a:ext uri="{FF2B5EF4-FFF2-40B4-BE49-F238E27FC236}">
+                <a16:creationId xmlns:a16="http://schemas.microsoft.com/office/drawing/2014/main" id="{BCCC5DA2-1883-4D6C-B964-B6FDC441D582}"/>
+              </a:ext>
+            </a:extLst>
+          </p:cNvPr>
+          <p:cNvSpPr/>
+          <p:nvPr/>
+        </p:nvSpPr>
+        <p:spPr>
+          <a:xfrm>
+            <a:off x="1548986" y="5491530"/>
+            <a:ext cx="1067965" cy="885852"/>
+          </a:xfrm>
+          <a:prstGeom prst="foldedCorner">
+            <a:avLst/>
+          </a:prstGeom>
+          <a:solidFill>
+            <a:schemeClr val="tx1">
+              <a:lumMod val="75000"/>
+              <a:lumOff val="25000"/>
+            </a:schemeClr>
+          </a:solidFill>
+        </p:spPr>
+        <p:style>
+          <a:lnRef idx="2">
+            <a:schemeClr val="accent1">
+              <a:shade val="50000"/>
+            </a:schemeClr>
+          </a:lnRef>
+          <a:fillRef idx="1">
+            <a:schemeClr val="accent1"/>
+          </a:fillRef>
+          <a:effectRef idx="0">
+            <a:schemeClr val="accent1"/>
+          </a:effectRef>
+          <a:fontRef idx="minor">
+            <a:schemeClr val="lt1"/>
+          </a:fontRef>
+        </p:style>
+        <p:txBody>
+          <a:bodyPr rtlCol="0" anchor="ctr"/>
+          <a:lstStyle/>
+          <a:p>
+            <a:pPr algn="ctr"/>
+            <a:r>
+              <a:rPr lang="en-US" altLang="ko-KR" sz="1050"/>
+              <a:t>[</a:t>
+            </a:r>
+            <a:r>
+              <a:rPr lang="ko-KR" altLang="en-US" sz="1050"/>
+              <a:t>관리자 메뉴</a:t>
+            </a:r>
+            <a:r>
+              <a:rPr lang="en-US" altLang="ko-KR" sz="1050"/>
+              <a:t>]</a:t>
+            </a:r>
+          </a:p>
+          <a:p>
+            <a:pPr algn="ctr"/>
+            <a:r>
+              <a:rPr lang="ko-KR" altLang="en-US" sz="1050"/>
+              <a:t>후원</a:t>
+            </a:r>
+            <a:r>
+              <a:rPr lang="en-US" altLang="ko-KR" sz="1050"/>
+              <a:t>/</a:t>
+            </a:r>
+            <a:r>
+              <a:rPr lang="ko-KR" altLang="en-US" sz="1050"/>
+              <a:t>캠페인 추가 기능</a:t>
+            </a:r>
+          </a:p>
+        </p:txBody>
+      </p:sp>
+      <p:sp>
+        <p:nvSpPr>
+          <p:cNvPr id="27" name="사각형: 모서리가 접힌 도형 26">
+            <a:extLst>
+              <a:ext uri="{FF2B5EF4-FFF2-40B4-BE49-F238E27FC236}">
+                <a16:creationId xmlns:a16="http://schemas.microsoft.com/office/drawing/2014/main" id="{70109CDC-E30F-4FC2-8A56-BE4871E8F294}"/>
+              </a:ext>
+            </a:extLst>
+          </p:cNvPr>
+          <p:cNvSpPr/>
+          <p:nvPr/>
+        </p:nvSpPr>
+        <p:spPr>
+          <a:xfrm>
+            <a:off x="1588237" y="2763098"/>
+            <a:ext cx="1067965" cy="1173049"/>
+          </a:xfrm>
+          <a:prstGeom prst="foldedCorner">
+            <a:avLst/>
+          </a:prstGeom>
+          <a:solidFill>
+            <a:schemeClr val="tx1">
+              <a:lumMod val="75000"/>
+              <a:lumOff val="25000"/>
+            </a:schemeClr>
+          </a:solidFill>
+        </p:spPr>
+        <p:style>
+          <a:lnRef idx="2">
+            <a:schemeClr val="accent1">
+              <a:shade val="50000"/>
+            </a:schemeClr>
+          </a:lnRef>
+          <a:fillRef idx="1">
+            <a:schemeClr val="accent1"/>
+          </a:fillRef>
+          <a:effectRef idx="0">
+            <a:schemeClr val="accent1"/>
+          </a:effectRef>
+          <a:fontRef idx="minor">
+            <a:schemeClr val="lt1"/>
+          </a:fontRef>
+        </p:style>
+        <p:txBody>
+          <a:bodyPr rtlCol="0" anchor="ctr"/>
+          <a:lstStyle/>
+          <a:p>
+            <a:pPr algn="ctr"/>
+            <a:r>
+              <a:rPr lang="ko-KR" altLang="en-US" sz="1050"/>
+              <a:t>후원단체 총 기부액에 후원한 마일리지를 누적한 합을 디비에 저장할 수 있는 기능</a:t>
+            </a:r>
+          </a:p>
+        </p:txBody>
+      </p:sp>
+      <p:sp>
+        <p:nvSpPr>
+          <p:cNvPr id="28" name="사각형: 모서리가 접힌 도형 27">
+            <a:extLst>
+              <a:ext uri="{FF2B5EF4-FFF2-40B4-BE49-F238E27FC236}">
+                <a16:creationId xmlns:a16="http://schemas.microsoft.com/office/drawing/2014/main" id="{821BF8BB-A1A6-4376-9E95-AE7784A9E8D5}"/>
+              </a:ext>
+            </a:extLst>
+          </p:cNvPr>
+          <p:cNvSpPr/>
+          <p:nvPr/>
+        </p:nvSpPr>
+        <p:spPr>
+          <a:xfrm>
+            <a:off x="1617922" y="1476842"/>
+            <a:ext cx="1067965" cy="885852"/>
+          </a:xfrm>
+          <a:prstGeom prst="foldedCorner">
+            <a:avLst/>
+          </a:prstGeom>
+          <a:solidFill>
+            <a:schemeClr val="tx1">
+              <a:lumMod val="75000"/>
+              <a:lumOff val="25000"/>
+            </a:schemeClr>
+          </a:solidFill>
+        </p:spPr>
+        <p:style>
+          <a:lnRef idx="2">
+            <a:schemeClr val="accent1">
+              <a:shade val="50000"/>
+            </a:schemeClr>
+          </a:lnRef>
+          <a:fillRef idx="1">
+            <a:schemeClr val="accent1"/>
+          </a:fillRef>
+          <a:effectRef idx="0">
+            <a:schemeClr val="accent1"/>
+          </a:effectRef>
+          <a:fontRef idx="minor">
+            <a:schemeClr val="lt1"/>
+          </a:fontRef>
+        </p:style>
+        <p:txBody>
+          <a:bodyPr rtlCol="0" anchor="ctr"/>
+          <a:lstStyle/>
+          <a:p>
+            <a:pPr algn="ctr"/>
+            <a:r>
+              <a:rPr lang="ko-KR" altLang="en-US" sz="1050"/>
+              <a:t>이미지를 리스트로 출력하고 배치하기</a:t>
+            </a:r>
+          </a:p>
+        </p:txBody>
+      </p:sp>
+      <p:sp>
+        <p:nvSpPr>
+          <p:cNvPr id="29" name="사각형: 모서리가 접힌 도형 28">
+            <a:extLst>
+              <a:ext uri="{FF2B5EF4-FFF2-40B4-BE49-F238E27FC236}">
+                <a16:creationId xmlns:a16="http://schemas.microsoft.com/office/drawing/2014/main" id="{F337523C-91AC-48E9-B1A2-41A4A21C826C}"/>
+              </a:ext>
+            </a:extLst>
+          </p:cNvPr>
+          <p:cNvSpPr/>
+          <p:nvPr/>
+        </p:nvSpPr>
+        <p:spPr>
+          <a:xfrm>
+            <a:off x="5339956" y="1458127"/>
+            <a:ext cx="1067965" cy="885852"/>
+          </a:xfrm>
+          <a:prstGeom prst="foldedCorner">
+            <a:avLst/>
+          </a:prstGeom>
+          <a:solidFill>
+            <a:schemeClr val="tx1">
+              <a:lumMod val="75000"/>
+              <a:lumOff val="25000"/>
+            </a:schemeClr>
+          </a:solidFill>
+        </p:spPr>
+        <p:style>
+          <a:lnRef idx="2">
+            <a:schemeClr val="accent1">
+              <a:shade val="50000"/>
+            </a:schemeClr>
+          </a:lnRef>
+          <a:fillRef idx="1">
+            <a:schemeClr val="accent1"/>
+          </a:fillRef>
+          <a:effectRef idx="0">
+            <a:schemeClr val="accent1"/>
+          </a:effectRef>
+          <a:fontRef idx="minor">
+            <a:schemeClr val="lt1"/>
+          </a:fontRef>
+        </p:style>
+        <p:txBody>
+          <a:bodyPr rtlCol="0" anchor="ctr"/>
+          <a:lstStyle/>
+          <a:p>
+            <a:pPr algn="ctr"/>
+            <a:r>
+              <a:rPr lang="ko-KR" altLang="en-US" sz="1050"/>
+              <a:t>댓글 출력</a:t>
+            </a:r>
+            <a:r>
+              <a:rPr lang="en-US" altLang="ko-KR" sz="1050"/>
+              <a:t>,</a:t>
+            </a:r>
+            <a:r>
+              <a:rPr lang="ko-KR" altLang="en-US" sz="1050"/>
+              <a:t>수정</a:t>
+            </a:r>
+            <a:r>
+              <a:rPr lang="en-US" altLang="ko-KR" sz="1050"/>
+              <a:t>,</a:t>
+            </a:r>
+            <a:r>
+              <a:rPr lang="ko-KR" altLang="en-US" sz="1050"/>
+              <a:t>삭제</a:t>
+            </a:r>
+            <a:r>
+              <a:rPr lang="en-US" altLang="ko-KR" sz="1050"/>
+              <a:t>,</a:t>
+            </a:r>
+            <a:r>
+              <a:rPr lang="ko-KR" altLang="en-US" sz="1050"/>
+              <a:t>입력 보완 및 완성</a:t>
+            </a:r>
+          </a:p>
+          <a:p>
+            <a:pPr algn="ctr"/>
+            <a:r>
+              <a:rPr lang="en-US" altLang="ko-KR" sz="1050"/>
+              <a:t>(ajax)</a:t>
+            </a:r>
+            <a:endParaRPr lang="ko-KR" altLang="en-US" sz="1050"/>
+          </a:p>
+        </p:txBody>
+      </p:sp>
+      <p:sp>
+        <p:nvSpPr>
+          <p:cNvPr id="31" name="사각형: 모서리가 접힌 도형 30">
+            <a:extLst>
+              <a:ext uri="{FF2B5EF4-FFF2-40B4-BE49-F238E27FC236}">
+                <a16:creationId xmlns:a16="http://schemas.microsoft.com/office/drawing/2014/main" id="{7839D600-5322-4F3E-86EF-108E2EB8B2F2}"/>
+              </a:ext>
+            </a:extLst>
+          </p:cNvPr>
+          <p:cNvSpPr/>
+          <p:nvPr/>
+        </p:nvSpPr>
+        <p:spPr>
+          <a:xfrm>
+            <a:off x="7725539" y="4101080"/>
+            <a:ext cx="1067965" cy="885852"/>
+          </a:xfrm>
+          <a:prstGeom prst="foldedCorner">
+            <a:avLst/>
+          </a:prstGeom>
+          <a:solidFill>
+            <a:schemeClr val="tx1">
+              <a:lumMod val="75000"/>
+              <a:lumOff val="25000"/>
+            </a:schemeClr>
+          </a:solidFill>
+        </p:spPr>
+        <p:style>
+          <a:lnRef idx="2">
+            <a:schemeClr val="accent1">
+              <a:shade val="50000"/>
+            </a:schemeClr>
+          </a:lnRef>
+          <a:fillRef idx="1">
+            <a:schemeClr val="accent1"/>
+          </a:fillRef>
+          <a:effectRef idx="0">
+            <a:schemeClr val="accent1"/>
+          </a:effectRef>
+          <a:fontRef idx="minor">
+            <a:schemeClr val="lt1"/>
+          </a:fontRef>
+        </p:style>
+        <p:txBody>
+          <a:bodyPr rtlCol="0" anchor="ctr"/>
+          <a:lstStyle/>
+          <a:p>
+            <a:pPr algn="ctr"/>
+            <a:r>
+              <a:rPr lang="ko-KR" altLang="en-US" sz="1050"/>
+              <a:t>상품상세보기페이지 구현</a:t>
+            </a:r>
+            <a:r>
+              <a:rPr lang="en-US" altLang="ko-KR" sz="1050"/>
+              <a:t>,</a:t>
+            </a:r>
+            <a:endParaRPr lang="ko-KR" altLang="en-US" sz="1050"/>
+          </a:p>
+        </p:txBody>
+      </p:sp>
+      <p:sp>
+        <p:nvSpPr>
+          <p:cNvPr id="24" name="사각형: 모서리가 접힌 도형 23">
+            <a:extLst>
+              <a:ext uri="{FF2B5EF4-FFF2-40B4-BE49-F238E27FC236}">
+                <a16:creationId xmlns:a16="http://schemas.microsoft.com/office/drawing/2014/main" id="{2596DEAC-DE34-43CE-828C-53B4CE2489AA}"/>
+              </a:ext>
+            </a:extLst>
+          </p:cNvPr>
+          <p:cNvSpPr/>
+          <p:nvPr/>
+        </p:nvSpPr>
+        <p:spPr>
+          <a:xfrm>
+            <a:off x="3900399" y="5500888"/>
+            <a:ext cx="1067965" cy="885852"/>
+          </a:xfrm>
+          <a:prstGeom prst="foldedCorner">
+            <a:avLst/>
+          </a:prstGeom>
+          <a:solidFill>
+            <a:schemeClr val="tx1">
+              <a:lumMod val="75000"/>
+              <a:lumOff val="25000"/>
+            </a:schemeClr>
+          </a:solidFill>
+        </p:spPr>
+        <p:style>
+          <a:lnRef idx="2">
+            <a:schemeClr val="accent1">
+              <a:shade val="50000"/>
+            </a:schemeClr>
+          </a:lnRef>
+          <a:fillRef idx="1">
+            <a:schemeClr val="accent1"/>
+          </a:fillRef>
+          <a:effectRef idx="0">
+            <a:schemeClr val="accent1"/>
+          </a:effectRef>
+          <a:fontRef idx="minor">
+            <a:schemeClr val="lt1"/>
+          </a:fontRef>
+        </p:style>
+        <p:txBody>
+          <a:bodyPr rtlCol="0" anchor="ctr"/>
+          <a:lstStyle/>
+          <a:p>
+            <a:pPr algn="ctr"/>
+            <a:r>
+              <a:rPr lang="en-US" altLang="ko-KR" sz="1050"/>
+              <a:t>[</a:t>
+            </a:r>
+            <a:r>
+              <a:rPr lang="ko-KR" altLang="en-US" sz="1050"/>
+              <a:t>관리자 메뉴</a:t>
+            </a:r>
+            <a:r>
+              <a:rPr lang="en-US" altLang="ko-KR" sz="1050"/>
+              <a:t>]</a:t>
+            </a:r>
+          </a:p>
+          <a:p>
+            <a:pPr algn="ctr"/>
+            <a:r>
+              <a:rPr lang="en-US" altLang="ko-KR" sz="1050"/>
+              <a:t>[ADMIN_TODO] </a:t>
+            </a:r>
+            <a:r>
+              <a:rPr lang="ko-KR" altLang="en-US" sz="1050"/>
+              <a:t>기능 구현 및 부착</a:t>
+            </a:r>
+          </a:p>
+        </p:txBody>
+      </p:sp>
+      <p:sp>
+        <p:nvSpPr>
+          <p:cNvPr id="26" name="사각형: 모서리가 접힌 도형 25">
+            <a:extLst>
+              <a:ext uri="{FF2B5EF4-FFF2-40B4-BE49-F238E27FC236}">
+                <a16:creationId xmlns:a16="http://schemas.microsoft.com/office/drawing/2014/main" id="{A2E6A472-459D-41D9-B8CB-36DC4AB66388}"/>
+              </a:ext>
+            </a:extLst>
+          </p:cNvPr>
+          <p:cNvSpPr/>
+          <p:nvPr/>
+        </p:nvSpPr>
+        <p:spPr>
+          <a:xfrm>
+            <a:off x="2737050" y="5500888"/>
+            <a:ext cx="1067965" cy="885852"/>
+          </a:xfrm>
+          <a:prstGeom prst="foldedCorner">
+            <a:avLst/>
+          </a:prstGeom>
+          <a:solidFill>
+            <a:schemeClr val="tx1">
+              <a:lumMod val="75000"/>
+              <a:lumOff val="25000"/>
+            </a:schemeClr>
+          </a:solidFill>
+        </p:spPr>
+        <p:style>
+          <a:lnRef idx="2">
+            <a:schemeClr val="accent1">
+              <a:shade val="50000"/>
+            </a:schemeClr>
+          </a:lnRef>
+          <a:fillRef idx="1">
+            <a:schemeClr val="accent1"/>
+          </a:fillRef>
+          <a:effectRef idx="0">
+            <a:schemeClr val="accent1"/>
+          </a:effectRef>
+          <a:fontRef idx="minor">
+            <a:schemeClr val="lt1"/>
+          </a:fontRef>
+        </p:style>
+        <p:txBody>
+          <a:bodyPr rtlCol="0" anchor="ctr"/>
+          <a:lstStyle/>
+          <a:p>
+            <a:pPr algn="ctr"/>
+            <a:r>
+              <a:rPr lang="en-US" altLang="ko-KR" sz="1050"/>
+              <a:t>[</a:t>
+            </a:r>
+            <a:r>
+              <a:rPr lang="ko-KR" altLang="en-US" sz="1050"/>
+              <a:t>관리자 메뉴</a:t>
+            </a:r>
+            <a:r>
+              <a:rPr lang="en-US" altLang="ko-KR" sz="1050"/>
+              <a:t>]</a:t>
+            </a:r>
+          </a:p>
+          <a:p>
+            <a:pPr algn="ctr"/>
+            <a:r>
+              <a:rPr lang="ko-KR" altLang="en-US" sz="1050"/>
+              <a:t>레벨별 이용가능한 기능 구현</a:t>
+            </a:r>
+          </a:p>
+        </p:txBody>
+      </p:sp>
+      <p:sp>
+        <p:nvSpPr>
+          <p:cNvPr id="30" name="사각형: 모서리가 접힌 도형 29">
+            <a:extLst>
+              <a:ext uri="{FF2B5EF4-FFF2-40B4-BE49-F238E27FC236}">
+                <a16:creationId xmlns:a16="http://schemas.microsoft.com/office/drawing/2014/main" id="{7EADB437-E680-4CFF-97F8-9E4D97B93ECD}"/>
+              </a:ext>
+            </a:extLst>
+          </p:cNvPr>
+          <p:cNvSpPr/>
+          <p:nvPr/>
+        </p:nvSpPr>
+        <p:spPr>
+          <a:xfrm>
+            <a:off x="1610699" y="4108079"/>
+            <a:ext cx="1067965" cy="885852"/>
+          </a:xfrm>
+          <a:prstGeom prst="foldedCorner">
+            <a:avLst/>
+          </a:prstGeom>
+          <a:solidFill>
+            <a:schemeClr val="tx1">
+              <a:lumMod val="75000"/>
+              <a:lumOff val="25000"/>
+            </a:schemeClr>
+          </a:solidFill>
+        </p:spPr>
+        <p:style>
+          <a:lnRef idx="2">
+            <a:schemeClr val="accent1">
+              <a:shade val="50000"/>
+            </a:schemeClr>
+          </a:lnRef>
+          <a:fillRef idx="1">
+            <a:schemeClr val="accent1"/>
+          </a:fillRef>
+          <a:effectRef idx="0">
+            <a:schemeClr val="accent1"/>
+          </a:effectRef>
+          <a:fontRef idx="minor">
+            <a:schemeClr val="lt1"/>
+          </a:fontRef>
+        </p:style>
+        <p:txBody>
+          <a:bodyPr rtlCol="0" anchor="ctr"/>
+          <a:lstStyle/>
+          <a:p>
+            <a:pPr algn="ctr"/>
+            <a:r>
+              <a:rPr lang="ko-KR" altLang="en-US" sz="1050"/>
+              <a:t>상품상세보기페이지 댓글 구현</a:t>
+            </a:r>
+            <a:r>
+              <a:rPr lang="en-US" altLang="ko-KR" sz="1050"/>
+              <a:t>,</a:t>
+            </a:r>
+            <a:endParaRPr lang="ko-KR" altLang="en-US" sz="1050"/>
+          </a:p>
+        </p:txBody>
+      </p:sp>
+      <p:sp>
+        <p:nvSpPr>
+          <p:cNvPr id="32" name="사각형: 모서리가 접힌 도형 31">
+            <a:extLst>
+              <a:ext uri="{FF2B5EF4-FFF2-40B4-BE49-F238E27FC236}">
+                <a16:creationId xmlns:a16="http://schemas.microsoft.com/office/drawing/2014/main" id="{9E1977DF-8F33-4C45-A37F-A385715CA840}"/>
+              </a:ext>
+            </a:extLst>
+          </p:cNvPr>
+          <p:cNvSpPr/>
+          <p:nvPr/>
+        </p:nvSpPr>
+        <p:spPr>
+          <a:xfrm>
+            <a:off x="5338373" y="4080300"/>
+            <a:ext cx="1067965" cy="885852"/>
+          </a:xfrm>
+          <a:prstGeom prst="foldedCorner">
+            <a:avLst/>
+          </a:prstGeom>
+          <a:solidFill>
+            <a:schemeClr val="tx1">
+              <a:lumMod val="75000"/>
+              <a:lumOff val="25000"/>
+            </a:schemeClr>
+          </a:solidFill>
+        </p:spPr>
+        <p:style>
+          <a:lnRef idx="2">
+            <a:schemeClr val="accent1">
+              <a:shade val="50000"/>
+            </a:schemeClr>
+          </a:lnRef>
+          <a:fillRef idx="1">
+            <a:schemeClr val="accent1"/>
+          </a:fillRef>
+          <a:effectRef idx="0">
+            <a:schemeClr val="accent1"/>
+          </a:effectRef>
+          <a:fontRef idx="minor">
+            <a:schemeClr val="lt1"/>
+          </a:fontRef>
+        </p:style>
+        <p:txBody>
+          <a:bodyPr rtlCol="0" anchor="ctr"/>
+          <a:lstStyle/>
+          <a:p>
+            <a:pPr algn="ctr"/>
+            <a:r>
+              <a:rPr lang="ko-KR" altLang="en-US" sz="1050"/>
+              <a:t>상품 구매 및 장바구니 추가</a:t>
+            </a:r>
+          </a:p>
+        </p:txBody>
+      </p:sp>
+      <p:cxnSp>
+        <p:nvCxnSpPr>
+          <p:cNvPr id="33" name="직선 연결선 32">
+            <a:extLst>
+              <a:ext uri="{FF2B5EF4-FFF2-40B4-BE49-F238E27FC236}">
+                <a16:creationId xmlns:a16="http://schemas.microsoft.com/office/drawing/2014/main" id="{620AF5B9-F4A0-41E0-B508-86FA9E0B5B33}"/>
+              </a:ext>
+            </a:extLst>
+          </p:cNvPr>
+          <p:cNvCxnSpPr>
+            <a:cxnSpLocks/>
+          </p:cNvCxnSpPr>
+          <p:nvPr/>
+        </p:nvCxnSpPr>
+        <p:spPr>
+          <a:xfrm>
+            <a:off x="7609786" y="1254966"/>
+            <a:ext cx="0" cy="5232139"/>
+          </a:xfrm>
+          <a:prstGeom prst="line">
+            <a:avLst/>
+          </a:prstGeom>
+          <a:ln>
+            <a:solidFill>
+              <a:schemeClr val="bg1"/>
+            </a:solidFill>
+          </a:ln>
+        </p:spPr>
+        <p:style>
+          <a:lnRef idx="1">
+            <a:schemeClr val="accent1"/>
+          </a:lnRef>
+          <a:fillRef idx="0">
+            <a:schemeClr val="accent1"/>
+          </a:fillRef>
+          <a:effectRef idx="0">
+            <a:schemeClr val="accent1"/>
+          </a:effectRef>
+          <a:fontRef idx="minor">
+            <a:schemeClr val="tx1"/>
+          </a:fontRef>
+        </p:style>
+      </p:cxnSp>
+      <p:sp>
+        <p:nvSpPr>
+          <p:cNvPr id="34" name="사각형: 모서리가 접힌 도형 33">
+            <a:extLst>
+              <a:ext uri="{FF2B5EF4-FFF2-40B4-BE49-F238E27FC236}">
+                <a16:creationId xmlns:a16="http://schemas.microsoft.com/office/drawing/2014/main" id="{AFEB7701-7A70-4B57-820C-0A8C1BBA62A8}"/>
+              </a:ext>
+            </a:extLst>
+          </p:cNvPr>
+          <p:cNvSpPr/>
+          <p:nvPr/>
+        </p:nvSpPr>
+        <p:spPr>
+          <a:xfrm>
+            <a:off x="2750749" y="2771467"/>
+            <a:ext cx="1067965" cy="1173049"/>
+          </a:xfrm>
+          <a:prstGeom prst="foldedCorner">
+            <a:avLst/>
+          </a:prstGeom>
+          <a:solidFill>
+            <a:schemeClr val="tx1">
+              <a:lumMod val="75000"/>
+              <a:lumOff val="25000"/>
+            </a:schemeClr>
+          </a:solidFill>
+        </p:spPr>
+        <p:style>
+          <a:lnRef idx="2">
+            <a:schemeClr val="accent1">
+              <a:shade val="50000"/>
+            </a:schemeClr>
+          </a:lnRef>
+          <a:fillRef idx="1">
+            <a:schemeClr val="accent1"/>
+          </a:fillRef>
+          <a:effectRef idx="0">
+            <a:schemeClr val="accent1"/>
+          </a:effectRef>
+          <a:fontRef idx="minor">
+            <a:schemeClr val="lt1"/>
+          </a:fontRef>
+        </p:style>
+        <p:txBody>
+          <a:bodyPr rtlCol="0" anchor="ctr"/>
+          <a:lstStyle/>
+          <a:p>
+            <a:pPr algn="ctr"/>
+            <a:r>
+              <a:rPr lang="ko-KR" altLang="en-US" sz="1050"/>
+              <a:t>회원의 정보를 불러와 마일리지 사용 후 차감한 금액을 디비에 저장할 수 있는 기능</a:t>
+            </a:r>
+          </a:p>
+        </p:txBody>
+      </p:sp>
+      <p:sp>
+        <p:nvSpPr>
+          <p:cNvPr id="35" name="사각형: 모서리가 접힌 도형 34">
+            <a:extLst>
+              <a:ext uri="{FF2B5EF4-FFF2-40B4-BE49-F238E27FC236}">
+                <a16:creationId xmlns:a16="http://schemas.microsoft.com/office/drawing/2014/main" id="{5188FB3C-08F4-481D-9FD9-28ADA9F4DE8A}"/>
+              </a:ext>
+            </a:extLst>
+          </p:cNvPr>
+          <p:cNvSpPr/>
+          <p:nvPr/>
+        </p:nvSpPr>
+        <p:spPr>
+          <a:xfrm>
+            <a:off x="7725537" y="2884286"/>
+            <a:ext cx="1067965" cy="774618"/>
+          </a:xfrm>
+          <a:prstGeom prst="foldedCorner">
+            <a:avLst/>
+          </a:prstGeom>
+          <a:solidFill>
+            <a:schemeClr val="tx1">
+              <a:lumMod val="75000"/>
+              <a:lumOff val="25000"/>
+            </a:schemeClr>
+          </a:solidFill>
+        </p:spPr>
+        <p:style>
+          <a:lnRef idx="2">
+            <a:schemeClr val="accent1">
+              <a:shade val="50000"/>
+            </a:schemeClr>
+          </a:lnRef>
+          <a:fillRef idx="1">
+            <a:schemeClr val="accent1"/>
+          </a:fillRef>
+          <a:effectRef idx="0">
+            <a:schemeClr val="accent1"/>
+          </a:effectRef>
+          <a:fontRef idx="minor">
+            <a:schemeClr val="lt1"/>
+          </a:fontRef>
+        </p:style>
+        <p:txBody>
+          <a:bodyPr rtlCol="0" anchor="ctr"/>
+          <a:lstStyle/>
+          <a:p>
+            <a:pPr algn="ctr"/>
+            <a:r>
+              <a:rPr lang="ko-KR" altLang="en-US" sz="1050"/>
+              <a:t>댓글 목록 불러오기</a:t>
+            </a:r>
+          </a:p>
+        </p:txBody>
+      </p:sp>
+      <p:sp>
+        <p:nvSpPr>
+          <p:cNvPr id="36" name="사각형: 모서리가 접힌 도형 35">
+            <a:extLst>
+              <a:ext uri="{FF2B5EF4-FFF2-40B4-BE49-F238E27FC236}">
+                <a16:creationId xmlns:a16="http://schemas.microsoft.com/office/drawing/2014/main" id="{5ADE4B74-0044-4527-B233-7830D1E1B801}"/>
+              </a:ext>
+            </a:extLst>
+          </p:cNvPr>
+          <p:cNvSpPr/>
+          <p:nvPr/>
+        </p:nvSpPr>
+        <p:spPr>
+          <a:xfrm>
+            <a:off x="5372541" y="2846061"/>
+            <a:ext cx="1067965" cy="774618"/>
+          </a:xfrm>
+          <a:prstGeom prst="foldedCorner">
+            <a:avLst/>
+          </a:prstGeom>
+          <a:solidFill>
+            <a:schemeClr val="tx1">
+              <a:lumMod val="75000"/>
+              <a:lumOff val="25000"/>
+            </a:schemeClr>
+          </a:solidFill>
+        </p:spPr>
+        <p:style>
+          <a:lnRef idx="2">
+            <a:schemeClr val="accent1">
+              <a:shade val="50000"/>
+            </a:schemeClr>
+          </a:lnRef>
+          <a:fillRef idx="1">
+            <a:schemeClr val="accent1"/>
+          </a:fillRef>
+          <a:effectRef idx="0">
+            <a:schemeClr val="accent1"/>
+          </a:effectRef>
+          <a:fontRef idx="minor">
+            <a:schemeClr val="lt1"/>
+          </a:fontRef>
+        </p:style>
+        <p:txBody>
+          <a:bodyPr rtlCol="0" anchor="ctr"/>
+          <a:lstStyle/>
+          <a:p>
+            <a:pPr algn="ctr"/>
+            <a:r>
+              <a:rPr lang="ko-KR" altLang="en-US" sz="1050"/>
+              <a:t>댓글 수정</a:t>
+            </a:r>
+            <a:r>
+              <a:rPr lang="en-US" altLang="ko-KR" sz="1050"/>
+              <a:t>, </a:t>
+            </a:r>
+            <a:r>
+              <a:rPr lang="ko-KR" altLang="en-US" sz="1050"/>
+              <a:t>삭제</a:t>
+            </a:r>
+          </a:p>
+        </p:txBody>
+      </p:sp>
+      <p:sp>
+        <p:nvSpPr>
+          <p:cNvPr id="37" name="사각형: 모서리가 접힌 도형 36">
+            <a:extLst>
+              <a:ext uri="{FF2B5EF4-FFF2-40B4-BE49-F238E27FC236}">
+                <a16:creationId xmlns:a16="http://schemas.microsoft.com/office/drawing/2014/main" id="{7D4EE499-6890-42C2-8BD4-B55FA396DD81}"/>
+              </a:ext>
+            </a:extLst>
+          </p:cNvPr>
+          <p:cNvSpPr/>
+          <p:nvPr/>
+        </p:nvSpPr>
+        <p:spPr>
+          <a:xfrm>
+            <a:off x="2805986" y="1465301"/>
+            <a:ext cx="1067965" cy="885852"/>
+          </a:xfrm>
+          <a:prstGeom prst="foldedCorner">
+            <a:avLst/>
+          </a:prstGeom>
+          <a:solidFill>
+            <a:schemeClr val="tx1">
+              <a:lumMod val="75000"/>
+              <a:lumOff val="25000"/>
+            </a:schemeClr>
+          </a:solidFill>
+        </p:spPr>
+        <p:style>
+          <a:lnRef idx="2">
+            <a:schemeClr val="accent1">
+              <a:shade val="50000"/>
+            </a:schemeClr>
+          </a:lnRef>
+          <a:fillRef idx="1">
+            <a:schemeClr val="accent1"/>
+          </a:fillRef>
+          <a:effectRef idx="0">
+            <a:schemeClr val="accent1"/>
+          </a:effectRef>
+          <a:fontRef idx="minor">
+            <a:schemeClr val="lt1"/>
+          </a:fontRef>
+        </p:style>
+        <p:txBody>
+          <a:bodyPr rtlCol="0" anchor="ctr"/>
+          <a:lstStyle/>
+          <a:p>
+            <a:pPr algn="ctr"/>
+            <a:r>
+              <a:rPr lang="ko-KR" altLang="en-US" sz="1050"/>
+              <a:t>마일리지 기부 </a:t>
+            </a:r>
+            <a:r>
+              <a:rPr lang="en-US" altLang="ko-KR" sz="1050"/>
+              <a:t>/ </a:t>
+            </a:r>
+            <a:r>
+              <a:rPr lang="ko-KR" altLang="en-US" sz="1050"/>
+              <a:t>차감 완료하기</a:t>
+            </a:r>
+          </a:p>
+          <a:p>
+            <a:pPr algn="ctr"/>
+            <a:r>
+              <a:rPr lang="en-US" altLang="ko-KR" sz="1050"/>
+              <a:t>(ajax)</a:t>
+            </a:r>
+            <a:endParaRPr lang="ko-KR" altLang="en-US" sz="1050"/>
+          </a:p>
+        </p:txBody>
+      </p:sp>
+    </p:spTree>
+    <p:extLst>
+      <p:ext uri="{BB962C8B-B14F-4D97-AF65-F5344CB8AC3E}">
+        <p14:creationId xmlns:p14="http://schemas.microsoft.com/office/powerpoint/2010/main" val="1176660464"/>
+      </p:ext>
+    </p:extLst>
+  </p:cSld>
+  <p:clrMapOvr>
+    <a:masterClrMapping/>
+  </p:clrMapOvr>
+</p:sld>
+</file>
+
 <file path=ppt/theme/theme1.xml><?xml version="1.0" encoding="utf-8"?>
 <a:theme xmlns:a="http://schemas.openxmlformats.org/drawingml/2006/main" name="Office 테마">
   <a:themeElements>

--- a/칸반보드.pptx
+++ b/칸반보드.pptx
@@ -262,7 +262,7 @@
           <a:p>
             <a:fld id="{19E96057-ABBF-44EC-96AE-4EFDAE11D92C}" type="datetimeFigureOut">
               <a:rPr lang="ko-KR" altLang="en-US" smtClean="0"/>
-              <a:t>2021-07-21</a:t>
+              <a:t>2021-07-22</a:t>
             </a:fld>
             <a:endParaRPr lang="ko-KR" altLang="en-US"/>
           </a:p>
@@ -460,7 +460,7 @@
           <a:p>
             <a:fld id="{19E96057-ABBF-44EC-96AE-4EFDAE11D92C}" type="datetimeFigureOut">
               <a:rPr lang="ko-KR" altLang="en-US" smtClean="0"/>
-              <a:t>2021-07-21</a:t>
+              <a:t>2021-07-22</a:t>
             </a:fld>
             <a:endParaRPr lang="ko-KR" altLang="en-US"/>
           </a:p>
@@ -668,7 +668,7 @@
           <a:p>
             <a:fld id="{19E96057-ABBF-44EC-96AE-4EFDAE11D92C}" type="datetimeFigureOut">
               <a:rPr lang="ko-KR" altLang="en-US" smtClean="0"/>
-              <a:t>2021-07-21</a:t>
+              <a:t>2021-07-22</a:t>
             </a:fld>
             <a:endParaRPr lang="ko-KR" altLang="en-US"/>
           </a:p>
@@ -866,7 +866,7 @@
           <a:p>
             <a:fld id="{19E96057-ABBF-44EC-96AE-4EFDAE11D92C}" type="datetimeFigureOut">
               <a:rPr lang="ko-KR" altLang="en-US" smtClean="0"/>
-              <a:t>2021-07-21</a:t>
+              <a:t>2021-07-22</a:t>
             </a:fld>
             <a:endParaRPr lang="ko-KR" altLang="en-US"/>
           </a:p>
@@ -1141,7 +1141,7 @@
           <a:p>
             <a:fld id="{19E96057-ABBF-44EC-96AE-4EFDAE11D92C}" type="datetimeFigureOut">
               <a:rPr lang="ko-KR" altLang="en-US" smtClean="0"/>
-              <a:t>2021-07-21</a:t>
+              <a:t>2021-07-22</a:t>
             </a:fld>
             <a:endParaRPr lang="ko-KR" altLang="en-US"/>
           </a:p>
@@ -1406,7 +1406,7 @@
           <a:p>
             <a:fld id="{19E96057-ABBF-44EC-96AE-4EFDAE11D92C}" type="datetimeFigureOut">
               <a:rPr lang="ko-KR" altLang="en-US" smtClean="0"/>
-              <a:t>2021-07-21</a:t>
+              <a:t>2021-07-22</a:t>
             </a:fld>
             <a:endParaRPr lang="ko-KR" altLang="en-US"/>
           </a:p>
@@ -1818,7 +1818,7 @@
           <a:p>
             <a:fld id="{19E96057-ABBF-44EC-96AE-4EFDAE11D92C}" type="datetimeFigureOut">
               <a:rPr lang="ko-KR" altLang="en-US" smtClean="0"/>
-              <a:t>2021-07-21</a:t>
+              <a:t>2021-07-22</a:t>
             </a:fld>
             <a:endParaRPr lang="ko-KR" altLang="en-US"/>
           </a:p>
@@ -1959,7 +1959,7 @@
           <a:p>
             <a:fld id="{19E96057-ABBF-44EC-96AE-4EFDAE11D92C}" type="datetimeFigureOut">
               <a:rPr lang="ko-KR" altLang="en-US" smtClean="0"/>
-              <a:t>2021-07-21</a:t>
+              <a:t>2021-07-22</a:t>
             </a:fld>
             <a:endParaRPr lang="ko-KR" altLang="en-US"/>
           </a:p>
@@ -2072,7 +2072,7 @@
           <a:p>
             <a:fld id="{19E96057-ABBF-44EC-96AE-4EFDAE11D92C}" type="datetimeFigureOut">
               <a:rPr lang="ko-KR" altLang="en-US" smtClean="0"/>
-              <a:t>2021-07-21</a:t>
+              <a:t>2021-07-22</a:t>
             </a:fld>
             <a:endParaRPr lang="ko-KR" altLang="en-US"/>
           </a:p>
@@ -2383,7 +2383,7 @@
           <a:p>
             <a:fld id="{19E96057-ABBF-44EC-96AE-4EFDAE11D92C}" type="datetimeFigureOut">
               <a:rPr lang="ko-KR" altLang="en-US" smtClean="0"/>
-              <a:t>2021-07-21</a:t>
+              <a:t>2021-07-22</a:t>
             </a:fld>
             <a:endParaRPr lang="ko-KR" altLang="en-US"/>
           </a:p>
@@ -2671,7 +2671,7 @@
           <a:p>
             <a:fld id="{19E96057-ABBF-44EC-96AE-4EFDAE11D92C}" type="datetimeFigureOut">
               <a:rPr lang="ko-KR" altLang="en-US" smtClean="0"/>
-              <a:t>2021-07-21</a:t>
+              <a:t>2021-07-22</a:t>
             </a:fld>
             <a:endParaRPr lang="ko-KR" altLang="en-US"/>
           </a:p>
@@ -2912,7 +2912,7 @@
           <a:p>
             <a:fld id="{19E96057-ABBF-44EC-96AE-4EFDAE11D92C}" type="datetimeFigureOut">
               <a:rPr lang="ko-KR" altLang="en-US" smtClean="0"/>
-              <a:t>2021-07-21</a:t>
+              <a:t>2021-07-22</a:t>
             </a:fld>
             <a:endParaRPr lang="ko-KR" altLang="en-US"/>
           </a:p>
@@ -7634,7 +7634,7 @@
         </p:nvSpPr>
         <p:spPr>
           <a:xfrm>
-            <a:off x="1548986" y="5491530"/>
+            <a:off x="5276924" y="5438776"/>
             <a:ext cx="1067965" cy="885852"/>
           </a:xfrm>
           <a:prstGeom prst="foldedCorner">
@@ -7669,30 +7669,30 @@
           <a:p>
             <a:pPr algn="ctr"/>
             <a:r>
-              <a:rPr lang="en-US" altLang="ko-KR" sz="1050"/>
+              <a:rPr lang="en-US" altLang="ko-KR" sz="1050" dirty="0"/>
               <a:t>[</a:t>
             </a:r>
             <a:r>
-              <a:rPr lang="ko-KR" altLang="en-US" sz="1050"/>
+              <a:rPr lang="ko-KR" altLang="en-US" sz="1050" dirty="0"/>
               <a:t>관리자 메뉴</a:t>
             </a:r>
             <a:r>
-              <a:rPr lang="en-US" altLang="ko-KR" sz="1050"/>
+              <a:rPr lang="en-US" altLang="ko-KR" sz="1050" dirty="0"/>
               <a:t>]</a:t>
             </a:r>
           </a:p>
           <a:p>
             <a:pPr algn="ctr"/>
             <a:r>
-              <a:rPr lang="ko-KR" altLang="en-US" sz="1050"/>
+              <a:rPr lang="ko-KR" altLang="en-US" sz="1050" dirty="0"/>
               <a:t>후원</a:t>
             </a:r>
             <a:r>
-              <a:rPr lang="en-US" altLang="ko-KR" sz="1050"/>
+              <a:rPr lang="en-US" altLang="ko-KR" sz="1050" dirty="0"/>
               <a:t>/</a:t>
             </a:r>
             <a:r>
-              <a:rPr lang="ko-KR" altLang="en-US" sz="1050"/>
+              <a:rPr lang="ko-KR" altLang="en-US" sz="1050" dirty="0"/>
               <a:t>캠페인 추가 기능</a:t>
             </a:r>
           </a:p>
@@ -7712,7 +7712,7 @@
         </p:nvSpPr>
         <p:spPr>
           <a:xfrm>
-            <a:off x="1588237" y="2763098"/>
+            <a:off x="7769229" y="2745514"/>
             <a:ext cx="1067965" cy="1173049"/>
           </a:xfrm>
           <a:prstGeom prst="foldedCorner">
@@ -7747,8 +7747,24 @@
           <a:p>
             <a:pPr algn="ctr"/>
             <a:r>
-              <a:rPr lang="ko-KR" altLang="en-US" sz="1050"/>
-              <a:t>후원단체 총 기부액에 후원한 마일리지를 누적한 합을 디비에 저장할 수 있는 기능</a:t>
+              <a:rPr lang="ko-KR" altLang="en-US" sz="1050" dirty="0"/>
+              <a:t>후원단체 총 </a:t>
+            </a:r>
+            <a:r>
+              <a:rPr lang="ko-KR" altLang="en-US" sz="1050" dirty="0" err="1"/>
+              <a:t>기부액에</a:t>
+            </a:r>
+            <a:r>
+              <a:rPr lang="ko-KR" altLang="en-US" sz="1050" dirty="0"/>
+              <a:t> 후원한 마일리지를 누적한 합을 </a:t>
+            </a:r>
+            <a:r>
+              <a:rPr lang="ko-KR" altLang="en-US" sz="1050" dirty="0" err="1"/>
+              <a:t>디비에</a:t>
+            </a:r>
+            <a:r>
+              <a:rPr lang="ko-KR" altLang="en-US" sz="1050" dirty="0"/>
+              <a:t> 저장할 수 있는 기능</a:t>
             </a:r>
           </a:p>
         </p:txBody>
@@ -7767,7 +7783,7 @@
         </p:nvSpPr>
         <p:spPr>
           <a:xfrm>
-            <a:off x="1617922" y="1476842"/>
+            <a:off x="1494829" y="1468050"/>
             <a:ext cx="1067965" cy="885852"/>
           </a:xfrm>
           <a:prstGeom prst="foldedCorner">
@@ -7802,7 +7818,7 @@
           <a:p>
             <a:pPr algn="ctr"/>
             <a:r>
-              <a:rPr lang="ko-KR" altLang="en-US" sz="1050"/>
+              <a:rPr lang="ko-KR" altLang="en-US" sz="1050" dirty="0"/>
               <a:t>이미지를 리스트로 출력하고 배치하기</a:t>
             </a:r>
           </a:p>
@@ -7822,7 +7838,7 @@
         </p:nvSpPr>
         <p:spPr>
           <a:xfrm>
-            <a:off x="5339956" y="1458127"/>
+            <a:off x="5322372" y="1458127"/>
             <a:ext cx="1067965" cy="885852"/>
           </a:xfrm>
           <a:prstGeom prst="foldedCorner">
@@ -7857,50 +7873,50 @@
           <a:p>
             <a:pPr algn="ctr"/>
             <a:r>
-              <a:rPr lang="ko-KR" altLang="en-US" sz="1050"/>
+              <a:rPr lang="ko-KR" altLang="en-US" sz="1050" dirty="0"/>
               <a:t>댓글 출력</a:t>
             </a:r>
             <a:r>
-              <a:rPr lang="en-US" altLang="ko-KR" sz="1050"/>
+              <a:rPr lang="en-US" altLang="ko-KR" sz="1050" dirty="0"/>
               <a:t>,</a:t>
             </a:r>
             <a:r>
-              <a:rPr lang="ko-KR" altLang="en-US" sz="1050"/>
+              <a:rPr lang="ko-KR" altLang="en-US" sz="1050" dirty="0"/>
               <a:t>수정</a:t>
             </a:r>
             <a:r>
-              <a:rPr lang="en-US" altLang="ko-KR" sz="1050"/>
+              <a:rPr lang="en-US" altLang="ko-KR" sz="1050" dirty="0"/>
               <a:t>,</a:t>
             </a:r>
             <a:r>
-              <a:rPr lang="ko-KR" altLang="en-US" sz="1050"/>
+              <a:rPr lang="ko-KR" altLang="en-US" sz="1050" dirty="0"/>
               <a:t>삭제</a:t>
             </a:r>
             <a:r>
-              <a:rPr lang="en-US" altLang="ko-KR" sz="1050"/>
+              <a:rPr lang="en-US" altLang="ko-KR" sz="1050" dirty="0"/>
               <a:t>,</a:t>
             </a:r>
             <a:r>
-              <a:rPr lang="ko-KR" altLang="en-US" sz="1050"/>
+              <a:rPr lang="ko-KR" altLang="en-US" sz="1050" dirty="0"/>
               <a:t>입력 보완 및 완성</a:t>
             </a:r>
           </a:p>
           <a:p>
             <a:pPr algn="ctr"/>
             <a:r>
-              <a:rPr lang="en-US" altLang="ko-KR" sz="1050"/>
+              <a:rPr lang="en-US" altLang="ko-KR" sz="1050" dirty="0"/>
               <a:t>(ajax)</a:t>
             </a:r>
-            <a:endParaRPr lang="ko-KR" altLang="en-US" sz="1050"/>
-          </a:p>
-        </p:txBody>
-      </p:sp>
-      <p:sp>
-        <p:nvSpPr>
-          <p:cNvPr id="31" name="사각형: 모서리가 접힌 도형 30">
-            <a:extLst>
-              <a:ext uri="{FF2B5EF4-FFF2-40B4-BE49-F238E27FC236}">
-                <a16:creationId xmlns:a16="http://schemas.microsoft.com/office/drawing/2014/main" id="{7839D600-5322-4F3E-86EF-108E2EB8B2F2}"/>
+            <a:endParaRPr lang="ko-KR" altLang="en-US" sz="1050" dirty="0"/>
+          </a:p>
+        </p:txBody>
+      </p:sp>
+      <p:sp>
+        <p:nvSpPr>
+          <p:cNvPr id="24" name="사각형: 모서리가 접힌 도형 23">
+            <a:extLst>
+              <a:ext uri="{FF2B5EF4-FFF2-40B4-BE49-F238E27FC236}">
+                <a16:creationId xmlns:a16="http://schemas.microsoft.com/office/drawing/2014/main" id="{2596DEAC-DE34-43CE-828C-53B4CE2489AA}"/>
               </a:ext>
             </a:extLst>
           </p:cNvPr>
@@ -7909,7 +7925,7 @@
         </p:nvSpPr>
         <p:spPr>
           <a:xfrm>
-            <a:off x="7725539" y="4101080"/>
+            <a:off x="7856937" y="5465719"/>
             <a:ext cx="1067965" cy="885852"/>
           </a:xfrm>
           <a:prstGeom prst="foldedCorner">
@@ -7944,23 +7960,37 @@
           <a:p>
             <a:pPr algn="ctr"/>
             <a:r>
-              <a:rPr lang="ko-KR" altLang="en-US" sz="1050"/>
-              <a:t>상품상세보기페이지 구현</a:t>
-            </a:r>
-            <a:r>
-              <a:rPr lang="en-US" altLang="ko-KR" sz="1050"/>
-              <a:t>,</a:t>
-            </a:r>
-            <a:endParaRPr lang="ko-KR" altLang="en-US" sz="1050"/>
-          </a:p>
-        </p:txBody>
-      </p:sp>
-      <p:sp>
-        <p:nvSpPr>
-          <p:cNvPr id="24" name="사각형: 모서리가 접힌 도형 23">
-            <a:extLst>
-              <a:ext uri="{FF2B5EF4-FFF2-40B4-BE49-F238E27FC236}">
-                <a16:creationId xmlns:a16="http://schemas.microsoft.com/office/drawing/2014/main" id="{2596DEAC-DE34-43CE-828C-53B4CE2489AA}"/>
+              <a:rPr lang="en-US" altLang="ko-KR" sz="1050" dirty="0"/>
+              <a:t>[</a:t>
+            </a:r>
+            <a:r>
+              <a:rPr lang="ko-KR" altLang="en-US" sz="1050" dirty="0"/>
+              <a:t>관리자 메뉴</a:t>
+            </a:r>
+            <a:r>
+              <a:rPr lang="en-US" altLang="ko-KR" sz="1050" dirty="0"/>
+              <a:t>]</a:t>
+            </a:r>
+          </a:p>
+          <a:p>
+            <a:pPr algn="ctr"/>
+            <a:r>
+              <a:rPr lang="en-US" altLang="ko-KR" sz="1050" dirty="0"/>
+              <a:t>[ADMIN_TODO] </a:t>
+            </a:r>
+            <a:r>
+              <a:rPr lang="ko-KR" altLang="en-US" sz="1050" dirty="0"/>
+              <a:t>기능 구현 및 부착</a:t>
+            </a:r>
+          </a:p>
+        </p:txBody>
+      </p:sp>
+      <p:sp>
+        <p:nvSpPr>
+          <p:cNvPr id="26" name="사각형: 모서리가 접힌 도형 25">
+            <a:extLst>
+              <a:ext uri="{FF2B5EF4-FFF2-40B4-BE49-F238E27FC236}">
+                <a16:creationId xmlns:a16="http://schemas.microsoft.com/office/drawing/2014/main" id="{A2E6A472-459D-41D9-B8CB-36DC4AB66388}"/>
               </a:ext>
             </a:extLst>
           </p:cNvPr>
@@ -7969,7 +7999,7 @@
         </p:nvSpPr>
         <p:spPr>
           <a:xfrm>
-            <a:off x="3900399" y="5500888"/>
+            <a:off x="8988380" y="5456926"/>
             <a:ext cx="1067965" cy="885852"/>
           </a:xfrm>
           <a:prstGeom prst="foldedCorner">
@@ -8019,22 +8049,18 @@
           <a:p>
             <a:pPr algn="ctr"/>
             <a:r>
-              <a:rPr lang="en-US" altLang="ko-KR" sz="1050"/>
-              <a:t>[ADMIN_TODO] </a:t>
-            </a:r>
-            <a:r>
               <a:rPr lang="ko-KR" altLang="en-US" sz="1050"/>
-              <a:t>기능 구현 및 부착</a:t>
-            </a:r>
-          </a:p>
-        </p:txBody>
-      </p:sp>
-      <p:sp>
-        <p:nvSpPr>
-          <p:cNvPr id="26" name="사각형: 모서리가 접힌 도형 25">
-            <a:extLst>
-              <a:ext uri="{FF2B5EF4-FFF2-40B4-BE49-F238E27FC236}">
-                <a16:creationId xmlns:a16="http://schemas.microsoft.com/office/drawing/2014/main" id="{A2E6A472-459D-41D9-B8CB-36DC4AB66388}"/>
+              <a:t>레벨별 이용가능한 기능 구현</a:t>
+            </a:r>
+          </a:p>
+        </p:txBody>
+      </p:sp>
+      <p:sp>
+        <p:nvSpPr>
+          <p:cNvPr id="30" name="사각형: 모서리가 접힌 도형 29">
+            <a:extLst>
+              <a:ext uri="{FF2B5EF4-FFF2-40B4-BE49-F238E27FC236}">
+                <a16:creationId xmlns:a16="http://schemas.microsoft.com/office/drawing/2014/main" id="{7EADB437-E680-4CFF-97F8-9E4D97B93ECD}"/>
               </a:ext>
             </a:extLst>
           </p:cNvPr>
@@ -8043,7 +8069,7 @@
         </p:nvSpPr>
         <p:spPr>
           <a:xfrm>
-            <a:off x="2737050" y="5500888"/>
+            <a:off x="5285883" y="4081703"/>
             <a:ext cx="1067965" cy="885852"/>
           </a:xfrm>
           <a:prstGeom prst="foldedCorner">
@@ -8078,33 +8104,23 @@
           <a:p>
             <a:pPr algn="ctr"/>
             <a:r>
-              <a:rPr lang="en-US" altLang="ko-KR" sz="1050"/>
-              <a:t>[</a:t>
-            </a:r>
-            <a:r>
-              <a:rPr lang="ko-KR" altLang="en-US" sz="1050"/>
-              <a:t>관리자 메뉴</a:t>
-            </a:r>
-            <a:r>
-              <a:rPr lang="en-US" altLang="ko-KR" sz="1050"/>
-              <a:t>]</a:t>
-            </a:r>
-          </a:p>
-          <a:p>
-            <a:pPr algn="ctr"/>
-            <a:r>
-              <a:rPr lang="ko-KR" altLang="en-US" sz="1050"/>
-              <a:t>레벨별 이용가능한 기능 구현</a:t>
-            </a:r>
-          </a:p>
-        </p:txBody>
-      </p:sp>
-      <p:sp>
-        <p:nvSpPr>
-          <p:cNvPr id="30" name="사각형: 모서리가 접힌 도형 29">
-            <a:extLst>
-              <a:ext uri="{FF2B5EF4-FFF2-40B4-BE49-F238E27FC236}">
-                <a16:creationId xmlns:a16="http://schemas.microsoft.com/office/drawing/2014/main" id="{7EADB437-E680-4CFF-97F8-9E4D97B93ECD}"/>
+              <a:rPr lang="ko-KR" altLang="en-US" sz="1050" dirty="0"/>
+              <a:t>상품상세보기페이지 댓글 구현</a:t>
+            </a:r>
+            <a:r>
+              <a:rPr lang="en-US" altLang="ko-KR" sz="1050" dirty="0"/>
+              <a:t>,</a:t>
+            </a:r>
+            <a:endParaRPr lang="ko-KR" altLang="en-US" sz="1050" dirty="0"/>
+          </a:p>
+        </p:txBody>
+      </p:sp>
+      <p:sp>
+        <p:nvSpPr>
+          <p:cNvPr id="32" name="사각형: 모서리가 접힌 도형 31">
+            <a:extLst>
+              <a:ext uri="{FF2B5EF4-FFF2-40B4-BE49-F238E27FC236}">
+                <a16:creationId xmlns:a16="http://schemas.microsoft.com/office/drawing/2014/main" id="{9E1977DF-8F33-4C45-A37F-A385715CA840}"/>
               </a:ext>
             </a:extLst>
           </p:cNvPr>
@@ -8113,8 +8129,8 @@
         </p:nvSpPr>
         <p:spPr>
           <a:xfrm>
-            <a:off x="1610699" y="4108079"/>
-            <a:ext cx="1067965" cy="885852"/>
+            <a:off x="1531305" y="4150639"/>
+            <a:ext cx="1067965" cy="825808"/>
           </a:xfrm>
           <a:prstGeom prst="foldedCorner">
             <a:avLst/>
@@ -8148,68 +8164,12 @@
           <a:p>
             <a:pPr algn="ctr"/>
             <a:r>
-              <a:rPr lang="ko-KR" altLang="en-US" sz="1050"/>
-              <a:t>상품상세보기페이지 댓글 구현</a:t>
-            </a:r>
-            <a:r>
-              <a:rPr lang="en-US" altLang="ko-KR" sz="1050"/>
-              <a:t>,</a:t>
-            </a:r>
-            <a:endParaRPr lang="ko-KR" altLang="en-US" sz="1050"/>
-          </a:p>
-        </p:txBody>
-      </p:sp>
-      <p:sp>
-        <p:nvSpPr>
-          <p:cNvPr id="32" name="사각형: 모서리가 접힌 도형 31">
-            <a:extLst>
-              <a:ext uri="{FF2B5EF4-FFF2-40B4-BE49-F238E27FC236}">
-                <a16:creationId xmlns:a16="http://schemas.microsoft.com/office/drawing/2014/main" id="{9E1977DF-8F33-4C45-A37F-A385715CA840}"/>
-              </a:ext>
-            </a:extLst>
-          </p:cNvPr>
-          <p:cNvSpPr/>
-          <p:nvPr/>
-        </p:nvSpPr>
-        <p:spPr>
-          <a:xfrm>
-            <a:off x="5338373" y="4080300"/>
-            <a:ext cx="1067965" cy="885852"/>
-          </a:xfrm>
-          <a:prstGeom prst="foldedCorner">
-            <a:avLst/>
-          </a:prstGeom>
-          <a:solidFill>
-            <a:schemeClr val="tx1">
-              <a:lumMod val="75000"/>
-              <a:lumOff val="25000"/>
-            </a:schemeClr>
-          </a:solidFill>
-        </p:spPr>
-        <p:style>
-          <a:lnRef idx="2">
-            <a:schemeClr val="accent1">
-              <a:shade val="50000"/>
-            </a:schemeClr>
-          </a:lnRef>
-          <a:fillRef idx="1">
-            <a:schemeClr val="accent1"/>
-          </a:fillRef>
-          <a:effectRef idx="0">
-            <a:schemeClr val="accent1"/>
-          </a:effectRef>
-          <a:fontRef idx="minor">
-            <a:schemeClr val="lt1"/>
-          </a:fontRef>
-        </p:style>
-        <p:txBody>
-          <a:bodyPr rtlCol="0" anchor="ctr"/>
-          <a:lstStyle/>
-          <a:p>
-            <a:pPr algn="ctr"/>
-            <a:r>
-              <a:rPr lang="ko-KR" altLang="en-US" sz="1050"/>
-              <a:t>상품 구매 및 장바구니 추가</a:t>
+              <a:rPr lang="ko-KR" altLang="en-US" sz="1050" dirty="0" smtClean="0"/>
+              <a:t>장바구니 </a:t>
+            </a:r>
+            <a:r>
+              <a:rPr lang="ko-KR" altLang="en-US" sz="1050" dirty="0"/>
+              <a:t>추가</a:t>
             </a:r>
           </a:p>
         </p:txBody>
@@ -8271,7 +8231,7 @@
         </p:nvSpPr>
         <p:spPr>
           <a:xfrm>
-            <a:off x="2750749" y="2771467"/>
+            <a:off x="9969234" y="2718713"/>
             <a:ext cx="1067965" cy="1173049"/>
           </a:xfrm>
           <a:prstGeom prst="foldedCorner">
@@ -8306,18 +8266,26 @@
           <a:p>
             <a:pPr algn="ctr"/>
             <a:r>
-              <a:rPr lang="ko-KR" altLang="en-US" sz="1050"/>
-              <a:t>회원의 정보를 불러와 마일리지 사용 후 차감한 금액을 디비에 저장할 수 있는 기능</a:t>
-            </a:r>
-          </a:p>
-        </p:txBody>
-      </p:sp>
-      <p:sp>
-        <p:nvSpPr>
-          <p:cNvPr id="35" name="사각형: 모서리가 접힌 도형 34">
-            <a:extLst>
-              <a:ext uri="{FF2B5EF4-FFF2-40B4-BE49-F238E27FC236}">
-                <a16:creationId xmlns:a16="http://schemas.microsoft.com/office/drawing/2014/main" id="{5188FB3C-08F4-481D-9FD9-28ADA9F4DE8A}"/>
+              <a:rPr lang="ko-KR" altLang="en-US" sz="1050" dirty="0"/>
+              <a:t>회원의 정보를 불러와 마일리지 사용 후 차감한 금액을 </a:t>
+            </a:r>
+            <a:r>
+              <a:rPr lang="ko-KR" altLang="en-US" sz="1050" dirty="0" err="1"/>
+              <a:t>디비에</a:t>
+            </a:r>
+            <a:r>
+              <a:rPr lang="ko-KR" altLang="en-US" sz="1050" dirty="0"/>
+              <a:t> 저장할 수 있는 기능</a:t>
+            </a:r>
+          </a:p>
+        </p:txBody>
+      </p:sp>
+      <p:sp>
+        <p:nvSpPr>
+          <p:cNvPr id="36" name="사각형: 모서리가 접힌 도형 35">
+            <a:extLst>
+              <a:ext uri="{FF2B5EF4-FFF2-40B4-BE49-F238E27FC236}">
+                <a16:creationId xmlns:a16="http://schemas.microsoft.com/office/drawing/2014/main" id="{5ADE4B74-0044-4527-B233-7830D1E1B801}"/>
               </a:ext>
             </a:extLst>
           </p:cNvPr>
@@ -8326,7 +8294,7 @@
         </p:nvSpPr>
         <p:spPr>
           <a:xfrm>
-            <a:off x="7725537" y="2884286"/>
+            <a:off x="5302203" y="2881230"/>
             <a:ext cx="1067965" cy="774618"/>
           </a:xfrm>
           <a:prstGeom prst="foldedCorner">
@@ -8361,18 +8329,26 @@
           <a:p>
             <a:pPr algn="ctr"/>
             <a:r>
-              <a:rPr lang="ko-KR" altLang="en-US" sz="1050"/>
-              <a:t>댓글 목록 불러오기</a:t>
-            </a:r>
-          </a:p>
-        </p:txBody>
-      </p:sp>
-      <p:sp>
-        <p:nvSpPr>
-          <p:cNvPr id="36" name="사각형: 모서리가 접힌 도형 35">
-            <a:extLst>
-              <a:ext uri="{FF2B5EF4-FFF2-40B4-BE49-F238E27FC236}">
-                <a16:creationId xmlns:a16="http://schemas.microsoft.com/office/drawing/2014/main" id="{5ADE4B74-0044-4527-B233-7830D1E1B801}"/>
+              <a:rPr lang="ko-KR" altLang="en-US" sz="1050" dirty="0"/>
+              <a:t>댓글 수정</a:t>
+            </a:r>
+            <a:r>
+              <a:rPr lang="en-US" altLang="ko-KR" sz="1050" dirty="0"/>
+              <a:t>, </a:t>
+            </a:r>
+            <a:r>
+              <a:rPr lang="ko-KR" altLang="en-US" sz="1050" dirty="0"/>
+              <a:t>삭제</a:t>
+            </a:r>
+          </a:p>
+        </p:txBody>
+      </p:sp>
+      <p:sp>
+        <p:nvSpPr>
+          <p:cNvPr id="37" name="사각형: 모서리가 접힌 도형 36">
+            <a:extLst>
+              <a:ext uri="{FF2B5EF4-FFF2-40B4-BE49-F238E27FC236}">
+                <a16:creationId xmlns:a16="http://schemas.microsoft.com/office/drawing/2014/main" id="{7D4EE499-6890-42C2-8BD4-B55FA396DD81}"/>
               </a:ext>
             </a:extLst>
           </p:cNvPr>
@@ -8381,8 +8357,8 @@
         </p:nvSpPr>
         <p:spPr>
           <a:xfrm>
-            <a:off x="5372541" y="2846061"/>
-            <a:ext cx="1067965" cy="774618"/>
+            <a:off x="2638932" y="1474094"/>
+            <a:ext cx="1067965" cy="885852"/>
           </a:xfrm>
           <a:prstGeom prst="foldedCorner">
             <a:avLst/>
@@ -8416,26 +8392,34 @@
           <a:p>
             <a:pPr algn="ctr"/>
             <a:r>
-              <a:rPr lang="ko-KR" altLang="en-US" sz="1050"/>
-              <a:t>댓글 수정</a:t>
-            </a:r>
-            <a:r>
-              <a:rPr lang="en-US" altLang="ko-KR" sz="1050"/>
-              <a:t>, </a:t>
-            </a:r>
-            <a:r>
-              <a:rPr lang="ko-KR" altLang="en-US" sz="1050"/>
-              <a:t>삭제</a:t>
-            </a:r>
-          </a:p>
-        </p:txBody>
-      </p:sp>
-      <p:sp>
-        <p:nvSpPr>
-          <p:cNvPr id="37" name="사각형: 모서리가 접힌 도형 36">
-            <a:extLst>
-              <a:ext uri="{FF2B5EF4-FFF2-40B4-BE49-F238E27FC236}">
-                <a16:creationId xmlns:a16="http://schemas.microsoft.com/office/drawing/2014/main" id="{7D4EE499-6890-42C2-8BD4-B55FA396DD81}"/>
+              <a:rPr lang="ko-KR" altLang="en-US" sz="1050" dirty="0"/>
+              <a:t>마일리지 기부 </a:t>
+            </a:r>
+            <a:r>
+              <a:rPr lang="en-US" altLang="ko-KR" sz="1050" dirty="0"/>
+              <a:t>/ </a:t>
+            </a:r>
+            <a:r>
+              <a:rPr lang="ko-KR" altLang="en-US" sz="1050" dirty="0"/>
+              <a:t>차감 완료하기</a:t>
+            </a:r>
+          </a:p>
+          <a:p>
+            <a:pPr algn="ctr"/>
+            <a:r>
+              <a:rPr lang="en-US" altLang="ko-KR" sz="1050" dirty="0"/>
+              <a:t>(ajax)</a:t>
+            </a:r>
+            <a:endParaRPr lang="ko-KR" altLang="en-US" sz="1050" dirty="0"/>
+          </a:p>
+        </p:txBody>
+      </p:sp>
+      <p:sp>
+        <p:nvSpPr>
+          <p:cNvPr id="38" name="사각형: 모서리가 접힌 도형 35">
+            <a:extLst>
+              <a:ext uri="{FF2B5EF4-FFF2-40B4-BE49-F238E27FC236}">
+                <a16:creationId xmlns:a16="http://schemas.microsoft.com/office/drawing/2014/main" id="{5ADE4B74-0044-4527-B233-7830D1E1B801}"/>
               </a:ext>
             </a:extLst>
           </p:cNvPr>
@@ -8444,8 +8428,8 @@
         </p:nvSpPr>
         <p:spPr>
           <a:xfrm>
-            <a:off x="2805986" y="1465301"/>
-            <a:ext cx="1067965" cy="885852"/>
+            <a:off x="1550819" y="2840199"/>
+            <a:ext cx="1067965" cy="774618"/>
           </a:xfrm>
           <a:prstGeom prst="foldedCorner">
             <a:avLst/>
@@ -8479,25 +8463,226 @@
           <a:p>
             <a:pPr algn="ctr"/>
             <a:r>
-              <a:rPr lang="ko-KR" altLang="en-US" sz="1050"/>
-              <a:t>마일리지 기부 </a:t>
-            </a:r>
-            <a:r>
-              <a:rPr lang="en-US" altLang="ko-KR" sz="1050"/>
-              <a:t>/ </a:t>
-            </a:r>
-            <a:r>
-              <a:rPr lang="ko-KR" altLang="en-US" sz="1050"/>
-              <a:t>차감 완료하기</a:t>
-            </a:r>
+              <a:rPr lang="ko-KR" altLang="en-US" sz="1050" dirty="0" smtClean="0"/>
+              <a:t>서비스 기능 정리 및 주석</a:t>
+            </a:r>
+            <a:endParaRPr lang="en-US" altLang="ko-KR" sz="1050" dirty="0" smtClean="0"/>
           </a:p>
           <a:p>
             <a:pPr algn="ctr"/>
             <a:r>
-              <a:rPr lang="en-US" altLang="ko-KR" sz="1050"/>
-              <a:t>(ajax)</a:t>
-            </a:r>
-            <a:endParaRPr lang="ko-KR" altLang="en-US" sz="1050"/>
+              <a:rPr lang="en-US" altLang="ko-KR" sz="1050" dirty="0" smtClean="0"/>
+              <a:t>(~</a:t>
+            </a:r>
+            <a:r>
+              <a:rPr lang="ko-KR" altLang="en-US" sz="1050" dirty="0" smtClean="0"/>
+              <a:t>목</a:t>
+            </a:r>
+            <a:r>
+              <a:rPr lang="en-US" altLang="ko-KR" sz="1050" dirty="0" smtClean="0"/>
+              <a:t>)</a:t>
+            </a:r>
+            <a:endParaRPr lang="ko-KR" altLang="en-US" sz="1050" dirty="0"/>
+          </a:p>
+        </p:txBody>
+      </p:sp>
+      <p:sp>
+        <p:nvSpPr>
+          <p:cNvPr id="39" name="사각형: 모서리가 접힌 도형 36">
+            <a:extLst>
+              <a:ext uri="{FF2B5EF4-FFF2-40B4-BE49-F238E27FC236}">
+                <a16:creationId xmlns:a16="http://schemas.microsoft.com/office/drawing/2014/main" id="{7D4EE499-6890-42C2-8BD4-B55FA396DD81}"/>
+              </a:ext>
+            </a:extLst>
+          </p:cNvPr>
+          <p:cNvSpPr/>
+          <p:nvPr/>
+        </p:nvSpPr>
+        <p:spPr>
+          <a:xfrm>
+            <a:off x="3767278" y="1468232"/>
+            <a:ext cx="1067965" cy="885852"/>
+          </a:xfrm>
+          <a:prstGeom prst="foldedCorner">
+            <a:avLst/>
+          </a:prstGeom>
+          <a:solidFill>
+            <a:schemeClr val="tx1">
+              <a:lumMod val="75000"/>
+              <a:lumOff val="25000"/>
+            </a:schemeClr>
+          </a:solidFill>
+        </p:spPr>
+        <p:style>
+          <a:lnRef idx="2">
+            <a:schemeClr val="accent1">
+              <a:shade val="50000"/>
+            </a:schemeClr>
+          </a:lnRef>
+          <a:fillRef idx="1">
+            <a:schemeClr val="accent1"/>
+          </a:fillRef>
+          <a:effectRef idx="0">
+            <a:schemeClr val="accent1"/>
+          </a:effectRef>
+          <a:fontRef idx="minor">
+            <a:schemeClr val="lt1"/>
+          </a:fontRef>
+        </p:style>
+        <p:txBody>
+          <a:bodyPr rtlCol="0" anchor="ctr"/>
+          <a:lstStyle/>
+          <a:p>
+            <a:pPr algn="ctr"/>
+            <a:r>
+              <a:rPr lang="ko-KR" altLang="en-US" sz="1050" dirty="0" smtClean="0"/>
+              <a:t>서비스 기능 정리 및 주석</a:t>
+            </a:r>
+            <a:endParaRPr lang="en-US" altLang="ko-KR" sz="1050" dirty="0" smtClean="0"/>
+          </a:p>
+          <a:p>
+            <a:pPr algn="ctr"/>
+            <a:r>
+              <a:rPr lang="en-US" altLang="ko-KR" sz="1050" dirty="0" smtClean="0"/>
+              <a:t>(~</a:t>
+            </a:r>
+            <a:r>
+              <a:rPr lang="ko-KR" altLang="en-US" sz="1050" dirty="0" smtClean="0"/>
+              <a:t>목</a:t>
+            </a:r>
+            <a:r>
+              <a:rPr lang="en-US" altLang="ko-KR" sz="1050" dirty="0" smtClean="0"/>
+              <a:t>)</a:t>
+            </a:r>
+            <a:endParaRPr lang="ko-KR" altLang="en-US" sz="1050" dirty="0"/>
+          </a:p>
+        </p:txBody>
+      </p:sp>
+      <p:sp>
+        <p:nvSpPr>
+          <p:cNvPr id="40" name="사각형: 모서리가 접힌 도형 31">
+            <a:extLst>
+              <a:ext uri="{FF2B5EF4-FFF2-40B4-BE49-F238E27FC236}">
+                <a16:creationId xmlns:a16="http://schemas.microsoft.com/office/drawing/2014/main" id="{9E1977DF-8F33-4C45-A37F-A385715CA840}"/>
+              </a:ext>
+            </a:extLst>
+          </p:cNvPr>
+          <p:cNvSpPr/>
+          <p:nvPr/>
+        </p:nvSpPr>
+        <p:spPr>
+          <a:xfrm>
+            <a:off x="2694819" y="4135984"/>
+            <a:ext cx="1067965" cy="825808"/>
+          </a:xfrm>
+          <a:prstGeom prst="foldedCorner">
+            <a:avLst/>
+          </a:prstGeom>
+          <a:solidFill>
+            <a:schemeClr val="tx1">
+              <a:lumMod val="75000"/>
+              <a:lumOff val="25000"/>
+            </a:schemeClr>
+          </a:solidFill>
+        </p:spPr>
+        <p:style>
+          <a:lnRef idx="2">
+            <a:schemeClr val="accent1">
+              <a:shade val="50000"/>
+            </a:schemeClr>
+          </a:lnRef>
+          <a:fillRef idx="1">
+            <a:schemeClr val="accent1"/>
+          </a:fillRef>
+          <a:effectRef idx="0">
+            <a:schemeClr val="accent1"/>
+          </a:effectRef>
+          <a:fontRef idx="minor">
+            <a:schemeClr val="lt1"/>
+          </a:fontRef>
+        </p:style>
+        <p:txBody>
+          <a:bodyPr rtlCol="0" anchor="ctr"/>
+          <a:lstStyle/>
+          <a:p>
+            <a:pPr algn="ctr"/>
+            <a:r>
+              <a:rPr lang="ko-KR" altLang="en-US" sz="1050" dirty="0" smtClean="0"/>
+              <a:t>추천 상품 출력</a:t>
+            </a:r>
+            <a:endParaRPr lang="en-US" altLang="ko-KR" sz="1050" dirty="0" smtClean="0"/>
+          </a:p>
+        </p:txBody>
+      </p:sp>
+      <p:sp>
+        <p:nvSpPr>
+          <p:cNvPr id="41" name="사각형: 모서리가 접힌 도형 31">
+            <a:extLst>
+              <a:ext uri="{FF2B5EF4-FFF2-40B4-BE49-F238E27FC236}">
+                <a16:creationId xmlns:a16="http://schemas.microsoft.com/office/drawing/2014/main" id="{9E1977DF-8F33-4C45-A37F-A385715CA840}"/>
+              </a:ext>
+            </a:extLst>
+          </p:cNvPr>
+          <p:cNvSpPr/>
+          <p:nvPr/>
+        </p:nvSpPr>
+        <p:spPr>
+          <a:xfrm>
+            <a:off x="3849544" y="4130123"/>
+            <a:ext cx="1067965" cy="825808"/>
+          </a:xfrm>
+          <a:prstGeom prst="foldedCorner">
+            <a:avLst/>
+          </a:prstGeom>
+          <a:solidFill>
+            <a:schemeClr val="tx1">
+              <a:lumMod val="75000"/>
+              <a:lumOff val="25000"/>
+            </a:schemeClr>
+          </a:solidFill>
+        </p:spPr>
+        <p:style>
+          <a:lnRef idx="2">
+            <a:schemeClr val="accent1">
+              <a:shade val="50000"/>
+            </a:schemeClr>
+          </a:lnRef>
+          <a:fillRef idx="1">
+            <a:schemeClr val="accent1"/>
+          </a:fillRef>
+          <a:effectRef idx="0">
+            <a:schemeClr val="accent1"/>
+          </a:effectRef>
+          <a:fontRef idx="minor">
+            <a:schemeClr val="lt1"/>
+          </a:fontRef>
+        </p:style>
+        <p:txBody>
+          <a:bodyPr rtlCol="0" anchor="ctr"/>
+          <a:lstStyle/>
+          <a:p>
+            <a:pPr algn="ctr"/>
+            <a:r>
+              <a:rPr lang="ko-KR" altLang="en-US" sz="1050" dirty="0"/>
+              <a:t>서비스 기능 정리 및 주석</a:t>
+            </a:r>
+            <a:endParaRPr lang="en-US" altLang="ko-KR" sz="1050" dirty="0"/>
+          </a:p>
+          <a:p>
+            <a:pPr algn="ctr"/>
+            <a:r>
+              <a:rPr lang="en-US" altLang="ko-KR" sz="1050" dirty="0"/>
+              <a:t>(~</a:t>
+            </a:r>
+            <a:r>
+              <a:rPr lang="ko-KR" altLang="en-US" sz="1050" dirty="0"/>
+              <a:t>목</a:t>
+            </a:r>
+            <a:r>
+              <a:rPr lang="en-US" altLang="ko-KR" sz="1050" dirty="0"/>
+              <a:t>)</a:t>
+            </a:r>
+            <a:endParaRPr lang="ko-KR" altLang="en-US" sz="1050" dirty="0"/>
           </a:p>
         </p:txBody>
       </p:sp>

--- a/칸반보드.pptx
+++ b/칸반보드.pptx
@@ -7634,7 +7634,7 @@
         </p:nvSpPr>
         <p:spPr>
           <a:xfrm>
-            <a:off x="5276924" y="5438776"/>
+            <a:off x="10121486" y="5438776"/>
             <a:ext cx="1067965" cy="885852"/>
           </a:xfrm>
           <a:prstGeom prst="foldedCorner">
@@ -7771,10 +7771,10 @@
       </p:sp>
       <p:sp>
         <p:nvSpPr>
-          <p:cNvPr id="28" name="사각형: 모서리가 접힌 도형 27">
-            <a:extLst>
-              <a:ext uri="{FF2B5EF4-FFF2-40B4-BE49-F238E27FC236}">
-                <a16:creationId xmlns:a16="http://schemas.microsoft.com/office/drawing/2014/main" id="{821BF8BB-A1A6-4376-9E95-AE7784A9E8D5}"/>
+          <p:cNvPr id="29" name="사각형: 모서리가 접힌 도형 28">
+            <a:extLst>
+              <a:ext uri="{FF2B5EF4-FFF2-40B4-BE49-F238E27FC236}">
+                <a16:creationId xmlns:a16="http://schemas.microsoft.com/office/drawing/2014/main" id="{F337523C-91AC-48E9-B1A2-41A4A21C826C}"/>
               </a:ext>
             </a:extLst>
           </p:cNvPr>
@@ -7783,7 +7783,7 @@
         </p:nvSpPr>
         <p:spPr>
           <a:xfrm>
-            <a:off x="1494829" y="1468050"/>
+            <a:off x="7775426" y="1422958"/>
             <a:ext cx="1067965" cy="885852"/>
           </a:xfrm>
           <a:prstGeom prst="foldedCorner">
@@ -7819,17 +7819,49 @@
             <a:pPr algn="ctr"/>
             <a:r>
               <a:rPr lang="ko-KR" altLang="en-US" sz="1050" dirty="0"/>
-              <a:t>이미지를 리스트로 출력하고 배치하기</a:t>
-            </a:r>
-          </a:p>
-        </p:txBody>
-      </p:sp>
-      <p:sp>
-        <p:nvSpPr>
-          <p:cNvPr id="29" name="사각형: 모서리가 접힌 도형 28">
-            <a:extLst>
-              <a:ext uri="{FF2B5EF4-FFF2-40B4-BE49-F238E27FC236}">
-                <a16:creationId xmlns:a16="http://schemas.microsoft.com/office/drawing/2014/main" id="{F337523C-91AC-48E9-B1A2-41A4A21C826C}"/>
+              <a:t>댓글 출력</a:t>
+            </a:r>
+            <a:r>
+              <a:rPr lang="en-US" altLang="ko-KR" sz="1050" dirty="0"/>
+              <a:t>,</a:t>
+            </a:r>
+            <a:r>
+              <a:rPr lang="ko-KR" altLang="en-US" sz="1050" dirty="0"/>
+              <a:t>수정</a:t>
+            </a:r>
+            <a:r>
+              <a:rPr lang="en-US" altLang="ko-KR" sz="1050" dirty="0"/>
+              <a:t>,</a:t>
+            </a:r>
+            <a:r>
+              <a:rPr lang="ko-KR" altLang="en-US" sz="1050" dirty="0"/>
+              <a:t>삭제</a:t>
+            </a:r>
+            <a:r>
+              <a:rPr lang="en-US" altLang="ko-KR" sz="1050" dirty="0"/>
+              <a:t>,</a:t>
+            </a:r>
+            <a:r>
+              <a:rPr lang="ko-KR" altLang="en-US" sz="1050" dirty="0"/>
+              <a:t>입력 보완 및 완성</a:t>
+            </a:r>
+          </a:p>
+          <a:p>
+            <a:pPr algn="ctr"/>
+            <a:r>
+              <a:rPr lang="en-US" altLang="ko-KR" sz="1050" dirty="0"/>
+              <a:t>(ajax)</a:t>
+            </a:r>
+            <a:endParaRPr lang="ko-KR" altLang="en-US" sz="1050" dirty="0"/>
+          </a:p>
+        </p:txBody>
+      </p:sp>
+      <p:sp>
+        <p:nvSpPr>
+          <p:cNvPr id="24" name="사각형: 모서리가 접힌 도형 23">
+            <a:extLst>
+              <a:ext uri="{FF2B5EF4-FFF2-40B4-BE49-F238E27FC236}">
+                <a16:creationId xmlns:a16="http://schemas.microsoft.com/office/drawing/2014/main" id="{2596DEAC-DE34-43CE-828C-53B4CE2489AA}"/>
               </a:ext>
             </a:extLst>
           </p:cNvPr>
@@ -7838,7 +7870,7 @@
         </p:nvSpPr>
         <p:spPr>
           <a:xfrm>
-            <a:off x="5322372" y="1458127"/>
+            <a:off x="7856937" y="5465719"/>
             <a:ext cx="1067965" cy="885852"/>
           </a:xfrm>
           <a:prstGeom prst="foldedCorner">
@@ -7873,50 +7905,37 @@
           <a:p>
             <a:pPr algn="ctr"/>
             <a:r>
+              <a:rPr lang="en-US" altLang="ko-KR" sz="1050" dirty="0"/>
+              <a:t>[</a:t>
+            </a:r>
+            <a:r>
               <a:rPr lang="ko-KR" altLang="en-US" sz="1050" dirty="0"/>
-              <a:t>댓글 출력</a:t>
+              <a:t>관리자 메뉴</a:t>
             </a:r>
             <a:r>
               <a:rPr lang="en-US" altLang="ko-KR" sz="1050" dirty="0"/>
-              <a:t>,</a:t>
+              <a:t>]</a:t>
+            </a:r>
+          </a:p>
+          <a:p>
+            <a:pPr algn="ctr"/>
+            <a:r>
+              <a:rPr lang="en-US" altLang="ko-KR" sz="1050" dirty="0"/>
+              <a:t>[ADMIN_TODO] </a:t>
             </a:r>
             <a:r>
               <a:rPr lang="ko-KR" altLang="en-US" sz="1050" dirty="0"/>
-              <a:t>수정</a:t>
-            </a:r>
-            <a:r>
-              <a:rPr lang="en-US" altLang="ko-KR" sz="1050" dirty="0"/>
-              <a:t>,</a:t>
-            </a:r>
-            <a:r>
-              <a:rPr lang="ko-KR" altLang="en-US" sz="1050" dirty="0"/>
-              <a:t>삭제</a:t>
-            </a:r>
-            <a:r>
-              <a:rPr lang="en-US" altLang="ko-KR" sz="1050" dirty="0"/>
-              <a:t>,</a:t>
-            </a:r>
-            <a:r>
-              <a:rPr lang="ko-KR" altLang="en-US" sz="1050" dirty="0"/>
-              <a:t>입력 보완 및 완성</a:t>
-            </a:r>
-          </a:p>
-          <a:p>
-            <a:pPr algn="ctr"/>
-            <a:r>
-              <a:rPr lang="en-US" altLang="ko-KR" sz="1050" dirty="0"/>
-              <a:t>(ajax)</a:t>
-            </a:r>
-            <a:endParaRPr lang="ko-KR" altLang="en-US" sz="1050" dirty="0"/>
-          </a:p>
-        </p:txBody>
-      </p:sp>
-      <p:sp>
-        <p:nvSpPr>
-          <p:cNvPr id="24" name="사각형: 모서리가 접힌 도형 23">
-            <a:extLst>
-              <a:ext uri="{FF2B5EF4-FFF2-40B4-BE49-F238E27FC236}">
-                <a16:creationId xmlns:a16="http://schemas.microsoft.com/office/drawing/2014/main" id="{2596DEAC-DE34-43CE-828C-53B4CE2489AA}"/>
+              <a:t>기능 구현 및 부착</a:t>
+            </a:r>
+          </a:p>
+        </p:txBody>
+      </p:sp>
+      <p:sp>
+        <p:nvSpPr>
+          <p:cNvPr id="26" name="사각형: 모서리가 접힌 도형 25">
+            <a:extLst>
+              <a:ext uri="{FF2B5EF4-FFF2-40B4-BE49-F238E27FC236}">
+                <a16:creationId xmlns:a16="http://schemas.microsoft.com/office/drawing/2014/main" id="{A2E6A472-459D-41D9-B8CB-36DC4AB66388}"/>
               </a:ext>
             </a:extLst>
           </p:cNvPr>
@@ -7925,7 +7944,7 @@
         </p:nvSpPr>
         <p:spPr>
           <a:xfrm>
-            <a:off x="7856937" y="5465719"/>
+            <a:off x="8988380" y="5456926"/>
             <a:ext cx="1067965" cy="885852"/>
           </a:xfrm>
           <a:prstGeom prst="foldedCorner">
@@ -7960,37 +7979,33 @@
           <a:p>
             <a:pPr algn="ctr"/>
             <a:r>
-              <a:rPr lang="en-US" altLang="ko-KR" sz="1050" dirty="0"/>
+              <a:rPr lang="en-US" altLang="ko-KR" sz="1050"/>
               <a:t>[</a:t>
             </a:r>
             <a:r>
-              <a:rPr lang="ko-KR" altLang="en-US" sz="1050" dirty="0"/>
+              <a:rPr lang="ko-KR" altLang="en-US" sz="1050"/>
               <a:t>관리자 메뉴</a:t>
             </a:r>
             <a:r>
-              <a:rPr lang="en-US" altLang="ko-KR" sz="1050" dirty="0"/>
+              <a:rPr lang="en-US" altLang="ko-KR" sz="1050"/>
               <a:t>]</a:t>
             </a:r>
           </a:p>
           <a:p>
             <a:pPr algn="ctr"/>
             <a:r>
-              <a:rPr lang="en-US" altLang="ko-KR" sz="1050" dirty="0"/>
-              <a:t>[ADMIN_TODO] </a:t>
-            </a:r>
-            <a:r>
-              <a:rPr lang="ko-KR" altLang="en-US" sz="1050" dirty="0"/>
-              <a:t>기능 구현 및 부착</a:t>
-            </a:r>
-          </a:p>
-        </p:txBody>
-      </p:sp>
-      <p:sp>
-        <p:nvSpPr>
-          <p:cNvPr id="26" name="사각형: 모서리가 접힌 도형 25">
-            <a:extLst>
-              <a:ext uri="{FF2B5EF4-FFF2-40B4-BE49-F238E27FC236}">
-                <a16:creationId xmlns:a16="http://schemas.microsoft.com/office/drawing/2014/main" id="{A2E6A472-459D-41D9-B8CB-36DC4AB66388}"/>
+              <a:rPr lang="ko-KR" altLang="en-US" sz="1050"/>
+              <a:t>레벨별 이용가능한 기능 구현</a:t>
+            </a:r>
+          </a:p>
+        </p:txBody>
+      </p:sp>
+      <p:sp>
+        <p:nvSpPr>
+          <p:cNvPr id="30" name="사각형: 모서리가 접힌 도형 29">
+            <a:extLst>
+              <a:ext uri="{FF2B5EF4-FFF2-40B4-BE49-F238E27FC236}">
+                <a16:creationId xmlns:a16="http://schemas.microsoft.com/office/drawing/2014/main" id="{7EADB437-E680-4CFF-97F8-9E4D97B93ECD}"/>
               </a:ext>
             </a:extLst>
           </p:cNvPr>
@@ -7999,7 +8014,7 @@
         </p:nvSpPr>
         <p:spPr>
           <a:xfrm>
-            <a:off x="8988380" y="5456926"/>
+            <a:off x="7774106" y="4134456"/>
             <a:ext cx="1067965" cy="885852"/>
           </a:xfrm>
           <a:prstGeom prst="foldedCorner">
@@ -8034,76 +8049,6 @@
           <a:p>
             <a:pPr algn="ctr"/>
             <a:r>
-              <a:rPr lang="en-US" altLang="ko-KR" sz="1050"/>
-              <a:t>[</a:t>
-            </a:r>
-            <a:r>
-              <a:rPr lang="ko-KR" altLang="en-US" sz="1050"/>
-              <a:t>관리자 메뉴</a:t>
-            </a:r>
-            <a:r>
-              <a:rPr lang="en-US" altLang="ko-KR" sz="1050"/>
-              <a:t>]</a:t>
-            </a:r>
-          </a:p>
-          <a:p>
-            <a:pPr algn="ctr"/>
-            <a:r>
-              <a:rPr lang="ko-KR" altLang="en-US" sz="1050"/>
-              <a:t>레벨별 이용가능한 기능 구현</a:t>
-            </a:r>
-          </a:p>
-        </p:txBody>
-      </p:sp>
-      <p:sp>
-        <p:nvSpPr>
-          <p:cNvPr id="30" name="사각형: 모서리가 접힌 도형 29">
-            <a:extLst>
-              <a:ext uri="{FF2B5EF4-FFF2-40B4-BE49-F238E27FC236}">
-                <a16:creationId xmlns:a16="http://schemas.microsoft.com/office/drawing/2014/main" id="{7EADB437-E680-4CFF-97F8-9E4D97B93ECD}"/>
-              </a:ext>
-            </a:extLst>
-          </p:cNvPr>
-          <p:cNvSpPr/>
-          <p:nvPr/>
-        </p:nvSpPr>
-        <p:spPr>
-          <a:xfrm>
-            <a:off x="5285883" y="4081703"/>
-            <a:ext cx="1067965" cy="885852"/>
-          </a:xfrm>
-          <a:prstGeom prst="foldedCorner">
-            <a:avLst/>
-          </a:prstGeom>
-          <a:solidFill>
-            <a:schemeClr val="tx1">
-              <a:lumMod val="75000"/>
-              <a:lumOff val="25000"/>
-            </a:schemeClr>
-          </a:solidFill>
-        </p:spPr>
-        <p:style>
-          <a:lnRef idx="2">
-            <a:schemeClr val="accent1">
-              <a:shade val="50000"/>
-            </a:schemeClr>
-          </a:lnRef>
-          <a:fillRef idx="1">
-            <a:schemeClr val="accent1"/>
-          </a:fillRef>
-          <a:effectRef idx="0">
-            <a:schemeClr val="accent1"/>
-          </a:effectRef>
-          <a:fontRef idx="minor">
-            <a:schemeClr val="lt1"/>
-          </a:fontRef>
-        </p:style>
-        <p:txBody>
-          <a:bodyPr rtlCol="0" anchor="ctr"/>
-          <a:lstStyle/>
-          <a:p>
-            <a:pPr algn="ctr"/>
-            <a:r>
               <a:rPr lang="ko-KR" altLang="en-US" sz="1050" dirty="0"/>
               <a:t>상품상세보기페이지 댓글 구현</a:t>
             </a:r>
@@ -8129,7 +8074,7 @@
         </p:nvSpPr>
         <p:spPr>
           <a:xfrm>
-            <a:off x="1531305" y="4150639"/>
+            <a:off x="8890467" y="4124262"/>
             <a:ext cx="1067965" cy="825808"/>
           </a:xfrm>
           <a:prstGeom prst="foldedCorner">
@@ -8294,7 +8239,7 @@
         </p:nvSpPr>
         <p:spPr>
           <a:xfrm>
-            <a:off x="5302203" y="2881230"/>
+            <a:off x="8871879" y="2863645"/>
             <a:ext cx="1067965" cy="774618"/>
           </a:xfrm>
           <a:prstGeom prst="foldedCorner">
@@ -8357,7 +8302,7 @@
         </p:nvSpPr>
         <p:spPr>
           <a:xfrm>
-            <a:off x="2638932" y="1474094"/>
+            <a:off x="8943017" y="1447717"/>
             <a:ext cx="1067965" cy="885852"/>
           </a:xfrm>
           <a:prstGeom prst="foldedCorner">
@@ -8428,7 +8373,7 @@
         </p:nvSpPr>
         <p:spPr>
           <a:xfrm>
-            <a:off x="1550819" y="2840199"/>
+            <a:off x="5296343" y="2848992"/>
             <a:ext cx="1067965" cy="774618"/>
           </a:xfrm>
           <a:prstGeom prst="foldedCorner">
@@ -8500,7 +8445,7 @@
         </p:nvSpPr>
         <p:spPr>
           <a:xfrm>
-            <a:off x="3767278" y="1468232"/>
+            <a:off x="5314725" y="1397895"/>
             <a:ext cx="1067965" cy="885852"/>
           </a:xfrm>
           <a:prstGeom prst="foldedCorner">
@@ -8572,7 +8517,7 @@
         </p:nvSpPr>
         <p:spPr>
           <a:xfrm>
-            <a:off x="2694819" y="4135984"/>
+            <a:off x="5341303" y="4144776"/>
             <a:ext cx="1067965" cy="825808"/>
           </a:xfrm>
           <a:prstGeom prst="foldedCorner">
@@ -8628,7 +8573,7 @@
         </p:nvSpPr>
         <p:spPr>
           <a:xfrm>
-            <a:off x="3849544" y="4130123"/>
+            <a:off x="1581129" y="4165293"/>
             <a:ext cx="1067965" cy="825808"/>
           </a:xfrm>
           <a:prstGeom prst="foldedCorner">
@@ -8680,6 +8625,78 @@
             </a:r>
             <a:r>
               <a:rPr lang="en-US" altLang="ko-KR" sz="1050" dirty="0"/>
+              <a:t>)</a:t>
+            </a:r>
+            <a:endParaRPr lang="ko-KR" altLang="en-US" sz="1050" dirty="0"/>
+          </a:p>
+        </p:txBody>
+      </p:sp>
+      <p:sp>
+        <p:nvSpPr>
+          <p:cNvPr id="31" name="사각형: 모서리가 접힌 도형 35">
+            <a:extLst>
+              <a:ext uri="{FF2B5EF4-FFF2-40B4-BE49-F238E27FC236}">
+                <a16:creationId xmlns:a16="http://schemas.microsoft.com/office/drawing/2014/main" id="{5ADE4B74-0044-4527-B233-7830D1E1B801}"/>
+              </a:ext>
+            </a:extLst>
+          </p:cNvPr>
+          <p:cNvSpPr/>
+          <p:nvPr/>
+        </p:nvSpPr>
+        <p:spPr>
+          <a:xfrm>
+            <a:off x="5255312" y="5454446"/>
+            <a:ext cx="1067965" cy="774618"/>
+          </a:xfrm>
+          <a:prstGeom prst="foldedCorner">
+            <a:avLst/>
+          </a:prstGeom>
+          <a:solidFill>
+            <a:schemeClr val="tx1">
+              <a:lumMod val="75000"/>
+              <a:lumOff val="25000"/>
+            </a:schemeClr>
+          </a:solidFill>
+        </p:spPr>
+        <p:style>
+          <a:lnRef idx="2">
+            <a:schemeClr val="accent1">
+              <a:shade val="50000"/>
+            </a:schemeClr>
+          </a:lnRef>
+          <a:fillRef idx="1">
+            <a:schemeClr val="accent1"/>
+          </a:fillRef>
+          <a:effectRef idx="0">
+            <a:schemeClr val="accent1"/>
+          </a:effectRef>
+          <a:fontRef idx="minor">
+            <a:schemeClr val="lt1"/>
+          </a:fontRef>
+        </p:style>
+        <p:txBody>
+          <a:bodyPr rtlCol="0" anchor="ctr"/>
+          <a:lstStyle/>
+          <a:p>
+            <a:pPr algn="ctr"/>
+            <a:r>
+              <a:rPr lang="ko-KR" altLang="en-US" sz="1050" dirty="0" smtClean="0"/>
+              <a:t>서비스 기능 정리 및 주석</a:t>
+            </a:r>
+            <a:endParaRPr lang="en-US" altLang="ko-KR" sz="1050" dirty="0" smtClean="0"/>
+          </a:p>
+          <a:p>
+            <a:pPr algn="ctr"/>
+            <a:r>
+              <a:rPr lang="en-US" altLang="ko-KR" sz="1050" dirty="0" smtClean="0"/>
+              <a:t>(~</a:t>
+            </a:r>
+            <a:r>
+              <a:rPr lang="ko-KR" altLang="en-US" sz="1050" dirty="0" smtClean="0"/>
+              <a:t>목</a:t>
+            </a:r>
+            <a:r>
+              <a:rPr lang="en-US" altLang="ko-KR" sz="1050" dirty="0" smtClean="0"/>
               <a:t>)</a:t>
             </a:r>
             <a:endParaRPr lang="ko-KR" altLang="en-US" sz="1050" dirty="0"/>

--- a/칸반보드.pptx
+++ b/칸반보드.pptx
@@ -9,6 +9,7 @@
     <p:sldId id="257" r:id="rId3"/>
     <p:sldId id="258" r:id="rId4"/>
     <p:sldId id="259" r:id="rId5"/>
+    <p:sldId id="260" r:id="rId6"/>
   </p:sldIdLst>
   <p:sldSz cx="12192000" cy="6858000"/>
   <p:notesSz cx="6858000" cy="9144000"/>
@@ -262,7 +263,7 @@
           <a:p>
             <a:fld id="{19E96057-ABBF-44EC-96AE-4EFDAE11D92C}" type="datetimeFigureOut">
               <a:rPr lang="ko-KR" altLang="en-US" smtClean="0"/>
-              <a:t>2021-07-22</a:t>
+              <a:t>2021-07-23</a:t>
             </a:fld>
             <a:endParaRPr lang="ko-KR" altLang="en-US"/>
           </a:p>
@@ -460,7 +461,7 @@
           <a:p>
             <a:fld id="{19E96057-ABBF-44EC-96AE-4EFDAE11D92C}" type="datetimeFigureOut">
               <a:rPr lang="ko-KR" altLang="en-US" smtClean="0"/>
-              <a:t>2021-07-22</a:t>
+              <a:t>2021-07-23</a:t>
             </a:fld>
             <a:endParaRPr lang="ko-KR" altLang="en-US"/>
           </a:p>
@@ -668,7 +669,7 @@
           <a:p>
             <a:fld id="{19E96057-ABBF-44EC-96AE-4EFDAE11D92C}" type="datetimeFigureOut">
               <a:rPr lang="ko-KR" altLang="en-US" smtClean="0"/>
-              <a:t>2021-07-22</a:t>
+              <a:t>2021-07-23</a:t>
             </a:fld>
             <a:endParaRPr lang="ko-KR" altLang="en-US"/>
           </a:p>
@@ -866,7 +867,7 @@
           <a:p>
             <a:fld id="{19E96057-ABBF-44EC-96AE-4EFDAE11D92C}" type="datetimeFigureOut">
               <a:rPr lang="ko-KR" altLang="en-US" smtClean="0"/>
-              <a:t>2021-07-22</a:t>
+              <a:t>2021-07-23</a:t>
             </a:fld>
             <a:endParaRPr lang="ko-KR" altLang="en-US"/>
           </a:p>
@@ -1141,7 +1142,7 @@
           <a:p>
             <a:fld id="{19E96057-ABBF-44EC-96AE-4EFDAE11D92C}" type="datetimeFigureOut">
               <a:rPr lang="ko-KR" altLang="en-US" smtClean="0"/>
-              <a:t>2021-07-22</a:t>
+              <a:t>2021-07-23</a:t>
             </a:fld>
             <a:endParaRPr lang="ko-KR" altLang="en-US"/>
           </a:p>
@@ -1406,7 +1407,7 @@
           <a:p>
             <a:fld id="{19E96057-ABBF-44EC-96AE-4EFDAE11D92C}" type="datetimeFigureOut">
               <a:rPr lang="ko-KR" altLang="en-US" smtClean="0"/>
-              <a:t>2021-07-22</a:t>
+              <a:t>2021-07-23</a:t>
             </a:fld>
             <a:endParaRPr lang="ko-KR" altLang="en-US"/>
           </a:p>
@@ -1818,7 +1819,7 @@
           <a:p>
             <a:fld id="{19E96057-ABBF-44EC-96AE-4EFDAE11D92C}" type="datetimeFigureOut">
               <a:rPr lang="ko-KR" altLang="en-US" smtClean="0"/>
-              <a:t>2021-07-22</a:t>
+              <a:t>2021-07-23</a:t>
             </a:fld>
             <a:endParaRPr lang="ko-KR" altLang="en-US"/>
           </a:p>
@@ -1959,7 +1960,7 @@
           <a:p>
             <a:fld id="{19E96057-ABBF-44EC-96AE-4EFDAE11D92C}" type="datetimeFigureOut">
               <a:rPr lang="ko-KR" altLang="en-US" smtClean="0"/>
-              <a:t>2021-07-22</a:t>
+              <a:t>2021-07-23</a:t>
             </a:fld>
             <a:endParaRPr lang="ko-KR" altLang="en-US"/>
           </a:p>
@@ -2072,7 +2073,7 @@
           <a:p>
             <a:fld id="{19E96057-ABBF-44EC-96AE-4EFDAE11D92C}" type="datetimeFigureOut">
               <a:rPr lang="ko-KR" altLang="en-US" smtClean="0"/>
-              <a:t>2021-07-22</a:t>
+              <a:t>2021-07-23</a:t>
             </a:fld>
             <a:endParaRPr lang="ko-KR" altLang="en-US"/>
           </a:p>
@@ -2383,7 +2384,7 @@
           <a:p>
             <a:fld id="{19E96057-ABBF-44EC-96AE-4EFDAE11D92C}" type="datetimeFigureOut">
               <a:rPr lang="ko-KR" altLang="en-US" smtClean="0"/>
-              <a:t>2021-07-22</a:t>
+              <a:t>2021-07-23</a:t>
             </a:fld>
             <a:endParaRPr lang="ko-KR" altLang="en-US"/>
           </a:p>
@@ -2671,7 +2672,7 @@
           <a:p>
             <a:fld id="{19E96057-ABBF-44EC-96AE-4EFDAE11D92C}" type="datetimeFigureOut">
               <a:rPr lang="ko-KR" altLang="en-US" smtClean="0"/>
-              <a:t>2021-07-22</a:t>
+              <a:t>2021-07-23</a:t>
             </a:fld>
             <a:endParaRPr lang="ko-KR" altLang="en-US"/>
           </a:p>
@@ -2912,7 +2913,7 @@
           <a:p>
             <a:fld id="{19E96057-ABBF-44EC-96AE-4EFDAE11D92C}" type="datetimeFigureOut">
               <a:rPr lang="ko-KR" altLang="en-US" smtClean="0"/>
-              <a:t>2021-07-22</a:t>
+              <a:t>2021-07-23</a:t>
             </a:fld>
             <a:endParaRPr lang="ko-KR" altLang="en-US"/>
           </a:p>
@@ -4820,76 +4821,6 @@
       </p:sp>
       <p:sp>
         <p:nvSpPr>
-          <p:cNvPr id="17" name="사각형: 모서리가 접힌 도형 16">
-            <a:extLst>
-              <a:ext uri="{FF2B5EF4-FFF2-40B4-BE49-F238E27FC236}">
-                <a16:creationId xmlns:a16="http://schemas.microsoft.com/office/drawing/2014/main" id="{BCCC5DA2-1883-4D6C-B964-B6FDC441D582}"/>
-              </a:ext>
-            </a:extLst>
-          </p:cNvPr>
-          <p:cNvSpPr/>
-          <p:nvPr/>
-        </p:nvSpPr>
-        <p:spPr>
-          <a:xfrm>
-            <a:off x="1500866" y="5500888"/>
-            <a:ext cx="1067965" cy="885852"/>
-          </a:xfrm>
-          <a:prstGeom prst="foldedCorner">
-            <a:avLst/>
-          </a:prstGeom>
-          <a:solidFill>
-            <a:schemeClr val="tx1">
-              <a:lumMod val="75000"/>
-              <a:lumOff val="25000"/>
-            </a:schemeClr>
-          </a:solidFill>
-        </p:spPr>
-        <p:style>
-          <a:lnRef idx="2">
-            <a:schemeClr val="accent1">
-              <a:shade val="50000"/>
-            </a:schemeClr>
-          </a:lnRef>
-          <a:fillRef idx="1">
-            <a:schemeClr val="accent1"/>
-          </a:fillRef>
-          <a:effectRef idx="0">
-            <a:schemeClr val="accent1"/>
-          </a:effectRef>
-          <a:fontRef idx="minor">
-            <a:schemeClr val="lt1"/>
-          </a:fontRef>
-        </p:style>
-        <p:txBody>
-          <a:bodyPr rtlCol="0" anchor="ctr"/>
-          <a:lstStyle/>
-          <a:p>
-            <a:pPr algn="ctr"/>
-            <a:r>
-              <a:rPr lang="en-US" altLang="ko-KR" sz="1050"/>
-              <a:t>[</a:t>
-            </a:r>
-            <a:r>
-              <a:rPr lang="ko-KR" altLang="en-US" sz="1050"/>
-              <a:t>관리자 메뉴</a:t>
-            </a:r>
-            <a:r>
-              <a:rPr lang="en-US" altLang="ko-KR" sz="1050"/>
-              <a:t>]</a:t>
-            </a:r>
-          </a:p>
-          <a:p>
-            <a:pPr algn="ctr"/>
-            <a:r>
-              <a:rPr lang="ko-KR" altLang="en-US" sz="1050"/>
-              <a:t>상품 추가 항목 만들기</a:t>
-            </a:r>
-          </a:p>
-        </p:txBody>
-      </p:sp>
-      <p:sp>
-        <p:nvSpPr>
           <p:cNvPr id="18" name="사각형: 모서리가 접힌 도형 17">
             <a:extLst>
               <a:ext uri="{FF2B5EF4-FFF2-40B4-BE49-F238E27FC236}">
@@ -8109,12 +8040,8 @@
           <a:p>
             <a:pPr algn="ctr"/>
             <a:r>
-              <a:rPr lang="ko-KR" altLang="en-US" sz="1050" dirty="0" smtClean="0"/>
-              <a:t>장바구니 </a:t>
-            </a:r>
-            <a:r>
               <a:rPr lang="ko-KR" altLang="en-US" sz="1050" dirty="0"/>
-              <a:t>추가</a:t>
+              <a:t>장바구니 추가</a:t>
             </a:r>
           </a:p>
         </p:txBody>
@@ -8408,23 +8335,23 @@
           <a:p>
             <a:pPr algn="ctr"/>
             <a:r>
-              <a:rPr lang="ko-KR" altLang="en-US" sz="1050" dirty="0" smtClean="0"/>
+              <a:rPr lang="ko-KR" altLang="en-US" sz="1050" dirty="0"/>
               <a:t>서비스 기능 정리 및 주석</a:t>
             </a:r>
-            <a:endParaRPr lang="en-US" altLang="ko-KR" sz="1050" dirty="0" smtClean="0"/>
+            <a:endParaRPr lang="en-US" altLang="ko-KR" sz="1050" dirty="0"/>
           </a:p>
           <a:p>
             <a:pPr algn="ctr"/>
             <a:r>
-              <a:rPr lang="en-US" altLang="ko-KR" sz="1050" dirty="0" smtClean="0"/>
+              <a:rPr lang="en-US" altLang="ko-KR" sz="1050" dirty="0"/>
               <a:t>(~</a:t>
             </a:r>
             <a:r>
-              <a:rPr lang="ko-KR" altLang="en-US" sz="1050" dirty="0" smtClean="0"/>
+              <a:rPr lang="ko-KR" altLang="en-US" sz="1050" dirty="0"/>
               <a:t>목</a:t>
             </a:r>
             <a:r>
-              <a:rPr lang="en-US" altLang="ko-KR" sz="1050" dirty="0" smtClean="0"/>
+              <a:rPr lang="en-US" altLang="ko-KR" sz="1050" dirty="0"/>
               <a:t>)</a:t>
             </a:r>
             <a:endParaRPr lang="ko-KR" altLang="en-US" sz="1050" dirty="0"/>
@@ -8480,23 +8407,23 @@
           <a:p>
             <a:pPr algn="ctr"/>
             <a:r>
-              <a:rPr lang="ko-KR" altLang="en-US" sz="1050" dirty="0" smtClean="0"/>
+              <a:rPr lang="ko-KR" altLang="en-US" sz="1050" dirty="0"/>
               <a:t>서비스 기능 정리 및 주석</a:t>
             </a:r>
-            <a:endParaRPr lang="en-US" altLang="ko-KR" sz="1050" dirty="0" smtClean="0"/>
+            <a:endParaRPr lang="en-US" altLang="ko-KR" sz="1050" dirty="0"/>
           </a:p>
           <a:p>
             <a:pPr algn="ctr"/>
             <a:r>
-              <a:rPr lang="en-US" altLang="ko-KR" sz="1050" dirty="0" smtClean="0"/>
+              <a:rPr lang="en-US" altLang="ko-KR" sz="1050" dirty="0"/>
               <a:t>(~</a:t>
             </a:r>
             <a:r>
-              <a:rPr lang="ko-KR" altLang="en-US" sz="1050" dirty="0" smtClean="0"/>
+              <a:rPr lang="ko-KR" altLang="en-US" sz="1050" dirty="0"/>
               <a:t>목</a:t>
             </a:r>
             <a:r>
-              <a:rPr lang="en-US" altLang="ko-KR" sz="1050" dirty="0" smtClean="0"/>
+              <a:rPr lang="en-US" altLang="ko-KR" sz="1050" dirty="0"/>
               <a:t>)</a:t>
             </a:r>
             <a:endParaRPr lang="ko-KR" altLang="en-US" sz="1050" dirty="0"/>
@@ -8552,10 +8479,10 @@
           <a:p>
             <a:pPr algn="ctr"/>
             <a:r>
-              <a:rPr lang="ko-KR" altLang="en-US" sz="1050" dirty="0" smtClean="0"/>
+              <a:rPr lang="ko-KR" altLang="en-US" sz="1050" dirty="0"/>
               <a:t>추천 상품 출력</a:t>
             </a:r>
-            <a:endParaRPr lang="en-US" altLang="ko-KR" sz="1050" dirty="0" smtClean="0"/>
+            <a:endParaRPr lang="en-US" altLang="ko-KR" sz="1050" dirty="0"/>
           </a:p>
         </p:txBody>
       </p:sp>
@@ -8680,23 +8607,23 @@
           <a:p>
             <a:pPr algn="ctr"/>
             <a:r>
-              <a:rPr lang="ko-KR" altLang="en-US" sz="1050" dirty="0" smtClean="0"/>
+              <a:rPr lang="ko-KR" altLang="en-US" sz="1050" dirty="0"/>
               <a:t>서비스 기능 정리 및 주석</a:t>
             </a:r>
-            <a:endParaRPr lang="en-US" altLang="ko-KR" sz="1050" dirty="0" smtClean="0"/>
+            <a:endParaRPr lang="en-US" altLang="ko-KR" sz="1050" dirty="0"/>
           </a:p>
           <a:p>
             <a:pPr algn="ctr"/>
             <a:r>
-              <a:rPr lang="en-US" altLang="ko-KR" sz="1050" dirty="0" smtClean="0"/>
+              <a:rPr lang="en-US" altLang="ko-KR" sz="1050" dirty="0"/>
               <a:t>(~</a:t>
             </a:r>
             <a:r>
-              <a:rPr lang="ko-KR" altLang="en-US" sz="1050" dirty="0" smtClean="0"/>
+              <a:rPr lang="ko-KR" altLang="en-US" sz="1050" dirty="0"/>
               <a:t>목</a:t>
             </a:r>
             <a:r>
-              <a:rPr lang="en-US" altLang="ko-KR" sz="1050" dirty="0" smtClean="0"/>
+              <a:rPr lang="en-US" altLang="ko-KR" sz="1050" dirty="0"/>
               <a:t>)</a:t>
             </a:r>
             <a:endParaRPr lang="ko-KR" altLang="en-US" sz="1050" dirty="0"/>
@@ -8707,6 +8634,1399 @@
     <p:extLst>
       <p:ext uri="{BB962C8B-B14F-4D97-AF65-F5344CB8AC3E}">
         <p14:creationId xmlns:p14="http://schemas.microsoft.com/office/powerpoint/2010/main" val="1176660464"/>
+      </p:ext>
+    </p:extLst>
+  </p:cSld>
+  <p:clrMapOvr>
+    <a:masterClrMapping/>
+  </p:clrMapOvr>
+</p:sld>
+</file>
+
+<file path=ppt/slides/slide5.xml><?xml version="1.0" encoding="utf-8"?>
+<p:sld xmlns:a="http://schemas.openxmlformats.org/drawingml/2006/main" xmlns:r="http://schemas.openxmlformats.org/officeDocument/2006/relationships" xmlns:p="http://schemas.openxmlformats.org/presentationml/2006/main">
+  <p:cSld>
+    <p:bg>
+      <p:bgPr>
+        <a:solidFill>
+          <a:schemeClr val="bg2">
+            <a:lumMod val="90000"/>
+          </a:schemeClr>
+        </a:solidFill>
+        <a:effectLst/>
+      </p:bgPr>
+    </p:bg>
+    <p:spTree>
+      <p:nvGrpSpPr>
+        <p:cNvPr id="1" name=""/>
+        <p:cNvGrpSpPr/>
+        <p:nvPr/>
+      </p:nvGrpSpPr>
+      <p:grpSpPr>
+        <a:xfrm>
+          <a:off x="0" y="0"/>
+          <a:ext cx="0" cy="0"/>
+          <a:chOff x="0" y="0"/>
+          <a:chExt cx="0" cy="0"/>
+        </a:xfrm>
+      </p:grpSpPr>
+      <p:sp>
+        <p:nvSpPr>
+          <p:cNvPr id="4" name="직사각형 3">
+            <a:extLst>
+              <a:ext uri="{FF2B5EF4-FFF2-40B4-BE49-F238E27FC236}">
+                <a16:creationId xmlns:a16="http://schemas.microsoft.com/office/drawing/2014/main" id="{1B84EBAF-0A2B-4903-A932-FF51E306C701}"/>
+              </a:ext>
+            </a:extLst>
+          </p:cNvPr>
+          <p:cNvSpPr/>
+          <p:nvPr/>
+        </p:nvSpPr>
+        <p:spPr>
+          <a:xfrm>
+            <a:off x="1427584" y="1254967"/>
+            <a:ext cx="9773038" cy="1198983"/>
+          </a:xfrm>
+          <a:prstGeom prst="rect">
+            <a:avLst/>
+          </a:prstGeom>
+          <a:solidFill>
+            <a:srgbClr val="FF0000">
+              <a:alpha val="20000"/>
+            </a:srgbClr>
+          </a:solidFill>
+          <a:ln>
+            <a:noFill/>
+          </a:ln>
+        </p:spPr>
+        <p:style>
+          <a:lnRef idx="2">
+            <a:schemeClr val="accent1">
+              <a:shade val="50000"/>
+            </a:schemeClr>
+          </a:lnRef>
+          <a:fillRef idx="1">
+            <a:schemeClr val="accent1"/>
+          </a:fillRef>
+          <a:effectRef idx="0">
+            <a:schemeClr val="accent1"/>
+          </a:effectRef>
+          <a:fontRef idx="minor">
+            <a:schemeClr val="lt1"/>
+          </a:fontRef>
+        </p:style>
+        <p:txBody>
+          <a:bodyPr rtlCol="0" anchor="ctr"/>
+          <a:lstStyle/>
+          <a:p>
+            <a:pPr algn="ctr"/>
+            <a:endParaRPr lang="ko-KR" altLang="en-US"/>
+          </a:p>
+        </p:txBody>
+      </p:sp>
+      <p:sp>
+        <p:nvSpPr>
+          <p:cNvPr id="5" name="TextBox 4">
+            <a:extLst>
+              <a:ext uri="{FF2B5EF4-FFF2-40B4-BE49-F238E27FC236}">
+                <a16:creationId xmlns:a16="http://schemas.microsoft.com/office/drawing/2014/main" id="{BECF346F-56F2-4352-AFCF-CD191492F809}"/>
+              </a:ext>
+            </a:extLst>
+          </p:cNvPr>
+          <p:cNvSpPr txBox="1"/>
+          <p:nvPr/>
+        </p:nvSpPr>
+        <p:spPr>
+          <a:xfrm>
+            <a:off x="2319099" y="523680"/>
+            <a:ext cx="1394484" cy="646331"/>
+          </a:xfrm>
+          <a:prstGeom prst="rect">
+            <a:avLst/>
+          </a:prstGeom>
+          <a:noFill/>
+        </p:spPr>
+        <p:txBody>
+          <a:bodyPr wrap="none" rtlCol="0">
+            <a:spAutoFit/>
+          </a:bodyPr>
+          <a:lstStyle/>
+          <a:p>
+            <a:r>
+              <a:rPr lang="en-US" altLang="ko-KR" sz="3600">
+                <a:latin typeface="나눔스퀘어 Bold" panose="020B0600000101010101" pitchFamily="50" charset="-127"/>
+                <a:ea typeface="나눔스퀘어 Bold" panose="020B0600000101010101" pitchFamily="50" charset="-127"/>
+              </a:rPr>
+              <a:t>To Do</a:t>
+            </a:r>
+            <a:endParaRPr lang="ko-KR" altLang="en-US" sz="3600">
+              <a:latin typeface="나눔스퀘어 Bold" panose="020B0600000101010101" pitchFamily="50" charset="-127"/>
+              <a:ea typeface="나눔스퀘어 Bold" panose="020B0600000101010101" pitchFamily="50" charset="-127"/>
+            </a:endParaRPr>
+          </a:p>
+        </p:txBody>
+      </p:sp>
+      <p:sp>
+        <p:nvSpPr>
+          <p:cNvPr id="8" name="직사각형 7">
+            <a:extLst>
+              <a:ext uri="{FF2B5EF4-FFF2-40B4-BE49-F238E27FC236}">
+                <a16:creationId xmlns:a16="http://schemas.microsoft.com/office/drawing/2014/main" id="{FE4E8BFE-B574-4FCC-B8A2-B1E58767D671}"/>
+              </a:ext>
+            </a:extLst>
+          </p:cNvPr>
+          <p:cNvSpPr/>
+          <p:nvPr/>
+        </p:nvSpPr>
+        <p:spPr>
+          <a:xfrm>
+            <a:off x="1427582" y="2614903"/>
+            <a:ext cx="9773038" cy="1198983"/>
+          </a:xfrm>
+          <a:prstGeom prst="rect">
+            <a:avLst/>
+          </a:prstGeom>
+          <a:solidFill>
+            <a:srgbClr val="FFFF00">
+              <a:alpha val="20000"/>
+            </a:srgbClr>
+          </a:solidFill>
+          <a:ln>
+            <a:noFill/>
+          </a:ln>
+        </p:spPr>
+        <p:style>
+          <a:lnRef idx="2">
+            <a:schemeClr val="accent1">
+              <a:shade val="50000"/>
+            </a:schemeClr>
+          </a:lnRef>
+          <a:fillRef idx="1">
+            <a:schemeClr val="accent1"/>
+          </a:fillRef>
+          <a:effectRef idx="0">
+            <a:schemeClr val="accent1"/>
+          </a:effectRef>
+          <a:fontRef idx="minor">
+            <a:schemeClr val="lt1"/>
+          </a:fontRef>
+        </p:style>
+        <p:txBody>
+          <a:bodyPr rtlCol="0" anchor="ctr"/>
+          <a:lstStyle/>
+          <a:p>
+            <a:pPr algn="ctr"/>
+            <a:endParaRPr lang="ko-KR" altLang="en-US"/>
+          </a:p>
+        </p:txBody>
+      </p:sp>
+      <p:sp>
+        <p:nvSpPr>
+          <p:cNvPr id="9" name="직사각형 8">
+            <a:extLst>
+              <a:ext uri="{FF2B5EF4-FFF2-40B4-BE49-F238E27FC236}">
+                <a16:creationId xmlns:a16="http://schemas.microsoft.com/office/drawing/2014/main" id="{68974D7F-CCE5-4593-B1F0-D65AAC486F7D}"/>
+              </a:ext>
+            </a:extLst>
+          </p:cNvPr>
+          <p:cNvSpPr/>
+          <p:nvPr/>
+        </p:nvSpPr>
+        <p:spPr>
+          <a:xfrm>
+            <a:off x="1427582" y="3944516"/>
+            <a:ext cx="9773038" cy="1198983"/>
+          </a:xfrm>
+          <a:prstGeom prst="rect">
+            <a:avLst/>
+          </a:prstGeom>
+          <a:solidFill>
+            <a:srgbClr val="00B050">
+              <a:alpha val="20000"/>
+            </a:srgbClr>
+          </a:solidFill>
+          <a:ln>
+            <a:noFill/>
+          </a:ln>
+        </p:spPr>
+        <p:style>
+          <a:lnRef idx="2">
+            <a:schemeClr val="accent1">
+              <a:shade val="50000"/>
+            </a:schemeClr>
+          </a:lnRef>
+          <a:fillRef idx="1">
+            <a:schemeClr val="accent1"/>
+          </a:fillRef>
+          <a:effectRef idx="0">
+            <a:schemeClr val="accent1"/>
+          </a:effectRef>
+          <a:fontRef idx="minor">
+            <a:schemeClr val="lt1"/>
+          </a:fontRef>
+        </p:style>
+        <p:txBody>
+          <a:bodyPr rtlCol="0" anchor="ctr"/>
+          <a:lstStyle/>
+          <a:p>
+            <a:pPr algn="ctr"/>
+            <a:endParaRPr lang="ko-KR" altLang="en-US"/>
+          </a:p>
+        </p:txBody>
+      </p:sp>
+      <p:sp>
+        <p:nvSpPr>
+          <p:cNvPr id="10" name="직사각형 9">
+            <a:extLst>
+              <a:ext uri="{FF2B5EF4-FFF2-40B4-BE49-F238E27FC236}">
+                <a16:creationId xmlns:a16="http://schemas.microsoft.com/office/drawing/2014/main" id="{A8A744CC-536E-4000-A0E0-93568EA97CB6}"/>
+              </a:ext>
+            </a:extLst>
+          </p:cNvPr>
+          <p:cNvSpPr/>
+          <p:nvPr/>
+        </p:nvSpPr>
+        <p:spPr>
+          <a:xfrm>
+            <a:off x="1427581" y="5288123"/>
+            <a:ext cx="9773038" cy="1198983"/>
+          </a:xfrm>
+          <a:prstGeom prst="rect">
+            <a:avLst/>
+          </a:prstGeom>
+          <a:solidFill>
+            <a:srgbClr val="002060">
+              <a:alpha val="20000"/>
+            </a:srgbClr>
+          </a:solidFill>
+          <a:ln>
+            <a:noFill/>
+          </a:ln>
+        </p:spPr>
+        <p:style>
+          <a:lnRef idx="2">
+            <a:schemeClr val="accent1">
+              <a:shade val="50000"/>
+            </a:schemeClr>
+          </a:lnRef>
+          <a:fillRef idx="1">
+            <a:schemeClr val="accent1"/>
+          </a:fillRef>
+          <a:effectRef idx="0">
+            <a:schemeClr val="accent1"/>
+          </a:effectRef>
+          <a:fontRef idx="minor">
+            <a:schemeClr val="lt1"/>
+          </a:fontRef>
+        </p:style>
+        <p:txBody>
+          <a:bodyPr rtlCol="0" anchor="ctr"/>
+          <a:lstStyle/>
+          <a:p>
+            <a:pPr algn="ctr"/>
+            <a:endParaRPr lang="ko-KR" altLang="en-US"/>
+          </a:p>
+        </p:txBody>
+      </p:sp>
+      <p:cxnSp>
+        <p:nvCxnSpPr>
+          <p:cNvPr id="12" name="직선 연결선 11">
+            <a:extLst>
+              <a:ext uri="{FF2B5EF4-FFF2-40B4-BE49-F238E27FC236}">
+                <a16:creationId xmlns:a16="http://schemas.microsoft.com/office/drawing/2014/main" id="{DC85EB95-36F1-44ED-9CD7-FF29E510531E}"/>
+              </a:ext>
+            </a:extLst>
+          </p:cNvPr>
+          <p:cNvCxnSpPr>
+            <a:cxnSpLocks/>
+          </p:cNvCxnSpPr>
+          <p:nvPr/>
+        </p:nvCxnSpPr>
+        <p:spPr>
+          <a:xfrm>
+            <a:off x="5179072" y="1254967"/>
+            <a:ext cx="0" cy="5232139"/>
+          </a:xfrm>
+          <a:prstGeom prst="line">
+            <a:avLst/>
+          </a:prstGeom>
+          <a:ln>
+            <a:solidFill>
+              <a:schemeClr val="bg1"/>
+            </a:solidFill>
+          </a:ln>
+        </p:spPr>
+        <p:style>
+          <a:lnRef idx="1">
+            <a:schemeClr val="accent1"/>
+          </a:lnRef>
+          <a:fillRef idx="0">
+            <a:schemeClr val="accent1"/>
+          </a:fillRef>
+          <a:effectRef idx="0">
+            <a:schemeClr val="accent1"/>
+          </a:effectRef>
+          <a:fontRef idx="minor">
+            <a:schemeClr val="tx1"/>
+          </a:fontRef>
+        </p:style>
+      </p:cxnSp>
+      <p:sp>
+        <p:nvSpPr>
+          <p:cNvPr id="14" name="TextBox 13">
+            <a:extLst>
+              <a:ext uri="{FF2B5EF4-FFF2-40B4-BE49-F238E27FC236}">
+                <a16:creationId xmlns:a16="http://schemas.microsoft.com/office/drawing/2014/main" id="{A0E737BC-FD52-4F4B-B3E5-B8CF7A961814}"/>
+              </a:ext>
+            </a:extLst>
+          </p:cNvPr>
+          <p:cNvSpPr txBox="1"/>
+          <p:nvPr/>
+        </p:nvSpPr>
+        <p:spPr>
+          <a:xfrm>
+            <a:off x="5590985" y="523679"/>
+            <a:ext cx="1446230" cy="646331"/>
+          </a:xfrm>
+          <a:prstGeom prst="rect">
+            <a:avLst/>
+          </a:prstGeom>
+          <a:noFill/>
+        </p:spPr>
+        <p:txBody>
+          <a:bodyPr wrap="none" rtlCol="0">
+            <a:spAutoFit/>
+          </a:bodyPr>
+          <a:lstStyle/>
+          <a:p>
+            <a:r>
+              <a:rPr lang="en-US" altLang="ko-KR" sz="3600">
+                <a:latin typeface="나눔스퀘어 Bold" panose="020B0600000101010101" pitchFamily="50" charset="-127"/>
+                <a:ea typeface="나눔스퀘어 Bold" panose="020B0600000101010101" pitchFamily="50" charset="-127"/>
+              </a:rPr>
+              <a:t>Doing</a:t>
+            </a:r>
+            <a:endParaRPr lang="ko-KR" altLang="en-US" sz="3600">
+              <a:latin typeface="나눔스퀘어 Bold" panose="020B0600000101010101" pitchFamily="50" charset="-127"/>
+              <a:ea typeface="나눔스퀘어 Bold" panose="020B0600000101010101" pitchFamily="50" charset="-127"/>
+            </a:endParaRPr>
+          </a:p>
+        </p:txBody>
+      </p:sp>
+      <p:sp>
+        <p:nvSpPr>
+          <p:cNvPr id="15" name="TextBox 14">
+            <a:extLst>
+              <a:ext uri="{FF2B5EF4-FFF2-40B4-BE49-F238E27FC236}">
+                <a16:creationId xmlns:a16="http://schemas.microsoft.com/office/drawing/2014/main" id="{A5B5FD08-F728-4D59-8F50-59F1A661BAEC}"/>
+              </a:ext>
+            </a:extLst>
+          </p:cNvPr>
+          <p:cNvSpPr txBox="1"/>
+          <p:nvPr/>
+        </p:nvSpPr>
+        <p:spPr>
+          <a:xfrm>
+            <a:off x="8914617" y="523678"/>
+            <a:ext cx="1309974" cy="646331"/>
+          </a:xfrm>
+          <a:prstGeom prst="rect">
+            <a:avLst/>
+          </a:prstGeom>
+          <a:noFill/>
+        </p:spPr>
+        <p:txBody>
+          <a:bodyPr wrap="none" rtlCol="0">
+            <a:spAutoFit/>
+          </a:bodyPr>
+          <a:lstStyle/>
+          <a:p>
+            <a:r>
+              <a:rPr lang="en-US" altLang="ko-KR" sz="3600">
+                <a:latin typeface="나눔스퀘어 Bold" panose="020B0600000101010101" pitchFamily="50" charset="-127"/>
+                <a:ea typeface="나눔스퀘어 Bold" panose="020B0600000101010101" pitchFamily="50" charset="-127"/>
+              </a:rPr>
+              <a:t>Done</a:t>
+            </a:r>
+            <a:endParaRPr lang="ko-KR" altLang="en-US" sz="3600">
+              <a:latin typeface="나눔스퀘어 Bold" panose="020B0600000101010101" pitchFamily="50" charset="-127"/>
+              <a:ea typeface="나눔스퀘어 Bold" panose="020B0600000101010101" pitchFamily="50" charset="-127"/>
+            </a:endParaRPr>
+          </a:p>
+        </p:txBody>
+      </p:sp>
+      <p:sp>
+        <p:nvSpPr>
+          <p:cNvPr id="20" name="TextBox 19">
+            <a:extLst>
+              <a:ext uri="{FF2B5EF4-FFF2-40B4-BE49-F238E27FC236}">
+                <a16:creationId xmlns:a16="http://schemas.microsoft.com/office/drawing/2014/main" id="{0441CE23-9CFD-46E8-8BFA-7AC6FF2DB2A9}"/>
+              </a:ext>
+            </a:extLst>
+          </p:cNvPr>
+          <p:cNvSpPr txBox="1"/>
+          <p:nvPr/>
+        </p:nvSpPr>
+        <p:spPr>
+          <a:xfrm rot="16200000">
+            <a:off x="587214" y="1623625"/>
+            <a:ext cx="1026243" cy="461665"/>
+          </a:xfrm>
+          <a:prstGeom prst="rect">
+            <a:avLst/>
+          </a:prstGeom>
+          <a:noFill/>
+        </p:spPr>
+        <p:txBody>
+          <a:bodyPr wrap="none" rtlCol="0">
+            <a:spAutoFit/>
+          </a:bodyPr>
+          <a:lstStyle/>
+          <a:p>
+            <a:r>
+              <a:rPr lang="ko-KR" altLang="en-US" sz="2400">
+                <a:latin typeface="나눔스퀘어 Bold" panose="020B0600000101010101" pitchFamily="50" charset="-127"/>
+                <a:ea typeface="나눔스퀘어 Bold" panose="020B0600000101010101" pitchFamily="50" charset="-127"/>
+              </a:rPr>
+              <a:t>김승철</a:t>
+            </a:r>
+          </a:p>
+        </p:txBody>
+      </p:sp>
+      <p:sp>
+        <p:nvSpPr>
+          <p:cNvPr id="21" name="TextBox 20">
+            <a:extLst>
+              <a:ext uri="{FF2B5EF4-FFF2-40B4-BE49-F238E27FC236}">
+                <a16:creationId xmlns:a16="http://schemas.microsoft.com/office/drawing/2014/main" id="{9CF3ECB3-977A-4271-929F-0386AF467B83}"/>
+              </a:ext>
+            </a:extLst>
+          </p:cNvPr>
+          <p:cNvSpPr txBox="1"/>
+          <p:nvPr/>
+        </p:nvSpPr>
+        <p:spPr>
+          <a:xfrm rot="16200000">
+            <a:off x="567876" y="5642786"/>
+            <a:ext cx="1026243" cy="461665"/>
+          </a:xfrm>
+          <a:prstGeom prst="rect">
+            <a:avLst/>
+          </a:prstGeom>
+          <a:noFill/>
+        </p:spPr>
+        <p:txBody>
+          <a:bodyPr wrap="none" rtlCol="0">
+            <a:spAutoFit/>
+          </a:bodyPr>
+          <a:lstStyle/>
+          <a:p>
+            <a:r>
+              <a:rPr lang="ko-KR" altLang="en-US" sz="2400">
+                <a:latin typeface="나눔스퀘어 Bold" panose="020B0600000101010101" pitchFamily="50" charset="-127"/>
+                <a:ea typeface="나눔스퀘어 Bold" panose="020B0600000101010101" pitchFamily="50" charset="-127"/>
+              </a:rPr>
+              <a:t>김인철</a:t>
+            </a:r>
+          </a:p>
+        </p:txBody>
+      </p:sp>
+      <p:sp>
+        <p:nvSpPr>
+          <p:cNvPr id="22" name="TextBox 21">
+            <a:extLst>
+              <a:ext uri="{FF2B5EF4-FFF2-40B4-BE49-F238E27FC236}">
+                <a16:creationId xmlns:a16="http://schemas.microsoft.com/office/drawing/2014/main" id="{ADDBDFE2-F631-49F2-91DA-1D2AF5E108C8}"/>
+              </a:ext>
+            </a:extLst>
+          </p:cNvPr>
+          <p:cNvSpPr txBox="1"/>
+          <p:nvPr/>
+        </p:nvSpPr>
+        <p:spPr>
+          <a:xfrm rot="16200000">
+            <a:off x="567876" y="4313174"/>
+            <a:ext cx="1026243" cy="461665"/>
+          </a:xfrm>
+          <a:prstGeom prst="rect">
+            <a:avLst/>
+          </a:prstGeom>
+          <a:noFill/>
+        </p:spPr>
+        <p:txBody>
+          <a:bodyPr wrap="none" rtlCol="0">
+            <a:spAutoFit/>
+          </a:bodyPr>
+          <a:lstStyle/>
+          <a:p>
+            <a:r>
+              <a:rPr lang="ko-KR" altLang="en-US" sz="2400">
+                <a:latin typeface="나눔스퀘어 Bold" panose="020B0600000101010101" pitchFamily="50" charset="-127"/>
+                <a:ea typeface="나눔스퀘어 Bold" panose="020B0600000101010101" pitchFamily="50" charset="-127"/>
+              </a:rPr>
+              <a:t>김민주</a:t>
+            </a:r>
+          </a:p>
+        </p:txBody>
+      </p:sp>
+      <p:sp>
+        <p:nvSpPr>
+          <p:cNvPr id="23" name="TextBox 22">
+            <a:extLst>
+              <a:ext uri="{FF2B5EF4-FFF2-40B4-BE49-F238E27FC236}">
+                <a16:creationId xmlns:a16="http://schemas.microsoft.com/office/drawing/2014/main" id="{DF5E7D36-64E5-484E-87DD-402055396757}"/>
+              </a:ext>
+            </a:extLst>
+          </p:cNvPr>
+          <p:cNvSpPr txBox="1"/>
+          <p:nvPr/>
+        </p:nvSpPr>
+        <p:spPr>
+          <a:xfrm rot="16200000">
+            <a:off x="567877" y="2983561"/>
+            <a:ext cx="1026243" cy="461665"/>
+          </a:xfrm>
+          <a:prstGeom prst="rect">
+            <a:avLst/>
+          </a:prstGeom>
+          <a:noFill/>
+        </p:spPr>
+        <p:txBody>
+          <a:bodyPr wrap="none" rtlCol="0">
+            <a:spAutoFit/>
+          </a:bodyPr>
+          <a:lstStyle/>
+          <a:p>
+            <a:r>
+              <a:rPr lang="ko-KR" altLang="en-US" sz="2400">
+                <a:latin typeface="나눔스퀘어 Bold" panose="020B0600000101010101" pitchFamily="50" charset="-127"/>
+                <a:ea typeface="나눔스퀘어 Bold" panose="020B0600000101010101" pitchFamily="50" charset="-127"/>
+              </a:rPr>
+              <a:t>편이슬</a:t>
+            </a:r>
+          </a:p>
+        </p:txBody>
+      </p:sp>
+      <p:sp>
+        <p:nvSpPr>
+          <p:cNvPr id="25" name="사각형: 둥근 모서리 24">
+            <a:extLst>
+              <a:ext uri="{FF2B5EF4-FFF2-40B4-BE49-F238E27FC236}">
+                <a16:creationId xmlns:a16="http://schemas.microsoft.com/office/drawing/2014/main" id="{EC5ED9F5-91E5-414A-A134-480CB1CCA16A}"/>
+              </a:ext>
+            </a:extLst>
+          </p:cNvPr>
+          <p:cNvSpPr/>
+          <p:nvPr/>
+        </p:nvSpPr>
+        <p:spPr>
+          <a:xfrm>
+            <a:off x="0" y="18258"/>
+            <a:ext cx="1447920" cy="505420"/>
+          </a:xfrm>
+          <a:prstGeom prst="roundRect">
+            <a:avLst/>
+          </a:prstGeom>
+          <a:noFill/>
+          <a:ln w="41275">
+            <a:solidFill>
+              <a:srgbClr val="FF0000"/>
+            </a:solidFill>
+          </a:ln>
+        </p:spPr>
+        <p:style>
+          <a:lnRef idx="2">
+            <a:schemeClr val="accent1">
+              <a:shade val="50000"/>
+            </a:schemeClr>
+          </a:lnRef>
+          <a:fillRef idx="1">
+            <a:schemeClr val="accent1"/>
+          </a:fillRef>
+          <a:effectRef idx="0">
+            <a:schemeClr val="accent1"/>
+          </a:effectRef>
+          <a:fontRef idx="minor">
+            <a:schemeClr val="lt1"/>
+          </a:fontRef>
+        </p:style>
+        <p:txBody>
+          <a:bodyPr rtlCol="0" anchor="ctr"/>
+          <a:lstStyle/>
+          <a:p>
+            <a:pPr algn="ctr"/>
+            <a:r>
+              <a:rPr lang="en-US" altLang="ko-KR">
+                <a:solidFill>
+                  <a:schemeClr val="tx1"/>
+                </a:solidFill>
+              </a:rPr>
+              <a:t>2021-07-23</a:t>
+            </a:r>
+          </a:p>
+          <a:p>
+            <a:pPr algn="ctr"/>
+            <a:r>
+              <a:rPr lang="en-US" altLang="ko-KR" sz="1200">
+                <a:solidFill>
+                  <a:schemeClr val="tx1"/>
+                </a:solidFill>
+              </a:rPr>
+              <a:t>Givengel</a:t>
+            </a:r>
+            <a:endParaRPr lang="ko-KR" altLang="en-US" sz="1200">
+              <a:solidFill>
+                <a:schemeClr val="tx1"/>
+              </a:solidFill>
+            </a:endParaRPr>
+          </a:p>
+        </p:txBody>
+      </p:sp>
+      <p:cxnSp>
+        <p:nvCxnSpPr>
+          <p:cNvPr id="33" name="직선 연결선 32">
+            <a:extLst>
+              <a:ext uri="{FF2B5EF4-FFF2-40B4-BE49-F238E27FC236}">
+                <a16:creationId xmlns:a16="http://schemas.microsoft.com/office/drawing/2014/main" id="{620AF5B9-F4A0-41E0-B508-86FA9E0B5B33}"/>
+              </a:ext>
+            </a:extLst>
+          </p:cNvPr>
+          <p:cNvCxnSpPr>
+            <a:cxnSpLocks/>
+          </p:cNvCxnSpPr>
+          <p:nvPr/>
+        </p:nvCxnSpPr>
+        <p:spPr>
+          <a:xfrm>
+            <a:off x="7609786" y="1254966"/>
+            <a:ext cx="0" cy="5232139"/>
+          </a:xfrm>
+          <a:prstGeom prst="line">
+            <a:avLst/>
+          </a:prstGeom>
+          <a:ln>
+            <a:solidFill>
+              <a:schemeClr val="bg1"/>
+            </a:solidFill>
+          </a:ln>
+        </p:spPr>
+        <p:style>
+          <a:lnRef idx="1">
+            <a:schemeClr val="accent1"/>
+          </a:lnRef>
+          <a:fillRef idx="0">
+            <a:schemeClr val="accent1"/>
+          </a:fillRef>
+          <a:effectRef idx="0">
+            <a:schemeClr val="accent1"/>
+          </a:effectRef>
+          <a:fontRef idx="minor">
+            <a:schemeClr val="tx1"/>
+          </a:fontRef>
+        </p:style>
+      </p:cxnSp>
+      <p:sp>
+        <p:nvSpPr>
+          <p:cNvPr id="39" name="사각형: 모서리가 접힌 도형 36">
+            <a:extLst>
+              <a:ext uri="{FF2B5EF4-FFF2-40B4-BE49-F238E27FC236}">
+                <a16:creationId xmlns:a16="http://schemas.microsoft.com/office/drawing/2014/main" id="{7D4EE499-6890-42C2-8BD4-B55FA396DD81}"/>
+              </a:ext>
+            </a:extLst>
+          </p:cNvPr>
+          <p:cNvSpPr/>
+          <p:nvPr/>
+        </p:nvSpPr>
+        <p:spPr>
+          <a:xfrm>
+            <a:off x="1588237" y="1384167"/>
+            <a:ext cx="1067965" cy="885852"/>
+          </a:xfrm>
+          <a:prstGeom prst="foldedCorner">
+            <a:avLst/>
+          </a:prstGeom>
+          <a:solidFill>
+            <a:schemeClr val="tx1">
+              <a:lumMod val="75000"/>
+              <a:lumOff val="25000"/>
+            </a:schemeClr>
+          </a:solidFill>
+        </p:spPr>
+        <p:style>
+          <a:lnRef idx="2">
+            <a:schemeClr val="accent1">
+              <a:shade val="50000"/>
+            </a:schemeClr>
+          </a:lnRef>
+          <a:fillRef idx="1">
+            <a:schemeClr val="accent1"/>
+          </a:fillRef>
+          <a:effectRef idx="0">
+            <a:schemeClr val="accent1"/>
+          </a:effectRef>
+          <a:fontRef idx="minor">
+            <a:schemeClr val="lt1"/>
+          </a:fontRef>
+        </p:style>
+        <p:txBody>
+          <a:bodyPr rtlCol="0" anchor="ctr"/>
+          <a:lstStyle/>
+          <a:p>
+            <a:pPr algn="ctr"/>
+            <a:r>
+              <a:rPr lang="ko-KR" altLang="en-US" sz="1050" dirty="0"/>
+              <a:t>서비스 기능 정리 </a:t>
+            </a:r>
+            <a:r>
+              <a:rPr lang="ko-KR" altLang="en-US" sz="1050"/>
+              <a:t>및 주석</a:t>
+            </a:r>
+            <a:endParaRPr lang="en-US" altLang="ko-KR" sz="1050" dirty="0"/>
+          </a:p>
+        </p:txBody>
+      </p:sp>
+      <p:sp>
+        <p:nvSpPr>
+          <p:cNvPr id="40" name="사각형: 모서리가 접힌 도형 31">
+            <a:extLst>
+              <a:ext uri="{FF2B5EF4-FFF2-40B4-BE49-F238E27FC236}">
+                <a16:creationId xmlns:a16="http://schemas.microsoft.com/office/drawing/2014/main" id="{9E1977DF-8F33-4C45-A37F-A385715CA840}"/>
+              </a:ext>
+            </a:extLst>
+          </p:cNvPr>
+          <p:cNvSpPr/>
+          <p:nvPr/>
+        </p:nvSpPr>
+        <p:spPr>
+          <a:xfrm>
+            <a:off x="7862596" y="4155794"/>
+            <a:ext cx="1067965" cy="825808"/>
+          </a:xfrm>
+          <a:prstGeom prst="foldedCorner">
+            <a:avLst/>
+          </a:prstGeom>
+          <a:solidFill>
+            <a:schemeClr val="tx1">
+              <a:lumMod val="75000"/>
+              <a:lumOff val="25000"/>
+            </a:schemeClr>
+          </a:solidFill>
+        </p:spPr>
+        <p:style>
+          <a:lnRef idx="2">
+            <a:schemeClr val="accent1">
+              <a:shade val="50000"/>
+            </a:schemeClr>
+          </a:lnRef>
+          <a:fillRef idx="1">
+            <a:schemeClr val="accent1"/>
+          </a:fillRef>
+          <a:effectRef idx="0">
+            <a:schemeClr val="accent1"/>
+          </a:effectRef>
+          <a:fontRef idx="minor">
+            <a:schemeClr val="lt1"/>
+          </a:fontRef>
+        </p:style>
+        <p:txBody>
+          <a:bodyPr rtlCol="0" anchor="ctr"/>
+          <a:lstStyle/>
+          <a:p>
+            <a:pPr algn="ctr"/>
+            <a:r>
+              <a:rPr lang="ko-KR" altLang="en-US" sz="1050"/>
+              <a:t>장바구니</a:t>
+            </a:r>
+            <a:r>
+              <a:rPr lang="en-US" altLang="ko-KR" sz="1050"/>
+              <a:t>, </a:t>
+            </a:r>
+            <a:r>
+              <a:rPr lang="ko-KR" altLang="en-US" sz="1050"/>
+              <a:t>판매 서비스 매듭 짓기</a:t>
+            </a:r>
+            <a:endParaRPr lang="en-US" altLang="ko-KR" sz="1050" dirty="0"/>
+          </a:p>
+        </p:txBody>
+      </p:sp>
+      <p:sp>
+        <p:nvSpPr>
+          <p:cNvPr id="41" name="사각형: 모서리가 접힌 도형 31">
+            <a:extLst>
+              <a:ext uri="{FF2B5EF4-FFF2-40B4-BE49-F238E27FC236}">
+                <a16:creationId xmlns:a16="http://schemas.microsoft.com/office/drawing/2014/main" id="{9E1977DF-8F33-4C45-A37F-A385715CA840}"/>
+              </a:ext>
+            </a:extLst>
+          </p:cNvPr>
+          <p:cNvSpPr/>
+          <p:nvPr/>
+        </p:nvSpPr>
+        <p:spPr>
+          <a:xfrm>
+            <a:off x="1553989" y="4131102"/>
+            <a:ext cx="1067965" cy="825808"/>
+          </a:xfrm>
+          <a:prstGeom prst="foldedCorner">
+            <a:avLst/>
+          </a:prstGeom>
+          <a:solidFill>
+            <a:schemeClr val="tx1">
+              <a:lumMod val="75000"/>
+              <a:lumOff val="25000"/>
+            </a:schemeClr>
+          </a:solidFill>
+        </p:spPr>
+        <p:style>
+          <a:lnRef idx="2">
+            <a:schemeClr val="accent1">
+              <a:shade val="50000"/>
+            </a:schemeClr>
+          </a:lnRef>
+          <a:fillRef idx="1">
+            <a:schemeClr val="accent1"/>
+          </a:fillRef>
+          <a:effectRef idx="0">
+            <a:schemeClr val="accent1"/>
+          </a:effectRef>
+          <a:fontRef idx="minor">
+            <a:schemeClr val="lt1"/>
+          </a:fontRef>
+        </p:style>
+        <p:txBody>
+          <a:bodyPr rtlCol="0" anchor="ctr"/>
+          <a:lstStyle/>
+          <a:p>
+            <a:pPr algn="ctr"/>
+            <a:r>
+              <a:rPr lang="ko-KR" altLang="en-US" sz="1050"/>
+              <a:t>페이징</a:t>
+            </a:r>
+            <a:r>
+              <a:rPr lang="en-US" altLang="ko-KR" sz="1050"/>
+              <a:t> </a:t>
+            </a:r>
+            <a:r>
+              <a:rPr lang="ko-KR" altLang="en-US" sz="1050"/>
+              <a:t>처리</a:t>
+            </a:r>
+            <a:endParaRPr lang="ko-KR" altLang="en-US" sz="1050" dirty="0"/>
+          </a:p>
+        </p:txBody>
+      </p:sp>
+      <p:sp>
+        <p:nvSpPr>
+          <p:cNvPr id="24" name="사각형: 모서리가 접힌 도형 23">
+            <a:extLst>
+              <a:ext uri="{FF2B5EF4-FFF2-40B4-BE49-F238E27FC236}">
+                <a16:creationId xmlns:a16="http://schemas.microsoft.com/office/drawing/2014/main" id="{371AE38D-BCE9-4300-89CC-B515DC929C2F}"/>
+              </a:ext>
+            </a:extLst>
+          </p:cNvPr>
+          <p:cNvSpPr/>
+          <p:nvPr/>
+        </p:nvSpPr>
+        <p:spPr>
+          <a:xfrm>
+            <a:off x="5421882" y="5448469"/>
+            <a:ext cx="1067965" cy="885852"/>
+          </a:xfrm>
+          <a:prstGeom prst="foldedCorner">
+            <a:avLst/>
+          </a:prstGeom>
+          <a:solidFill>
+            <a:schemeClr val="tx1">
+              <a:lumMod val="75000"/>
+              <a:lumOff val="25000"/>
+            </a:schemeClr>
+          </a:solidFill>
+        </p:spPr>
+        <p:style>
+          <a:lnRef idx="2">
+            <a:schemeClr val="accent1">
+              <a:shade val="50000"/>
+            </a:schemeClr>
+          </a:lnRef>
+          <a:fillRef idx="1">
+            <a:schemeClr val="accent1"/>
+          </a:fillRef>
+          <a:effectRef idx="0">
+            <a:schemeClr val="accent1"/>
+          </a:effectRef>
+          <a:fontRef idx="minor">
+            <a:schemeClr val="lt1"/>
+          </a:fontRef>
+        </p:style>
+        <p:txBody>
+          <a:bodyPr rtlCol="0" anchor="ctr"/>
+          <a:lstStyle/>
+          <a:p>
+            <a:pPr algn="ctr"/>
+            <a:r>
+              <a:rPr lang="en-US" altLang="ko-KR" sz="1050"/>
+              <a:t>[</a:t>
+            </a:r>
+            <a:r>
+              <a:rPr lang="ko-KR" altLang="en-US" sz="1050"/>
+              <a:t>관리자 메뉴</a:t>
+            </a:r>
+            <a:r>
+              <a:rPr lang="en-US" altLang="ko-KR" sz="1050"/>
+              <a:t>]</a:t>
+            </a:r>
+          </a:p>
+          <a:p>
+            <a:pPr algn="ctr"/>
+            <a:r>
+              <a:rPr lang="ko-KR" altLang="en-US" sz="1050"/>
+              <a:t>상품 수정</a:t>
+            </a:r>
+            <a:r>
+              <a:rPr lang="en-US" altLang="ko-KR" sz="1050"/>
+              <a:t>,</a:t>
+            </a:r>
+            <a:r>
+              <a:rPr lang="ko-KR" altLang="en-US" sz="1050"/>
+              <a:t>삭제</a:t>
+            </a:r>
+          </a:p>
+        </p:txBody>
+      </p:sp>
+      <p:sp>
+        <p:nvSpPr>
+          <p:cNvPr id="26" name="사각형: 모서리가 접힌 도형 25">
+            <a:extLst>
+              <a:ext uri="{FF2B5EF4-FFF2-40B4-BE49-F238E27FC236}">
+                <a16:creationId xmlns:a16="http://schemas.microsoft.com/office/drawing/2014/main" id="{5D761F29-31F2-40F8-8E28-F472282564CD}"/>
+              </a:ext>
+            </a:extLst>
+          </p:cNvPr>
+          <p:cNvSpPr/>
+          <p:nvPr/>
+        </p:nvSpPr>
+        <p:spPr>
+          <a:xfrm>
+            <a:off x="7846652" y="5491528"/>
+            <a:ext cx="1067965" cy="885852"/>
+          </a:xfrm>
+          <a:prstGeom prst="foldedCorner">
+            <a:avLst/>
+          </a:prstGeom>
+          <a:solidFill>
+            <a:schemeClr val="tx1">
+              <a:lumMod val="75000"/>
+              <a:lumOff val="25000"/>
+            </a:schemeClr>
+          </a:solidFill>
+        </p:spPr>
+        <p:style>
+          <a:lnRef idx="2">
+            <a:schemeClr val="accent1">
+              <a:shade val="50000"/>
+            </a:schemeClr>
+          </a:lnRef>
+          <a:fillRef idx="1">
+            <a:schemeClr val="accent1"/>
+          </a:fillRef>
+          <a:effectRef idx="0">
+            <a:schemeClr val="accent1"/>
+          </a:effectRef>
+          <a:fontRef idx="minor">
+            <a:schemeClr val="lt1"/>
+          </a:fontRef>
+        </p:style>
+        <p:txBody>
+          <a:bodyPr rtlCol="0" anchor="ctr"/>
+          <a:lstStyle/>
+          <a:p>
+            <a:pPr algn="ctr"/>
+            <a:r>
+              <a:rPr lang="en-US" altLang="ko-KR" sz="1050"/>
+              <a:t>[</a:t>
+            </a:r>
+            <a:r>
+              <a:rPr lang="ko-KR" altLang="en-US" sz="1050"/>
+              <a:t>관리자 메뉴</a:t>
+            </a:r>
+            <a:r>
+              <a:rPr lang="en-US" altLang="ko-KR" sz="1050"/>
+              <a:t>]</a:t>
+            </a:r>
+          </a:p>
+          <a:p>
+            <a:pPr algn="ctr"/>
+            <a:r>
+              <a:rPr lang="ko-KR" altLang="en-US" sz="1050"/>
+              <a:t>후원 단체 수정</a:t>
+            </a:r>
+            <a:r>
+              <a:rPr lang="en-US" altLang="ko-KR" sz="1050"/>
+              <a:t>, </a:t>
+            </a:r>
+            <a:r>
+              <a:rPr lang="ko-KR" altLang="en-US" sz="1050"/>
+              <a:t>삭제</a:t>
+            </a:r>
+          </a:p>
+        </p:txBody>
+      </p:sp>
+      <p:sp>
+        <p:nvSpPr>
+          <p:cNvPr id="27" name="사각형: 모서리가 접힌 도형 26">
+            <a:extLst>
+              <a:ext uri="{FF2B5EF4-FFF2-40B4-BE49-F238E27FC236}">
+                <a16:creationId xmlns:a16="http://schemas.microsoft.com/office/drawing/2014/main" id="{98B0ECE4-EBA6-48C7-8248-5167877488C8}"/>
+              </a:ext>
+            </a:extLst>
+          </p:cNvPr>
+          <p:cNvSpPr/>
+          <p:nvPr/>
+        </p:nvSpPr>
+        <p:spPr>
+          <a:xfrm>
+            <a:off x="1595262" y="5462185"/>
+            <a:ext cx="1067965" cy="885852"/>
+          </a:xfrm>
+          <a:prstGeom prst="foldedCorner">
+            <a:avLst/>
+          </a:prstGeom>
+          <a:solidFill>
+            <a:schemeClr val="tx1">
+              <a:lumMod val="75000"/>
+              <a:lumOff val="25000"/>
+            </a:schemeClr>
+          </a:solidFill>
+        </p:spPr>
+        <p:style>
+          <a:lnRef idx="2">
+            <a:schemeClr val="accent1">
+              <a:shade val="50000"/>
+            </a:schemeClr>
+          </a:lnRef>
+          <a:fillRef idx="1">
+            <a:schemeClr val="accent1"/>
+          </a:fillRef>
+          <a:effectRef idx="0">
+            <a:schemeClr val="accent1"/>
+          </a:effectRef>
+          <a:fontRef idx="minor">
+            <a:schemeClr val="lt1"/>
+          </a:fontRef>
+        </p:style>
+        <p:txBody>
+          <a:bodyPr rtlCol="0" anchor="ctr"/>
+          <a:lstStyle/>
+          <a:p>
+            <a:pPr algn="ctr"/>
+            <a:r>
+              <a:rPr lang="en-US" altLang="ko-KR" sz="1050"/>
+              <a:t>[</a:t>
+            </a:r>
+            <a:r>
+              <a:rPr lang="ko-KR" altLang="en-US" sz="1050"/>
+              <a:t>관리자 메뉴</a:t>
+            </a:r>
+            <a:r>
+              <a:rPr lang="en-US" altLang="ko-KR" sz="1050"/>
+              <a:t>]</a:t>
+            </a:r>
+          </a:p>
+          <a:p>
+            <a:pPr algn="ctr"/>
+            <a:r>
+              <a:rPr lang="ko-KR" altLang="en-US" sz="1050"/>
+              <a:t>개발자 계정 관리 만들기</a:t>
+            </a:r>
+          </a:p>
+        </p:txBody>
+      </p:sp>
+      <p:sp>
+        <p:nvSpPr>
+          <p:cNvPr id="28" name="사각형: 모서리가 접힌 도형 35">
+            <a:extLst>
+              <a:ext uri="{FF2B5EF4-FFF2-40B4-BE49-F238E27FC236}">
+                <a16:creationId xmlns:a16="http://schemas.microsoft.com/office/drawing/2014/main" id="{A22791AA-87D8-4326-BDE4-FFBAD895847A}"/>
+              </a:ext>
+            </a:extLst>
+          </p:cNvPr>
+          <p:cNvSpPr/>
+          <p:nvPr/>
+        </p:nvSpPr>
+        <p:spPr>
+          <a:xfrm>
+            <a:off x="5343670" y="1455806"/>
+            <a:ext cx="1067965" cy="774618"/>
+          </a:xfrm>
+          <a:prstGeom prst="foldedCorner">
+            <a:avLst/>
+          </a:prstGeom>
+          <a:solidFill>
+            <a:schemeClr val="tx1">
+              <a:lumMod val="75000"/>
+              <a:lumOff val="25000"/>
+            </a:schemeClr>
+          </a:solidFill>
+        </p:spPr>
+        <p:style>
+          <a:lnRef idx="2">
+            <a:schemeClr val="accent1">
+              <a:shade val="50000"/>
+            </a:schemeClr>
+          </a:lnRef>
+          <a:fillRef idx="1">
+            <a:schemeClr val="accent1"/>
+          </a:fillRef>
+          <a:effectRef idx="0">
+            <a:schemeClr val="accent1"/>
+          </a:effectRef>
+          <a:fontRef idx="minor">
+            <a:schemeClr val="lt1"/>
+          </a:fontRef>
+        </p:style>
+        <p:txBody>
+          <a:bodyPr rtlCol="0" anchor="ctr"/>
+          <a:lstStyle/>
+          <a:p>
+            <a:pPr algn="ctr"/>
+            <a:r>
+              <a:rPr lang="ko-KR" altLang="en-US" sz="1050"/>
+              <a:t>캠페인 서비스 매듭 짓기</a:t>
+            </a:r>
+            <a:endParaRPr lang="ko-KR" altLang="en-US" sz="1050" dirty="0"/>
+          </a:p>
+        </p:txBody>
+      </p:sp>
+      <p:sp>
+        <p:nvSpPr>
+          <p:cNvPr id="29" name="사각형: 모서리가 접힌 도형 35">
+            <a:extLst>
+              <a:ext uri="{FF2B5EF4-FFF2-40B4-BE49-F238E27FC236}">
+                <a16:creationId xmlns:a16="http://schemas.microsoft.com/office/drawing/2014/main" id="{C70FC5FD-9E77-4D11-B4AE-C44F40090A1F}"/>
+              </a:ext>
+            </a:extLst>
+          </p:cNvPr>
+          <p:cNvSpPr/>
+          <p:nvPr/>
+        </p:nvSpPr>
+        <p:spPr>
+          <a:xfrm>
+            <a:off x="2856981" y="1439784"/>
+            <a:ext cx="1067965" cy="774618"/>
+          </a:xfrm>
+          <a:prstGeom prst="foldedCorner">
+            <a:avLst/>
+          </a:prstGeom>
+          <a:solidFill>
+            <a:schemeClr val="tx1">
+              <a:lumMod val="75000"/>
+              <a:lumOff val="25000"/>
+            </a:schemeClr>
+          </a:solidFill>
+        </p:spPr>
+        <p:style>
+          <a:lnRef idx="2">
+            <a:schemeClr val="accent1">
+              <a:shade val="50000"/>
+            </a:schemeClr>
+          </a:lnRef>
+          <a:fillRef idx="1">
+            <a:schemeClr val="accent1"/>
+          </a:fillRef>
+          <a:effectRef idx="0">
+            <a:schemeClr val="accent1"/>
+          </a:effectRef>
+          <a:fontRef idx="minor">
+            <a:schemeClr val="lt1"/>
+          </a:fontRef>
+        </p:style>
+        <p:txBody>
+          <a:bodyPr rtlCol="0" anchor="ctr"/>
+          <a:lstStyle/>
+          <a:p>
+            <a:pPr algn="ctr"/>
+            <a:r>
+              <a:rPr lang="ko-KR" altLang="en-US" sz="1050"/>
+              <a:t>마이 페이지 서비스 도입</a:t>
+            </a:r>
+            <a:endParaRPr lang="ko-KR" altLang="en-US" sz="1050" dirty="0"/>
+          </a:p>
+        </p:txBody>
+      </p:sp>
+      <p:sp>
+        <p:nvSpPr>
+          <p:cNvPr id="30" name="사각형: 모서리가 접힌 도형 35">
+            <a:extLst>
+              <a:ext uri="{FF2B5EF4-FFF2-40B4-BE49-F238E27FC236}">
+                <a16:creationId xmlns:a16="http://schemas.microsoft.com/office/drawing/2014/main" id="{82C41E79-363D-4B49-98F6-D375079342A4}"/>
+              </a:ext>
+            </a:extLst>
+          </p:cNvPr>
+          <p:cNvSpPr/>
+          <p:nvPr/>
+        </p:nvSpPr>
+        <p:spPr>
+          <a:xfrm>
+            <a:off x="7803255" y="2834665"/>
+            <a:ext cx="1067965" cy="774618"/>
+          </a:xfrm>
+          <a:prstGeom prst="foldedCorner">
+            <a:avLst/>
+          </a:prstGeom>
+          <a:solidFill>
+            <a:schemeClr val="tx1">
+              <a:lumMod val="75000"/>
+              <a:lumOff val="25000"/>
+            </a:schemeClr>
+          </a:solidFill>
+        </p:spPr>
+        <p:style>
+          <a:lnRef idx="2">
+            <a:schemeClr val="accent1">
+              <a:shade val="50000"/>
+            </a:schemeClr>
+          </a:lnRef>
+          <a:fillRef idx="1">
+            <a:schemeClr val="accent1"/>
+          </a:fillRef>
+          <a:effectRef idx="0">
+            <a:schemeClr val="accent1"/>
+          </a:effectRef>
+          <a:fontRef idx="minor">
+            <a:schemeClr val="lt1"/>
+          </a:fontRef>
+        </p:style>
+        <p:txBody>
+          <a:bodyPr rtlCol="0" anchor="ctr"/>
+          <a:lstStyle/>
+          <a:p>
+            <a:pPr algn="ctr"/>
+            <a:r>
+              <a:rPr lang="ko-KR" altLang="en-US" sz="1050"/>
+              <a:t>중고 게시판 서비스 도입</a:t>
+            </a:r>
+            <a:endParaRPr lang="ko-KR" altLang="en-US" sz="1050" dirty="0"/>
+          </a:p>
+        </p:txBody>
+      </p:sp>
+      <p:sp>
+        <p:nvSpPr>
+          <p:cNvPr id="32" name="사각형: 모서리가 접힌 도형 36">
+            <a:extLst>
+              <a:ext uri="{FF2B5EF4-FFF2-40B4-BE49-F238E27FC236}">
+                <a16:creationId xmlns:a16="http://schemas.microsoft.com/office/drawing/2014/main" id="{B62FA5A7-808D-4B4F-BA4D-4424B81095F9}"/>
+              </a:ext>
+            </a:extLst>
+          </p:cNvPr>
+          <p:cNvSpPr/>
+          <p:nvPr/>
+        </p:nvSpPr>
+        <p:spPr>
+          <a:xfrm>
+            <a:off x="9079310" y="2725503"/>
+            <a:ext cx="1067965" cy="885852"/>
+          </a:xfrm>
+          <a:prstGeom prst="foldedCorner">
+            <a:avLst/>
+          </a:prstGeom>
+          <a:solidFill>
+            <a:schemeClr val="tx1">
+              <a:lumMod val="75000"/>
+              <a:lumOff val="25000"/>
+            </a:schemeClr>
+          </a:solidFill>
+        </p:spPr>
+        <p:style>
+          <a:lnRef idx="2">
+            <a:schemeClr val="accent1">
+              <a:shade val="50000"/>
+            </a:schemeClr>
+          </a:lnRef>
+          <a:fillRef idx="1">
+            <a:schemeClr val="accent1"/>
+          </a:fillRef>
+          <a:effectRef idx="0">
+            <a:schemeClr val="accent1"/>
+          </a:effectRef>
+          <a:fontRef idx="minor">
+            <a:schemeClr val="lt1"/>
+          </a:fontRef>
+        </p:style>
+        <p:txBody>
+          <a:bodyPr rtlCol="0" anchor="ctr"/>
+          <a:lstStyle/>
+          <a:p>
+            <a:pPr algn="ctr"/>
+            <a:r>
+              <a:rPr lang="ko-KR" altLang="en-US" sz="1050" dirty="0"/>
+              <a:t>서비스 기능 정리 </a:t>
+            </a:r>
+            <a:r>
+              <a:rPr lang="ko-KR" altLang="en-US" sz="1050"/>
+              <a:t>및 주석</a:t>
+            </a:r>
+            <a:endParaRPr lang="en-US" altLang="ko-KR" sz="1050" dirty="0"/>
+          </a:p>
+        </p:txBody>
+      </p:sp>
+      <p:sp>
+        <p:nvSpPr>
+          <p:cNvPr id="34" name="사각형: 모서리가 접힌 도형 31">
+            <a:extLst>
+              <a:ext uri="{FF2B5EF4-FFF2-40B4-BE49-F238E27FC236}">
+                <a16:creationId xmlns:a16="http://schemas.microsoft.com/office/drawing/2014/main" id="{26BE5895-1BDA-4BC6-A99C-AA458EE8CFC5}"/>
+              </a:ext>
+            </a:extLst>
+          </p:cNvPr>
+          <p:cNvSpPr/>
+          <p:nvPr/>
+        </p:nvSpPr>
+        <p:spPr>
+          <a:xfrm>
+            <a:off x="2790333" y="4155794"/>
+            <a:ext cx="1067965" cy="825808"/>
+          </a:xfrm>
+          <a:prstGeom prst="foldedCorner">
+            <a:avLst/>
+          </a:prstGeom>
+          <a:solidFill>
+            <a:schemeClr val="tx1">
+              <a:lumMod val="75000"/>
+              <a:lumOff val="25000"/>
+            </a:schemeClr>
+          </a:solidFill>
+        </p:spPr>
+        <p:style>
+          <a:lnRef idx="2">
+            <a:schemeClr val="accent1">
+              <a:shade val="50000"/>
+            </a:schemeClr>
+          </a:lnRef>
+          <a:fillRef idx="1">
+            <a:schemeClr val="accent1"/>
+          </a:fillRef>
+          <a:effectRef idx="0">
+            <a:schemeClr val="accent1"/>
+          </a:effectRef>
+          <a:fontRef idx="minor">
+            <a:schemeClr val="lt1"/>
+          </a:fontRef>
+        </p:style>
+        <p:txBody>
+          <a:bodyPr rtlCol="0" anchor="ctr"/>
+          <a:lstStyle/>
+          <a:p>
+            <a:pPr algn="ctr"/>
+            <a:r>
+              <a:rPr lang="ko-KR" altLang="en-US" sz="1050"/>
+              <a:t>찜 기능 처리</a:t>
+            </a:r>
+            <a:endParaRPr lang="ko-KR" altLang="en-US" sz="1050" dirty="0"/>
+          </a:p>
+        </p:txBody>
+      </p:sp>
+    </p:spTree>
+    <p:extLst>
+      <p:ext uri="{BB962C8B-B14F-4D97-AF65-F5344CB8AC3E}">
+        <p14:creationId xmlns:p14="http://schemas.microsoft.com/office/powerpoint/2010/main" val="3003451077"/>
       </p:ext>
     </p:extLst>
   </p:cSld>

--- a/칸반보드.pptx
+++ b/칸반보드.pptx
@@ -9463,7 +9463,7 @@
         </p:nvSpPr>
         <p:spPr>
           <a:xfrm>
-            <a:off x="1553989" y="4131102"/>
+            <a:off x="1689614" y="4131102"/>
             <a:ext cx="1067965" cy="825808"/>
           </a:xfrm>
           <a:prstGeom prst="foldedCorner">
@@ -9527,7 +9527,7 @@
         </p:nvSpPr>
         <p:spPr>
           <a:xfrm>
-            <a:off x="5421882" y="5448469"/>
+            <a:off x="8972535" y="5500888"/>
             <a:ext cx="1067965" cy="885852"/>
           </a:xfrm>
           <a:prstGeom prst="foldedCorner">
@@ -9683,7 +9683,7 @@
         </p:nvSpPr>
         <p:spPr>
           <a:xfrm>
-            <a:off x="1595262" y="5462185"/>
+            <a:off x="5178499" y="5402194"/>
             <a:ext cx="1067965" cy="885852"/>
           </a:xfrm>
           <a:prstGeom prst="foldedCorner">
@@ -9753,7 +9753,7 @@
         </p:nvSpPr>
         <p:spPr>
           <a:xfrm>
-            <a:off x="5343670" y="1455806"/>
+            <a:off x="7810566" y="1423087"/>
             <a:ext cx="1067965" cy="774618"/>
           </a:xfrm>
           <a:prstGeom prst="foldedCorner">
@@ -9809,7 +9809,7 @@
         </p:nvSpPr>
         <p:spPr>
           <a:xfrm>
-            <a:off x="2856981" y="1439784"/>
+            <a:off x="5246135" y="1467148"/>
             <a:ext cx="1067965" cy="774618"/>
           </a:xfrm>
           <a:prstGeom prst="foldedCorner">
@@ -9845,7 +9845,7 @@
             <a:pPr algn="ctr"/>
             <a:r>
               <a:rPr lang="ko-KR" altLang="en-US" sz="1050"/>
-              <a:t>마이 페이지 서비스 도입</a:t>
+              <a:t>마이 페이지 서비스 도입ㄴ</a:t>
             </a:r>
             <a:endParaRPr lang="ko-KR" altLang="en-US" sz="1050" dirty="0"/>
           </a:p>
@@ -9981,7 +9981,7 @@
         </p:nvSpPr>
         <p:spPr>
           <a:xfrm>
-            <a:off x="2790333" y="4155794"/>
+            <a:off x="2895464" y="4138101"/>
             <a:ext cx="1067965" cy="825808"/>
           </a:xfrm>
           <a:prstGeom prst="foldedCorner">

--- a/칸반보드.pptx
+++ b/칸반보드.pptx
@@ -10,6 +10,7 @@
     <p:sldId id="258" r:id="rId4"/>
     <p:sldId id="259" r:id="rId5"/>
     <p:sldId id="260" r:id="rId6"/>
+    <p:sldId id="261" r:id="rId7"/>
   </p:sldIdLst>
   <p:sldSz cx="12192000" cy="6858000"/>
   <p:notesSz cx="6858000" cy="9144000"/>
@@ -263,7 +264,7 @@
           <a:p>
             <a:fld id="{19E96057-ABBF-44EC-96AE-4EFDAE11D92C}" type="datetimeFigureOut">
               <a:rPr lang="ko-KR" altLang="en-US" smtClean="0"/>
-              <a:t>2021-07-23</a:t>
+              <a:t>2021-07-26</a:t>
             </a:fld>
             <a:endParaRPr lang="ko-KR" altLang="en-US"/>
           </a:p>
@@ -461,7 +462,7 @@
           <a:p>
             <a:fld id="{19E96057-ABBF-44EC-96AE-4EFDAE11D92C}" type="datetimeFigureOut">
               <a:rPr lang="ko-KR" altLang="en-US" smtClean="0"/>
-              <a:t>2021-07-23</a:t>
+              <a:t>2021-07-26</a:t>
             </a:fld>
             <a:endParaRPr lang="ko-KR" altLang="en-US"/>
           </a:p>
@@ -669,7 +670,7 @@
           <a:p>
             <a:fld id="{19E96057-ABBF-44EC-96AE-4EFDAE11D92C}" type="datetimeFigureOut">
               <a:rPr lang="ko-KR" altLang="en-US" smtClean="0"/>
-              <a:t>2021-07-23</a:t>
+              <a:t>2021-07-26</a:t>
             </a:fld>
             <a:endParaRPr lang="ko-KR" altLang="en-US"/>
           </a:p>
@@ -867,7 +868,7 @@
           <a:p>
             <a:fld id="{19E96057-ABBF-44EC-96AE-4EFDAE11D92C}" type="datetimeFigureOut">
               <a:rPr lang="ko-KR" altLang="en-US" smtClean="0"/>
-              <a:t>2021-07-23</a:t>
+              <a:t>2021-07-26</a:t>
             </a:fld>
             <a:endParaRPr lang="ko-KR" altLang="en-US"/>
           </a:p>
@@ -1142,7 +1143,7 @@
           <a:p>
             <a:fld id="{19E96057-ABBF-44EC-96AE-4EFDAE11D92C}" type="datetimeFigureOut">
               <a:rPr lang="ko-KR" altLang="en-US" smtClean="0"/>
-              <a:t>2021-07-23</a:t>
+              <a:t>2021-07-26</a:t>
             </a:fld>
             <a:endParaRPr lang="ko-KR" altLang="en-US"/>
           </a:p>
@@ -1407,7 +1408,7 @@
           <a:p>
             <a:fld id="{19E96057-ABBF-44EC-96AE-4EFDAE11D92C}" type="datetimeFigureOut">
               <a:rPr lang="ko-KR" altLang="en-US" smtClean="0"/>
-              <a:t>2021-07-23</a:t>
+              <a:t>2021-07-26</a:t>
             </a:fld>
             <a:endParaRPr lang="ko-KR" altLang="en-US"/>
           </a:p>
@@ -1819,7 +1820,7 @@
           <a:p>
             <a:fld id="{19E96057-ABBF-44EC-96AE-4EFDAE11D92C}" type="datetimeFigureOut">
               <a:rPr lang="ko-KR" altLang="en-US" smtClean="0"/>
-              <a:t>2021-07-23</a:t>
+              <a:t>2021-07-26</a:t>
             </a:fld>
             <a:endParaRPr lang="ko-KR" altLang="en-US"/>
           </a:p>
@@ -1960,7 +1961,7 @@
           <a:p>
             <a:fld id="{19E96057-ABBF-44EC-96AE-4EFDAE11D92C}" type="datetimeFigureOut">
               <a:rPr lang="ko-KR" altLang="en-US" smtClean="0"/>
-              <a:t>2021-07-23</a:t>
+              <a:t>2021-07-26</a:t>
             </a:fld>
             <a:endParaRPr lang="ko-KR" altLang="en-US"/>
           </a:p>
@@ -2073,7 +2074,7 @@
           <a:p>
             <a:fld id="{19E96057-ABBF-44EC-96AE-4EFDAE11D92C}" type="datetimeFigureOut">
               <a:rPr lang="ko-KR" altLang="en-US" smtClean="0"/>
-              <a:t>2021-07-23</a:t>
+              <a:t>2021-07-26</a:t>
             </a:fld>
             <a:endParaRPr lang="ko-KR" altLang="en-US"/>
           </a:p>
@@ -2384,7 +2385,7 @@
           <a:p>
             <a:fld id="{19E96057-ABBF-44EC-96AE-4EFDAE11D92C}" type="datetimeFigureOut">
               <a:rPr lang="ko-KR" altLang="en-US" smtClean="0"/>
-              <a:t>2021-07-23</a:t>
+              <a:t>2021-07-26</a:t>
             </a:fld>
             <a:endParaRPr lang="ko-KR" altLang="en-US"/>
           </a:p>
@@ -2672,7 +2673,7 @@
           <a:p>
             <a:fld id="{19E96057-ABBF-44EC-96AE-4EFDAE11D92C}" type="datetimeFigureOut">
               <a:rPr lang="ko-KR" altLang="en-US" smtClean="0"/>
-              <a:t>2021-07-23</a:t>
+              <a:t>2021-07-26</a:t>
             </a:fld>
             <a:endParaRPr lang="ko-KR" altLang="en-US"/>
           </a:p>
@@ -2913,7 +2914,7 @@
           <a:p>
             <a:fld id="{19E96057-ABBF-44EC-96AE-4EFDAE11D92C}" type="datetimeFigureOut">
               <a:rPr lang="ko-KR" altLang="en-US" smtClean="0"/>
-              <a:t>2021-07-23</a:t>
+              <a:t>2021-07-26</a:t>
             </a:fld>
             <a:endParaRPr lang="ko-KR" altLang="en-US"/>
           </a:p>
@@ -10036,6 +10037,1233 @@
 </p:sld>
 </file>
 
+<file path=ppt/slides/slide6.xml><?xml version="1.0" encoding="utf-8"?>
+<p:sld xmlns:a="http://schemas.openxmlformats.org/drawingml/2006/main" xmlns:r="http://schemas.openxmlformats.org/officeDocument/2006/relationships" xmlns:p="http://schemas.openxmlformats.org/presentationml/2006/main">
+  <p:cSld>
+    <p:bg>
+      <p:bgPr>
+        <a:solidFill>
+          <a:schemeClr val="bg2">
+            <a:lumMod val="90000"/>
+          </a:schemeClr>
+        </a:solidFill>
+        <a:effectLst/>
+      </p:bgPr>
+    </p:bg>
+    <p:spTree>
+      <p:nvGrpSpPr>
+        <p:cNvPr id="1" name=""/>
+        <p:cNvGrpSpPr/>
+        <p:nvPr/>
+      </p:nvGrpSpPr>
+      <p:grpSpPr>
+        <a:xfrm>
+          <a:off x="0" y="0"/>
+          <a:ext cx="0" cy="0"/>
+          <a:chOff x="0" y="0"/>
+          <a:chExt cx="0" cy="0"/>
+        </a:xfrm>
+      </p:grpSpPr>
+      <p:sp>
+        <p:nvSpPr>
+          <p:cNvPr id="4" name="직사각형 3">
+            <a:extLst>
+              <a:ext uri="{FF2B5EF4-FFF2-40B4-BE49-F238E27FC236}">
+                <a16:creationId xmlns:a16="http://schemas.microsoft.com/office/drawing/2014/main" id="{1B84EBAF-0A2B-4903-A932-FF51E306C701}"/>
+              </a:ext>
+            </a:extLst>
+          </p:cNvPr>
+          <p:cNvSpPr/>
+          <p:nvPr/>
+        </p:nvSpPr>
+        <p:spPr>
+          <a:xfrm>
+            <a:off x="1427584" y="1254967"/>
+            <a:ext cx="9773038" cy="1198983"/>
+          </a:xfrm>
+          <a:prstGeom prst="rect">
+            <a:avLst/>
+          </a:prstGeom>
+          <a:solidFill>
+            <a:srgbClr val="FF0000">
+              <a:alpha val="20000"/>
+            </a:srgbClr>
+          </a:solidFill>
+          <a:ln>
+            <a:noFill/>
+          </a:ln>
+        </p:spPr>
+        <p:style>
+          <a:lnRef idx="2">
+            <a:schemeClr val="accent1">
+              <a:shade val="50000"/>
+            </a:schemeClr>
+          </a:lnRef>
+          <a:fillRef idx="1">
+            <a:schemeClr val="accent1"/>
+          </a:fillRef>
+          <a:effectRef idx="0">
+            <a:schemeClr val="accent1"/>
+          </a:effectRef>
+          <a:fontRef idx="minor">
+            <a:schemeClr val="lt1"/>
+          </a:fontRef>
+        </p:style>
+        <p:txBody>
+          <a:bodyPr rtlCol="0" anchor="ctr"/>
+          <a:lstStyle/>
+          <a:p>
+            <a:pPr algn="ctr"/>
+            <a:endParaRPr lang="ko-KR" altLang="en-US"/>
+          </a:p>
+        </p:txBody>
+      </p:sp>
+      <p:sp>
+        <p:nvSpPr>
+          <p:cNvPr id="5" name="TextBox 4">
+            <a:extLst>
+              <a:ext uri="{FF2B5EF4-FFF2-40B4-BE49-F238E27FC236}">
+                <a16:creationId xmlns:a16="http://schemas.microsoft.com/office/drawing/2014/main" id="{BECF346F-56F2-4352-AFCF-CD191492F809}"/>
+              </a:ext>
+            </a:extLst>
+          </p:cNvPr>
+          <p:cNvSpPr txBox="1"/>
+          <p:nvPr/>
+        </p:nvSpPr>
+        <p:spPr>
+          <a:xfrm>
+            <a:off x="2319099" y="523680"/>
+            <a:ext cx="1394484" cy="646331"/>
+          </a:xfrm>
+          <a:prstGeom prst="rect">
+            <a:avLst/>
+          </a:prstGeom>
+          <a:noFill/>
+        </p:spPr>
+        <p:txBody>
+          <a:bodyPr wrap="none" rtlCol="0">
+            <a:spAutoFit/>
+          </a:bodyPr>
+          <a:lstStyle/>
+          <a:p>
+            <a:r>
+              <a:rPr lang="en-US" altLang="ko-KR" sz="3600">
+                <a:latin typeface="나눔스퀘어 Bold" panose="020B0600000101010101" pitchFamily="50" charset="-127"/>
+                <a:ea typeface="나눔스퀘어 Bold" panose="020B0600000101010101" pitchFamily="50" charset="-127"/>
+              </a:rPr>
+              <a:t>To Do</a:t>
+            </a:r>
+            <a:endParaRPr lang="ko-KR" altLang="en-US" sz="3600">
+              <a:latin typeface="나눔스퀘어 Bold" panose="020B0600000101010101" pitchFamily="50" charset="-127"/>
+              <a:ea typeface="나눔스퀘어 Bold" panose="020B0600000101010101" pitchFamily="50" charset="-127"/>
+            </a:endParaRPr>
+          </a:p>
+        </p:txBody>
+      </p:sp>
+      <p:sp>
+        <p:nvSpPr>
+          <p:cNvPr id="8" name="직사각형 7">
+            <a:extLst>
+              <a:ext uri="{FF2B5EF4-FFF2-40B4-BE49-F238E27FC236}">
+                <a16:creationId xmlns:a16="http://schemas.microsoft.com/office/drawing/2014/main" id="{FE4E8BFE-B574-4FCC-B8A2-B1E58767D671}"/>
+              </a:ext>
+            </a:extLst>
+          </p:cNvPr>
+          <p:cNvSpPr/>
+          <p:nvPr/>
+        </p:nvSpPr>
+        <p:spPr>
+          <a:xfrm>
+            <a:off x="1427582" y="2614903"/>
+            <a:ext cx="9773038" cy="1198983"/>
+          </a:xfrm>
+          <a:prstGeom prst="rect">
+            <a:avLst/>
+          </a:prstGeom>
+          <a:solidFill>
+            <a:srgbClr val="FFFF00">
+              <a:alpha val="20000"/>
+            </a:srgbClr>
+          </a:solidFill>
+          <a:ln>
+            <a:noFill/>
+          </a:ln>
+        </p:spPr>
+        <p:style>
+          <a:lnRef idx="2">
+            <a:schemeClr val="accent1">
+              <a:shade val="50000"/>
+            </a:schemeClr>
+          </a:lnRef>
+          <a:fillRef idx="1">
+            <a:schemeClr val="accent1"/>
+          </a:fillRef>
+          <a:effectRef idx="0">
+            <a:schemeClr val="accent1"/>
+          </a:effectRef>
+          <a:fontRef idx="minor">
+            <a:schemeClr val="lt1"/>
+          </a:fontRef>
+        </p:style>
+        <p:txBody>
+          <a:bodyPr rtlCol="0" anchor="ctr"/>
+          <a:lstStyle/>
+          <a:p>
+            <a:pPr algn="ctr"/>
+            <a:endParaRPr lang="ko-KR" altLang="en-US"/>
+          </a:p>
+        </p:txBody>
+      </p:sp>
+      <p:sp>
+        <p:nvSpPr>
+          <p:cNvPr id="9" name="직사각형 8">
+            <a:extLst>
+              <a:ext uri="{FF2B5EF4-FFF2-40B4-BE49-F238E27FC236}">
+                <a16:creationId xmlns:a16="http://schemas.microsoft.com/office/drawing/2014/main" id="{68974D7F-CCE5-4593-B1F0-D65AAC486F7D}"/>
+              </a:ext>
+            </a:extLst>
+          </p:cNvPr>
+          <p:cNvSpPr/>
+          <p:nvPr/>
+        </p:nvSpPr>
+        <p:spPr>
+          <a:xfrm>
+            <a:off x="1427582" y="3944516"/>
+            <a:ext cx="9773038" cy="1198983"/>
+          </a:xfrm>
+          <a:prstGeom prst="rect">
+            <a:avLst/>
+          </a:prstGeom>
+          <a:solidFill>
+            <a:srgbClr val="00B050">
+              <a:alpha val="20000"/>
+            </a:srgbClr>
+          </a:solidFill>
+          <a:ln>
+            <a:noFill/>
+          </a:ln>
+        </p:spPr>
+        <p:style>
+          <a:lnRef idx="2">
+            <a:schemeClr val="accent1">
+              <a:shade val="50000"/>
+            </a:schemeClr>
+          </a:lnRef>
+          <a:fillRef idx="1">
+            <a:schemeClr val="accent1"/>
+          </a:fillRef>
+          <a:effectRef idx="0">
+            <a:schemeClr val="accent1"/>
+          </a:effectRef>
+          <a:fontRef idx="minor">
+            <a:schemeClr val="lt1"/>
+          </a:fontRef>
+        </p:style>
+        <p:txBody>
+          <a:bodyPr rtlCol="0" anchor="ctr"/>
+          <a:lstStyle/>
+          <a:p>
+            <a:pPr algn="ctr"/>
+            <a:endParaRPr lang="ko-KR" altLang="en-US"/>
+          </a:p>
+        </p:txBody>
+      </p:sp>
+      <p:sp>
+        <p:nvSpPr>
+          <p:cNvPr id="10" name="직사각형 9">
+            <a:extLst>
+              <a:ext uri="{FF2B5EF4-FFF2-40B4-BE49-F238E27FC236}">
+                <a16:creationId xmlns:a16="http://schemas.microsoft.com/office/drawing/2014/main" id="{A8A744CC-536E-4000-A0E0-93568EA97CB6}"/>
+              </a:ext>
+            </a:extLst>
+          </p:cNvPr>
+          <p:cNvSpPr/>
+          <p:nvPr/>
+        </p:nvSpPr>
+        <p:spPr>
+          <a:xfrm>
+            <a:off x="1427581" y="5288123"/>
+            <a:ext cx="9773038" cy="1198983"/>
+          </a:xfrm>
+          <a:prstGeom prst="rect">
+            <a:avLst/>
+          </a:prstGeom>
+          <a:solidFill>
+            <a:srgbClr val="002060">
+              <a:alpha val="20000"/>
+            </a:srgbClr>
+          </a:solidFill>
+          <a:ln>
+            <a:noFill/>
+          </a:ln>
+        </p:spPr>
+        <p:style>
+          <a:lnRef idx="2">
+            <a:schemeClr val="accent1">
+              <a:shade val="50000"/>
+            </a:schemeClr>
+          </a:lnRef>
+          <a:fillRef idx="1">
+            <a:schemeClr val="accent1"/>
+          </a:fillRef>
+          <a:effectRef idx="0">
+            <a:schemeClr val="accent1"/>
+          </a:effectRef>
+          <a:fontRef idx="minor">
+            <a:schemeClr val="lt1"/>
+          </a:fontRef>
+        </p:style>
+        <p:txBody>
+          <a:bodyPr rtlCol="0" anchor="ctr"/>
+          <a:lstStyle/>
+          <a:p>
+            <a:pPr algn="ctr"/>
+            <a:endParaRPr lang="ko-KR" altLang="en-US"/>
+          </a:p>
+        </p:txBody>
+      </p:sp>
+      <p:cxnSp>
+        <p:nvCxnSpPr>
+          <p:cNvPr id="12" name="직선 연결선 11">
+            <a:extLst>
+              <a:ext uri="{FF2B5EF4-FFF2-40B4-BE49-F238E27FC236}">
+                <a16:creationId xmlns:a16="http://schemas.microsoft.com/office/drawing/2014/main" id="{DC85EB95-36F1-44ED-9CD7-FF29E510531E}"/>
+              </a:ext>
+            </a:extLst>
+          </p:cNvPr>
+          <p:cNvCxnSpPr>
+            <a:cxnSpLocks/>
+          </p:cNvCxnSpPr>
+          <p:nvPr/>
+        </p:nvCxnSpPr>
+        <p:spPr>
+          <a:xfrm>
+            <a:off x="5179072" y="1254967"/>
+            <a:ext cx="0" cy="5232139"/>
+          </a:xfrm>
+          <a:prstGeom prst="line">
+            <a:avLst/>
+          </a:prstGeom>
+          <a:ln>
+            <a:solidFill>
+              <a:schemeClr val="bg1"/>
+            </a:solidFill>
+          </a:ln>
+        </p:spPr>
+        <p:style>
+          <a:lnRef idx="1">
+            <a:schemeClr val="accent1"/>
+          </a:lnRef>
+          <a:fillRef idx="0">
+            <a:schemeClr val="accent1"/>
+          </a:fillRef>
+          <a:effectRef idx="0">
+            <a:schemeClr val="accent1"/>
+          </a:effectRef>
+          <a:fontRef idx="minor">
+            <a:schemeClr val="tx1"/>
+          </a:fontRef>
+        </p:style>
+      </p:cxnSp>
+      <p:sp>
+        <p:nvSpPr>
+          <p:cNvPr id="14" name="TextBox 13">
+            <a:extLst>
+              <a:ext uri="{FF2B5EF4-FFF2-40B4-BE49-F238E27FC236}">
+                <a16:creationId xmlns:a16="http://schemas.microsoft.com/office/drawing/2014/main" id="{A0E737BC-FD52-4F4B-B3E5-B8CF7A961814}"/>
+              </a:ext>
+            </a:extLst>
+          </p:cNvPr>
+          <p:cNvSpPr txBox="1"/>
+          <p:nvPr/>
+        </p:nvSpPr>
+        <p:spPr>
+          <a:xfrm>
+            <a:off x="5590985" y="523679"/>
+            <a:ext cx="1446230" cy="646331"/>
+          </a:xfrm>
+          <a:prstGeom prst="rect">
+            <a:avLst/>
+          </a:prstGeom>
+          <a:noFill/>
+        </p:spPr>
+        <p:txBody>
+          <a:bodyPr wrap="none" rtlCol="0">
+            <a:spAutoFit/>
+          </a:bodyPr>
+          <a:lstStyle/>
+          <a:p>
+            <a:r>
+              <a:rPr lang="en-US" altLang="ko-KR" sz="3600">
+                <a:latin typeface="나눔스퀘어 Bold" panose="020B0600000101010101" pitchFamily="50" charset="-127"/>
+                <a:ea typeface="나눔스퀘어 Bold" panose="020B0600000101010101" pitchFamily="50" charset="-127"/>
+              </a:rPr>
+              <a:t>Doing</a:t>
+            </a:r>
+            <a:endParaRPr lang="ko-KR" altLang="en-US" sz="3600">
+              <a:latin typeface="나눔스퀘어 Bold" panose="020B0600000101010101" pitchFamily="50" charset="-127"/>
+              <a:ea typeface="나눔스퀘어 Bold" panose="020B0600000101010101" pitchFamily="50" charset="-127"/>
+            </a:endParaRPr>
+          </a:p>
+        </p:txBody>
+      </p:sp>
+      <p:sp>
+        <p:nvSpPr>
+          <p:cNvPr id="15" name="TextBox 14">
+            <a:extLst>
+              <a:ext uri="{FF2B5EF4-FFF2-40B4-BE49-F238E27FC236}">
+                <a16:creationId xmlns:a16="http://schemas.microsoft.com/office/drawing/2014/main" id="{A5B5FD08-F728-4D59-8F50-59F1A661BAEC}"/>
+              </a:ext>
+            </a:extLst>
+          </p:cNvPr>
+          <p:cNvSpPr txBox="1"/>
+          <p:nvPr/>
+        </p:nvSpPr>
+        <p:spPr>
+          <a:xfrm>
+            <a:off x="8914617" y="523678"/>
+            <a:ext cx="1309974" cy="646331"/>
+          </a:xfrm>
+          <a:prstGeom prst="rect">
+            <a:avLst/>
+          </a:prstGeom>
+          <a:noFill/>
+        </p:spPr>
+        <p:txBody>
+          <a:bodyPr wrap="none" rtlCol="0">
+            <a:spAutoFit/>
+          </a:bodyPr>
+          <a:lstStyle/>
+          <a:p>
+            <a:r>
+              <a:rPr lang="en-US" altLang="ko-KR" sz="3600">
+                <a:latin typeface="나눔스퀘어 Bold" panose="020B0600000101010101" pitchFamily="50" charset="-127"/>
+                <a:ea typeface="나눔스퀘어 Bold" panose="020B0600000101010101" pitchFamily="50" charset="-127"/>
+              </a:rPr>
+              <a:t>Done</a:t>
+            </a:r>
+            <a:endParaRPr lang="ko-KR" altLang="en-US" sz="3600">
+              <a:latin typeface="나눔스퀘어 Bold" panose="020B0600000101010101" pitchFamily="50" charset="-127"/>
+              <a:ea typeface="나눔스퀘어 Bold" panose="020B0600000101010101" pitchFamily="50" charset="-127"/>
+            </a:endParaRPr>
+          </a:p>
+        </p:txBody>
+      </p:sp>
+      <p:sp>
+        <p:nvSpPr>
+          <p:cNvPr id="20" name="TextBox 19">
+            <a:extLst>
+              <a:ext uri="{FF2B5EF4-FFF2-40B4-BE49-F238E27FC236}">
+                <a16:creationId xmlns:a16="http://schemas.microsoft.com/office/drawing/2014/main" id="{0441CE23-9CFD-46E8-8BFA-7AC6FF2DB2A9}"/>
+              </a:ext>
+            </a:extLst>
+          </p:cNvPr>
+          <p:cNvSpPr txBox="1"/>
+          <p:nvPr/>
+        </p:nvSpPr>
+        <p:spPr>
+          <a:xfrm rot="16200000">
+            <a:off x="587214" y="1623625"/>
+            <a:ext cx="1026243" cy="461665"/>
+          </a:xfrm>
+          <a:prstGeom prst="rect">
+            <a:avLst/>
+          </a:prstGeom>
+          <a:noFill/>
+        </p:spPr>
+        <p:txBody>
+          <a:bodyPr wrap="none" rtlCol="0">
+            <a:spAutoFit/>
+          </a:bodyPr>
+          <a:lstStyle/>
+          <a:p>
+            <a:r>
+              <a:rPr lang="ko-KR" altLang="en-US" sz="2400">
+                <a:latin typeface="나눔스퀘어 Bold" panose="020B0600000101010101" pitchFamily="50" charset="-127"/>
+                <a:ea typeface="나눔스퀘어 Bold" panose="020B0600000101010101" pitchFamily="50" charset="-127"/>
+              </a:rPr>
+              <a:t>김승철</a:t>
+            </a:r>
+          </a:p>
+        </p:txBody>
+      </p:sp>
+      <p:sp>
+        <p:nvSpPr>
+          <p:cNvPr id="21" name="TextBox 20">
+            <a:extLst>
+              <a:ext uri="{FF2B5EF4-FFF2-40B4-BE49-F238E27FC236}">
+                <a16:creationId xmlns:a16="http://schemas.microsoft.com/office/drawing/2014/main" id="{9CF3ECB3-977A-4271-929F-0386AF467B83}"/>
+              </a:ext>
+            </a:extLst>
+          </p:cNvPr>
+          <p:cNvSpPr txBox="1"/>
+          <p:nvPr/>
+        </p:nvSpPr>
+        <p:spPr>
+          <a:xfrm rot="16200000">
+            <a:off x="567876" y="5642786"/>
+            <a:ext cx="1026243" cy="461665"/>
+          </a:xfrm>
+          <a:prstGeom prst="rect">
+            <a:avLst/>
+          </a:prstGeom>
+          <a:noFill/>
+        </p:spPr>
+        <p:txBody>
+          <a:bodyPr wrap="none" rtlCol="0">
+            <a:spAutoFit/>
+          </a:bodyPr>
+          <a:lstStyle/>
+          <a:p>
+            <a:r>
+              <a:rPr lang="ko-KR" altLang="en-US" sz="2400">
+                <a:latin typeface="나눔스퀘어 Bold" panose="020B0600000101010101" pitchFamily="50" charset="-127"/>
+                <a:ea typeface="나눔스퀘어 Bold" panose="020B0600000101010101" pitchFamily="50" charset="-127"/>
+              </a:rPr>
+              <a:t>김인철</a:t>
+            </a:r>
+          </a:p>
+        </p:txBody>
+      </p:sp>
+      <p:sp>
+        <p:nvSpPr>
+          <p:cNvPr id="22" name="TextBox 21">
+            <a:extLst>
+              <a:ext uri="{FF2B5EF4-FFF2-40B4-BE49-F238E27FC236}">
+                <a16:creationId xmlns:a16="http://schemas.microsoft.com/office/drawing/2014/main" id="{ADDBDFE2-F631-49F2-91DA-1D2AF5E108C8}"/>
+              </a:ext>
+            </a:extLst>
+          </p:cNvPr>
+          <p:cNvSpPr txBox="1"/>
+          <p:nvPr/>
+        </p:nvSpPr>
+        <p:spPr>
+          <a:xfrm rot="16200000">
+            <a:off x="567876" y="4313174"/>
+            <a:ext cx="1026243" cy="461665"/>
+          </a:xfrm>
+          <a:prstGeom prst="rect">
+            <a:avLst/>
+          </a:prstGeom>
+          <a:noFill/>
+        </p:spPr>
+        <p:txBody>
+          <a:bodyPr wrap="none" rtlCol="0">
+            <a:spAutoFit/>
+          </a:bodyPr>
+          <a:lstStyle/>
+          <a:p>
+            <a:r>
+              <a:rPr lang="ko-KR" altLang="en-US" sz="2400">
+                <a:latin typeface="나눔스퀘어 Bold" panose="020B0600000101010101" pitchFamily="50" charset="-127"/>
+                <a:ea typeface="나눔스퀘어 Bold" panose="020B0600000101010101" pitchFamily="50" charset="-127"/>
+              </a:rPr>
+              <a:t>김민주</a:t>
+            </a:r>
+          </a:p>
+        </p:txBody>
+      </p:sp>
+      <p:sp>
+        <p:nvSpPr>
+          <p:cNvPr id="23" name="TextBox 22">
+            <a:extLst>
+              <a:ext uri="{FF2B5EF4-FFF2-40B4-BE49-F238E27FC236}">
+                <a16:creationId xmlns:a16="http://schemas.microsoft.com/office/drawing/2014/main" id="{DF5E7D36-64E5-484E-87DD-402055396757}"/>
+              </a:ext>
+            </a:extLst>
+          </p:cNvPr>
+          <p:cNvSpPr txBox="1"/>
+          <p:nvPr/>
+        </p:nvSpPr>
+        <p:spPr>
+          <a:xfrm rot="16200000">
+            <a:off x="567877" y="2983561"/>
+            <a:ext cx="1026243" cy="461665"/>
+          </a:xfrm>
+          <a:prstGeom prst="rect">
+            <a:avLst/>
+          </a:prstGeom>
+          <a:noFill/>
+        </p:spPr>
+        <p:txBody>
+          <a:bodyPr wrap="none" rtlCol="0">
+            <a:spAutoFit/>
+          </a:bodyPr>
+          <a:lstStyle/>
+          <a:p>
+            <a:r>
+              <a:rPr lang="ko-KR" altLang="en-US" sz="2400">
+                <a:latin typeface="나눔스퀘어 Bold" panose="020B0600000101010101" pitchFamily="50" charset="-127"/>
+                <a:ea typeface="나눔스퀘어 Bold" panose="020B0600000101010101" pitchFamily="50" charset="-127"/>
+              </a:rPr>
+              <a:t>편이슬</a:t>
+            </a:r>
+          </a:p>
+        </p:txBody>
+      </p:sp>
+      <p:sp>
+        <p:nvSpPr>
+          <p:cNvPr id="25" name="사각형: 둥근 모서리 24">
+            <a:extLst>
+              <a:ext uri="{FF2B5EF4-FFF2-40B4-BE49-F238E27FC236}">
+                <a16:creationId xmlns:a16="http://schemas.microsoft.com/office/drawing/2014/main" id="{EC5ED9F5-91E5-414A-A134-480CB1CCA16A}"/>
+              </a:ext>
+            </a:extLst>
+          </p:cNvPr>
+          <p:cNvSpPr/>
+          <p:nvPr/>
+        </p:nvSpPr>
+        <p:spPr>
+          <a:xfrm>
+            <a:off x="0" y="18258"/>
+            <a:ext cx="1447920" cy="505420"/>
+          </a:xfrm>
+          <a:prstGeom prst="roundRect">
+            <a:avLst/>
+          </a:prstGeom>
+          <a:noFill/>
+          <a:ln w="41275">
+            <a:solidFill>
+              <a:srgbClr val="FF0000"/>
+            </a:solidFill>
+          </a:ln>
+        </p:spPr>
+        <p:style>
+          <a:lnRef idx="2">
+            <a:schemeClr val="accent1">
+              <a:shade val="50000"/>
+            </a:schemeClr>
+          </a:lnRef>
+          <a:fillRef idx="1">
+            <a:schemeClr val="accent1"/>
+          </a:fillRef>
+          <a:effectRef idx="0">
+            <a:schemeClr val="accent1"/>
+          </a:effectRef>
+          <a:fontRef idx="minor">
+            <a:schemeClr val="lt1"/>
+          </a:fontRef>
+        </p:style>
+        <p:txBody>
+          <a:bodyPr rtlCol="0" anchor="ctr"/>
+          <a:lstStyle/>
+          <a:p>
+            <a:pPr algn="ctr"/>
+            <a:r>
+              <a:rPr lang="en-US" altLang="ko-KR">
+                <a:solidFill>
+                  <a:schemeClr val="tx1"/>
+                </a:solidFill>
+              </a:rPr>
+              <a:t>2021-07-26</a:t>
+            </a:r>
+          </a:p>
+          <a:p>
+            <a:pPr algn="ctr"/>
+            <a:r>
+              <a:rPr lang="en-US" altLang="ko-KR" sz="1200">
+                <a:solidFill>
+                  <a:schemeClr val="tx1"/>
+                </a:solidFill>
+              </a:rPr>
+              <a:t>Givengel</a:t>
+            </a:r>
+            <a:endParaRPr lang="ko-KR" altLang="en-US" sz="1200">
+              <a:solidFill>
+                <a:schemeClr val="tx1"/>
+              </a:solidFill>
+            </a:endParaRPr>
+          </a:p>
+        </p:txBody>
+      </p:sp>
+      <p:cxnSp>
+        <p:nvCxnSpPr>
+          <p:cNvPr id="33" name="직선 연결선 32">
+            <a:extLst>
+              <a:ext uri="{FF2B5EF4-FFF2-40B4-BE49-F238E27FC236}">
+                <a16:creationId xmlns:a16="http://schemas.microsoft.com/office/drawing/2014/main" id="{620AF5B9-F4A0-41E0-B508-86FA9E0B5B33}"/>
+              </a:ext>
+            </a:extLst>
+          </p:cNvPr>
+          <p:cNvCxnSpPr>
+            <a:cxnSpLocks/>
+          </p:cNvCxnSpPr>
+          <p:nvPr/>
+        </p:nvCxnSpPr>
+        <p:spPr>
+          <a:xfrm>
+            <a:off x="7609786" y="1254966"/>
+            <a:ext cx="0" cy="5232139"/>
+          </a:xfrm>
+          <a:prstGeom prst="line">
+            <a:avLst/>
+          </a:prstGeom>
+          <a:ln>
+            <a:solidFill>
+              <a:schemeClr val="bg1"/>
+            </a:solidFill>
+          </a:ln>
+        </p:spPr>
+        <p:style>
+          <a:lnRef idx="1">
+            <a:schemeClr val="accent1"/>
+          </a:lnRef>
+          <a:fillRef idx="0">
+            <a:schemeClr val="accent1"/>
+          </a:fillRef>
+          <a:effectRef idx="0">
+            <a:schemeClr val="accent1"/>
+          </a:effectRef>
+          <a:fontRef idx="minor">
+            <a:schemeClr val="tx1"/>
+          </a:fontRef>
+        </p:style>
+      </p:cxnSp>
+      <p:sp>
+        <p:nvSpPr>
+          <p:cNvPr id="39" name="사각형: 모서리가 접힌 도형 36">
+            <a:extLst>
+              <a:ext uri="{FF2B5EF4-FFF2-40B4-BE49-F238E27FC236}">
+                <a16:creationId xmlns:a16="http://schemas.microsoft.com/office/drawing/2014/main" id="{7D4EE499-6890-42C2-8BD4-B55FA396DD81}"/>
+              </a:ext>
+            </a:extLst>
+          </p:cNvPr>
+          <p:cNvSpPr/>
+          <p:nvPr/>
+        </p:nvSpPr>
+        <p:spPr>
+          <a:xfrm>
+            <a:off x="5326178" y="2848500"/>
+            <a:ext cx="1067965" cy="885852"/>
+          </a:xfrm>
+          <a:prstGeom prst="foldedCorner">
+            <a:avLst/>
+          </a:prstGeom>
+          <a:solidFill>
+            <a:schemeClr val="tx1">
+              <a:lumMod val="75000"/>
+              <a:lumOff val="25000"/>
+            </a:schemeClr>
+          </a:solidFill>
+        </p:spPr>
+        <p:style>
+          <a:lnRef idx="2">
+            <a:schemeClr val="accent1">
+              <a:shade val="50000"/>
+            </a:schemeClr>
+          </a:lnRef>
+          <a:fillRef idx="1">
+            <a:schemeClr val="accent1"/>
+          </a:fillRef>
+          <a:effectRef idx="0">
+            <a:schemeClr val="accent1"/>
+          </a:effectRef>
+          <a:fontRef idx="minor">
+            <a:schemeClr val="lt1"/>
+          </a:fontRef>
+        </p:style>
+        <p:txBody>
+          <a:bodyPr rtlCol="0" anchor="ctr"/>
+          <a:lstStyle/>
+          <a:p>
+            <a:pPr algn="ctr"/>
+            <a:r>
+              <a:rPr lang="ko-KR" altLang="en-US" sz="1050"/>
+              <a:t>게시판 주요기능 마무리</a:t>
+            </a:r>
+            <a:endParaRPr lang="en-US" altLang="ko-KR" sz="1050" dirty="0"/>
+          </a:p>
+        </p:txBody>
+      </p:sp>
+      <p:sp>
+        <p:nvSpPr>
+          <p:cNvPr id="41" name="사각형: 모서리가 접힌 도형 31">
+            <a:extLst>
+              <a:ext uri="{FF2B5EF4-FFF2-40B4-BE49-F238E27FC236}">
+                <a16:creationId xmlns:a16="http://schemas.microsoft.com/office/drawing/2014/main" id="{9E1977DF-8F33-4C45-A37F-A385715CA840}"/>
+              </a:ext>
+            </a:extLst>
+          </p:cNvPr>
+          <p:cNvSpPr/>
+          <p:nvPr/>
+        </p:nvSpPr>
+        <p:spPr>
+          <a:xfrm>
+            <a:off x="5436225" y="4138101"/>
+            <a:ext cx="1067965" cy="825808"/>
+          </a:xfrm>
+          <a:prstGeom prst="foldedCorner">
+            <a:avLst/>
+          </a:prstGeom>
+          <a:solidFill>
+            <a:schemeClr val="tx1">
+              <a:lumMod val="75000"/>
+              <a:lumOff val="25000"/>
+            </a:schemeClr>
+          </a:solidFill>
+        </p:spPr>
+        <p:style>
+          <a:lnRef idx="2">
+            <a:schemeClr val="accent1">
+              <a:shade val="50000"/>
+            </a:schemeClr>
+          </a:lnRef>
+          <a:fillRef idx="1">
+            <a:schemeClr val="accent1"/>
+          </a:fillRef>
+          <a:effectRef idx="0">
+            <a:schemeClr val="accent1"/>
+          </a:effectRef>
+          <a:fontRef idx="minor">
+            <a:schemeClr val="lt1"/>
+          </a:fontRef>
+        </p:style>
+        <p:txBody>
+          <a:bodyPr rtlCol="0" anchor="ctr"/>
+          <a:lstStyle/>
+          <a:p>
+            <a:pPr algn="ctr"/>
+            <a:r>
+              <a:rPr lang="ko-KR" altLang="en-US" sz="1050"/>
+              <a:t>메인페이지 정리</a:t>
+            </a:r>
+            <a:endParaRPr lang="ko-KR" altLang="en-US" sz="1050" dirty="0"/>
+          </a:p>
+        </p:txBody>
+      </p:sp>
+      <p:sp>
+        <p:nvSpPr>
+          <p:cNvPr id="26" name="사각형: 모서리가 접힌 도형 25">
+            <a:extLst>
+              <a:ext uri="{FF2B5EF4-FFF2-40B4-BE49-F238E27FC236}">
+                <a16:creationId xmlns:a16="http://schemas.microsoft.com/office/drawing/2014/main" id="{5D761F29-31F2-40F8-8E28-F472282564CD}"/>
+              </a:ext>
+            </a:extLst>
+          </p:cNvPr>
+          <p:cNvSpPr/>
+          <p:nvPr/>
+        </p:nvSpPr>
+        <p:spPr>
+          <a:xfrm>
+            <a:off x="5436224" y="5410465"/>
+            <a:ext cx="1067965" cy="885852"/>
+          </a:xfrm>
+          <a:prstGeom prst="foldedCorner">
+            <a:avLst/>
+          </a:prstGeom>
+          <a:solidFill>
+            <a:schemeClr val="tx1">
+              <a:lumMod val="75000"/>
+              <a:lumOff val="25000"/>
+            </a:schemeClr>
+          </a:solidFill>
+        </p:spPr>
+        <p:style>
+          <a:lnRef idx="2">
+            <a:schemeClr val="accent1">
+              <a:shade val="50000"/>
+            </a:schemeClr>
+          </a:lnRef>
+          <a:fillRef idx="1">
+            <a:schemeClr val="accent1"/>
+          </a:fillRef>
+          <a:effectRef idx="0">
+            <a:schemeClr val="accent1"/>
+          </a:effectRef>
+          <a:fontRef idx="minor">
+            <a:schemeClr val="lt1"/>
+          </a:fontRef>
+        </p:style>
+        <p:txBody>
+          <a:bodyPr rtlCol="0" anchor="ctr"/>
+          <a:lstStyle/>
+          <a:p>
+            <a:pPr algn="ctr"/>
+            <a:r>
+              <a:rPr lang="en-US" altLang="ko-KR" sz="1050"/>
+              <a:t>[</a:t>
+            </a:r>
+            <a:r>
+              <a:rPr lang="ko-KR" altLang="en-US" sz="1050"/>
+              <a:t>관리자 메뉴</a:t>
+            </a:r>
+            <a:r>
+              <a:rPr lang="en-US" altLang="ko-KR" sz="1050"/>
+              <a:t>]</a:t>
+            </a:r>
+          </a:p>
+          <a:p>
+            <a:pPr algn="ctr"/>
+            <a:r>
+              <a:rPr lang="ko-KR" altLang="en-US" sz="1050"/>
+              <a:t>크롤링 학습</a:t>
+            </a:r>
+          </a:p>
+        </p:txBody>
+      </p:sp>
+      <p:sp>
+        <p:nvSpPr>
+          <p:cNvPr id="27" name="사각형: 모서리가 접힌 도형 26">
+            <a:extLst>
+              <a:ext uri="{FF2B5EF4-FFF2-40B4-BE49-F238E27FC236}">
+                <a16:creationId xmlns:a16="http://schemas.microsoft.com/office/drawing/2014/main" id="{98B0ECE4-EBA6-48C7-8248-5167877488C8}"/>
+              </a:ext>
+            </a:extLst>
+          </p:cNvPr>
+          <p:cNvSpPr/>
+          <p:nvPr/>
+        </p:nvSpPr>
+        <p:spPr>
+          <a:xfrm>
+            <a:off x="7883581" y="5491528"/>
+            <a:ext cx="1067965" cy="885852"/>
+          </a:xfrm>
+          <a:prstGeom prst="foldedCorner">
+            <a:avLst/>
+          </a:prstGeom>
+          <a:solidFill>
+            <a:schemeClr val="tx1">
+              <a:lumMod val="75000"/>
+              <a:lumOff val="25000"/>
+            </a:schemeClr>
+          </a:solidFill>
+        </p:spPr>
+        <p:style>
+          <a:lnRef idx="2">
+            <a:schemeClr val="accent1">
+              <a:shade val="50000"/>
+            </a:schemeClr>
+          </a:lnRef>
+          <a:fillRef idx="1">
+            <a:schemeClr val="accent1"/>
+          </a:fillRef>
+          <a:effectRef idx="0">
+            <a:schemeClr val="accent1"/>
+          </a:effectRef>
+          <a:fontRef idx="minor">
+            <a:schemeClr val="lt1"/>
+          </a:fontRef>
+        </p:style>
+        <p:txBody>
+          <a:bodyPr rtlCol="0" anchor="ctr"/>
+          <a:lstStyle/>
+          <a:p>
+            <a:pPr algn="ctr"/>
+            <a:r>
+              <a:rPr lang="en-US" altLang="ko-KR" sz="1050"/>
+              <a:t>[</a:t>
+            </a:r>
+            <a:r>
+              <a:rPr lang="ko-KR" altLang="en-US" sz="1050"/>
+              <a:t>관리자 메뉴</a:t>
+            </a:r>
+            <a:r>
+              <a:rPr lang="en-US" altLang="ko-KR" sz="1050"/>
+              <a:t>]</a:t>
+            </a:r>
+          </a:p>
+          <a:p>
+            <a:pPr algn="ctr"/>
+            <a:r>
+              <a:rPr lang="ko-KR" altLang="en-US" sz="1050"/>
+              <a:t>중고 상품 관리 메뉴 만들기</a:t>
+            </a:r>
+          </a:p>
+        </p:txBody>
+      </p:sp>
+      <p:sp>
+        <p:nvSpPr>
+          <p:cNvPr id="28" name="사각형: 모서리가 접힌 도형 35">
+            <a:extLst>
+              <a:ext uri="{FF2B5EF4-FFF2-40B4-BE49-F238E27FC236}">
+                <a16:creationId xmlns:a16="http://schemas.microsoft.com/office/drawing/2014/main" id="{A22791AA-87D8-4326-BDE4-FFBAD895847A}"/>
+              </a:ext>
+            </a:extLst>
+          </p:cNvPr>
+          <p:cNvSpPr/>
+          <p:nvPr/>
+        </p:nvSpPr>
+        <p:spPr>
+          <a:xfrm>
+            <a:off x="5400017" y="1589781"/>
+            <a:ext cx="1067965" cy="774618"/>
+          </a:xfrm>
+          <a:prstGeom prst="foldedCorner">
+            <a:avLst/>
+          </a:prstGeom>
+          <a:solidFill>
+            <a:schemeClr val="tx1">
+              <a:lumMod val="75000"/>
+              <a:lumOff val="25000"/>
+            </a:schemeClr>
+          </a:solidFill>
+        </p:spPr>
+        <p:style>
+          <a:lnRef idx="2">
+            <a:schemeClr val="accent1">
+              <a:shade val="50000"/>
+            </a:schemeClr>
+          </a:lnRef>
+          <a:fillRef idx="1">
+            <a:schemeClr val="accent1"/>
+          </a:fillRef>
+          <a:effectRef idx="0">
+            <a:schemeClr val="accent1"/>
+          </a:effectRef>
+          <a:fontRef idx="minor">
+            <a:schemeClr val="lt1"/>
+          </a:fontRef>
+        </p:style>
+        <p:txBody>
+          <a:bodyPr rtlCol="0" anchor="ctr"/>
+          <a:lstStyle/>
+          <a:p>
+            <a:pPr algn="ctr"/>
+            <a:r>
+              <a:rPr lang="ko-KR" altLang="en-US" sz="1050"/>
+              <a:t>마이페이지 기능 마무리</a:t>
+            </a:r>
+            <a:endParaRPr lang="ko-KR" altLang="en-US" sz="1050" dirty="0"/>
+          </a:p>
+        </p:txBody>
+      </p:sp>
+      <p:sp>
+        <p:nvSpPr>
+          <p:cNvPr id="30" name="사각형: 모서리가 접힌 도형 35">
+            <a:extLst>
+              <a:ext uri="{FF2B5EF4-FFF2-40B4-BE49-F238E27FC236}">
+                <a16:creationId xmlns:a16="http://schemas.microsoft.com/office/drawing/2014/main" id="{82C41E79-363D-4B49-98F6-D375079342A4}"/>
+              </a:ext>
+            </a:extLst>
+          </p:cNvPr>
+          <p:cNvSpPr/>
+          <p:nvPr/>
+        </p:nvSpPr>
+        <p:spPr>
+          <a:xfrm>
+            <a:off x="3149917" y="2888383"/>
+            <a:ext cx="1067965" cy="774618"/>
+          </a:xfrm>
+          <a:prstGeom prst="foldedCorner">
+            <a:avLst/>
+          </a:prstGeom>
+          <a:solidFill>
+            <a:schemeClr val="tx1">
+              <a:lumMod val="75000"/>
+              <a:lumOff val="25000"/>
+            </a:schemeClr>
+          </a:solidFill>
+        </p:spPr>
+        <p:style>
+          <a:lnRef idx="2">
+            <a:schemeClr val="accent1">
+              <a:shade val="50000"/>
+            </a:schemeClr>
+          </a:lnRef>
+          <a:fillRef idx="1">
+            <a:schemeClr val="accent1"/>
+          </a:fillRef>
+          <a:effectRef idx="0">
+            <a:schemeClr val="accent1"/>
+          </a:effectRef>
+          <a:fontRef idx="minor">
+            <a:schemeClr val="lt1"/>
+          </a:fontRef>
+        </p:style>
+        <p:txBody>
+          <a:bodyPr rtlCol="0" anchor="ctr"/>
+          <a:lstStyle/>
+          <a:p>
+            <a:pPr algn="ctr"/>
+            <a:r>
+              <a:rPr lang="ko-KR" altLang="en-US" sz="1050"/>
+              <a:t>게시판 부가 기능 수정</a:t>
+            </a:r>
+            <a:endParaRPr lang="ko-KR" altLang="en-US" sz="1050" dirty="0"/>
+          </a:p>
+        </p:txBody>
+      </p:sp>
+      <p:sp>
+        <p:nvSpPr>
+          <p:cNvPr id="32" name="사각형: 모서리가 접힌 도형 36">
+            <a:extLst>
+              <a:ext uri="{FF2B5EF4-FFF2-40B4-BE49-F238E27FC236}">
+                <a16:creationId xmlns:a16="http://schemas.microsoft.com/office/drawing/2014/main" id="{B62FA5A7-808D-4B4F-BA4D-4424B81095F9}"/>
+              </a:ext>
+            </a:extLst>
+          </p:cNvPr>
+          <p:cNvSpPr/>
+          <p:nvPr/>
+        </p:nvSpPr>
+        <p:spPr>
+          <a:xfrm>
+            <a:off x="1878475" y="2832766"/>
+            <a:ext cx="1067965" cy="885852"/>
+          </a:xfrm>
+          <a:prstGeom prst="foldedCorner">
+            <a:avLst/>
+          </a:prstGeom>
+          <a:solidFill>
+            <a:schemeClr val="tx1">
+              <a:lumMod val="75000"/>
+              <a:lumOff val="25000"/>
+            </a:schemeClr>
+          </a:solidFill>
+        </p:spPr>
+        <p:style>
+          <a:lnRef idx="2">
+            <a:schemeClr val="accent1">
+              <a:shade val="50000"/>
+            </a:schemeClr>
+          </a:lnRef>
+          <a:fillRef idx="1">
+            <a:schemeClr val="accent1"/>
+          </a:fillRef>
+          <a:effectRef idx="0">
+            <a:schemeClr val="accent1"/>
+          </a:effectRef>
+          <a:fontRef idx="minor">
+            <a:schemeClr val="lt1"/>
+          </a:fontRef>
+        </p:style>
+        <p:txBody>
+          <a:bodyPr rtlCol="0" anchor="ctr"/>
+          <a:lstStyle/>
+          <a:p>
+            <a:pPr algn="ctr"/>
+            <a:r>
+              <a:rPr lang="ko-KR" altLang="en-US" sz="1050"/>
+              <a:t>댓글 검색</a:t>
+            </a:r>
+            <a:endParaRPr lang="en-US" altLang="ko-KR" sz="1050" dirty="0"/>
+          </a:p>
+        </p:txBody>
+      </p:sp>
+      <p:sp>
+        <p:nvSpPr>
+          <p:cNvPr id="34" name="사각형: 모서리가 접힌 도형 31">
+            <a:extLst>
+              <a:ext uri="{FF2B5EF4-FFF2-40B4-BE49-F238E27FC236}">
+                <a16:creationId xmlns:a16="http://schemas.microsoft.com/office/drawing/2014/main" id="{26BE5895-1BDA-4BC6-A99C-AA458EE8CFC5}"/>
+              </a:ext>
+            </a:extLst>
+          </p:cNvPr>
+          <p:cNvSpPr/>
+          <p:nvPr/>
+        </p:nvSpPr>
+        <p:spPr>
+          <a:xfrm>
+            <a:off x="2895464" y="4138101"/>
+            <a:ext cx="1067965" cy="825808"/>
+          </a:xfrm>
+          <a:prstGeom prst="foldedCorner">
+            <a:avLst/>
+          </a:prstGeom>
+          <a:solidFill>
+            <a:schemeClr val="tx1">
+              <a:lumMod val="75000"/>
+              <a:lumOff val="25000"/>
+            </a:schemeClr>
+          </a:solidFill>
+        </p:spPr>
+        <p:style>
+          <a:lnRef idx="2">
+            <a:schemeClr val="accent1">
+              <a:shade val="50000"/>
+            </a:schemeClr>
+          </a:lnRef>
+          <a:fillRef idx="1">
+            <a:schemeClr val="accent1"/>
+          </a:fillRef>
+          <a:effectRef idx="0">
+            <a:schemeClr val="accent1"/>
+          </a:effectRef>
+          <a:fontRef idx="minor">
+            <a:schemeClr val="lt1"/>
+          </a:fontRef>
+        </p:style>
+        <p:txBody>
+          <a:bodyPr rtlCol="0" anchor="ctr"/>
+          <a:lstStyle/>
+          <a:p>
+            <a:pPr algn="ctr"/>
+            <a:r>
+              <a:rPr lang="ko-KR" altLang="en-US" sz="1050"/>
+              <a:t>구현 기능 주석 정리 및 코드 정리</a:t>
+            </a:r>
+            <a:endParaRPr lang="ko-KR" altLang="en-US" sz="1050" dirty="0"/>
+          </a:p>
+        </p:txBody>
+      </p:sp>
+      <p:sp>
+        <p:nvSpPr>
+          <p:cNvPr id="31" name="사각형: 모서리가 접힌 도형 35">
+            <a:extLst>
+              <a:ext uri="{FF2B5EF4-FFF2-40B4-BE49-F238E27FC236}">
+                <a16:creationId xmlns:a16="http://schemas.microsoft.com/office/drawing/2014/main" id="{189D319E-FA39-4BE8-8908-4977D6024B4C}"/>
+              </a:ext>
+            </a:extLst>
+          </p:cNvPr>
+          <p:cNvSpPr/>
+          <p:nvPr/>
+        </p:nvSpPr>
+        <p:spPr>
+          <a:xfrm>
+            <a:off x="3227899" y="1629664"/>
+            <a:ext cx="1067965" cy="774618"/>
+          </a:xfrm>
+          <a:prstGeom prst="foldedCorner">
+            <a:avLst/>
+          </a:prstGeom>
+          <a:solidFill>
+            <a:schemeClr val="tx1">
+              <a:lumMod val="75000"/>
+              <a:lumOff val="25000"/>
+            </a:schemeClr>
+          </a:solidFill>
+        </p:spPr>
+        <p:style>
+          <a:lnRef idx="2">
+            <a:schemeClr val="accent1">
+              <a:shade val="50000"/>
+            </a:schemeClr>
+          </a:lnRef>
+          <a:fillRef idx="1">
+            <a:schemeClr val="accent1"/>
+          </a:fillRef>
+          <a:effectRef idx="0">
+            <a:schemeClr val="accent1"/>
+          </a:effectRef>
+          <a:fontRef idx="minor">
+            <a:schemeClr val="lt1"/>
+          </a:fontRef>
+        </p:style>
+        <p:txBody>
+          <a:bodyPr rtlCol="0" anchor="ctr"/>
+          <a:lstStyle/>
+          <a:p>
+            <a:pPr algn="ctr"/>
+            <a:r>
+              <a:rPr lang="ko-KR" altLang="en-US" sz="1050"/>
+              <a:t>마이페이지 코드 정리 및 주석</a:t>
+            </a:r>
+            <a:endParaRPr lang="ko-KR" altLang="en-US" sz="1050" dirty="0"/>
+          </a:p>
+        </p:txBody>
+      </p:sp>
+    </p:spTree>
+    <p:extLst>
+      <p:ext uri="{BB962C8B-B14F-4D97-AF65-F5344CB8AC3E}">
+        <p14:creationId xmlns:p14="http://schemas.microsoft.com/office/powerpoint/2010/main" val="1187828043"/>
+      </p:ext>
+    </p:extLst>
+  </p:cSld>
+  <p:clrMapOvr>
+    <a:masterClrMapping/>
+  </p:clrMapOvr>
+</p:sld>
+</file>
+
 <file path=ppt/theme/theme1.xml><?xml version="1.0" encoding="utf-8"?>
 <a:theme xmlns:a="http://schemas.openxmlformats.org/drawingml/2006/main" name="Office 테마">
   <a:themeElements>

--- a/칸반보드.pptx
+++ b/칸반보드.pptx
@@ -11,6 +11,8 @@
     <p:sldId id="259" r:id="rId5"/>
     <p:sldId id="260" r:id="rId6"/>
     <p:sldId id="261" r:id="rId7"/>
+    <p:sldId id="262" r:id="rId8"/>
+    <p:sldId id="263" r:id="rId9"/>
   </p:sldIdLst>
   <p:sldSz cx="12192000" cy="6858000"/>
   <p:notesSz cx="6858000" cy="9144000"/>
@@ -264,7 +266,7 @@
           <a:p>
             <a:fld id="{19E96057-ABBF-44EC-96AE-4EFDAE11D92C}" type="datetimeFigureOut">
               <a:rPr lang="ko-KR" altLang="en-US" smtClean="0"/>
-              <a:t>2021-07-26</a:t>
+              <a:t>2021-07-28</a:t>
             </a:fld>
             <a:endParaRPr lang="ko-KR" altLang="en-US"/>
           </a:p>
@@ -462,7 +464,7 @@
           <a:p>
             <a:fld id="{19E96057-ABBF-44EC-96AE-4EFDAE11D92C}" type="datetimeFigureOut">
               <a:rPr lang="ko-KR" altLang="en-US" smtClean="0"/>
-              <a:t>2021-07-26</a:t>
+              <a:t>2021-07-28</a:t>
             </a:fld>
             <a:endParaRPr lang="ko-KR" altLang="en-US"/>
           </a:p>
@@ -670,7 +672,7 @@
           <a:p>
             <a:fld id="{19E96057-ABBF-44EC-96AE-4EFDAE11D92C}" type="datetimeFigureOut">
               <a:rPr lang="ko-KR" altLang="en-US" smtClean="0"/>
-              <a:t>2021-07-26</a:t>
+              <a:t>2021-07-28</a:t>
             </a:fld>
             <a:endParaRPr lang="ko-KR" altLang="en-US"/>
           </a:p>
@@ -868,7 +870,7 @@
           <a:p>
             <a:fld id="{19E96057-ABBF-44EC-96AE-4EFDAE11D92C}" type="datetimeFigureOut">
               <a:rPr lang="ko-KR" altLang="en-US" smtClean="0"/>
-              <a:t>2021-07-26</a:t>
+              <a:t>2021-07-28</a:t>
             </a:fld>
             <a:endParaRPr lang="ko-KR" altLang="en-US"/>
           </a:p>
@@ -1143,7 +1145,7 @@
           <a:p>
             <a:fld id="{19E96057-ABBF-44EC-96AE-4EFDAE11D92C}" type="datetimeFigureOut">
               <a:rPr lang="ko-KR" altLang="en-US" smtClean="0"/>
-              <a:t>2021-07-26</a:t>
+              <a:t>2021-07-28</a:t>
             </a:fld>
             <a:endParaRPr lang="ko-KR" altLang="en-US"/>
           </a:p>
@@ -1408,7 +1410,7 @@
           <a:p>
             <a:fld id="{19E96057-ABBF-44EC-96AE-4EFDAE11D92C}" type="datetimeFigureOut">
               <a:rPr lang="ko-KR" altLang="en-US" smtClean="0"/>
-              <a:t>2021-07-26</a:t>
+              <a:t>2021-07-28</a:t>
             </a:fld>
             <a:endParaRPr lang="ko-KR" altLang="en-US"/>
           </a:p>
@@ -1820,7 +1822,7 @@
           <a:p>
             <a:fld id="{19E96057-ABBF-44EC-96AE-4EFDAE11D92C}" type="datetimeFigureOut">
               <a:rPr lang="ko-KR" altLang="en-US" smtClean="0"/>
-              <a:t>2021-07-26</a:t>
+              <a:t>2021-07-28</a:t>
             </a:fld>
             <a:endParaRPr lang="ko-KR" altLang="en-US"/>
           </a:p>
@@ -1961,7 +1963,7 @@
           <a:p>
             <a:fld id="{19E96057-ABBF-44EC-96AE-4EFDAE11D92C}" type="datetimeFigureOut">
               <a:rPr lang="ko-KR" altLang="en-US" smtClean="0"/>
-              <a:t>2021-07-26</a:t>
+              <a:t>2021-07-28</a:t>
             </a:fld>
             <a:endParaRPr lang="ko-KR" altLang="en-US"/>
           </a:p>
@@ -2074,7 +2076,7 @@
           <a:p>
             <a:fld id="{19E96057-ABBF-44EC-96AE-4EFDAE11D92C}" type="datetimeFigureOut">
               <a:rPr lang="ko-KR" altLang="en-US" smtClean="0"/>
-              <a:t>2021-07-26</a:t>
+              <a:t>2021-07-28</a:t>
             </a:fld>
             <a:endParaRPr lang="ko-KR" altLang="en-US"/>
           </a:p>
@@ -2385,7 +2387,7 @@
           <a:p>
             <a:fld id="{19E96057-ABBF-44EC-96AE-4EFDAE11D92C}" type="datetimeFigureOut">
               <a:rPr lang="ko-KR" altLang="en-US" smtClean="0"/>
-              <a:t>2021-07-26</a:t>
+              <a:t>2021-07-28</a:t>
             </a:fld>
             <a:endParaRPr lang="ko-KR" altLang="en-US"/>
           </a:p>
@@ -2673,7 +2675,7 @@
           <a:p>
             <a:fld id="{19E96057-ABBF-44EC-96AE-4EFDAE11D92C}" type="datetimeFigureOut">
               <a:rPr lang="ko-KR" altLang="en-US" smtClean="0"/>
-              <a:t>2021-07-26</a:t>
+              <a:t>2021-07-28</a:t>
             </a:fld>
             <a:endParaRPr lang="ko-KR" altLang="en-US"/>
           </a:p>
@@ -2914,7 +2916,7 @@
           <a:p>
             <a:fld id="{19E96057-ABBF-44EC-96AE-4EFDAE11D92C}" type="datetimeFigureOut">
               <a:rPr lang="ko-KR" altLang="en-US" smtClean="0"/>
-              <a:t>2021-07-26</a:t>
+              <a:t>2021-07-28</a:t>
             </a:fld>
             <a:endParaRPr lang="ko-KR" altLang="en-US"/>
           </a:p>
@@ -10789,7 +10791,7 @@
         </p:nvSpPr>
         <p:spPr>
           <a:xfrm>
-            <a:off x="5436225" y="4138101"/>
+            <a:off x="5365887" y="4094139"/>
             <a:ext cx="1067965" cy="825808"/>
           </a:xfrm>
           <a:prstGeom prst="foldedCorner">
@@ -11255,6 +11257,2687 @@
     <p:extLst>
       <p:ext uri="{BB962C8B-B14F-4D97-AF65-F5344CB8AC3E}">
         <p14:creationId xmlns:p14="http://schemas.microsoft.com/office/powerpoint/2010/main" val="1187828043"/>
+      </p:ext>
+    </p:extLst>
+  </p:cSld>
+  <p:clrMapOvr>
+    <a:masterClrMapping/>
+  </p:clrMapOvr>
+</p:sld>
+</file>
+
+<file path=ppt/slides/slide7.xml><?xml version="1.0" encoding="utf-8"?>
+<p:sld xmlns:a="http://schemas.openxmlformats.org/drawingml/2006/main" xmlns:r="http://schemas.openxmlformats.org/officeDocument/2006/relationships" xmlns:p="http://schemas.openxmlformats.org/presentationml/2006/main">
+  <p:cSld>
+    <p:bg>
+      <p:bgPr>
+        <a:solidFill>
+          <a:schemeClr val="bg2">
+            <a:lumMod val="90000"/>
+          </a:schemeClr>
+        </a:solidFill>
+        <a:effectLst/>
+      </p:bgPr>
+    </p:bg>
+    <p:spTree>
+      <p:nvGrpSpPr>
+        <p:cNvPr id="1" name=""/>
+        <p:cNvGrpSpPr/>
+        <p:nvPr/>
+      </p:nvGrpSpPr>
+      <p:grpSpPr>
+        <a:xfrm>
+          <a:off x="0" y="0"/>
+          <a:ext cx="0" cy="0"/>
+          <a:chOff x="0" y="0"/>
+          <a:chExt cx="0" cy="0"/>
+        </a:xfrm>
+      </p:grpSpPr>
+      <p:sp>
+        <p:nvSpPr>
+          <p:cNvPr id="4" name="직사각형 3">
+            <a:extLst>
+              <a:ext uri="{FF2B5EF4-FFF2-40B4-BE49-F238E27FC236}">
+                <a16:creationId xmlns:a16="http://schemas.microsoft.com/office/drawing/2014/main" id="{1B84EBAF-0A2B-4903-A932-FF51E306C701}"/>
+              </a:ext>
+            </a:extLst>
+          </p:cNvPr>
+          <p:cNvSpPr/>
+          <p:nvPr/>
+        </p:nvSpPr>
+        <p:spPr>
+          <a:xfrm>
+            <a:off x="1427584" y="1254967"/>
+            <a:ext cx="9773038" cy="1198983"/>
+          </a:xfrm>
+          <a:prstGeom prst="rect">
+            <a:avLst/>
+          </a:prstGeom>
+          <a:solidFill>
+            <a:srgbClr val="FF0000">
+              <a:alpha val="20000"/>
+            </a:srgbClr>
+          </a:solidFill>
+          <a:ln>
+            <a:noFill/>
+          </a:ln>
+        </p:spPr>
+        <p:style>
+          <a:lnRef idx="2">
+            <a:schemeClr val="accent1">
+              <a:shade val="50000"/>
+            </a:schemeClr>
+          </a:lnRef>
+          <a:fillRef idx="1">
+            <a:schemeClr val="accent1"/>
+          </a:fillRef>
+          <a:effectRef idx="0">
+            <a:schemeClr val="accent1"/>
+          </a:effectRef>
+          <a:fontRef idx="minor">
+            <a:schemeClr val="lt1"/>
+          </a:fontRef>
+        </p:style>
+        <p:txBody>
+          <a:bodyPr rtlCol="0" anchor="ctr"/>
+          <a:lstStyle/>
+          <a:p>
+            <a:pPr algn="ctr"/>
+            <a:endParaRPr lang="ko-KR" altLang="en-US"/>
+          </a:p>
+        </p:txBody>
+      </p:sp>
+      <p:sp>
+        <p:nvSpPr>
+          <p:cNvPr id="5" name="TextBox 4">
+            <a:extLst>
+              <a:ext uri="{FF2B5EF4-FFF2-40B4-BE49-F238E27FC236}">
+                <a16:creationId xmlns:a16="http://schemas.microsoft.com/office/drawing/2014/main" id="{BECF346F-56F2-4352-AFCF-CD191492F809}"/>
+              </a:ext>
+            </a:extLst>
+          </p:cNvPr>
+          <p:cNvSpPr txBox="1"/>
+          <p:nvPr/>
+        </p:nvSpPr>
+        <p:spPr>
+          <a:xfrm>
+            <a:off x="2319099" y="523680"/>
+            <a:ext cx="1394484" cy="646331"/>
+          </a:xfrm>
+          <a:prstGeom prst="rect">
+            <a:avLst/>
+          </a:prstGeom>
+          <a:noFill/>
+        </p:spPr>
+        <p:txBody>
+          <a:bodyPr wrap="none" rtlCol="0">
+            <a:spAutoFit/>
+          </a:bodyPr>
+          <a:lstStyle/>
+          <a:p>
+            <a:r>
+              <a:rPr lang="en-US" altLang="ko-KR" sz="3600">
+                <a:latin typeface="나눔스퀘어 Bold" panose="020B0600000101010101" pitchFamily="50" charset="-127"/>
+                <a:ea typeface="나눔스퀘어 Bold" panose="020B0600000101010101" pitchFamily="50" charset="-127"/>
+              </a:rPr>
+              <a:t>To Do</a:t>
+            </a:r>
+            <a:endParaRPr lang="ko-KR" altLang="en-US" sz="3600">
+              <a:latin typeface="나눔스퀘어 Bold" panose="020B0600000101010101" pitchFamily="50" charset="-127"/>
+              <a:ea typeface="나눔스퀘어 Bold" panose="020B0600000101010101" pitchFamily="50" charset="-127"/>
+            </a:endParaRPr>
+          </a:p>
+        </p:txBody>
+      </p:sp>
+      <p:sp>
+        <p:nvSpPr>
+          <p:cNvPr id="8" name="직사각형 7">
+            <a:extLst>
+              <a:ext uri="{FF2B5EF4-FFF2-40B4-BE49-F238E27FC236}">
+                <a16:creationId xmlns:a16="http://schemas.microsoft.com/office/drawing/2014/main" id="{FE4E8BFE-B574-4FCC-B8A2-B1E58767D671}"/>
+              </a:ext>
+            </a:extLst>
+          </p:cNvPr>
+          <p:cNvSpPr/>
+          <p:nvPr/>
+        </p:nvSpPr>
+        <p:spPr>
+          <a:xfrm>
+            <a:off x="1427582" y="2614903"/>
+            <a:ext cx="9773038" cy="1198983"/>
+          </a:xfrm>
+          <a:prstGeom prst="rect">
+            <a:avLst/>
+          </a:prstGeom>
+          <a:solidFill>
+            <a:srgbClr val="FFFF00">
+              <a:alpha val="20000"/>
+            </a:srgbClr>
+          </a:solidFill>
+          <a:ln>
+            <a:noFill/>
+          </a:ln>
+        </p:spPr>
+        <p:style>
+          <a:lnRef idx="2">
+            <a:schemeClr val="accent1">
+              <a:shade val="50000"/>
+            </a:schemeClr>
+          </a:lnRef>
+          <a:fillRef idx="1">
+            <a:schemeClr val="accent1"/>
+          </a:fillRef>
+          <a:effectRef idx="0">
+            <a:schemeClr val="accent1"/>
+          </a:effectRef>
+          <a:fontRef idx="minor">
+            <a:schemeClr val="lt1"/>
+          </a:fontRef>
+        </p:style>
+        <p:txBody>
+          <a:bodyPr rtlCol="0" anchor="ctr"/>
+          <a:lstStyle/>
+          <a:p>
+            <a:pPr algn="ctr"/>
+            <a:endParaRPr lang="ko-KR" altLang="en-US"/>
+          </a:p>
+        </p:txBody>
+      </p:sp>
+      <p:sp>
+        <p:nvSpPr>
+          <p:cNvPr id="9" name="직사각형 8">
+            <a:extLst>
+              <a:ext uri="{FF2B5EF4-FFF2-40B4-BE49-F238E27FC236}">
+                <a16:creationId xmlns:a16="http://schemas.microsoft.com/office/drawing/2014/main" id="{68974D7F-CCE5-4593-B1F0-D65AAC486F7D}"/>
+              </a:ext>
+            </a:extLst>
+          </p:cNvPr>
+          <p:cNvSpPr/>
+          <p:nvPr/>
+        </p:nvSpPr>
+        <p:spPr>
+          <a:xfrm>
+            <a:off x="1427582" y="3944516"/>
+            <a:ext cx="9773038" cy="1198983"/>
+          </a:xfrm>
+          <a:prstGeom prst="rect">
+            <a:avLst/>
+          </a:prstGeom>
+          <a:solidFill>
+            <a:srgbClr val="00B050">
+              <a:alpha val="20000"/>
+            </a:srgbClr>
+          </a:solidFill>
+          <a:ln>
+            <a:noFill/>
+          </a:ln>
+        </p:spPr>
+        <p:style>
+          <a:lnRef idx="2">
+            <a:schemeClr val="accent1">
+              <a:shade val="50000"/>
+            </a:schemeClr>
+          </a:lnRef>
+          <a:fillRef idx="1">
+            <a:schemeClr val="accent1"/>
+          </a:fillRef>
+          <a:effectRef idx="0">
+            <a:schemeClr val="accent1"/>
+          </a:effectRef>
+          <a:fontRef idx="minor">
+            <a:schemeClr val="lt1"/>
+          </a:fontRef>
+        </p:style>
+        <p:txBody>
+          <a:bodyPr rtlCol="0" anchor="ctr"/>
+          <a:lstStyle/>
+          <a:p>
+            <a:pPr algn="ctr"/>
+            <a:endParaRPr lang="ko-KR" altLang="en-US"/>
+          </a:p>
+        </p:txBody>
+      </p:sp>
+      <p:sp>
+        <p:nvSpPr>
+          <p:cNvPr id="10" name="직사각형 9">
+            <a:extLst>
+              <a:ext uri="{FF2B5EF4-FFF2-40B4-BE49-F238E27FC236}">
+                <a16:creationId xmlns:a16="http://schemas.microsoft.com/office/drawing/2014/main" id="{A8A744CC-536E-4000-A0E0-93568EA97CB6}"/>
+              </a:ext>
+            </a:extLst>
+          </p:cNvPr>
+          <p:cNvSpPr/>
+          <p:nvPr/>
+        </p:nvSpPr>
+        <p:spPr>
+          <a:xfrm>
+            <a:off x="1427581" y="5288123"/>
+            <a:ext cx="9773038" cy="1198983"/>
+          </a:xfrm>
+          <a:prstGeom prst="rect">
+            <a:avLst/>
+          </a:prstGeom>
+          <a:solidFill>
+            <a:srgbClr val="002060">
+              <a:alpha val="20000"/>
+            </a:srgbClr>
+          </a:solidFill>
+          <a:ln>
+            <a:noFill/>
+          </a:ln>
+        </p:spPr>
+        <p:style>
+          <a:lnRef idx="2">
+            <a:schemeClr val="accent1">
+              <a:shade val="50000"/>
+            </a:schemeClr>
+          </a:lnRef>
+          <a:fillRef idx="1">
+            <a:schemeClr val="accent1"/>
+          </a:fillRef>
+          <a:effectRef idx="0">
+            <a:schemeClr val="accent1"/>
+          </a:effectRef>
+          <a:fontRef idx="minor">
+            <a:schemeClr val="lt1"/>
+          </a:fontRef>
+        </p:style>
+        <p:txBody>
+          <a:bodyPr rtlCol="0" anchor="ctr"/>
+          <a:lstStyle/>
+          <a:p>
+            <a:pPr algn="ctr"/>
+            <a:endParaRPr lang="ko-KR" altLang="en-US"/>
+          </a:p>
+        </p:txBody>
+      </p:sp>
+      <p:cxnSp>
+        <p:nvCxnSpPr>
+          <p:cNvPr id="12" name="직선 연결선 11">
+            <a:extLst>
+              <a:ext uri="{FF2B5EF4-FFF2-40B4-BE49-F238E27FC236}">
+                <a16:creationId xmlns:a16="http://schemas.microsoft.com/office/drawing/2014/main" id="{DC85EB95-36F1-44ED-9CD7-FF29E510531E}"/>
+              </a:ext>
+            </a:extLst>
+          </p:cNvPr>
+          <p:cNvCxnSpPr>
+            <a:cxnSpLocks/>
+          </p:cNvCxnSpPr>
+          <p:nvPr/>
+        </p:nvCxnSpPr>
+        <p:spPr>
+          <a:xfrm>
+            <a:off x="5179072" y="1254967"/>
+            <a:ext cx="0" cy="5232139"/>
+          </a:xfrm>
+          <a:prstGeom prst="line">
+            <a:avLst/>
+          </a:prstGeom>
+          <a:ln>
+            <a:solidFill>
+              <a:schemeClr val="bg1"/>
+            </a:solidFill>
+          </a:ln>
+        </p:spPr>
+        <p:style>
+          <a:lnRef idx="1">
+            <a:schemeClr val="accent1"/>
+          </a:lnRef>
+          <a:fillRef idx="0">
+            <a:schemeClr val="accent1"/>
+          </a:fillRef>
+          <a:effectRef idx="0">
+            <a:schemeClr val="accent1"/>
+          </a:effectRef>
+          <a:fontRef idx="minor">
+            <a:schemeClr val="tx1"/>
+          </a:fontRef>
+        </p:style>
+      </p:cxnSp>
+      <p:sp>
+        <p:nvSpPr>
+          <p:cNvPr id="14" name="TextBox 13">
+            <a:extLst>
+              <a:ext uri="{FF2B5EF4-FFF2-40B4-BE49-F238E27FC236}">
+                <a16:creationId xmlns:a16="http://schemas.microsoft.com/office/drawing/2014/main" id="{A0E737BC-FD52-4F4B-B3E5-B8CF7A961814}"/>
+              </a:ext>
+            </a:extLst>
+          </p:cNvPr>
+          <p:cNvSpPr txBox="1"/>
+          <p:nvPr/>
+        </p:nvSpPr>
+        <p:spPr>
+          <a:xfrm>
+            <a:off x="5590985" y="523679"/>
+            <a:ext cx="1446230" cy="646331"/>
+          </a:xfrm>
+          <a:prstGeom prst="rect">
+            <a:avLst/>
+          </a:prstGeom>
+          <a:noFill/>
+        </p:spPr>
+        <p:txBody>
+          <a:bodyPr wrap="none" rtlCol="0">
+            <a:spAutoFit/>
+          </a:bodyPr>
+          <a:lstStyle/>
+          <a:p>
+            <a:r>
+              <a:rPr lang="en-US" altLang="ko-KR" sz="3600">
+                <a:latin typeface="나눔스퀘어 Bold" panose="020B0600000101010101" pitchFamily="50" charset="-127"/>
+                <a:ea typeface="나눔스퀘어 Bold" panose="020B0600000101010101" pitchFamily="50" charset="-127"/>
+              </a:rPr>
+              <a:t>Doing</a:t>
+            </a:r>
+            <a:endParaRPr lang="ko-KR" altLang="en-US" sz="3600">
+              <a:latin typeface="나눔스퀘어 Bold" panose="020B0600000101010101" pitchFamily="50" charset="-127"/>
+              <a:ea typeface="나눔스퀘어 Bold" panose="020B0600000101010101" pitchFamily="50" charset="-127"/>
+            </a:endParaRPr>
+          </a:p>
+        </p:txBody>
+      </p:sp>
+      <p:sp>
+        <p:nvSpPr>
+          <p:cNvPr id="15" name="TextBox 14">
+            <a:extLst>
+              <a:ext uri="{FF2B5EF4-FFF2-40B4-BE49-F238E27FC236}">
+                <a16:creationId xmlns:a16="http://schemas.microsoft.com/office/drawing/2014/main" id="{A5B5FD08-F728-4D59-8F50-59F1A661BAEC}"/>
+              </a:ext>
+            </a:extLst>
+          </p:cNvPr>
+          <p:cNvSpPr txBox="1"/>
+          <p:nvPr/>
+        </p:nvSpPr>
+        <p:spPr>
+          <a:xfrm>
+            <a:off x="8914617" y="523678"/>
+            <a:ext cx="1309974" cy="646331"/>
+          </a:xfrm>
+          <a:prstGeom prst="rect">
+            <a:avLst/>
+          </a:prstGeom>
+          <a:noFill/>
+        </p:spPr>
+        <p:txBody>
+          <a:bodyPr wrap="none" rtlCol="0">
+            <a:spAutoFit/>
+          </a:bodyPr>
+          <a:lstStyle/>
+          <a:p>
+            <a:r>
+              <a:rPr lang="en-US" altLang="ko-KR" sz="3600">
+                <a:latin typeface="나눔스퀘어 Bold" panose="020B0600000101010101" pitchFamily="50" charset="-127"/>
+                <a:ea typeface="나눔스퀘어 Bold" panose="020B0600000101010101" pitchFamily="50" charset="-127"/>
+              </a:rPr>
+              <a:t>Done</a:t>
+            </a:r>
+            <a:endParaRPr lang="ko-KR" altLang="en-US" sz="3600">
+              <a:latin typeface="나눔스퀘어 Bold" panose="020B0600000101010101" pitchFamily="50" charset="-127"/>
+              <a:ea typeface="나눔스퀘어 Bold" panose="020B0600000101010101" pitchFamily="50" charset="-127"/>
+            </a:endParaRPr>
+          </a:p>
+        </p:txBody>
+      </p:sp>
+      <p:sp>
+        <p:nvSpPr>
+          <p:cNvPr id="20" name="TextBox 19">
+            <a:extLst>
+              <a:ext uri="{FF2B5EF4-FFF2-40B4-BE49-F238E27FC236}">
+                <a16:creationId xmlns:a16="http://schemas.microsoft.com/office/drawing/2014/main" id="{0441CE23-9CFD-46E8-8BFA-7AC6FF2DB2A9}"/>
+              </a:ext>
+            </a:extLst>
+          </p:cNvPr>
+          <p:cNvSpPr txBox="1"/>
+          <p:nvPr/>
+        </p:nvSpPr>
+        <p:spPr>
+          <a:xfrm rot="16200000">
+            <a:off x="587214" y="1623625"/>
+            <a:ext cx="1026243" cy="461665"/>
+          </a:xfrm>
+          <a:prstGeom prst="rect">
+            <a:avLst/>
+          </a:prstGeom>
+          <a:noFill/>
+        </p:spPr>
+        <p:txBody>
+          <a:bodyPr wrap="none" rtlCol="0">
+            <a:spAutoFit/>
+          </a:bodyPr>
+          <a:lstStyle/>
+          <a:p>
+            <a:r>
+              <a:rPr lang="ko-KR" altLang="en-US" sz="2400">
+                <a:latin typeface="나눔스퀘어 Bold" panose="020B0600000101010101" pitchFamily="50" charset="-127"/>
+                <a:ea typeface="나눔스퀘어 Bold" panose="020B0600000101010101" pitchFamily="50" charset="-127"/>
+              </a:rPr>
+              <a:t>김승철</a:t>
+            </a:r>
+          </a:p>
+        </p:txBody>
+      </p:sp>
+      <p:sp>
+        <p:nvSpPr>
+          <p:cNvPr id="21" name="TextBox 20">
+            <a:extLst>
+              <a:ext uri="{FF2B5EF4-FFF2-40B4-BE49-F238E27FC236}">
+                <a16:creationId xmlns:a16="http://schemas.microsoft.com/office/drawing/2014/main" id="{9CF3ECB3-977A-4271-929F-0386AF467B83}"/>
+              </a:ext>
+            </a:extLst>
+          </p:cNvPr>
+          <p:cNvSpPr txBox="1"/>
+          <p:nvPr/>
+        </p:nvSpPr>
+        <p:spPr>
+          <a:xfrm rot="16200000">
+            <a:off x="567876" y="5642786"/>
+            <a:ext cx="1026243" cy="461665"/>
+          </a:xfrm>
+          <a:prstGeom prst="rect">
+            <a:avLst/>
+          </a:prstGeom>
+          <a:noFill/>
+        </p:spPr>
+        <p:txBody>
+          <a:bodyPr wrap="none" rtlCol="0">
+            <a:spAutoFit/>
+          </a:bodyPr>
+          <a:lstStyle/>
+          <a:p>
+            <a:r>
+              <a:rPr lang="ko-KR" altLang="en-US" sz="2400">
+                <a:latin typeface="나눔스퀘어 Bold" panose="020B0600000101010101" pitchFamily="50" charset="-127"/>
+                <a:ea typeface="나눔스퀘어 Bold" panose="020B0600000101010101" pitchFamily="50" charset="-127"/>
+              </a:rPr>
+              <a:t>김인철</a:t>
+            </a:r>
+          </a:p>
+        </p:txBody>
+      </p:sp>
+      <p:sp>
+        <p:nvSpPr>
+          <p:cNvPr id="22" name="TextBox 21">
+            <a:extLst>
+              <a:ext uri="{FF2B5EF4-FFF2-40B4-BE49-F238E27FC236}">
+                <a16:creationId xmlns:a16="http://schemas.microsoft.com/office/drawing/2014/main" id="{ADDBDFE2-F631-49F2-91DA-1D2AF5E108C8}"/>
+              </a:ext>
+            </a:extLst>
+          </p:cNvPr>
+          <p:cNvSpPr txBox="1"/>
+          <p:nvPr/>
+        </p:nvSpPr>
+        <p:spPr>
+          <a:xfrm rot="16200000">
+            <a:off x="567876" y="4313174"/>
+            <a:ext cx="1026243" cy="461665"/>
+          </a:xfrm>
+          <a:prstGeom prst="rect">
+            <a:avLst/>
+          </a:prstGeom>
+          <a:noFill/>
+        </p:spPr>
+        <p:txBody>
+          <a:bodyPr wrap="none" rtlCol="0">
+            <a:spAutoFit/>
+          </a:bodyPr>
+          <a:lstStyle/>
+          <a:p>
+            <a:r>
+              <a:rPr lang="ko-KR" altLang="en-US" sz="2400">
+                <a:latin typeface="나눔스퀘어 Bold" panose="020B0600000101010101" pitchFamily="50" charset="-127"/>
+                <a:ea typeface="나눔스퀘어 Bold" panose="020B0600000101010101" pitchFamily="50" charset="-127"/>
+              </a:rPr>
+              <a:t>김민주</a:t>
+            </a:r>
+          </a:p>
+        </p:txBody>
+      </p:sp>
+      <p:sp>
+        <p:nvSpPr>
+          <p:cNvPr id="23" name="TextBox 22">
+            <a:extLst>
+              <a:ext uri="{FF2B5EF4-FFF2-40B4-BE49-F238E27FC236}">
+                <a16:creationId xmlns:a16="http://schemas.microsoft.com/office/drawing/2014/main" id="{DF5E7D36-64E5-484E-87DD-402055396757}"/>
+              </a:ext>
+            </a:extLst>
+          </p:cNvPr>
+          <p:cNvSpPr txBox="1"/>
+          <p:nvPr/>
+        </p:nvSpPr>
+        <p:spPr>
+          <a:xfrm rot="16200000">
+            <a:off x="567877" y="2983561"/>
+            <a:ext cx="1026243" cy="461665"/>
+          </a:xfrm>
+          <a:prstGeom prst="rect">
+            <a:avLst/>
+          </a:prstGeom>
+          <a:noFill/>
+        </p:spPr>
+        <p:txBody>
+          <a:bodyPr wrap="none" rtlCol="0">
+            <a:spAutoFit/>
+          </a:bodyPr>
+          <a:lstStyle/>
+          <a:p>
+            <a:r>
+              <a:rPr lang="ko-KR" altLang="en-US" sz="2400">
+                <a:latin typeface="나눔스퀘어 Bold" panose="020B0600000101010101" pitchFamily="50" charset="-127"/>
+                <a:ea typeface="나눔스퀘어 Bold" panose="020B0600000101010101" pitchFamily="50" charset="-127"/>
+              </a:rPr>
+              <a:t>편이슬</a:t>
+            </a:r>
+          </a:p>
+        </p:txBody>
+      </p:sp>
+      <p:sp>
+        <p:nvSpPr>
+          <p:cNvPr id="25" name="사각형: 둥근 모서리 24">
+            <a:extLst>
+              <a:ext uri="{FF2B5EF4-FFF2-40B4-BE49-F238E27FC236}">
+                <a16:creationId xmlns:a16="http://schemas.microsoft.com/office/drawing/2014/main" id="{EC5ED9F5-91E5-414A-A134-480CB1CCA16A}"/>
+              </a:ext>
+            </a:extLst>
+          </p:cNvPr>
+          <p:cNvSpPr/>
+          <p:nvPr/>
+        </p:nvSpPr>
+        <p:spPr>
+          <a:xfrm>
+            <a:off x="0" y="18258"/>
+            <a:ext cx="1447920" cy="505420"/>
+          </a:xfrm>
+          <a:prstGeom prst="roundRect">
+            <a:avLst/>
+          </a:prstGeom>
+          <a:noFill/>
+          <a:ln w="41275">
+            <a:solidFill>
+              <a:srgbClr val="FF0000"/>
+            </a:solidFill>
+          </a:ln>
+        </p:spPr>
+        <p:style>
+          <a:lnRef idx="2">
+            <a:schemeClr val="accent1">
+              <a:shade val="50000"/>
+            </a:schemeClr>
+          </a:lnRef>
+          <a:fillRef idx="1">
+            <a:schemeClr val="accent1"/>
+          </a:fillRef>
+          <a:effectRef idx="0">
+            <a:schemeClr val="accent1"/>
+          </a:effectRef>
+          <a:fontRef idx="minor">
+            <a:schemeClr val="lt1"/>
+          </a:fontRef>
+        </p:style>
+        <p:txBody>
+          <a:bodyPr rtlCol="0" anchor="ctr"/>
+          <a:lstStyle/>
+          <a:p>
+            <a:pPr algn="ctr"/>
+            <a:r>
+              <a:rPr lang="en-US" altLang="ko-KR" dirty="0" smtClean="0">
+                <a:solidFill>
+                  <a:schemeClr val="tx1"/>
+                </a:solidFill>
+              </a:rPr>
+              <a:t>2021-07-27</a:t>
+            </a:r>
+            <a:endParaRPr lang="en-US" altLang="ko-KR" dirty="0">
+              <a:solidFill>
+                <a:schemeClr val="tx1"/>
+              </a:solidFill>
+            </a:endParaRPr>
+          </a:p>
+          <a:p>
+            <a:pPr algn="ctr"/>
+            <a:r>
+              <a:rPr lang="en-US" altLang="ko-KR" sz="1200" dirty="0" err="1">
+                <a:solidFill>
+                  <a:schemeClr val="tx1"/>
+                </a:solidFill>
+              </a:rPr>
+              <a:t>Givengel</a:t>
+            </a:r>
+            <a:endParaRPr lang="ko-KR" altLang="en-US" sz="1200" dirty="0">
+              <a:solidFill>
+                <a:schemeClr val="tx1"/>
+              </a:solidFill>
+            </a:endParaRPr>
+          </a:p>
+        </p:txBody>
+      </p:sp>
+      <p:cxnSp>
+        <p:nvCxnSpPr>
+          <p:cNvPr id="33" name="직선 연결선 32">
+            <a:extLst>
+              <a:ext uri="{FF2B5EF4-FFF2-40B4-BE49-F238E27FC236}">
+                <a16:creationId xmlns:a16="http://schemas.microsoft.com/office/drawing/2014/main" id="{620AF5B9-F4A0-41E0-B508-86FA9E0B5B33}"/>
+              </a:ext>
+            </a:extLst>
+          </p:cNvPr>
+          <p:cNvCxnSpPr>
+            <a:cxnSpLocks/>
+          </p:cNvCxnSpPr>
+          <p:nvPr/>
+        </p:nvCxnSpPr>
+        <p:spPr>
+          <a:xfrm>
+            <a:off x="7609786" y="1254966"/>
+            <a:ext cx="0" cy="5232139"/>
+          </a:xfrm>
+          <a:prstGeom prst="line">
+            <a:avLst/>
+          </a:prstGeom>
+          <a:ln>
+            <a:solidFill>
+              <a:schemeClr val="bg1"/>
+            </a:solidFill>
+          </a:ln>
+        </p:spPr>
+        <p:style>
+          <a:lnRef idx="1">
+            <a:schemeClr val="accent1"/>
+          </a:lnRef>
+          <a:fillRef idx="0">
+            <a:schemeClr val="accent1"/>
+          </a:fillRef>
+          <a:effectRef idx="0">
+            <a:schemeClr val="accent1"/>
+          </a:effectRef>
+          <a:fontRef idx="minor">
+            <a:schemeClr val="tx1"/>
+          </a:fontRef>
+        </p:style>
+      </p:cxnSp>
+      <p:sp>
+        <p:nvSpPr>
+          <p:cNvPr id="39" name="사각형: 모서리가 접힌 도형 36">
+            <a:extLst>
+              <a:ext uri="{FF2B5EF4-FFF2-40B4-BE49-F238E27FC236}">
+                <a16:creationId xmlns:a16="http://schemas.microsoft.com/office/drawing/2014/main" id="{7D4EE499-6890-42C2-8BD4-B55FA396DD81}"/>
+              </a:ext>
+            </a:extLst>
+          </p:cNvPr>
+          <p:cNvSpPr/>
+          <p:nvPr/>
+        </p:nvSpPr>
+        <p:spPr>
+          <a:xfrm>
+            <a:off x="5326178" y="2848500"/>
+            <a:ext cx="1067965" cy="885852"/>
+          </a:xfrm>
+          <a:prstGeom prst="foldedCorner">
+            <a:avLst/>
+          </a:prstGeom>
+          <a:solidFill>
+            <a:schemeClr val="tx1">
+              <a:lumMod val="75000"/>
+              <a:lumOff val="25000"/>
+            </a:schemeClr>
+          </a:solidFill>
+        </p:spPr>
+        <p:style>
+          <a:lnRef idx="2">
+            <a:schemeClr val="accent1">
+              <a:shade val="50000"/>
+            </a:schemeClr>
+          </a:lnRef>
+          <a:fillRef idx="1">
+            <a:schemeClr val="accent1"/>
+          </a:fillRef>
+          <a:effectRef idx="0">
+            <a:schemeClr val="accent1"/>
+          </a:effectRef>
+          <a:fontRef idx="minor">
+            <a:schemeClr val="lt1"/>
+          </a:fontRef>
+        </p:style>
+        <p:txBody>
+          <a:bodyPr rtlCol="0" anchor="ctr"/>
+          <a:lstStyle/>
+          <a:p>
+            <a:pPr algn="ctr"/>
+            <a:r>
+              <a:rPr lang="ko-KR" altLang="en-US" sz="1050"/>
+              <a:t>게시판 주요기능 마무리</a:t>
+            </a:r>
+            <a:endParaRPr lang="en-US" altLang="ko-KR" sz="1050" dirty="0"/>
+          </a:p>
+        </p:txBody>
+      </p:sp>
+      <p:sp>
+        <p:nvSpPr>
+          <p:cNvPr id="41" name="사각형: 모서리가 접힌 도형 31">
+            <a:extLst>
+              <a:ext uri="{FF2B5EF4-FFF2-40B4-BE49-F238E27FC236}">
+                <a16:creationId xmlns:a16="http://schemas.microsoft.com/office/drawing/2014/main" id="{9E1977DF-8F33-4C45-A37F-A385715CA840}"/>
+              </a:ext>
+            </a:extLst>
+          </p:cNvPr>
+          <p:cNvSpPr/>
+          <p:nvPr/>
+        </p:nvSpPr>
+        <p:spPr>
+          <a:xfrm>
+            <a:off x="5365887" y="4094139"/>
+            <a:ext cx="1067965" cy="825808"/>
+          </a:xfrm>
+          <a:prstGeom prst="foldedCorner">
+            <a:avLst/>
+          </a:prstGeom>
+          <a:solidFill>
+            <a:schemeClr val="tx1">
+              <a:lumMod val="75000"/>
+              <a:lumOff val="25000"/>
+            </a:schemeClr>
+          </a:solidFill>
+        </p:spPr>
+        <p:style>
+          <a:lnRef idx="2">
+            <a:schemeClr val="accent1">
+              <a:shade val="50000"/>
+            </a:schemeClr>
+          </a:lnRef>
+          <a:fillRef idx="1">
+            <a:schemeClr val="accent1"/>
+          </a:fillRef>
+          <a:effectRef idx="0">
+            <a:schemeClr val="accent1"/>
+          </a:effectRef>
+          <a:fontRef idx="minor">
+            <a:schemeClr val="lt1"/>
+          </a:fontRef>
+        </p:style>
+        <p:txBody>
+          <a:bodyPr rtlCol="0" anchor="ctr"/>
+          <a:lstStyle/>
+          <a:p>
+            <a:pPr algn="ctr"/>
+            <a:r>
+              <a:rPr lang="ko-KR" altLang="en-US" sz="1050"/>
+              <a:t>메인페이지 정리</a:t>
+            </a:r>
+            <a:endParaRPr lang="ko-KR" altLang="en-US" sz="1050" dirty="0"/>
+          </a:p>
+        </p:txBody>
+      </p:sp>
+      <p:sp>
+        <p:nvSpPr>
+          <p:cNvPr id="26" name="사각형: 모서리가 접힌 도형 25">
+            <a:extLst>
+              <a:ext uri="{FF2B5EF4-FFF2-40B4-BE49-F238E27FC236}">
+                <a16:creationId xmlns:a16="http://schemas.microsoft.com/office/drawing/2014/main" id="{5D761F29-31F2-40F8-8E28-F472282564CD}"/>
+              </a:ext>
+            </a:extLst>
+          </p:cNvPr>
+          <p:cNvSpPr/>
+          <p:nvPr/>
+        </p:nvSpPr>
+        <p:spPr>
+          <a:xfrm>
+            <a:off x="5436224" y="5410465"/>
+            <a:ext cx="1067965" cy="885852"/>
+          </a:xfrm>
+          <a:prstGeom prst="foldedCorner">
+            <a:avLst/>
+          </a:prstGeom>
+          <a:solidFill>
+            <a:schemeClr val="tx1">
+              <a:lumMod val="75000"/>
+              <a:lumOff val="25000"/>
+            </a:schemeClr>
+          </a:solidFill>
+        </p:spPr>
+        <p:style>
+          <a:lnRef idx="2">
+            <a:schemeClr val="accent1">
+              <a:shade val="50000"/>
+            </a:schemeClr>
+          </a:lnRef>
+          <a:fillRef idx="1">
+            <a:schemeClr val="accent1"/>
+          </a:fillRef>
+          <a:effectRef idx="0">
+            <a:schemeClr val="accent1"/>
+          </a:effectRef>
+          <a:fontRef idx="minor">
+            <a:schemeClr val="lt1"/>
+          </a:fontRef>
+        </p:style>
+        <p:txBody>
+          <a:bodyPr rtlCol="0" anchor="ctr"/>
+          <a:lstStyle/>
+          <a:p>
+            <a:pPr algn="ctr"/>
+            <a:r>
+              <a:rPr lang="en-US" altLang="ko-KR" sz="1050"/>
+              <a:t>[</a:t>
+            </a:r>
+            <a:r>
+              <a:rPr lang="ko-KR" altLang="en-US" sz="1050"/>
+              <a:t>관리자 메뉴</a:t>
+            </a:r>
+            <a:r>
+              <a:rPr lang="en-US" altLang="ko-KR" sz="1050"/>
+              <a:t>]</a:t>
+            </a:r>
+          </a:p>
+          <a:p>
+            <a:pPr algn="ctr"/>
+            <a:r>
+              <a:rPr lang="ko-KR" altLang="en-US" sz="1050"/>
+              <a:t>크롤링 학습</a:t>
+            </a:r>
+          </a:p>
+        </p:txBody>
+      </p:sp>
+      <p:sp>
+        <p:nvSpPr>
+          <p:cNvPr id="27" name="사각형: 모서리가 접힌 도형 26">
+            <a:extLst>
+              <a:ext uri="{FF2B5EF4-FFF2-40B4-BE49-F238E27FC236}">
+                <a16:creationId xmlns:a16="http://schemas.microsoft.com/office/drawing/2014/main" id="{98B0ECE4-EBA6-48C7-8248-5167877488C8}"/>
+              </a:ext>
+            </a:extLst>
+          </p:cNvPr>
+          <p:cNvSpPr/>
+          <p:nvPr/>
+        </p:nvSpPr>
+        <p:spPr>
+          <a:xfrm>
+            <a:off x="7883581" y="5491528"/>
+            <a:ext cx="1067965" cy="885852"/>
+          </a:xfrm>
+          <a:prstGeom prst="foldedCorner">
+            <a:avLst/>
+          </a:prstGeom>
+          <a:solidFill>
+            <a:schemeClr val="tx1">
+              <a:lumMod val="75000"/>
+              <a:lumOff val="25000"/>
+            </a:schemeClr>
+          </a:solidFill>
+        </p:spPr>
+        <p:style>
+          <a:lnRef idx="2">
+            <a:schemeClr val="accent1">
+              <a:shade val="50000"/>
+            </a:schemeClr>
+          </a:lnRef>
+          <a:fillRef idx="1">
+            <a:schemeClr val="accent1"/>
+          </a:fillRef>
+          <a:effectRef idx="0">
+            <a:schemeClr val="accent1"/>
+          </a:effectRef>
+          <a:fontRef idx="minor">
+            <a:schemeClr val="lt1"/>
+          </a:fontRef>
+        </p:style>
+        <p:txBody>
+          <a:bodyPr rtlCol="0" anchor="ctr"/>
+          <a:lstStyle/>
+          <a:p>
+            <a:pPr algn="ctr"/>
+            <a:r>
+              <a:rPr lang="en-US" altLang="ko-KR" sz="1050"/>
+              <a:t>[</a:t>
+            </a:r>
+            <a:r>
+              <a:rPr lang="ko-KR" altLang="en-US" sz="1050"/>
+              <a:t>관리자 메뉴</a:t>
+            </a:r>
+            <a:r>
+              <a:rPr lang="en-US" altLang="ko-KR" sz="1050"/>
+              <a:t>]</a:t>
+            </a:r>
+          </a:p>
+          <a:p>
+            <a:pPr algn="ctr"/>
+            <a:r>
+              <a:rPr lang="ko-KR" altLang="en-US" sz="1050"/>
+              <a:t>중고 상품 관리 메뉴 만들기</a:t>
+            </a:r>
+          </a:p>
+        </p:txBody>
+      </p:sp>
+      <p:sp>
+        <p:nvSpPr>
+          <p:cNvPr id="28" name="사각형: 모서리가 접힌 도형 35">
+            <a:extLst>
+              <a:ext uri="{FF2B5EF4-FFF2-40B4-BE49-F238E27FC236}">
+                <a16:creationId xmlns:a16="http://schemas.microsoft.com/office/drawing/2014/main" id="{A22791AA-87D8-4326-BDE4-FFBAD895847A}"/>
+              </a:ext>
+            </a:extLst>
+          </p:cNvPr>
+          <p:cNvSpPr/>
+          <p:nvPr/>
+        </p:nvSpPr>
+        <p:spPr>
+          <a:xfrm>
+            <a:off x="5400017" y="1589781"/>
+            <a:ext cx="1067965" cy="774618"/>
+          </a:xfrm>
+          <a:prstGeom prst="foldedCorner">
+            <a:avLst/>
+          </a:prstGeom>
+          <a:solidFill>
+            <a:schemeClr val="tx1">
+              <a:lumMod val="75000"/>
+              <a:lumOff val="25000"/>
+            </a:schemeClr>
+          </a:solidFill>
+        </p:spPr>
+        <p:style>
+          <a:lnRef idx="2">
+            <a:schemeClr val="accent1">
+              <a:shade val="50000"/>
+            </a:schemeClr>
+          </a:lnRef>
+          <a:fillRef idx="1">
+            <a:schemeClr val="accent1"/>
+          </a:fillRef>
+          <a:effectRef idx="0">
+            <a:schemeClr val="accent1"/>
+          </a:effectRef>
+          <a:fontRef idx="minor">
+            <a:schemeClr val="lt1"/>
+          </a:fontRef>
+        </p:style>
+        <p:txBody>
+          <a:bodyPr rtlCol="0" anchor="ctr"/>
+          <a:lstStyle/>
+          <a:p>
+            <a:pPr algn="ctr"/>
+            <a:r>
+              <a:rPr lang="ko-KR" altLang="en-US" sz="1050"/>
+              <a:t>마이페이지 기능 마무리</a:t>
+            </a:r>
+            <a:endParaRPr lang="ko-KR" altLang="en-US" sz="1050" dirty="0"/>
+          </a:p>
+        </p:txBody>
+      </p:sp>
+      <p:sp>
+        <p:nvSpPr>
+          <p:cNvPr id="30" name="사각형: 모서리가 접힌 도형 35">
+            <a:extLst>
+              <a:ext uri="{FF2B5EF4-FFF2-40B4-BE49-F238E27FC236}">
+                <a16:creationId xmlns:a16="http://schemas.microsoft.com/office/drawing/2014/main" id="{82C41E79-363D-4B49-98F6-D375079342A4}"/>
+              </a:ext>
+            </a:extLst>
+          </p:cNvPr>
+          <p:cNvSpPr/>
+          <p:nvPr/>
+        </p:nvSpPr>
+        <p:spPr>
+          <a:xfrm>
+            <a:off x="3149917" y="2888383"/>
+            <a:ext cx="1067965" cy="774618"/>
+          </a:xfrm>
+          <a:prstGeom prst="foldedCorner">
+            <a:avLst/>
+          </a:prstGeom>
+          <a:solidFill>
+            <a:schemeClr val="tx1">
+              <a:lumMod val="75000"/>
+              <a:lumOff val="25000"/>
+            </a:schemeClr>
+          </a:solidFill>
+        </p:spPr>
+        <p:style>
+          <a:lnRef idx="2">
+            <a:schemeClr val="accent1">
+              <a:shade val="50000"/>
+            </a:schemeClr>
+          </a:lnRef>
+          <a:fillRef idx="1">
+            <a:schemeClr val="accent1"/>
+          </a:fillRef>
+          <a:effectRef idx="0">
+            <a:schemeClr val="accent1"/>
+          </a:effectRef>
+          <a:fontRef idx="minor">
+            <a:schemeClr val="lt1"/>
+          </a:fontRef>
+        </p:style>
+        <p:txBody>
+          <a:bodyPr rtlCol="0" anchor="ctr"/>
+          <a:lstStyle/>
+          <a:p>
+            <a:pPr algn="ctr"/>
+            <a:r>
+              <a:rPr lang="ko-KR" altLang="en-US" sz="1050"/>
+              <a:t>게시판 부가 기능 수정</a:t>
+            </a:r>
+            <a:endParaRPr lang="ko-KR" altLang="en-US" sz="1050" dirty="0"/>
+          </a:p>
+        </p:txBody>
+      </p:sp>
+      <p:sp>
+        <p:nvSpPr>
+          <p:cNvPr id="32" name="사각형: 모서리가 접힌 도형 36">
+            <a:extLst>
+              <a:ext uri="{FF2B5EF4-FFF2-40B4-BE49-F238E27FC236}">
+                <a16:creationId xmlns:a16="http://schemas.microsoft.com/office/drawing/2014/main" id="{B62FA5A7-808D-4B4F-BA4D-4424B81095F9}"/>
+              </a:ext>
+            </a:extLst>
+          </p:cNvPr>
+          <p:cNvSpPr/>
+          <p:nvPr/>
+        </p:nvSpPr>
+        <p:spPr>
+          <a:xfrm>
+            <a:off x="1878475" y="2832766"/>
+            <a:ext cx="1067965" cy="885852"/>
+          </a:xfrm>
+          <a:prstGeom prst="foldedCorner">
+            <a:avLst/>
+          </a:prstGeom>
+          <a:solidFill>
+            <a:schemeClr val="tx1">
+              <a:lumMod val="75000"/>
+              <a:lumOff val="25000"/>
+            </a:schemeClr>
+          </a:solidFill>
+        </p:spPr>
+        <p:style>
+          <a:lnRef idx="2">
+            <a:schemeClr val="accent1">
+              <a:shade val="50000"/>
+            </a:schemeClr>
+          </a:lnRef>
+          <a:fillRef idx="1">
+            <a:schemeClr val="accent1"/>
+          </a:fillRef>
+          <a:effectRef idx="0">
+            <a:schemeClr val="accent1"/>
+          </a:effectRef>
+          <a:fontRef idx="minor">
+            <a:schemeClr val="lt1"/>
+          </a:fontRef>
+        </p:style>
+        <p:txBody>
+          <a:bodyPr rtlCol="0" anchor="ctr"/>
+          <a:lstStyle/>
+          <a:p>
+            <a:pPr algn="ctr"/>
+            <a:r>
+              <a:rPr lang="ko-KR" altLang="en-US" sz="1050"/>
+              <a:t>댓글 검색</a:t>
+            </a:r>
+            <a:endParaRPr lang="en-US" altLang="ko-KR" sz="1050" dirty="0"/>
+          </a:p>
+        </p:txBody>
+      </p:sp>
+      <p:sp>
+        <p:nvSpPr>
+          <p:cNvPr id="34" name="사각형: 모서리가 접힌 도형 31">
+            <a:extLst>
+              <a:ext uri="{FF2B5EF4-FFF2-40B4-BE49-F238E27FC236}">
+                <a16:creationId xmlns:a16="http://schemas.microsoft.com/office/drawing/2014/main" id="{26BE5895-1BDA-4BC6-A99C-AA458EE8CFC5}"/>
+              </a:ext>
+            </a:extLst>
+          </p:cNvPr>
+          <p:cNvSpPr/>
+          <p:nvPr/>
+        </p:nvSpPr>
+        <p:spPr>
+          <a:xfrm>
+            <a:off x="2895464" y="4138101"/>
+            <a:ext cx="1067965" cy="825808"/>
+          </a:xfrm>
+          <a:prstGeom prst="foldedCorner">
+            <a:avLst/>
+          </a:prstGeom>
+          <a:solidFill>
+            <a:schemeClr val="tx1">
+              <a:lumMod val="75000"/>
+              <a:lumOff val="25000"/>
+            </a:schemeClr>
+          </a:solidFill>
+        </p:spPr>
+        <p:style>
+          <a:lnRef idx="2">
+            <a:schemeClr val="accent1">
+              <a:shade val="50000"/>
+            </a:schemeClr>
+          </a:lnRef>
+          <a:fillRef idx="1">
+            <a:schemeClr val="accent1"/>
+          </a:fillRef>
+          <a:effectRef idx="0">
+            <a:schemeClr val="accent1"/>
+          </a:effectRef>
+          <a:fontRef idx="minor">
+            <a:schemeClr val="lt1"/>
+          </a:fontRef>
+        </p:style>
+        <p:txBody>
+          <a:bodyPr rtlCol="0" anchor="ctr"/>
+          <a:lstStyle/>
+          <a:p>
+            <a:pPr algn="ctr"/>
+            <a:r>
+              <a:rPr lang="ko-KR" altLang="en-US" sz="1050"/>
+              <a:t>구현 기능 주석 정리 및 코드 정리</a:t>
+            </a:r>
+            <a:endParaRPr lang="ko-KR" altLang="en-US" sz="1050" dirty="0"/>
+          </a:p>
+        </p:txBody>
+      </p:sp>
+      <p:sp>
+        <p:nvSpPr>
+          <p:cNvPr id="31" name="사각형: 모서리가 접힌 도형 35">
+            <a:extLst>
+              <a:ext uri="{FF2B5EF4-FFF2-40B4-BE49-F238E27FC236}">
+                <a16:creationId xmlns:a16="http://schemas.microsoft.com/office/drawing/2014/main" id="{189D319E-FA39-4BE8-8908-4977D6024B4C}"/>
+              </a:ext>
+            </a:extLst>
+          </p:cNvPr>
+          <p:cNvSpPr/>
+          <p:nvPr/>
+        </p:nvSpPr>
+        <p:spPr>
+          <a:xfrm>
+            <a:off x="3227899" y="1629664"/>
+            <a:ext cx="1067965" cy="774618"/>
+          </a:xfrm>
+          <a:prstGeom prst="foldedCorner">
+            <a:avLst/>
+          </a:prstGeom>
+          <a:solidFill>
+            <a:schemeClr val="tx1">
+              <a:lumMod val="75000"/>
+              <a:lumOff val="25000"/>
+            </a:schemeClr>
+          </a:solidFill>
+        </p:spPr>
+        <p:style>
+          <a:lnRef idx="2">
+            <a:schemeClr val="accent1">
+              <a:shade val="50000"/>
+            </a:schemeClr>
+          </a:lnRef>
+          <a:fillRef idx="1">
+            <a:schemeClr val="accent1"/>
+          </a:fillRef>
+          <a:effectRef idx="0">
+            <a:schemeClr val="accent1"/>
+          </a:effectRef>
+          <a:fontRef idx="minor">
+            <a:schemeClr val="lt1"/>
+          </a:fontRef>
+        </p:style>
+        <p:txBody>
+          <a:bodyPr rtlCol="0" anchor="ctr"/>
+          <a:lstStyle/>
+          <a:p>
+            <a:pPr algn="ctr"/>
+            <a:r>
+              <a:rPr lang="ko-KR" altLang="en-US" sz="1050"/>
+              <a:t>마이페이지 코드 정리 및 주석</a:t>
+            </a:r>
+            <a:endParaRPr lang="ko-KR" altLang="en-US" sz="1050" dirty="0"/>
+          </a:p>
+        </p:txBody>
+      </p:sp>
+    </p:spTree>
+    <p:extLst>
+      <p:ext uri="{BB962C8B-B14F-4D97-AF65-F5344CB8AC3E}">
+        <p14:creationId xmlns:p14="http://schemas.microsoft.com/office/powerpoint/2010/main" val="3925047611"/>
+      </p:ext>
+    </p:extLst>
+  </p:cSld>
+  <p:clrMapOvr>
+    <a:masterClrMapping/>
+  </p:clrMapOvr>
+</p:sld>
+</file>
+
+<file path=ppt/slides/slide8.xml><?xml version="1.0" encoding="utf-8"?>
+<p:sld xmlns:a="http://schemas.openxmlformats.org/drawingml/2006/main" xmlns:r="http://schemas.openxmlformats.org/officeDocument/2006/relationships" xmlns:p="http://schemas.openxmlformats.org/presentationml/2006/main">
+  <p:cSld>
+    <p:bg>
+      <p:bgPr>
+        <a:solidFill>
+          <a:schemeClr val="bg2">
+            <a:lumMod val="90000"/>
+          </a:schemeClr>
+        </a:solidFill>
+        <a:effectLst/>
+      </p:bgPr>
+    </p:bg>
+    <p:spTree>
+      <p:nvGrpSpPr>
+        <p:cNvPr id="1" name=""/>
+        <p:cNvGrpSpPr/>
+        <p:nvPr/>
+      </p:nvGrpSpPr>
+      <p:grpSpPr>
+        <a:xfrm>
+          <a:off x="0" y="0"/>
+          <a:ext cx="0" cy="0"/>
+          <a:chOff x="0" y="0"/>
+          <a:chExt cx="0" cy="0"/>
+        </a:xfrm>
+      </p:grpSpPr>
+      <p:sp>
+        <p:nvSpPr>
+          <p:cNvPr id="4" name="직사각형 3">
+            <a:extLst>
+              <a:ext uri="{FF2B5EF4-FFF2-40B4-BE49-F238E27FC236}">
+                <a16:creationId xmlns:a16="http://schemas.microsoft.com/office/drawing/2014/main" id="{1B84EBAF-0A2B-4903-A932-FF51E306C701}"/>
+              </a:ext>
+            </a:extLst>
+          </p:cNvPr>
+          <p:cNvSpPr/>
+          <p:nvPr/>
+        </p:nvSpPr>
+        <p:spPr>
+          <a:xfrm>
+            <a:off x="1427584" y="1254967"/>
+            <a:ext cx="9773038" cy="1198983"/>
+          </a:xfrm>
+          <a:prstGeom prst="rect">
+            <a:avLst/>
+          </a:prstGeom>
+          <a:solidFill>
+            <a:srgbClr val="FF0000">
+              <a:alpha val="20000"/>
+            </a:srgbClr>
+          </a:solidFill>
+          <a:ln>
+            <a:noFill/>
+          </a:ln>
+        </p:spPr>
+        <p:style>
+          <a:lnRef idx="2">
+            <a:schemeClr val="accent1">
+              <a:shade val="50000"/>
+            </a:schemeClr>
+          </a:lnRef>
+          <a:fillRef idx="1">
+            <a:schemeClr val="accent1"/>
+          </a:fillRef>
+          <a:effectRef idx="0">
+            <a:schemeClr val="accent1"/>
+          </a:effectRef>
+          <a:fontRef idx="minor">
+            <a:schemeClr val="lt1"/>
+          </a:fontRef>
+        </p:style>
+        <p:txBody>
+          <a:bodyPr rtlCol="0" anchor="ctr"/>
+          <a:lstStyle/>
+          <a:p>
+            <a:pPr algn="ctr"/>
+            <a:endParaRPr lang="ko-KR" altLang="en-US"/>
+          </a:p>
+        </p:txBody>
+      </p:sp>
+      <p:sp>
+        <p:nvSpPr>
+          <p:cNvPr id="5" name="TextBox 4">
+            <a:extLst>
+              <a:ext uri="{FF2B5EF4-FFF2-40B4-BE49-F238E27FC236}">
+                <a16:creationId xmlns:a16="http://schemas.microsoft.com/office/drawing/2014/main" id="{BECF346F-56F2-4352-AFCF-CD191492F809}"/>
+              </a:ext>
+            </a:extLst>
+          </p:cNvPr>
+          <p:cNvSpPr txBox="1"/>
+          <p:nvPr/>
+        </p:nvSpPr>
+        <p:spPr>
+          <a:xfrm>
+            <a:off x="2319099" y="523680"/>
+            <a:ext cx="1394484" cy="646331"/>
+          </a:xfrm>
+          <a:prstGeom prst="rect">
+            <a:avLst/>
+          </a:prstGeom>
+          <a:noFill/>
+        </p:spPr>
+        <p:txBody>
+          <a:bodyPr wrap="none" rtlCol="0">
+            <a:spAutoFit/>
+          </a:bodyPr>
+          <a:lstStyle/>
+          <a:p>
+            <a:r>
+              <a:rPr lang="en-US" altLang="ko-KR" sz="3600">
+                <a:latin typeface="나눔스퀘어 Bold" panose="020B0600000101010101" pitchFamily="50" charset="-127"/>
+                <a:ea typeface="나눔스퀘어 Bold" panose="020B0600000101010101" pitchFamily="50" charset="-127"/>
+              </a:rPr>
+              <a:t>To Do</a:t>
+            </a:r>
+            <a:endParaRPr lang="ko-KR" altLang="en-US" sz="3600">
+              <a:latin typeface="나눔스퀘어 Bold" panose="020B0600000101010101" pitchFamily="50" charset="-127"/>
+              <a:ea typeface="나눔스퀘어 Bold" panose="020B0600000101010101" pitchFamily="50" charset="-127"/>
+            </a:endParaRPr>
+          </a:p>
+        </p:txBody>
+      </p:sp>
+      <p:sp>
+        <p:nvSpPr>
+          <p:cNvPr id="8" name="직사각형 7">
+            <a:extLst>
+              <a:ext uri="{FF2B5EF4-FFF2-40B4-BE49-F238E27FC236}">
+                <a16:creationId xmlns:a16="http://schemas.microsoft.com/office/drawing/2014/main" id="{FE4E8BFE-B574-4FCC-B8A2-B1E58767D671}"/>
+              </a:ext>
+            </a:extLst>
+          </p:cNvPr>
+          <p:cNvSpPr/>
+          <p:nvPr/>
+        </p:nvSpPr>
+        <p:spPr>
+          <a:xfrm>
+            <a:off x="1427582" y="2614903"/>
+            <a:ext cx="9773038" cy="1198983"/>
+          </a:xfrm>
+          <a:prstGeom prst="rect">
+            <a:avLst/>
+          </a:prstGeom>
+          <a:solidFill>
+            <a:srgbClr val="FFFF00">
+              <a:alpha val="20000"/>
+            </a:srgbClr>
+          </a:solidFill>
+          <a:ln>
+            <a:noFill/>
+          </a:ln>
+        </p:spPr>
+        <p:style>
+          <a:lnRef idx="2">
+            <a:schemeClr val="accent1">
+              <a:shade val="50000"/>
+            </a:schemeClr>
+          </a:lnRef>
+          <a:fillRef idx="1">
+            <a:schemeClr val="accent1"/>
+          </a:fillRef>
+          <a:effectRef idx="0">
+            <a:schemeClr val="accent1"/>
+          </a:effectRef>
+          <a:fontRef idx="minor">
+            <a:schemeClr val="lt1"/>
+          </a:fontRef>
+        </p:style>
+        <p:txBody>
+          <a:bodyPr rtlCol="0" anchor="ctr"/>
+          <a:lstStyle/>
+          <a:p>
+            <a:pPr algn="ctr"/>
+            <a:endParaRPr lang="ko-KR" altLang="en-US"/>
+          </a:p>
+        </p:txBody>
+      </p:sp>
+      <p:sp>
+        <p:nvSpPr>
+          <p:cNvPr id="9" name="직사각형 8">
+            <a:extLst>
+              <a:ext uri="{FF2B5EF4-FFF2-40B4-BE49-F238E27FC236}">
+                <a16:creationId xmlns:a16="http://schemas.microsoft.com/office/drawing/2014/main" id="{68974D7F-CCE5-4593-B1F0-D65AAC486F7D}"/>
+              </a:ext>
+            </a:extLst>
+          </p:cNvPr>
+          <p:cNvSpPr/>
+          <p:nvPr/>
+        </p:nvSpPr>
+        <p:spPr>
+          <a:xfrm>
+            <a:off x="1427582" y="3944516"/>
+            <a:ext cx="9773038" cy="1198983"/>
+          </a:xfrm>
+          <a:prstGeom prst="rect">
+            <a:avLst/>
+          </a:prstGeom>
+          <a:solidFill>
+            <a:srgbClr val="00B050">
+              <a:alpha val="20000"/>
+            </a:srgbClr>
+          </a:solidFill>
+          <a:ln>
+            <a:noFill/>
+          </a:ln>
+        </p:spPr>
+        <p:style>
+          <a:lnRef idx="2">
+            <a:schemeClr val="accent1">
+              <a:shade val="50000"/>
+            </a:schemeClr>
+          </a:lnRef>
+          <a:fillRef idx="1">
+            <a:schemeClr val="accent1"/>
+          </a:fillRef>
+          <a:effectRef idx="0">
+            <a:schemeClr val="accent1"/>
+          </a:effectRef>
+          <a:fontRef idx="minor">
+            <a:schemeClr val="lt1"/>
+          </a:fontRef>
+        </p:style>
+        <p:txBody>
+          <a:bodyPr rtlCol="0" anchor="ctr"/>
+          <a:lstStyle/>
+          <a:p>
+            <a:pPr algn="ctr"/>
+            <a:endParaRPr lang="ko-KR" altLang="en-US"/>
+          </a:p>
+        </p:txBody>
+      </p:sp>
+      <p:sp>
+        <p:nvSpPr>
+          <p:cNvPr id="10" name="직사각형 9">
+            <a:extLst>
+              <a:ext uri="{FF2B5EF4-FFF2-40B4-BE49-F238E27FC236}">
+                <a16:creationId xmlns:a16="http://schemas.microsoft.com/office/drawing/2014/main" id="{A8A744CC-536E-4000-A0E0-93568EA97CB6}"/>
+              </a:ext>
+            </a:extLst>
+          </p:cNvPr>
+          <p:cNvSpPr/>
+          <p:nvPr/>
+        </p:nvSpPr>
+        <p:spPr>
+          <a:xfrm>
+            <a:off x="1427581" y="5288123"/>
+            <a:ext cx="9773038" cy="1198983"/>
+          </a:xfrm>
+          <a:prstGeom prst="rect">
+            <a:avLst/>
+          </a:prstGeom>
+          <a:solidFill>
+            <a:srgbClr val="002060">
+              <a:alpha val="20000"/>
+            </a:srgbClr>
+          </a:solidFill>
+          <a:ln>
+            <a:noFill/>
+          </a:ln>
+        </p:spPr>
+        <p:style>
+          <a:lnRef idx="2">
+            <a:schemeClr val="accent1">
+              <a:shade val="50000"/>
+            </a:schemeClr>
+          </a:lnRef>
+          <a:fillRef idx="1">
+            <a:schemeClr val="accent1"/>
+          </a:fillRef>
+          <a:effectRef idx="0">
+            <a:schemeClr val="accent1"/>
+          </a:effectRef>
+          <a:fontRef idx="minor">
+            <a:schemeClr val="lt1"/>
+          </a:fontRef>
+        </p:style>
+        <p:txBody>
+          <a:bodyPr rtlCol="0" anchor="ctr"/>
+          <a:lstStyle/>
+          <a:p>
+            <a:pPr algn="ctr"/>
+            <a:endParaRPr lang="ko-KR" altLang="en-US"/>
+          </a:p>
+        </p:txBody>
+      </p:sp>
+      <p:cxnSp>
+        <p:nvCxnSpPr>
+          <p:cNvPr id="12" name="직선 연결선 11">
+            <a:extLst>
+              <a:ext uri="{FF2B5EF4-FFF2-40B4-BE49-F238E27FC236}">
+                <a16:creationId xmlns:a16="http://schemas.microsoft.com/office/drawing/2014/main" id="{DC85EB95-36F1-44ED-9CD7-FF29E510531E}"/>
+              </a:ext>
+            </a:extLst>
+          </p:cNvPr>
+          <p:cNvCxnSpPr>
+            <a:cxnSpLocks/>
+          </p:cNvCxnSpPr>
+          <p:nvPr/>
+        </p:nvCxnSpPr>
+        <p:spPr>
+          <a:xfrm>
+            <a:off x="5179072" y="1254967"/>
+            <a:ext cx="0" cy="5232139"/>
+          </a:xfrm>
+          <a:prstGeom prst="line">
+            <a:avLst/>
+          </a:prstGeom>
+          <a:ln>
+            <a:solidFill>
+              <a:schemeClr val="bg1"/>
+            </a:solidFill>
+          </a:ln>
+        </p:spPr>
+        <p:style>
+          <a:lnRef idx="1">
+            <a:schemeClr val="accent1"/>
+          </a:lnRef>
+          <a:fillRef idx="0">
+            <a:schemeClr val="accent1"/>
+          </a:fillRef>
+          <a:effectRef idx="0">
+            <a:schemeClr val="accent1"/>
+          </a:effectRef>
+          <a:fontRef idx="minor">
+            <a:schemeClr val="tx1"/>
+          </a:fontRef>
+        </p:style>
+      </p:cxnSp>
+      <p:sp>
+        <p:nvSpPr>
+          <p:cNvPr id="14" name="TextBox 13">
+            <a:extLst>
+              <a:ext uri="{FF2B5EF4-FFF2-40B4-BE49-F238E27FC236}">
+                <a16:creationId xmlns:a16="http://schemas.microsoft.com/office/drawing/2014/main" id="{A0E737BC-FD52-4F4B-B3E5-B8CF7A961814}"/>
+              </a:ext>
+            </a:extLst>
+          </p:cNvPr>
+          <p:cNvSpPr txBox="1"/>
+          <p:nvPr/>
+        </p:nvSpPr>
+        <p:spPr>
+          <a:xfrm>
+            <a:off x="5590985" y="523679"/>
+            <a:ext cx="1446230" cy="646331"/>
+          </a:xfrm>
+          <a:prstGeom prst="rect">
+            <a:avLst/>
+          </a:prstGeom>
+          <a:noFill/>
+        </p:spPr>
+        <p:txBody>
+          <a:bodyPr wrap="none" rtlCol="0">
+            <a:spAutoFit/>
+          </a:bodyPr>
+          <a:lstStyle/>
+          <a:p>
+            <a:r>
+              <a:rPr lang="en-US" altLang="ko-KR" sz="3600">
+                <a:latin typeface="나눔스퀘어 Bold" panose="020B0600000101010101" pitchFamily="50" charset="-127"/>
+                <a:ea typeface="나눔스퀘어 Bold" panose="020B0600000101010101" pitchFamily="50" charset="-127"/>
+              </a:rPr>
+              <a:t>Doing</a:t>
+            </a:r>
+            <a:endParaRPr lang="ko-KR" altLang="en-US" sz="3600">
+              <a:latin typeface="나눔스퀘어 Bold" panose="020B0600000101010101" pitchFamily="50" charset="-127"/>
+              <a:ea typeface="나눔스퀘어 Bold" panose="020B0600000101010101" pitchFamily="50" charset="-127"/>
+            </a:endParaRPr>
+          </a:p>
+        </p:txBody>
+      </p:sp>
+      <p:sp>
+        <p:nvSpPr>
+          <p:cNvPr id="15" name="TextBox 14">
+            <a:extLst>
+              <a:ext uri="{FF2B5EF4-FFF2-40B4-BE49-F238E27FC236}">
+                <a16:creationId xmlns:a16="http://schemas.microsoft.com/office/drawing/2014/main" id="{A5B5FD08-F728-4D59-8F50-59F1A661BAEC}"/>
+              </a:ext>
+            </a:extLst>
+          </p:cNvPr>
+          <p:cNvSpPr txBox="1"/>
+          <p:nvPr/>
+        </p:nvSpPr>
+        <p:spPr>
+          <a:xfrm>
+            <a:off x="8914617" y="523678"/>
+            <a:ext cx="1309974" cy="646331"/>
+          </a:xfrm>
+          <a:prstGeom prst="rect">
+            <a:avLst/>
+          </a:prstGeom>
+          <a:noFill/>
+        </p:spPr>
+        <p:txBody>
+          <a:bodyPr wrap="none" rtlCol="0">
+            <a:spAutoFit/>
+          </a:bodyPr>
+          <a:lstStyle/>
+          <a:p>
+            <a:r>
+              <a:rPr lang="en-US" altLang="ko-KR" sz="3600">
+                <a:latin typeface="나눔스퀘어 Bold" panose="020B0600000101010101" pitchFamily="50" charset="-127"/>
+                <a:ea typeface="나눔스퀘어 Bold" panose="020B0600000101010101" pitchFamily="50" charset="-127"/>
+              </a:rPr>
+              <a:t>Done</a:t>
+            </a:r>
+            <a:endParaRPr lang="ko-KR" altLang="en-US" sz="3600">
+              <a:latin typeface="나눔스퀘어 Bold" panose="020B0600000101010101" pitchFamily="50" charset="-127"/>
+              <a:ea typeface="나눔스퀘어 Bold" panose="020B0600000101010101" pitchFamily="50" charset="-127"/>
+            </a:endParaRPr>
+          </a:p>
+        </p:txBody>
+      </p:sp>
+      <p:sp>
+        <p:nvSpPr>
+          <p:cNvPr id="20" name="TextBox 19">
+            <a:extLst>
+              <a:ext uri="{FF2B5EF4-FFF2-40B4-BE49-F238E27FC236}">
+                <a16:creationId xmlns:a16="http://schemas.microsoft.com/office/drawing/2014/main" id="{0441CE23-9CFD-46E8-8BFA-7AC6FF2DB2A9}"/>
+              </a:ext>
+            </a:extLst>
+          </p:cNvPr>
+          <p:cNvSpPr txBox="1"/>
+          <p:nvPr/>
+        </p:nvSpPr>
+        <p:spPr>
+          <a:xfrm rot="16200000">
+            <a:off x="587214" y="1623625"/>
+            <a:ext cx="1026243" cy="461665"/>
+          </a:xfrm>
+          <a:prstGeom prst="rect">
+            <a:avLst/>
+          </a:prstGeom>
+          <a:noFill/>
+        </p:spPr>
+        <p:txBody>
+          <a:bodyPr wrap="none" rtlCol="0">
+            <a:spAutoFit/>
+          </a:bodyPr>
+          <a:lstStyle/>
+          <a:p>
+            <a:r>
+              <a:rPr lang="ko-KR" altLang="en-US" sz="2400">
+                <a:latin typeface="나눔스퀘어 Bold" panose="020B0600000101010101" pitchFamily="50" charset="-127"/>
+                <a:ea typeface="나눔스퀘어 Bold" panose="020B0600000101010101" pitchFamily="50" charset="-127"/>
+              </a:rPr>
+              <a:t>김승철</a:t>
+            </a:r>
+          </a:p>
+        </p:txBody>
+      </p:sp>
+      <p:sp>
+        <p:nvSpPr>
+          <p:cNvPr id="21" name="TextBox 20">
+            <a:extLst>
+              <a:ext uri="{FF2B5EF4-FFF2-40B4-BE49-F238E27FC236}">
+                <a16:creationId xmlns:a16="http://schemas.microsoft.com/office/drawing/2014/main" id="{9CF3ECB3-977A-4271-929F-0386AF467B83}"/>
+              </a:ext>
+            </a:extLst>
+          </p:cNvPr>
+          <p:cNvSpPr txBox="1"/>
+          <p:nvPr/>
+        </p:nvSpPr>
+        <p:spPr>
+          <a:xfrm rot="16200000">
+            <a:off x="567876" y="5642786"/>
+            <a:ext cx="1026243" cy="461665"/>
+          </a:xfrm>
+          <a:prstGeom prst="rect">
+            <a:avLst/>
+          </a:prstGeom>
+          <a:noFill/>
+        </p:spPr>
+        <p:txBody>
+          <a:bodyPr wrap="none" rtlCol="0">
+            <a:spAutoFit/>
+          </a:bodyPr>
+          <a:lstStyle/>
+          <a:p>
+            <a:r>
+              <a:rPr lang="ko-KR" altLang="en-US" sz="2400">
+                <a:latin typeface="나눔스퀘어 Bold" panose="020B0600000101010101" pitchFamily="50" charset="-127"/>
+                <a:ea typeface="나눔스퀘어 Bold" panose="020B0600000101010101" pitchFamily="50" charset="-127"/>
+              </a:rPr>
+              <a:t>김인철</a:t>
+            </a:r>
+          </a:p>
+        </p:txBody>
+      </p:sp>
+      <p:sp>
+        <p:nvSpPr>
+          <p:cNvPr id="22" name="TextBox 21">
+            <a:extLst>
+              <a:ext uri="{FF2B5EF4-FFF2-40B4-BE49-F238E27FC236}">
+                <a16:creationId xmlns:a16="http://schemas.microsoft.com/office/drawing/2014/main" id="{ADDBDFE2-F631-49F2-91DA-1D2AF5E108C8}"/>
+              </a:ext>
+            </a:extLst>
+          </p:cNvPr>
+          <p:cNvSpPr txBox="1"/>
+          <p:nvPr/>
+        </p:nvSpPr>
+        <p:spPr>
+          <a:xfrm rot="16200000">
+            <a:off x="567876" y="4313174"/>
+            <a:ext cx="1026243" cy="461665"/>
+          </a:xfrm>
+          <a:prstGeom prst="rect">
+            <a:avLst/>
+          </a:prstGeom>
+          <a:noFill/>
+        </p:spPr>
+        <p:txBody>
+          <a:bodyPr wrap="none" rtlCol="0">
+            <a:spAutoFit/>
+          </a:bodyPr>
+          <a:lstStyle/>
+          <a:p>
+            <a:r>
+              <a:rPr lang="ko-KR" altLang="en-US" sz="2400">
+                <a:latin typeface="나눔스퀘어 Bold" panose="020B0600000101010101" pitchFamily="50" charset="-127"/>
+                <a:ea typeface="나눔스퀘어 Bold" panose="020B0600000101010101" pitchFamily="50" charset="-127"/>
+              </a:rPr>
+              <a:t>김민주</a:t>
+            </a:r>
+          </a:p>
+        </p:txBody>
+      </p:sp>
+      <p:sp>
+        <p:nvSpPr>
+          <p:cNvPr id="23" name="TextBox 22">
+            <a:extLst>
+              <a:ext uri="{FF2B5EF4-FFF2-40B4-BE49-F238E27FC236}">
+                <a16:creationId xmlns:a16="http://schemas.microsoft.com/office/drawing/2014/main" id="{DF5E7D36-64E5-484E-87DD-402055396757}"/>
+              </a:ext>
+            </a:extLst>
+          </p:cNvPr>
+          <p:cNvSpPr txBox="1"/>
+          <p:nvPr/>
+        </p:nvSpPr>
+        <p:spPr>
+          <a:xfrm rot="16200000">
+            <a:off x="567877" y="2983561"/>
+            <a:ext cx="1026243" cy="461665"/>
+          </a:xfrm>
+          <a:prstGeom prst="rect">
+            <a:avLst/>
+          </a:prstGeom>
+          <a:noFill/>
+        </p:spPr>
+        <p:txBody>
+          <a:bodyPr wrap="none" rtlCol="0">
+            <a:spAutoFit/>
+          </a:bodyPr>
+          <a:lstStyle/>
+          <a:p>
+            <a:r>
+              <a:rPr lang="ko-KR" altLang="en-US" sz="2400">
+                <a:latin typeface="나눔스퀘어 Bold" panose="020B0600000101010101" pitchFamily="50" charset="-127"/>
+                <a:ea typeface="나눔스퀘어 Bold" panose="020B0600000101010101" pitchFamily="50" charset="-127"/>
+              </a:rPr>
+              <a:t>편이슬</a:t>
+            </a:r>
+          </a:p>
+        </p:txBody>
+      </p:sp>
+      <p:sp>
+        <p:nvSpPr>
+          <p:cNvPr id="25" name="사각형: 둥근 모서리 24">
+            <a:extLst>
+              <a:ext uri="{FF2B5EF4-FFF2-40B4-BE49-F238E27FC236}">
+                <a16:creationId xmlns:a16="http://schemas.microsoft.com/office/drawing/2014/main" id="{EC5ED9F5-91E5-414A-A134-480CB1CCA16A}"/>
+              </a:ext>
+            </a:extLst>
+          </p:cNvPr>
+          <p:cNvSpPr/>
+          <p:nvPr/>
+        </p:nvSpPr>
+        <p:spPr>
+          <a:xfrm>
+            <a:off x="0" y="18258"/>
+            <a:ext cx="1447920" cy="505420"/>
+          </a:xfrm>
+          <a:prstGeom prst="roundRect">
+            <a:avLst/>
+          </a:prstGeom>
+          <a:noFill/>
+          <a:ln w="41275">
+            <a:solidFill>
+              <a:srgbClr val="FF0000"/>
+            </a:solidFill>
+          </a:ln>
+        </p:spPr>
+        <p:style>
+          <a:lnRef idx="2">
+            <a:schemeClr val="accent1">
+              <a:shade val="50000"/>
+            </a:schemeClr>
+          </a:lnRef>
+          <a:fillRef idx="1">
+            <a:schemeClr val="accent1"/>
+          </a:fillRef>
+          <a:effectRef idx="0">
+            <a:schemeClr val="accent1"/>
+          </a:effectRef>
+          <a:fontRef idx="minor">
+            <a:schemeClr val="lt1"/>
+          </a:fontRef>
+        </p:style>
+        <p:txBody>
+          <a:bodyPr rtlCol="0" anchor="ctr"/>
+          <a:lstStyle/>
+          <a:p>
+            <a:pPr algn="ctr"/>
+            <a:r>
+              <a:rPr lang="en-US" altLang="ko-KR" dirty="0" smtClean="0">
+                <a:solidFill>
+                  <a:schemeClr val="tx1"/>
+                </a:solidFill>
+              </a:rPr>
+              <a:t>2021-07-28</a:t>
+            </a:r>
+            <a:endParaRPr lang="en-US" altLang="ko-KR" dirty="0">
+              <a:solidFill>
+                <a:schemeClr val="tx1"/>
+              </a:solidFill>
+            </a:endParaRPr>
+          </a:p>
+          <a:p>
+            <a:pPr algn="ctr"/>
+            <a:r>
+              <a:rPr lang="en-US" altLang="ko-KR" sz="1200" dirty="0" err="1">
+                <a:solidFill>
+                  <a:schemeClr val="tx1"/>
+                </a:solidFill>
+              </a:rPr>
+              <a:t>Givengel</a:t>
+            </a:r>
+            <a:endParaRPr lang="ko-KR" altLang="en-US" sz="1200" dirty="0">
+              <a:solidFill>
+                <a:schemeClr val="tx1"/>
+              </a:solidFill>
+            </a:endParaRPr>
+          </a:p>
+        </p:txBody>
+      </p:sp>
+      <p:cxnSp>
+        <p:nvCxnSpPr>
+          <p:cNvPr id="33" name="직선 연결선 32">
+            <a:extLst>
+              <a:ext uri="{FF2B5EF4-FFF2-40B4-BE49-F238E27FC236}">
+                <a16:creationId xmlns:a16="http://schemas.microsoft.com/office/drawing/2014/main" id="{620AF5B9-F4A0-41E0-B508-86FA9E0B5B33}"/>
+              </a:ext>
+            </a:extLst>
+          </p:cNvPr>
+          <p:cNvCxnSpPr>
+            <a:cxnSpLocks/>
+          </p:cNvCxnSpPr>
+          <p:nvPr/>
+        </p:nvCxnSpPr>
+        <p:spPr>
+          <a:xfrm>
+            <a:off x="7609786" y="1254966"/>
+            <a:ext cx="0" cy="5232139"/>
+          </a:xfrm>
+          <a:prstGeom prst="line">
+            <a:avLst/>
+          </a:prstGeom>
+          <a:ln>
+            <a:solidFill>
+              <a:schemeClr val="bg1"/>
+            </a:solidFill>
+          </a:ln>
+        </p:spPr>
+        <p:style>
+          <a:lnRef idx="1">
+            <a:schemeClr val="accent1"/>
+          </a:lnRef>
+          <a:fillRef idx="0">
+            <a:schemeClr val="accent1"/>
+          </a:fillRef>
+          <a:effectRef idx="0">
+            <a:schemeClr val="accent1"/>
+          </a:effectRef>
+          <a:fontRef idx="minor">
+            <a:schemeClr val="tx1"/>
+          </a:fontRef>
+        </p:style>
+      </p:cxnSp>
+      <p:sp>
+        <p:nvSpPr>
+          <p:cNvPr id="39" name="사각형: 모서리가 접힌 도형 36">
+            <a:extLst>
+              <a:ext uri="{FF2B5EF4-FFF2-40B4-BE49-F238E27FC236}">
+                <a16:creationId xmlns:a16="http://schemas.microsoft.com/office/drawing/2014/main" id="{7D4EE499-6890-42C2-8BD4-B55FA396DD81}"/>
+              </a:ext>
+            </a:extLst>
+          </p:cNvPr>
+          <p:cNvSpPr/>
+          <p:nvPr/>
+        </p:nvSpPr>
+        <p:spPr>
+          <a:xfrm>
+            <a:off x="2014601" y="2755905"/>
+            <a:ext cx="1067965" cy="885852"/>
+          </a:xfrm>
+          <a:prstGeom prst="foldedCorner">
+            <a:avLst/>
+          </a:prstGeom>
+          <a:solidFill>
+            <a:schemeClr val="tx1">
+              <a:lumMod val="75000"/>
+              <a:lumOff val="25000"/>
+            </a:schemeClr>
+          </a:solidFill>
+        </p:spPr>
+        <p:style>
+          <a:lnRef idx="2">
+            <a:schemeClr val="accent1">
+              <a:shade val="50000"/>
+            </a:schemeClr>
+          </a:lnRef>
+          <a:fillRef idx="1">
+            <a:schemeClr val="accent1"/>
+          </a:fillRef>
+          <a:effectRef idx="0">
+            <a:schemeClr val="accent1"/>
+          </a:effectRef>
+          <a:fontRef idx="minor">
+            <a:schemeClr val="lt1"/>
+          </a:fontRef>
+        </p:style>
+        <p:txBody>
+          <a:bodyPr rtlCol="0" anchor="ctr"/>
+          <a:lstStyle/>
+          <a:p>
+            <a:pPr algn="ctr"/>
+            <a:r>
+              <a:rPr lang="ko-KR" altLang="en-US" sz="1050" dirty="0" err="1"/>
+              <a:t>코드정리</a:t>
+            </a:r>
+            <a:r>
+              <a:rPr lang="ko-KR" altLang="en-US" sz="1050" dirty="0"/>
+              <a:t> 및 </a:t>
+            </a:r>
+            <a:r>
+              <a:rPr lang="ko-KR" altLang="en-US" sz="1050" dirty="0" err="1"/>
+              <a:t>주석달기</a:t>
+            </a:r>
+            <a:endParaRPr lang="en-US" altLang="ko-KR" sz="1050" dirty="0"/>
+          </a:p>
+        </p:txBody>
+      </p:sp>
+      <p:sp>
+        <p:nvSpPr>
+          <p:cNvPr id="41" name="사각형: 모서리가 접힌 도형 31">
+            <a:extLst>
+              <a:ext uri="{FF2B5EF4-FFF2-40B4-BE49-F238E27FC236}">
+                <a16:creationId xmlns:a16="http://schemas.microsoft.com/office/drawing/2014/main" id="{9E1977DF-8F33-4C45-A37F-A385715CA840}"/>
+              </a:ext>
+            </a:extLst>
+          </p:cNvPr>
+          <p:cNvSpPr/>
+          <p:nvPr/>
+        </p:nvSpPr>
+        <p:spPr>
+          <a:xfrm>
+            <a:off x="5508762" y="4160814"/>
+            <a:ext cx="1067965" cy="825808"/>
+          </a:xfrm>
+          <a:prstGeom prst="foldedCorner">
+            <a:avLst/>
+          </a:prstGeom>
+          <a:solidFill>
+            <a:schemeClr val="tx1">
+              <a:lumMod val="75000"/>
+              <a:lumOff val="25000"/>
+            </a:schemeClr>
+          </a:solidFill>
+        </p:spPr>
+        <p:style>
+          <a:lnRef idx="2">
+            <a:schemeClr val="accent1">
+              <a:shade val="50000"/>
+            </a:schemeClr>
+          </a:lnRef>
+          <a:fillRef idx="1">
+            <a:schemeClr val="accent1"/>
+          </a:fillRef>
+          <a:effectRef idx="0">
+            <a:schemeClr val="accent1"/>
+          </a:effectRef>
+          <a:fontRef idx="minor">
+            <a:schemeClr val="lt1"/>
+          </a:fontRef>
+        </p:style>
+        <p:txBody>
+          <a:bodyPr rtlCol="0" anchor="ctr"/>
+          <a:lstStyle/>
+          <a:p>
+            <a:pPr algn="ctr"/>
+            <a:r>
+              <a:rPr lang="ko-KR" altLang="en-US" sz="1050" dirty="0"/>
+              <a:t>상품 데이터베이스 추가</a:t>
+            </a:r>
+            <a:endParaRPr lang="ko-KR" altLang="en-US" sz="1050" dirty="0"/>
+          </a:p>
+        </p:txBody>
+      </p:sp>
+      <p:sp>
+        <p:nvSpPr>
+          <p:cNvPr id="26" name="사각형: 모서리가 접힌 도형 25">
+            <a:extLst>
+              <a:ext uri="{FF2B5EF4-FFF2-40B4-BE49-F238E27FC236}">
+                <a16:creationId xmlns:a16="http://schemas.microsoft.com/office/drawing/2014/main" id="{5D761F29-31F2-40F8-8E28-F472282564CD}"/>
+              </a:ext>
+            </a:extLst>
+          </p:cNvPr>
+          <p:cNvSpPr/>
+          <p:nvPr/>
+        </p:nvSpPr>
+        <p:spPr>
+          <a:xfrm>
+            <a:off x="7863225" y="5478545"/>
+            <a:ext cx="1067965" cy="885852"/>
+          </a:xfrm>
+          <a:prstGeom prst="foldedCorner">
+            <a:avLst/>
+          </a:prstGeom>
+          <a:solidFill>
+            <a:schemeClr val="tx1">
+              <a:lumMod val="75000"/>
+              <a:lumOff val="25000"/>
+            </a:schemeClr>
+          </a:solidFill>
+        </p:spPr>
+        <p:style>
+          <a:lnRef idx="2">
+            <a:schemeClr val="accent1">
+              <a:shade val="50000"/>
+            </a:schemeClr>
+          </a:lnRef>
+          <a:fillRef idx="1">
+            <a:schemeClr val="accent1"/>
+          </a:fillRef>
+          <a:effectRef idx="0">
+            <a:schemeClr val="accent1"/>
+          </a:effectRef>
+          <a:fontRef idx="minor">
+            <a:schemeClr val="lt1"/>
+          </a:fontRef>
+        </p:style>
+        <p:txBody>
+          <a:bodyPr rtlCol="0" anchor="ctr"/>
+          <a:lstStyle/>
+          <a:p>
+            <a:pPr algn="ctr"/>
+            <a:r>
+              <a:rPr lang="en-US" altLang="ko-KR" sz="1050" dirty="0"/>
+              <a:t>[</a:t>
+            </a:r>
+            <a:r>
+              <a:rPr lang="ko-KR" altLang="en-US" sz="1050" dirty="0"/>
+              <a:t>관리자 메뉴</a:t>
+            </a:r>
+            <a:r>
+              <a:rPr lang="en-US" altLang="ko-KR" sz="1050" dirty="0"/>
+              <a:t>]</a:t>
+            </a:r>
+          </a:p>
+          <a:p>
+            <a:pPr algn="ctr"/>
+            <a:r>
+              <a:rPr lang="en-US" altLang="ko-KR" sz="1050" dirty="0" smtClean="0"/>
+              <a:t>DB</a:t>
+            </a:r>
+            <a:r>
+              <a:rPr lang="ko-KR" altLang="en-US" sz="1050" dirty="0" smtClean="0"/>
+              <a:t>를 이용한 </a:t>
+            </a:r>
+            <a:r>
+              <a:rPr lang="ko-KR" altLang="en-US" sz="1050" dirty="0" smtClean="0"/>
+              <a:t>채팅 시스템 구현</a:t>
+            </a:r>
+            <a:endParaRPr lang="ko-KR" altLang="en-US" sz="1050" dirty="0"/>
+          </a:p>
+        </p:txBody>
+      </p:sp>
+      <p:sp>
+        <p:nvSpPr>
+          <p:cNvPr id="27" name="사각형: 모서리가 접힌 도형 26">
+            <a:extLst>
+              <a:ext uri="{FF2B5EF4-FFF2-40B4-BE49-F238E27FC236}">
+                <a16:creationId xmlns:a16="http://schemas.microsoft.com/office/drawing/2014/main" id="{98B0ECE4-EBA6-48C7-8248-5167877488C8}"/>
+              </a:ext>
+            </a:extLst>
+          </p:cNvPr>
+          <p:cNvSpPr/>
+          <p:nvPr/>
+        </p:nvSpPr>
+        <p:spPr>
+          <a:xfrm>
+            <a:off x="5270140" y="5465764"/>
+            <a:ext cx="1067965" cy="885852"/>
+          </a:xfrm>
+          <a:prstGeom prst="foldedCorner">
+            <a:avLst/>
+          </a:prstGeom>
+          <a:solidFill>
+            <a:schemeClr val="tx1">
+              <a:lumMod val="75000"/>
+              <a:lumOff val="25000"/>
+            </a:schemeClr>
+          </a:solidFill>
+        </p:spPr>
+        <p:style>
+          <a:lnRef idx="2">
+            <a:schemeClr val="accent1">
+              <a:shade val="50000"/>
+            </a:schemeClr>
+          </a:lnRef>
+          <a:fillRef idx="1">
+            <a:schemeClr val="accent1"/>
+          </a:fillRef>
+          <a:effectRef idx="0">
+            <a:schemeClr val="accent1"/>
+          </a:effectRef>
+          <a:fontRef idx="minor">
+            <a:schemeClr val="lt1"/>
+          </a:fontRef>
+        </p:style>
+        <p:txBody>
+          <a:bodyPr rtlCol="0" anchor="ctr"/>
+          <a:lstStyle/>
+          <a:p>
+            <a:pPr algn="ctr"/>
+            <a:r>
+              <a:rPr lang="en-US" altLang="ko-KR" sz="1050" dirty="0"/>
+              <a:t>[</a:t>
+            </a:r>
+            <a:r>
+              <a:rPr lang="ko-KR" altLang="en-US" sz="1050" dirty="0"/>
+              <a:t>관리자 메뉴</a:t>
+            </a:r>
+            <a:r>
+              <a:rPr lang="en-US" altLang="ko-KR" sz="1050" dirty="0"/>
+              <a:t>]</a:t>
+            </a:r>
+          </a:p>
+          <a:p>
+            <a:pPr algn="ctr"/>
+            <a:r>
+              <a:rPr lang="ko-KR" altLang="en-US" sz="1050" dirty="0" smtClean="0"/>
+              <a:t>채팅 시스템 응용 </a:t>
+            </a:r>
+            <a:r>
+              <a:rPr lang="en-US" altLang="ko-KR" sz="1050" dirty="0" smtClean="0"/>
+              <a:t>UI </a:t>
+            </a:r>
+            <a:r>
+              <a:rPr lang="ko-KR" altLang="en-US" sz="1050" dirty="0" smtClean="0"/>
+              <a:t>구현</a:t>
+            </a:r>
+            <a:endParaRPr lang="ko-KR" altLang="en-US" sz="1050" dirty="0"/>
+          </a:p>
+        </p:txBody>
+      </p:sp>
+      <p:sp>
+        <p:nvSpPr>
+          <p:cNvPr id="28" name="사각형: 모서리가 접힌 도형 35">
+            <a:extLst>
+              <a:ext uri="{FF2B5EF4-FFF2-40B4-BE49-F238E27FC236}">
+                <a16:creationId xmlns:a16="http://schemas.microsoft.com/office/drawing/2014/main" id="{A22791AA-87D8-4326-BDE4-FFBAD895847A}"/>
+              </a:ext>
+            </a:extLst>
+          </p:cNvPr>
+          <p:cNvSpPr/>
+          <p:nvPr/>
+        </p:nvSpPr>
+        <p:spPr>
+          <a:xfrm>
+            <a:off x="5400017" y="1589781"/>
+            <a:ext cx="1067965" cy="774618"/>
+          </a:xfrm>
+          <a:prstGeom prst="foldedCorner">
+            <a:avLst/>
+          </a:prstGeom>
+          <a:solidFill>
+            <a:schemeClr val="tx1">
+              <a:lumMod val="75000"/>
+              <a:lumOff val="25000"/>
+            </a:schemeClr>
+          </a:solidFill>
+        </p:spPr>
+        <p:style>
+          <a:lnRef idx="2">
+            <a:schemeClr val="accent1">
+              <a:shade val="50000"/>
+            </a:schemeClr>
+          </a:lnRef>
+          <a:fillRef idx="1">
+            <a:schemeClr val="accent1"/>
+          </a:fillRef>
+          <a:effectRef idx="0">
+            <a:schemeClr val="accent1"/>
+          </a:effectRef>
+          <a:fontRef idx="minor">
+            <a:schemeClr val="lt1"/>
+          </a:fontRef>
+        </p:style>
+        <p:txBody>
+          <a:bodyPr rtlCol="0" anchor="ctr"/>
+          <a:lstStyle/>
+          <a:p>
+            <a:pPr algn="ctr"/>
+            <a:r>
+              <a:rPr lang="ko-KR" altLang="en-US" sz="1050" dirty="0" err="1"/>
+              <a:t>마이페이지</a:t>
+            </a:r>
+            <a:r>
+              <a:rPr lang="en-US" altLang="ko-KR" sz="1050" dirty="0"/>
+              <a:t>,</a:t>
+            </a:r>
+            <a:r>
+              <a:rPr lang="ko-KR" altLang="en-US" sz="1050" dirty="0" err="1"/>
+              <a:t>캠페인댓글</a:t>
+            </a:r>
+            <a:r>
+              <a:rPr lang="ko-KR" altLang="en-US" sz="1050" dirty="0"/>
+              <a:t> </a:t>
+            </a:r>
+            <a:r>
+              <a:rPr lang="ko-KR" altLang="en-US" sz="1050" dirty="0" err="1"/>
+              <a:t>페이징</a:t>
+            </a:r>
+            <a:endParaRPr lang="ko-KR" altLang="en-US" sz="1050" dirty="0"/>
+          </a:p>
+        </p:txBody>
+      </p:sp>
+      <p:sp>
+        <p:nvSpPr>
+          <p:cNvPr id="30" name="사각형: 모서리가 접힌 도형 35">
+            <a:extLst>
+              <a:ext uri="{FF2B5EF4-FFF2-40B4-BE49-F238E27FC236}">
+                <a16:creationId xmlns:a16="http://schemas.microsoft.com/office/drawing/2014/main" id="{82C41E79-363D-4B49-98F6-D375079342A4}"/>
+              </a:ext>
+            </a:extLst>
+          </p:cNvPr>
+          <p:cNvSpPr/>
+          <p:nvPr/>
+        </p:nvSpPr>
+        <p:spPr>
+          <a:xfrm>
+            <a:off x="5533353" y="2843413"/>
+            <a:ext cx="1067965" cy="774618"/>
+          </a:xfrm>
+          <a:prstGeom prst="foldedCorner">
+            <a:avLst/>
+          </a:prstGeom>
+          <a:solidFill>
+            <a:schemeClr val="tx1">
+              <a:lumMod val="75000"/>
+              <a:lumOff val="25000"/>
+            </a:schemeClr>
+          </a:solidFill>
+        </p:spPr>
+        <p:style>
+          <a:lnRef idx="2">
+            <a:schemeClr val="accent1">
+              <a:shade val="50000"/>
+            </a:schemeClr>
+          </a:lnRef>
+          <a:fillRef idx="1">
+            <a:schemeClr val="accent1"/>
+          </a:fillRef>
+          <a:effectRef idx="0">
+            <a:schemeClr val="accent1"/>
+          </a:effectRef>
+          <a:fontRef idx="minor">
+            <a:schemeClr val="lt1"/>
+          </a:fontRef>
+        </p:style>
+        <p:txBody>
+          <a:bodyPr rtlCol="0" anchor="ctr"/>
+          <a:lstStyle/>
+          <a:p>
+            <a:pPr algn="ctr"/>
+            <a:r>
+              <a:rPr lang="ko-KR" altLang="en-US" sz="1050" dirty="0"/>
+              <a:t>중고장터 카테고리</a:t>
+            </a:r>
+            <a:r>
+              <a:rPr lang="en-US" altLang="ko-KR" sz="1050" dirty="0"/>
+              <a:t>(?)</a:t>
+            </a:r>
+            <a:r>
+              <a:rPr lang="ko-KR" altLang="en-US" sz="1050" dirty="0"/>
+              <a:t>별 정렬</a:t>
+            </a:r>
+            <a:endParaRPr lang="ko-KR" altLang="en-US" sz="1050" dirty="0"/>
+          </a:p>
+        </p:txBody>
+      </p:sp>
+      <p:sp>
+        <p:nvSpPr>
+          <p:cNvPr id="32" name="사각형: 모서리가 접힌 도형 36">
+            <a:extLst>
+              <a:ext uri="{FF2B5EF4-FFF2-40B4-BE49-F238E27FC236}">
+                <a16:creationId xmlns:a16="http://schemas.microsoft.com/office/drawing/2014/main" id="{B62FA5A7-808D-4B4F-BA4D-4424B81095F9}"/>
+              </a:ext>
+            </a:extLst>
+          </p:cNvPr>
+          <p:cNvSpPr/>
+          <p:nvPr/>
+        </p:nvSpPr>
+        <p:spPr>
+          <a:xfrm>
+            <a:off x="7998521" y="2846351"/>
+            <a:ext cx="1067965" cy="885852"/>
+          </a:xfrm>
+          <a:prstGeom prst="foldedCorner">
+            <a:avLst/>
+          </a:prstGeom>
+          <a:solidFill>
+            <a:schemeClr val="tx1">
+              <a:lumMod val="75000"/>
+              <a:lumOff val="25000"/>
+            </a:schemeClr>
+          </a:solidFill>
+        </p:spPr>
+        <p:style>
+          <a:lnRef idx="2">
+            <a:schemeClr val="accent1">
+              <a:shade val="50000"/>
+            </a:schemeClr>
+          </a:lnRef>
+          <a:fillRef idx="1">
+            <a:schemeClr val="accent1"/>
+          </a:fillRef>
+          <a:effectRef idx="0">
+            <a:schemeClr val="accent1"/>
+          </a:effectRef>
+          <a:fontRef idx="minor">
+            <a:schemeClr val="lt1"/>
+          </a:fontRef>
+        </p:style>
+        <p:txBody>
+          <a:bodyPr rtlCol="0" anchor="ctr"/>
+          <a:lstStyle/>
+          <a:p>
+            <a:pPr algn="ctr"/>
+            <a:r>
+              <a:rPr lang="ko-KR" altLang="en-US" sz="1050" dirty="0"/>
+              <a:t>중고장터 게시판 검색기능</a:t>
+            </a:r>
+            <a:endParaRPr lang="en-US" altLang="ko-KR" sz="1050" dirty="0"/>
+          </a:p>
+        </p:txBody>
+      </p:sp>
+      <p:sp>
+        <p:nvSpPr>
+          <p:cNvPr id="34" name="사각형: 모서리가 접힌 도형 31">
+            <a:extLst>
+              <a:ext uri="{FF2B5EF4-FFF2-40B4-BE49-F238E27FC236}">
+                <a16:creationId xmlns:a16="http://schemas.microsoft.com/office/drawing/2014/main" id="{26BE5895-1BDA-4BC6-A99C-AA458EE8CFC5}"/>
+              </a:ext>
+            </a:extLst>
+          </p:cNvPr>
+          <p:cNvSpPr/>
+          <p:nvPr/>
+        </p:nvSpPr>
+        <p:spPr>
+          <a:xfrm>
+            <a:off x="2895464" y="4138101"/>
+            <a:ext cx="1067965" cy="825808"/>
+          </a:xfrm>
+          <a:prstGeom prst="foldedCorner">
+            <a:avLst/>
+          </a:prstGeom>
+          <a:solidFill>
+            <a:schemeClr val="tx1">
+              <a:lumMod val="75000"/>
+              <a:lumOff val="25000"/>
+            </a:schemeClr>
+          </a:solidFill>
+        </p:spPr>
+        <p:style>
+          <a:lnRef idx="2">
+            <a:schemeClr val="accent1">
+              <a:shade val="50000"/>
+            </a:schemeClr>
+          </a:lnRef>
+          <a:fillRef idx="1">
+            <a:schemeClr val="accent1"/>
+          </a:fillRef>
+          <a:effectRef idx="0">
+            <a:schemeClr val="accent1"/>
+          </a:effectRef>
+          <a:fontRef idx="minor">
+            <a:schemeClr val="lt1"/>
+          </a:fontRef>
+        </p:style>
+        <p:txBody>
+          <a:bodyPr rtlCol="0" anchor="ctr"/>
+          <a:lstStyle/>
+          <a:p>
+            <a:pPr algn="ctr"/>
+            <a:r>
+              <a:rPr lang="ko-KR" altLang="en-US" sz="1050" dirty="0" err="1"/>
+              <a:t>코드정리</a:t>
+            </a:r>
+            <a:r>
+              <a:rPr lang="ko-KR" altLang="en-US" sz="1050" dirty="0"/>
+              <a:t>  </a:t>
+            </a:r>
+            <a:r>
+              <a:rPr lang="ko-KR" altLang="en-US" sz="1050" dirty="0" err="1"/>
+              <a:t>주석달기</a:t>
+            </a:r>
+            <a:endParaRPr lang="ko-KR" altLang="en-US" sz="1050" dirty="0"/>
+          </a:p>
+        </p:txBody>
+      </p:sp>
+      <p:sp>
+        <p:nvSpPr>
+          <p:cNvPr id="31" name="사각형: 모서리가 접힌 도형 35">
+            <a:extLst>
+              <a:ext uri="{FF2B5EF4-FFF2-40B4-BE49-F238E27FC236}">
+                <a16:creationId xmlns:a16="http://schemas.microsoft.com/office/drawing/2014/main" id="{189D319E-FA39-4BE8-8908-4977D6024B4C}"/>
+              </a:ext>
+            </a:extLst>
+          </p:cNvPr>
+          <p:cNvSpPr/>
+          <p:nvPr/>
+        </p:nvSpPr>
+        <p:spPr>
+          <a:xfrm>
+            <a:off x="1751524" y="1496314"/>
+            <a:ext cx="1067965" cy="774618"/>
+          </a:xfrm>
+          <a:prstGeom prst="foldedCorner">
+            <a:avLst/>
+          </a:prstGeom>
+          <a:solidFill>
+            <a:schemeClr val="tx1">
+              <a:lumMod val="75000"/>
+              <a:lumOff val="25000"/>
+            </a:schemeClr>
+          </a:solidFill>
+        </p:spPr>
+        <p:style>
+          <a:lnRef idx="2">
+            <a:schemeClr val="accent1">
+              <a:shade val="50000"/>
+            </a:schemeClr>
+          </a:lnRef>
+          <a:fillRef idx="1">
+            <a:schemeClr val="accent1"/>
+          </a:fillRef>
+          <a:effectRef idx="0">
+            <a:schemeClr val="accent1"/>
+          </a:effectRef>
+          <a:fontRef idx="minor">
+            <a:schemeClr val="lt1"/>
+          </a:fontRef>
+        </p:style>
+        <p:txBody>
+          <a:bodyPr rtlCol="0" anchor="ctr"/>
+          <a:lstStyle/>
+          <a:p>
+            <a:pPr algn="ctr"/>
+            <a:r>
+              <a:rPr lang="ko-KR" altLang="en-US" sz="1050" dirty="0" err="1"/>
+              <a:t>코드정리</a:t>
+            </a:r>
+            <a:r>
+              <a:rPr lang="en-US" altLang="ko-KR" sz="1050" dirty="0"/>
+              <a:t>(</a:t>
+            </a:r>
+            <a:r>
+              <a:rPr lang="ko-KR" altLang="en-US" sz="1050" dirty="0" err="1"/>
+              <a:t>오류검사</a:t>
+            </a:r>
+            <a:r>
+              <a:rPr lang="ko-KR" altLang="en-US" sz="1050" dirty="0"/>
+              <a:t> </a:t>
+            </a:r>
+            <a:r>
+              <a:rPr lang="ko-KR" altLang="en-US" sz="1050" dirty="0" err="1"/>
+              <a:t>유효성검사</a:t>
+            </a:r>
+            <a:r>
+              <a:rPr lang="en-US" altLang="ko-KR" sz="1050" dirty="0"/>
+              <a:t>) </a:t>
+            </a:r>
+            <a:r>
+              <a:rPr lang="ko-KR" altLang="en-US" sz="1050" dirty="0"/>
+              <a:t>및 </a:t>
+            </a:r>
+            <a:r>
+              <a:rPr lang="ko-KR" altLang="en-US" sz="1050" dirty="0" err="1"/>
+              <a:t>주석달기</a:t>
+            </a:r>
+            <a:endParaRPr lang="ko-KR" altLang="en-US" sz="1050" dirty="0"/>
+          </a:p>
+        </p:txBody>
+      </p:sp>
+      <p:sp>
+        <p:nvSpPr>
+          <p:cNvPr id="29" name="사각형: 모서리가 접힌 도형 26">
+            <a:extLst>
+              <a:ext uri="{FF2B5EF4-FFF2-40B4-BE49-F238E27FC236}">
+                <a16:creationId xmlns:a16="http://schemas.microsoft.com/office/drawing/2014/main" id="{98B0ECE4-EBA6-48C7-8248-5167877488C8}"/>
+              </a:ext>
+            </a:extLst>
+          </p:cNvPr>
+          <p:cNvSpPr/>
+          <p:nvPr/>
+        </p:nvSpPr>
+        <p:spPr>
+          <a:xfrm>
+            <a:off x="3316578" y="5358021"/>
+            <a:ext cx="1067965" cy="885852"/>
+          </a:xfrm>
+          <a:prstGeom prst="foldedCorner">
+            <a:avLst/>
+          </a:prstGeom>
+          <a:solidFill>
+            <a:schemeClr val="tx1">
+              <a:lumMod val="75000"/>
+              <a:lumOff val="25000"/>
+            </a:schemeClr>
+          </a:solidFill>
+        </p:spPr>
+        <p:style>
+          <a:lnRef idx="2">
+            <a:schemeClr val="accent1">
+              <a:shade val="50000"/>
+            </a:schemeClr>
+          </a:lnRef>
+          <a:fillRef idx="1">
+            <a:schemeClr val="accent1"/>
+          </a:fillRef>
+          <a:effectRef idx="0">
+            <a:schemeClr val="accent1"/>
+          </a:effectRef>
+          <a:fontRef idx="minor">
+            <a:schemeClr val="lt1"/>
+          </a:fontRef>
+        </p:style>
+        <p:txBody>
+          <a:bodyPr rtlCol="0" anchor="ctr"/>
+          <a:lstStyle/>
+          <a:p>
+            <a:pPr algn="ctr"/>
+            <a:r>
+              <a:rPr lang="en-US" altLang="ko-KR" sz="1050" dirty="0"/>
+              <a:t>[</a:t>
+            </a:r>
+            <a:r>
+              <a:rPr lang="ko-KR" altLang="en-US" sz="1050" dirty="0"/>
+              <a:t>관리자 메뉴</a:t>
+            </a:r>
+            <a:r>
+              <a:rPr lang="en-US" altLang="ko-KR" sz="1050" dirty="0"/>
+              <a:t>]</a:t>
+            </a:r>
+          </a:p>
+          <a:p>
+            <a:pPr algn="ctr"/>
+            <a:r>
+              <a:rPr lang="ko-KR" altLang="en-US" sz="1050" dirty="0" smtClean="0"/>
+              <a:t>코드 정리 </a:t>
+            </a:r>
+            <a:r>
+              <a:rPr lang="ko-KR" altLang="en-US" sz="1050" dirty="0" err="1" smtClean="0"/>
+              <a:t>주석달기</a:t>
+            </a:r>
+            <a:endParaRPr lang="ko-KR" altLang="en-US" sz="1050" dirty="0"/>
+          </a:p>
+        </p:txBody>
+      </p:sp>
+      <p:sp>
+        <p:nvSpPr>
+          <p:cNvPr id="35" name="사각형: 모서리가 접힌 도형 31">
+            <a:extLst>
+              <a:ext uri="{FF2B5EF4-FFF2-40B4-BE49-F238E27FC236}">
+                <a16:creationId xmlns:a16="http://schemas.microsoft.com/office/drawing/2014/main" id="{26BE5895-1BDA-4BC6-A99C-AA458EE8CFC5}"/>
+              </a:ext>
+            </a:extLst>
+          </p:cNvPr>
+          <p:cNvSpPr/>
+          <p:nvPr/>
+        </p:nvSpPr>
+        <p:spPr>
+          <a:xfrm>
+            <a:off x="1638789" y="4140599"/>
+            <a:ext cx="1067965" cy="825808"/>
+          </a:xfrm>
+          <a:prstGeom prst="foldedCorner">
+            <a:avLst/>
+          </a:prstGeom>
+          <a:solidFill>
+            <a:schemeClr val="tx1">
+              <a:lumMod val="75000"/>
+              <a:lumOff val="25000"/>
+            </a:schemeClr>
+          </a:solidFill>
+        </p:spPr>
+        <p:style>
+          <a:lnRef idx="2">
+            <a:schemeClr val="accent1">
+              <a:shade val="50000"/>
+            </a:schemeClr>
+          </a:lnRef>
+          <a:fillRef idx="1">
+            <a:schemeClr val="accent1"/>
+          </a:fillRef>
+          <a:effectRef idx="0">
+            <a:schemeClr val="accent1"/>
+          </a:effectRef>
+          <a:fontRef idx="minor">
+            <a:schemeClr val="lt1"/>
+          </a:fontRef>
+        </p:style>
+        <p:txBody>
+          <a:bodyPr rtlCol="0" anchor="ctr"/>
+          <a:lstStyle/>
+          <a:p>
+            <a:pPr algn="ctr"/>
+            <a:r>
+              <a:rPr lang="ko-KR" altLang="en-US" sz="1050" dirty="0" smtClean="0"/>
+              <a:t>구매 페이지에 마일리지 적립 또는 바로 후원 선택옵션추가 구현</a:t>
+            </a:r>
+            <a:endParaRPr lang="ko-KR" altLang="en-US" sz="1050" dirty="0"/>
+          </a:p>
+        </p:txBody>
+      </p:sp>
+    </p:spTree>
+    <p:extLst>
+      <p:ext uri="{BB962C8B-B14F-4D97-AF65-F5344CB8AC3E}">
+        <p14:creationId xmlns:p14="http://schemas.microsoft.com/office/powerpoint/2010/main" val="2002163227"/>
       </p:ext>
     </p:extLst>
   </p:cSld>

--- a/칸반보드.pptx
+++ b/칸반보드.pptx
@@ -13199,7 +13199,7 @@
         </p:nvSpPr>
         <p:spPr>
           <a:xfrm>
-            <a:off x="2014601" y="2755905"/>
+            <a:off x="5707370" y="2799866"/>
             <a:ext cx="1067965" cy="885852"/>
           </a:xfrm>
           <a:prstGeom prst="foldedCorner">
@@ -13263,7 +13263,7 @@
         </p:nvSpPr>
         <p:spPr>
           <a:xfrm>
-            <a:off x="5508762" y="4160814"/>
+            <a:off x="7935439" y="4134437"/>
             <a:ext cx="1067965" cy="825808"/>
           </a:xfrm>
           <a:prstGeom prst="foldedCorner">
@@ -13301,7 +13301,6 @@
               <a:rPr lang="ko-KR" altLang="en-US" sz="1050" dirty="0"/>
               <a:t>상품 데이터베이스 추가</a:t>
             </a:r>
-            <a:endParaRPr lang="ko-KR" altLang="en-US" sz="1050" dirty="0"/>
           </a:p>
         </p:txBody>
       </p:sp>
@@ -13374,11 +13373,7 @@
             </a:r>
             <a:r>
               <a:rPr lang="ko-KR" altLang="en-US" sz="1050" dirty="0" smtClean="0"/>
-              <a:t>를 이용한 </a:t>
-            </a:r>
-            <a:r>
-              <a:rPr lang="ko-KR" altLang="en-US" sz="1050" dirty="0" smtClean="0"/>
-              <a:t>채팅 시스템 구현</a:t>
+              <a:t>를 이용한 채팅 시스템 구현</a:t>
             </a:r>
             <a:endParaRPr lang="ko-KR" altLang="en-US" sz="1050" dirty="0"/>
           </a:p>
@@ -13398,7 +13393,7 @@
         </p:nvSpPr>
         <p:spPr>
           <a:xfrm>
-            <a:off x="5270140" y="5465764"/>
+            <a:off x="9165132" y="5492141"/>
             <a:ext cx="1067965" cy="885852"/>
           </a:xfrm>
           <a:prstGeom prst="foldedCorner">
@@ -13477,7 +13472,7 @@
         </p:nvSpPr>
         <p:spPr>
           <a:xfrm>
-            <a:off x="5400017" y="1589781"/>
+            <a:off x="7949786" y="1519442"/>
             <a:ext cx="1067965" cy="774618"/>
           </a:xfrm>
           <a:prstGeom prst="foldedCorner">
@@ -13549,7 +13544,7 @@
         </p:nvSpPr>
         <p:spPr>
           <a:xfrm>
-            <a:off x="5533353" y="2843413"/>
+            <a:off x="9358007" y="2931335"/>
             <a:ext cx="1067965" cy="774618"/>
           </a:xfrm>
           <a:prstGeom prst="foldedCorner">
@@ -13595,7 +13590,6 @@
               <a:rPr lang="ko-KR" altLang="en-US" sz="1050" dirty="0"/>
               <a:t>별 정렬</a:t>
             </a:r>
-            <a:endParaRPr lang="ko-KR" altLang="en-US" sz="1050" dirty="0"/>
           </a:p>
         </p:txBody>
       </p:sp>
@@ -13669,7 +13663,7 @@
         </p:nvSpPr>
         <p:spPr>
           <a:xfrm>
-            <a:off x="2895464" y="4138101"/>
+            <a:off x="5392479" y="4208439"/>
             <a:ext cx="1067965" cy="825808"/>
           </a:xfrm>
           <a:prstGeom prst="foldedCorner">
@@ -13733,7 +13727,7 @@
         </p:nvSpPr>
         <p:spPr>
           <a:xfrm>
-            <a:off x="1751524" y="1496314"/>
+            <a:off x="5593762" y="1513898"/>
             <a:ext cx="1067965" cy="774618"/>
           </a:xfrm>
           <a:prstGeom prst="foldedCorner">
@@ -13817,7 +13811,7 @@
         </p:nvSpPr>
         <p:spPr>
           <a:xfrm>
-            <a:off x="3316578" y="5358021"/>
+            <a:off x="5444317" y="5428359"/>
             <a:ext cx="1067965" cy="885852"/>
           </a:xfrm>
           <a:prstGeom prst="foldedCorner">
@@ -13892,7 +13886,7 @@
         </p:nvSpPr>
         <p:spPr>
           <a:xfrm>
-            <a:off x="1638789" y="4140599"/>
+            <a:off x="9208966" y="4184561"/>
             <a:ext cx="1067965" cy="825808"/>
           </a:xfrm>
           <a:prstGeom prst="foldedCorner">

--- a/칸반보드.pptx
+++ b/칸반보드.pptx
@@ -13,6 +13,7 @@
     <p:sldId id="261" r:id="rId7"/>
     <p:sldId id="262" r:id="rId8"/>
     <p:sldId id="263" r:id="rId9"/>
+    <p:sldId id="264" r:id="rId10"/>
   </p:sldIdLst>
   <p:sldSz cx="12192000" cy="6858000"/>
   <p:notesSz cx="6858000" cy="9144000"/>
@@ -266,7 +267,7 @@
           <a:p>
             <a:fld id="{19E96057-ABBF-44EC-96AE-4EFDAE11D92C}" type="datetimeFigureOut">
               <a:rPr lang="ko-KR" altLang="en-US" smtClean="0"/>
-              <a:t>2021-07-28</a:t>
+              <a:t>2021-07-29</a:t>
             </a:fld>
             <a:endParaRPr lang="ko-KR" altLang="en-US"/>
           </a:p>
@@ -464,7 +465,7 @@
           <a:p>
             <a:fld id="{19E96057-ABBF-44EC-96AE-4EFDAE11D92C}" type="datetimeFigureOut">
               <a:rPr lang="ko-KR" altLang="en-US" smtClean="0"/>
-              <a:t>2021-07-28</a:t>
+              <a:t>2021-07-29</a:t>
             </a:fld>
             <a:endParaRPr lang="ko-KR" altLang="en-US"/>
           </a:p>
@@ -672,7 +673,7 @@
           <a:p>
             <a:fld id="{19E96057-ABBF-44EC-96AE-4EFDAE11D92C}" type="datetimeFigureOut">
               <a:rPr lang="ko-KR" altLang="en-US" smtClean="0"/>
-              <a:t>2021-07-28</a:t>
+              <a:t>2021-07-29</a:t>
             </a:fld>
             <a:endParaRPr lang="ko-KR" altLang="en-US"/>
           </a:p>
@@ -870,7 +871,7 @@
           <a:p>
             <a:fld id="{19E96057-ABBF-44EC-96AE-4EFDAE11D92C}" type="datetimeFigureOut">
               <a:rPr lang="ko-KR" altLang="en-US" smtClean="0"/>
-              <a:t>2021-07-28</a:t>
+              <a:t>2021-07-29</a:t>
             </a:fld>
             <a:endParaRPr lang="ko-KR" altLang="en-US"/>
           </a:p>
@@ -1145,7 +1146,7 @@
           <a:p>
             <a:fld id="{19E96057-ABBF-44EC-96AE-4EFDAE11D92C}" type="datetimeFigureOut">
               <a:rPr lang="ko-KR" altLang="en-US" smtClean="0"/>
-              <a:t>2021-07-28</a:t>
+              <a:t>2021-07-29</a:t>
             </a:fld>
             <a:endParaRPr lang="ko-KR" altLang="en-US"/>
           </a:p>
@@ -1410,7 +1411,7 @@
           <a:p>
             <a:fld id="{19E96057-ABBF-44EC-96AE-4EFDAE11D92C}" type="datetimeFigureOut">
               <a:rPr lang="ko-KR" altLang="en-US" smtClean="0"/>
-              <a:t>2021-07-28</a:t>
+              <a:t>2021-07-29</a:t>
             </a:fld>
             <a:endParaRPr lang="ko-KR" altLang="en-US"/>
           </a:p>
@@ -1822,7 +1823,7 @@
           <a:p>
             <a:fld id="{19E96057-ABBF-44EC-96AE-4EFDAE11D92C}" type="datetimeFigureOut">
               <a:rPr lang="ko-KR" altLang="en-US" smtClean="0"/>
-              <a:t>2021-07-28</a:t>
+              <a:t>2021-07-29</a:t>
             </a:fld>
             <a:endParaRPr lang="ko-KR" altLang="en-US"/>
           </a:p>
@@ -1963,7 +1964,7 @@
           <a:p>
             <a:fld id="{19E96057-ABBF-44EC-96AE-4EFDAE11D92C}" type="datetimeFigureOut">
               <a:rPr lang="ko-KR" altLang="en-US" smtClean="0"/>
-              <a:t>2021-07-28</a:t>
+              <a:t>2021-07-29</a:t>
             </a:fld>
             <a:endParaRPr lang="ko-KR" altLang="en-US"/>
           </a:p>
@@ -2076,7 +2077,7 @@
           <a:p>
             <a:fld id="{19E96057-ABBF-44EC-96AE-4EFDAE11D92C}" type="datetimeFigureOut">
               <a:rPr lang="ko-KR" altLang="en-US" smtClean="0"/>
-              <a:t>2021-07-28</a:t>
+              <a:t>2021-07-29</a:t>
             </a:fld>
             <a:endParaRPr lang="ko-KR" altLang="en-US"/>
           </a:p>
@@ -2387,7 +2388,7 @@
           <a:p>
             <a:fld id="{19E96057-ABBF-44EC-96AE-4EFDAE11D92C}" type="datetimeFigureOut">
               <a:rPr lang="ko-KR" altLang="en-US" smtClean="0"/>
-              <a:t>2021-07-28</a:t>
+              <a:t>2021-07-29</a:t>
             </a:fld>
             <a:endParaRPr lang="ko-KR" altLang="en-US"/>
           </a:p>
@@ -2675,7 +2676,7 @@
           <a:p>
             <a:fld id="{19E96057-ABBF-44EC-96AE-4EFDAE11D92C}" type="datetimeFigureOut">
               <a:rPr lang="ko-KR" altLang="en-US" smtClean="0"/>
-              <a:t>2021-07-28</a:t>
+              <a:t>2021-07-29</a:t>
             </a:fld>
             <a:endParaRPr lang="ko-KR" altLang="en-US"/>
           </a:p>
@@ -2916,7 +2917,7 @@
           <a:p>
             <a:fld id="{19E96057-ABBF-44EC-96AE-4EFDAE11D92C}" type="datetimeFigureOut">
               <a:rPr lang="ko-KR" altLang="en-US" smtClean="0"/>
-              <a:t>2021-07-28</a:t>
+              <a:t>2021-07-29</a:t>
             </a:fld>
             <a:endParaRPr lang="ko-KR" altLang="en-US"/>
           </a:p>
@@ -11879,18 +11880,13 @@
           <a:p>
             <a:pPr algn="ctr"/>
             <a:r>
-              <a:rPr lang="en-US" altLang="ko-KR" dirty="0" smtClean="0">
+              <a:rPr lang="en-US" altLang="ko-KR" dirty="0">
                 <a:solidFill>
                   <a:schemeClr val="tx1"/>
                 </a:solidFill>
               </a:rPr>
               <a:t>2021-07-27</a:t>
             </a:r>
-            <a:endParaRPr lang="en-US" altLang="ko-KR" dirty="0">
-              <a:solidFill>
-                <a:schemeClr val="tx1"/>
-              </a:solidFill>
-            </a:endParaRPr>
           </a:p>
           <a:p>
             <a:pPr algn="ctr"/>
@@ -13111,18 +13107,13 @@
           <a:p>
             <a:pPr algn="ctr"/>
             <a:r>
-              <a:rPr lang="en-US" altLang="ko-KR" dirty="0" smtClean="0">
+              <a:rPr lang="en-US" altLang="ko-KR" dirty="0">
                 <a:solidFill>
                   <a:schemeClr val="tx1"/>
                 </a:solidFill>
               </a:rPr>
               <a:t>2021-07-28</a:t>
             </a:r>
-            <a:endParaRPr lang="en-US" altLang="ko-KR" dirty="0">
-              <a:solidFill>
-                <a:schemeClr val="tx1"/>
-              </a:solidFill>
-            </a:endParaRPr>
           </a:p>
           <a:p>
             <a:pPr algn="ctr"/>
@@ -13368,14 +13359,13 @@
           <a:p>
             <a:pPr algn="ctr"/>
             <a:r>
-              <a:rPr lang="en-US" altLang="ko-KR" sz="1050" dirty="0" smtClean="0"/>
+              <a:rPr lang="en-US" altLang="ko-KR" sz="1050" dirty="0"/>
               <a:t>DB</a:t>
             </a:r>
             <a:r>
-              <a:rPr lang="ko-KR" altLang="en-US" sz="1050" dirty="0" smtClean="0"/>
+              <a:rPr lang="ko-KR" altLang="en-US" sz="1050" dirty="0"/>
               <a:t>를 이용한 채팅 시스템 구현</a:t>
             </a:r>
-            <a:endParaRPr lang="ko-KR" altLang="en-US" sz="1050" dirty="0"/>
           </a:p>
         </p:txBody>
       </p:sp>
@@ -13443,18 +13433,17 @@
           <a:p>
             <a:pPr algn="ctr"/>
             <a:r>
-              <a:rPr lang="ko-KR" altLang="en-US" sz="1050" dirty="0" smtClean="0"/>
+              <a:rPr lang="ko-KR" altLang="en-US" sz="1050" dirty="0"/>
               <a:t>채팅 시스템 응용 </a:t>
             </a:r>
             <a:r>
-              <a:rPr lang="en-US" altLang="ko-KR" sz="1050" dirty="0" smtClean="0"/>
+              <a:rPr lang="en-US" altLang="ko-KR" sz="1050" dirty="0"/>
               <a:t>UI </a:t>
             </a:r>
             <a:r>
-              <a:rPr lang="ko-KR" altLang="en-US" sz="1050" dirty="0" smtClean="0"/>
+              <a:rPr lang="ko-KR" altLang="en-US" sz="1050" dirty="0"/>
               <a:t>구현</a:t>
             </a:r>
-            <a:endParaRPr lang="ko-KR" altLang="en-US" sz="1050" dirty="0"/>
           </a:p>
         </p:txBody>
       </p:sp>
@@ -13861,11 +13850,11 @@
           <a:p>
             <a:pPr algn="ctr"/>
             <a:r>
-              <a:rPr lang="ko-KR" altLang="en-US" sz="1050" dirty="0" smtClean="0"/>
+              <a:rPr lang="ko-KR" altLang="en-US" sz="1050" dirty="0"/>
               <a:t>코드 정리 </a:t>
             </a:r>
             <a:r>
-              <a:rPr lang="ko-KR" altLang="en-US" sz="1050" dirty="0" err="1" smtClean="0"/>
+              <a:rPr lang="ko-KR" altLang="en-US" sz="1050" dirty="0" err="1"/>
               <a:t>주석달기</a:t>
             </a:r>
             <a:endParaRPr lang="ko-KR" altLang="en-US" sz="1050" dirty="0"/>
@@ -13921,10 +13910,9 @@
           <a:p>
             <a:pPr algn="ctr"/>
             <a:r>
-              <a:rPr lang="ko-KR" altLang="en-US" sz="1050" dirty="0" smtClean="0"/>
+              <a:rPr lang="ko-KR" altLang="en-US" sz="1050" dirty="0"/>
               <a:t>구매 페이지에 마일리지 적립 또는 바로 후원 선택옵션추가 구현</a:t>
             </a:r>
-            <a:endParaRPr lang="ko-KR" altLang="en-US" sz="1050" dirty="0"/>
           </a:p>
         </p:txBody>
       </p:sp>
@@ -13932,6 +13920,954 @@
     <p:extLst>
       <p:ext uri="{BB962C8B-B14F-4D97-AF65-F5344CB8AC3E}">
         <p14:creationId xmlns:p14="http://schemas.microsoft.com/office/powerpoint/2010/main" val="2002163227"/>
+      </p:ext>
+    </p:extLst>
+  </p:cSld>
+  <p:clrMapOvr>
+    <a:masterClrMapping/>
+  </p:clrMapOvr>
+</p:sld>
+</file>
+
+<file path=ppt/slides/slide9.xml><?xml version="1.0" encoding="utf-8"?>
+<p:sld xmlns:a="http://schemas.openxmlformats.org/drawingml/2006/main" xmlns:r="http://schemas.openxmlformats.org/officeDocument/2006/relationships" xmlns:p="http://schemas.openxmlformats.org/presentationml/2006/main">
+  <p:cSld>
+    <p:bg>
+      <p:bgPr>
+        <a:solidFill>
+          <a:schemeClr val="bg2">
+            <a:lumMod val="90000"/>
+          </a:schemeClr>
+        </a:solidFill>
+        <a:effectLst/>
+      </p:bgPr>
+    </p:bg>
+    <p:spTree>
+      <p:nvGrpSpPr>
+        <p:cNvPr id="1" name=""/>
+        <p:cNvGrpSpPr/>
+        <p:nvPr/>
+      </p:nvGrpSpPr>
+      <p:grpSpPr>
+        <a:xfrm>
+          <a:off x="0" y="0"/>
+          <a:ext cx="0" cy="0"/>
+          <a:chOff x="0" y="0"/>
+          <a:chExt cx="0" cy="0"/>
+        </a:xfrm>
+      </p:grpSpPr>
+      <p:sp>
+        <p:nvSpPr>
+          <p:cNvPr id="4" name="직사각형 3">
+            <a:extLst>
+              <a:ext uri="{FF2B5EF4-FFF2-40B4-BE49-F238E27FC236}">
+                <a16:creationId xmlns:a16="http://schemas.microsoft.com/office/drawing/2014/main" id="{1B84EBAF-0A2B-4903-A932-FF51E306C701}"/>
+              </a:ext>
+            </a:extLst>
+          </p:cNvPr>
+          <p:cNvSpPr/>
+          <p:nvPr/>
+        </p:nvSpPr>
+        <p:spPr>
+          <a:xfrm>
+            <a:off x="1427584" y="1254967"/>
+            <a:ext cx="9773038" cy="1198983"/>
+          </a:xfrm>
+          <a:prstGeom prst="rect">
+            <a:avLst/>
+          </a:prstGeom>
+          <a:solidFill>
+            <a:srgbClr val="FF0000">
+              <a:alpha val="20000"/>
+            </a:srgbClr>
+          </a:solidFill>
+          <a:ln>
+            <a:noFill/>
+          </a:ln>
+        </p:spPr>
+        <p:style>
+          <a:lnRef idx="2">
+            <a:schemeClr val="accent1">
+              <a:shade val="50000"/>
+            </a:schemeClr>
+          </a:lnRef>
+          <a:fillRef idx="1">
+            <a:schemeClr val="accent1"/>
+          </a:fillRef>
+          <a:effectRef idx="0">
+            <a:schemeClr val="accent1"/>
+          </a:effectRef>
+          <a:fontRef idx="minor">
+            <a:schemeClr val="lt1"/>
+          </a:fontRef>
+        </p:style>
+        <p:txBody>
+          <a:bodyPr rtlCol="0" anchor="ctr"/>
+          <a:lstStyle/>
+          <a:p>
+            <a:pPr algn="ctr"/>
+            <a:endParaRPr lang="ko-KR" altLang="en-US"/>
+          </a:p>
+        </p:txBody>
+      </p:sp>
+      <p:sp>
+        <p:nvSpPr>
+          <p:cNvPr id="5" name="TextBox 4">
+            <a:extLst>
+              <a:ext uri="{FF2B5EF4-FFF2-40B4-BE49-F238E27FC236}">
+                <a16:creationId xmlns:a16="http://schemas.microsoft.com/office/drawing/2014/main" id="{BECF346F-56F2-4352-AFCF-CD191492F809}"/>
+              </a:ext>
+            </a:extLst>
+          </p:cNvPr>
+          <p:cNvSpPr txBox="1"/>
+          <p:nvPr/>
+        </p:nvSpPr>
+        <p:spPr>
+          <a:xfrm>
+            <a:off x="2319099" y="523680"/>
+            <a:ext cx="1394484" cy="646331"/>
+          </a:xfrm>
+          <a:prstGeom prst="rect">
+            <a:avLst/>
+          </a:prstGeom>
+          <a:noFill/>
+        </p:spPr>
+        <p:txBody>
+          <a:bodyPr wrap="none" rtlCol="0">
+            <a:spAutoFit/>
+          </a:bodyPr>
+          <a:lstStyle/>
+          <a:p>
+            <a:r>
+              <a:rPr lang="en-US" altLang="ko-KR" sz="3600">
+                <a:latin typeface="나눔스퀘어 Bold" panose="020B0600000101010101" pitchFamily="50" charset="-127"/>
+                <a:ea typeface="나눔스퀘어 Bold" panose="020B0600000101010101" pitchFamily="50" charset="-127"/>
+              </a:rPr>
+              <a:t>To Do</a:t>
+            </a:r>
+            <a:endParaRPr lang="ko-KR" altLang="en-US" sz="3600">
+              <a:latin typeface="나눔스퀘어 Bold" panose="020B0600000101010101" pitchFamily="50" charset="-127"/>
+              <a:ea typeface="나눔스퀘어 Bold" panose="020B0600000101010101" pitchFamily="50" charset="-127"/>
+            </a:endParaRPr>
+          </a:p>
+        </p:txBody>
+      </p:sp>
+      <p:sp>
+        <p:nvSpPr>
+          <p:cNvPr id="8" name="직사각형 7">
+            <a:extLst>
+              <a:ext uri="{FF2B5EF4-FFF2-40B4-BE49-F238E27FC236}">
+                <a16:creationId xmlns:a16="http://schemas.microsoft.com/office/drawing/2014/main" id="{FE4E8BFE-B574-4FCC-B8A2-B1E58767D671}"/>
+              </a:ext>
+            </a:extLst>
+          </p:cNvPr>
+          <p:cNvSpPr/>
+          <p:nvPr/>
+        </p:nvSpPr>
+        <p:spPr>
+          <a:xfrm>
+            <a:off x="1427582" y="2614903"/>
+            <a:ext cx="9773038" cy="1198983"/>
+          </a:xfrm>
+          <a:prstGeom prst="rect">
+            <a:avLst/>
+          </a:prstGeom>
+          <a:solidFill>
+            <a:srgbClr val="FFFF00">
+              <a:alpha val="20000"/>
+            </a:srgbClr>
+          </a:solidFill>
+          <a:ln>
+            <a:noFill/>
+          </a:ln>
+        </p:spPr>
+        <p:style>
+          <a:lnRef idx="2">
+            <a:schemeClr val="accent1">
+              <a:shade val="50000"/>
+            </a:schemeClr>
+          </a:lnRef>
+          <a:fillRef idx="1">
+            <a:schemeClr val="accent1"/>
+          </a:fillRef>
+          <a:effectRef idx="0">
+            <a:schemeClr val="accent1"/>
+          </a:effectRef>
+          <a:fontRef idx="minor">
+            <a:schemeClr val="lt1"/>
+          </a:fontRef>
+        </p:style>
+        <p:txBody>
+          <a:bodyPr rtlCol="0" anchor="ctr"/>
+          <a:lstStyle/>
+          <a:p>
+            <a:pPr algn="ctr"/>
+            <a:endParaRPr lang="ko-KR" altLang="en-US"/>
+          </a:p>
+        </p:txBody>
+      </p:sp>
+      <p:sp>
+        <p:nvSpPr>
+          <p:cNvPr id="9" name="직사각형 8">
+            <a:extLst>
+              <a:ext uri="{FF2B5EF4-FFF2-40B4-BE49-F238E27FC236}">
+                <a16:creationId xmlns:a16="http://schemas.microsoft.com/office/drawing/2014/main" id="{68974D7F-CCE5-4593-B1F0-D65AAC486F7D}"/>
+              </a:ext>
+            </a:extLst>
+          </p:cNvPr>
+          <p:cNvSpPr/>
+          <p:nvPr/>
+        </p:nvSpPr>
+        <p:spPr>
+          <a:xfrm>
+            <a:off x="1427582" y="3944516"/>
+            <a:ext cx="9773038" cy="1198983"/>
+          </a:xfrm>
+          <a:prstGeom prst="rect">
+            <a:avLst/>
+          </a:prstGeom>
+          <a:solidFill>
+            <a:srgbClr val="00B050">
+              <a:alpha val="20000"/>
+            </a:srgbClr>
+          </a:solidFill>
+          <a:ln>
+            <a:noFill/>
+          </a:ln>
+        </p:spPr>
+        <p:style>
+          <a:lnRef idx="2">
+            <a:schemeClr val="accent1">
+              <a:shade val="50000"/>
+            </a:schemeClr>
+          </a:lnRef>
+          <a:fillRef idx="1">
+            <a:schemeClr val="accent1"/>
+          </a:fillRef>
+          <a:effectRef idx="0">
+            <a:schemeClr val="accent1"/>
+          </a:effectRef>
+          <a:fontRef idx="minor">
+            <a:schemeClr val="lt1"/>
+          </a:fontRef>
+        </p:style>
+        <p:txBody>
+          <a:bodyPr rtlCol="0" anchor="ctr"/>
+          <a:lstStyle/>
+          <a:p>
+            <a:pPr algn="ctr"/>
+            <a:endParaRPr lang="ko-KR" altLang="en-US"/>
+          </a:p>
+        </p:txBody>
+      </p:sp>
+      <p:sp>
+        <p:nvSpPr>
+          <p:cNvPr id="10" name="직사각형 9">
+            <a:extLst>
+              <a:ext uri="{FF2B5EF4-FFF2-40B4-BE49-F238E27FC236}">
+                <a16:creationId xmlns:a16="http://schemas.microsoft.com/office/drawing/2014/main" id="{A8A744CC-536E-4000-A0E0-93568EA97CB6}"/>
+              </a:ext>
+            </a:extLst>
+          </p:cNvPr>
+          <p:cNvSpPr/>
+          <p:nvPr/>
+        </p:nvSpPr>
+        <p:spPr>
+          <a:xfrm>
+            <a:off x="1427581" y="5288123"/>
+            <a:ext cx="9773038" cy="1198983"/>
+          </a:xfrm>
+          <a:prstGeom prst="rect">
+            <a:avLst/>
+          </a:prstGeom>
+          <a:solidFill>
+            <a:srgbClr val="002060">
+              <a:alpha val="20000"/>
+            </a:srgbClr>
+          </a:solidFill>
+          <a:ln>
+            <a:noFill/>
+          </a:ln>
+        </p:spPr>
+        <p:style>
+          <a:lnRef idx="2">
+            <a:schemeClr val="accent1">
+              <a:shade val="50000"/>
+            </a:schemeClr>
+          </a:lnRef>
+          <a:fillRef idx="1">
+            <a:schemeClr val="accent1"/>
+          </a:fillRef>
+          <a:effectRef idx="0">
+            <a:schemeClr val="accent1"/>
+          </a:effectRef>
+          <a:fontRef idx="minor">
+            <a:schemeClr val="lt1"/>
+          </a:fontRef>
+        </p:style>
+        <p:txBody>
+          <a:bodyPr rtlCol="0" anchor="ctr"/>
+          <a:lstStyle/>
+          <a:p>
+            <a:pPr algn="ctr"/>
+            <a:endParaRPr lang="ko-KR" altLang="en-US"/>
+          </a:p>
+        </p:txBody>
+      </p:sp>
+      <p:cxnSp>
+        <p:nvCxnSpPr>
+          <p:cNvPr id="12" name="직선 연결선 11">
+            <a:extLst>
+              <a:ext uri="{FF2B5EF4-FFF2-40B4-BE49-F238E27FC236}">
+                <a16:creationId xmlns:a16="http://schemas.microsoft.com/office/drawing/2014/main" id="{DC85EB95-36F1-44ED-9CD7-FF29E510531E}"/>
+              </a:ext>
+            </a:extLst>
+          </p:cNvPr>
+          <p:cNvCxnSpPr>
+            <a:cxnSpLocks/>
+          </p:cNvCxnSpPr>
+          <p:nvPr/>
+        </p:nvCxnSpPr>
+        <p:spPr>
+          <a:xfrm>
+            <a:off x="5179072" y="1254967"/>
+            <a:ext cx="0" cy="5232139"/>
+          </a:xfrm>
+          <a:prstGeom prst="line">
+            <a:avLst/>
+          </a:prstGeom>
+          <a:ln>
+            <a:solidFill>
+              <a:schemeClr val="bg1"/>
+            </a:solidFill>
+          </a:ln>
+        </p:spPr>
+        <p:style>
+          <a:lnRef idx="1">
+            <a:schemeClr val="accent1"/>
+          </a:lnRef>
+          <a:fillRef idx="0">
+            <a:schemeClr val="accent1"/>
+          </a:fillRef>
+          <a:effectRef idx="0">
+            <a:schemeClr val="accent1"/>
+          </a:effectRef>
+          <a:fontRef idx="minor">
+            <a:schemeClr val="tx1"/>
+          </a:fontRef>
+        </p:style>
+      </p:cxnSp>
+      <p:sp>
+        <p:nvSpPr>
+          <p:cNvPr id="14" name="TextBox 13">
+            <a:extLst>
+              <a:ext uri="{FF2B5EF4-FFF2-40B4-BE49-F238E27FC236}">
+                <a16:creationId xmlns:a16="http://schemas.microsoft.com/office/drawing/2014/main" id="{A0E737BC-FD52-4F4B-B3E5-B8CF7A961814}"/>
+              </a:ext>
+            </a:extLst>
+          </p:cNvPr>
+          <p:cNvSpPr txBox="1"/>
+          <p:nvPr/>
+        </p:nvSpPr>
+        <p:spPr>
+          <a:xfrm>
+            <a:off x="5590985" y="523679"/>
+            <a:ext cx="1446230" cy="646331"/>
+          </a:xfrm>
+          <a:prstGeom prst="rect">
+            <a:avLst/>
+          </a:prstGeom>
+          <a:noFill/>
+        </p:spPr>
+        <p:txBody>
+          <a:bodyPr wrap="none" rtlCol="0">
+            <a:spAutoFit/>
+          </a:bodyPr>
+          <a:lstStyle/>
+          <a:p>
+            <a:r>
+              <a:rPr lang="en-US" altLang="ko-KR" sz="3600">
+                <a:latin typeface="나눔스퀘어 Bold" panose="020B0600000101010101" pitchFamily="50" charset="-127"/>
+                <a:ea typeface="나눔스퀘어 Bold" panose="020B0600000101010101" pitchFamily="50" charset="-127"/>
+              </a:rPr>
+              <a:t>Doing</a:t>
+            </a:r>
+            <a:endParaRPr lang="ko-KR" altLang="en-US" sz="3600">
+              <a:latin typeface="나눔스퀘어 Bold" panose="020B0600000101010101" pitchFamily="50" charset="-127"/>
+              <a:ea typeface="나눔스퀘어 Bold" panose="020B0600000101010101" pitchFamily="50" charset="-127"/>
+            </a:endParaRPr>
+          </a:p>
+        </p:txBody>
+      </p:sp>
+      <p:sp>
+        <p:nvSpPr>
+          <p:cNvPr id="15" name="TextBox 14">
+            <a:extLst>
+              <a:ext uri="{FF2B5EF4-FFF2-40B4-BE49-F238E27FC236}">
+                <a16:creationId xmlns:a16="http://schemas.microsoft.com/office/drawing/2014/main" id="{A5B5FD08-F728-4D59-8F50-59F1A661BAEC}"/>
+              </a:ext>
+            </a:extLst>
+          </p:cNvPr>
+          <p:cNvSpPr txBox="1"/>
+          <p:nvPr/>
+        </p:nvSpPr>
+        <p:spPr>
+          <a:xfrm>
+            <a:off x="8914617" y="523678"/>
+            <a:ext cx="1309974" cy="646331"/>
+          </a:xfrm>
+          <a:prstGeom prst="rect">
+            <a:avLst/>
+          </a:prstGeom>
+          <a:noFill/>
+        </p:spPr>
+        <p:txBody>
+          <a:bodyPr wrap="none" rtlCol="0">
+            <a:spAutoFit/>
+          </a:bodyPr>
+          <a:lstStyle/>
+          <a:p>
+            <a:r>
+              <a:rPr lang="en-US" altLang="ko-KR" sz="3600">
+                <a:latin typeface="나눔스퀘어 Bold" panose="020B0600000101010101" pitchFamily="50" charset="-127"/>
+                <a:ea typeface="나눔스퀘어 Bold" panose="020B0600000101010101" pitchFamily="50" charset="-127"/>
+              </a:rPr>
+              <a:t>Done</a:t>
+            </a:r>
+            <a:endParaRPr lang="ko-KR" altLang="en-US" sz="3600">
+              <a:latin typeface="나눔스퀘어 Bold" panose="020B0600000101010101" pitchFamily="50" charset="-127"/>
+              <a:ea typeface="나눔스퀘어 Bold" panose="020B0600000101010101" pitchFamily="50" charset="-127"/>
+            </a:endParaRPr>
+          </a:p>
+        </p:txBody>
+      </p:sp>
+      <p:sp>
+        <p:nvSpPr>
+          <p:cNvPr id="20" name="TextBox 19">
+            <a:extLst>
+              <a:ext uri="{FF2B5EF4-FFF2-40B4-BE49-F238E27FC236}">
+                <a16:creationId xmlns:a16="http://schemas.microsoft.com/office/drawing/2014/main" id="{0441CE23-9CFD-46E8-8BFA-7AC6FF2DB2A9}"/>
+              </a:ext>
+            </a:extLst>
+          </p:cNvPr>
+          <p:cNvSpPr txBox="1"/>
+          <p:nvPr/>
+        </p:nvSpPr>
+        <p:spPr>
+          <a:xfrm rot="16200000">
+            <a:off x="587214" y="1623625"/>
+            <a:ext cx="1026243" cy="461665"/>
+          </a:xfrm>
+          <a:prstGeom prst="rect">
+            <a:avLst/>
+          </a:prstGeom>
+          <a:noFill/>
+        </p:spPr>
+        <p:txBody>
+          <a:bodyPr wrap="none" rtlCol="0">
+            <a:spAutoFit/>
+          </a:bodyPr>
+          <a:lstStyle/>
+          <a:p>
+            <a:r>
+              <a:rPr lang="ko-KR" altLang="en-US" sz="2400">
+                <a:latin typeface="나눔스퀘어 Bold" panose="020B0600000101010101" pitchFamily="50" charset="-127"/>
+                <a:ea typeface="나눔스퀘어 Bold" panose="020B0600000101010101" pitchFamily="50" charset="-127"/>
+              </a:rPr>
+              <a:t>김승철</a:t>
+            </a:r>
+          </a:p>
+        </p:txBody>
+      </p:sp>
+      <p:sp>
+        <p:nvSpPr>
+          <p:cNvPr id="21" name="TextBox 20">
+            <a:extLst>
+              <a:ext uri="{FF2B5EF4-FFF2-40B4-BE49-F238E27FC236}">
+                <a16:creationId xmlns:a16="http://schemas.microsoft.com/office/drawing/2014/main" id="{9CF3ECB3-977A-4271-929F-0386AF467B83}"/>
+              </a:ext>
+            </a:extLst>
+          </p:cNvPr>
+          <p:cNvSpPr txBox="1"/>
+          <p:nvPr/>
+        </p:nvSpPr>
+        <p:spPr>
+          <a:xfrm rot="16200000">
+            <a:off x="567876" y="5642786"/>
+            <a:ext cx="1026243" cy="461665"/>
+          </a:xfrm>
+          <a:prstGeom prst="rect">
+            <a:avLst/>
+          </a:prstGeom>
+          <a:noFill/>
+        </p:spPr>
+        <p:txBody>
+          <a:bodyPr wrap="none" rtlCol="0">
+            <a:spAutoFit/>
+          </a:bodyPr>
+          <a:lstStyle/>
+          <a:p>
+            <a:r>
+              <a:rPr lang="ko-KR" altLang="en-US" sz="2400">
+                <a:latin typeface="나눔스퀘어 Bold" panose="020B0600000101010101" pitchFamily="50" charset="-127"/>
+                <a:ea typeface="나눔스퀘어 Bold" panose="020B0600000101010101" pitchFamily="50" charset="-127"/>
+              </a:rPr>
+              <a:t>김인철</a:t>
+            </a:r>
+          </a:p>
+        </p:txBody>
+      </p:sp>
+      <p:sp>
+        <p:nvSpPr>
+          <p:cNvPr id="22" name="TextBox 21">
+            <a:extLst>
+              <a:ext uri="{FF2B5EF4-FFF2-40B4-BE49-F238E27FC236}">
+                <a16:creationId xmlns:a16="http://schemas.microsoft.com/office/drawing/2014/main" id="{ADDBDFE2-F631-49F2-91DA-1D2AF5E108C8}"/>
+              </a:ext>
+            </a:extLst>
+          </p:cNvPr>
+          <p:cNvSpPr txBox="1"/>
+          <p:nvPr/>
+        </p:nvSpPr>
+        <p:spPr>
+          <a:xfrm rot="16200000">
+            <a:off x="567876" y="4313174"/>
+            <a:ext cx="1026243" cy="461665"/>
+          </a:xfrm>
+          <a:prstGeom prst="rect">
+            <a:avLst/>
+          </a:prstGeom>
+          <a:noFill/>
+        </p:spPr>
+        <p:txBody>
+          <a:bodyPr wrap="none" rtlCol="0">
+            <a:spAutoFit/>
+          </a:bodyPr>
+          <a:lstStyle/>
+          <a:p>
+            <a:r>
+              <a:rPr lang="ko-KR" altLang="en-US" sz="2400">
+                <a:latin typeface="나눔스퀘어 Bold" panose="020B0600000101010101" pitchFamily="50" charset="-127"/>
+                <a:ea typeface="나눔스퀘어 Bold" panose="020B0600000101010101" pitchFamily="50" charset="-127"/>
+              </a:rPr>
+              <a:t>김민주</a:t>
+            </a:r>
+          </a:p>
+        </p:txBody>
+      </p:sp>
+      <p:sp>
+        <p:nvSpPr>
+          <p:cNvPr id="23" name="TextBox 22">
+            <a:extLst>
+              <a:ext uri="{FF2B5EF4-FFF2-40B4-BE49-F238E27FC236}">
+                <a16:creationId xmlns:a16="http://schemas.microsoft.com/office/drawing/2014/main" id="{DF5E7D36-64E5-484E-87DD-402055396757}"/>
+              </a:ext>
+            </a:extLst>
+          </p:cNvPr>
+          <p:cNvSpPr txBox="1"/>
+          <p:nvPr/>
+        </p:nvSpPr>
+        <p:spPr>
+          <a:xfrm rot="16200000">
+            <a:off x="567877" y="2983561"/>
+            <a:ext cx="1026243" cy="461665"/>
+          </a:xfrm>
+          <a:prstGeom prst="rect">
+            <a:avLst/>
+          </a:prstGeom>
+          <a:noFill/>
+        </p:spPr>
+        <p:txBody>
+          <a:bodyPr wrap="none" rtlCol="0">
+            <a:spAutoFit/>
+          </a:bodyPr>
+          <a:lstStyle/>
+          <a:p>
+            <a:r>
+              <a:rPr lang="ko-KR" altLang="en-US" sz="2400">
+                <a:latin typeface="나눔스퀘어 Bold" panose="020B0600000101010101" pitchFamily="50" charset="-127"/>
+                <a:ea typeface="나눔스퀘어 Bold" panose="020B0600000101010101" pitchFamily="50" charset="-127"/>
+              </a:rPr>
+              <a:t>편이슬</a:t>
+            </a:r>
+          </a:p>
+        </p:txBody>
+      </p:sp>
+      <p:sp>
+        <p:nvSpPr>
+          <p:cNvPr id="25" name="사각형: 둥근 모서리 24">
+            <a:extLst>
+              <a:ext uri="{FF2B5EF4-FFF2-40B4-BE49-F238E27FC236}">
+                <a16:creationId xmlns:a16="http://schemas.microsoft.com/office/drawing/2014/main" id="{EC5ED9F5-91E5-414A-A134-480CB1CCA16A}"/>
+              </a:ext>
+            </a:extLst>
+          </p:cNvPr>
+          <p:cNvSpPr/>
+          <p:nvPr/>
+        </p:nvSpPr>
+        <p:spPr>
+          <a:xfrm>
+            <a:off x="0" y="18258"/>
+            <a:ext cx="1447920" cy="505420"/>
+          </a:xfrm>
+          <a:prstGeom prst="roundRect">
+            <a:avLst/>
+          </a:prstGeom>
+          <a:noFill/>
+          <a:ln w="41275">
+            <a:solidFill>
+              <a:srgbClr val="FF0000"/>
+            </a:solidFill>
+          </a:ln>
+        </p:spPr>
+        <p:style>
+          <a:lnRef idx="2">
+            <a:schemeClr val="accent1">
+              <a:shade val="50000"/>
+            </a:schemeClr>
+          </a:lnRef>
+          <a:fillRef idx="1">
+            <a:schemeClr val="accent1"/>
+          </a:fillRef>
+          <a:effectRef idx="0">
+            <a:schemeClr val="accent1"/>
+          </a:effectRef>
+          <a:fontRef idx="minor">
+            <a:schemeClr val="lt1"/>
+          </a:fontRef>
+        </p:style>
+        <p:txBody>
+          <a:bodyPr rtlCol="0" anchor="ctr"/>
+          <a:lstStyle/>
+          <a:p>
+            <a:pPr algn="ctr"/>
+            <a:r>
+              <a:rPr lang="en-US" altLang="ko-KR">
+                <a:solidFill>
+                  <a:schemeClr val="tx1"/>
+                </a:solidFill>
+              </a:rPr>
+              <a:t>2021-07-29</a:t>
+            </a:r>
+            <a:endParaRPr lang="en-US" altLang="ko-KR" dirty="0">
+              <a:solidFill>
+                <a:schemeClr val="tx1"/>
+              </a:solidFill>
+            </a:endParaRPr>
+          </a:p>
+          <a:p>
+            <a:pPr algn="ctr"/>
+            <a:r>
+              <a:rPr lang="en-US" altLang="ko-KR" sz="1200" dirty="0" err="1">
+                <a:solidFill>
+                  <a:schemeClr val="tx1"/>
+                </a:solidFill>
+              </a:rPr>
+              <a:t>Givengel</a:t>
+            </a:r>
+            <a:endParaRPr lang="ko-KR" altLang="en-US" sz="1200" dirty="0">
+              <a:solidFill>
+                <a:schemeClr val="tx1"/>
+              </a:solidFill>
+            </a:endParaRPr>
+          </a:p>
+        </p:txBody>
+      </p:sp>
+      <p:cxnSp>
+        <p:nvCxnSpPr>
+          <p:cNvPr id="33" name="직선 연결선 32">
+            <a:extLst>
+              <a:ext uri="{FF2B5EF4-FFF2-40B4-BE49-F238E27FC236}">
+                <a16:creationId xmlns:a16="http://schemas.microsoft.com/office/drawing/2014/main" id="{620AF5B9-F4A0-41E0-B508-86FA9E0B5B33}"/>
+              </a:ext>
+            </a:extLst>
+          </p:cNvPr>
+          <p:cNvCxnSpPr>
+            <a:cxnSpLocks/>
+          </p:cNvCxnSpPr>
+          <p:nvPr/>
+        </p:nvCxnSpPr>
+        <p:spPr>
+          <a:xfrm>
+            <a:off x="7609786" y="1254966"/>
+            <a:ext cx="0" cy="5232139"/>
+          </a:xfrm>
+          <a:prstGeom prst="line">
+            <a:avLst/>
+          </a:prstGeom>
+          <a:ln>
+            <a:solidFill>
+              <a:schemeClr val="bg1"/>
+            </a:solidFill>
+          </a:ln>
+        </p:spPr>
+        <p:style>
+          <a:lnRef idx="1">
+            <a:schemeClr val="accent1"/>
+          </a:lnRef>
+          <a:fillRef idx="0">
+            <a:schemeClr val="accent1"/>
+          </a:fillRef>
+          <a:effectRef idx="0">
+            <a:schemeClr val="accent1"/>
+          </a:effectRef>
+          <a:fontRef idx="minor">
+            <a:schemeClr val="tx1"/>
+          </a:fontRef>
+        </p:style>
+      </p:cxnSp>
+      <p:sp>
+        <p:nvSpPr>
+          <p:cNvPr id="31" name="사각형: 모서리가 접힌 도형 35">
+            <a:extLst>
+              <a:ext uri="{FF2B5EF4-FFF2-40B4-BE49-F238E27FC236}">
+                <a16:creationId xmlns:a16="http://schemas.microsoft.com/office/drawing/2014/main" id="{189D319E-FA39-4BE8-8908-4977D6024B4C}"/>
+              </a:ext>
+            </a:extLst>
+          </p:cNvPr>
+          <p:cNvSpPr/>
+          <p:nvPr/>
+        </p:nvSpPr>
+        <p:spPr>
+          <a:xfrm>
+            <a:off x="3085029" y="2072437"/>
+            <a:ext cx="6887350" cy="3597072"/>
+          </a:xfrm>
+          <a:prstGeom prst="foldedCorner">
+            <a:avLst/>
+          </a:prstGeom>
+          <a:solidFill>
+            <a:schemeClr val="tx1">
+              <a:lumMod val="75000"/>
+              <a:lumOff val="25000"/>
+            </a:schemeClr>
+          </a:solidFill>
+        </p:spPr>
+        <p:style>
+          <a:lnRef idx="2">
+            <a:schemeClr val="accent1">
+              <a:shade val="50000"/>
+            </a:schemeClr>
+          </a:lnRef>
+          <a:fillRef idx="1">
+            <a:schemeClr val="accent1"/>
+          </a:fillRef>
+          <a:effectRef idx="0">
+            <a:schemeClr val="accent1"/>
+          </a:effectRef>
+          <a:fontRef idx="minor">
+            <a:schemeClr val="lt1"/>
+          </a:fontRef>
+        </p:style>
+        <p:txBody>
+          <a:bodyPr rtlCol="0" anchor="ctr"/>
+          <a:lstStyle/>
+          <a:p>
+            <a:pPr algn="ctr"/>
+            <a:r>
+              <a:rPr lang="en-US" altLang="ko-KR" sz="1400"/>
+              <a:t>1. </a:t>
+            </a:r>
+            <a:r>
+              <a:rPr lang="ko-KR" altLang="en-US" sz="1400"/>
+              <a:t>각자 만든 서비스 간단하게 설명 및 보완이 필요한점 발표하기</a:t>
+            </a:r>
+          </a:p>
+          <a:p>
+            <a:pPr algn="ctr"/>
+            <a:endParaRPr lang="ko-KR" altLang="en-US" sz="1400"/>
+          </a:p>
+          <a:p>
+            <a:pPr algn="ctr"/>
+            <a:r>
+              <a:rPr lang="en-US" altLang="ko-KR" sz="1400"/>
+              <a:t>2. </a:t>
+            </a:r>
+            <a:r>
+              <a:rPr lang="ko-KR" altLang="en-US" sz="1400"/>
+              <a:t>마무리</a:t>
+            </a:r>
+            <a:r>
+              <a:rPr lang="en-US" altLang="ko-KR" sz="1400"/>
+              <a:t> </a:t>
+            </a:r>
+            <a:r>
+              <a:rPr lang="ko-KR" altLang="en-US" sz="1400"/>
+              <a:t>역할 제비 뽑기</a:t>
+            </a:r>
+            <a:endParaRPr lang="en-US" altLang="ko-KR" sz="1400"/>
+          </a:p>
+          <a:p>
+            <a:pPr algn="ctr"/>
+            <a:r>
+              <a:rPr lang="en-US" altLang="ko-KR" sz="1400"/>
+              <a:t>( </a:t>
+            </a:r>
+            <a:r>
+              <a:rPr lang="ko-KR" altLang="en-US" sz="1400"/>
+              <a:t>발표 담당 </a:t>
+            </a:r>
+            <a:r>
+              <a:rPr lang="en-US" altLang="ko-KR" sz="1400"/>
+              <a:t>2</a:t>
+            </a:r>
+            <a:r>
+              <a:rPr lang="ko-KR" altLang="en-US" sz="1400"/>
+              <a:t>명</a:t>
+            </a:r>
+            <a:r>
+              <a:rPr lang="en-US" altLang="ko-KR" sz="1400"/>
+              <a:t>, </a:t>
+            </a:r>
+            <a:r>
+              <a:rPr lang="ko-KR" altLang="en-US" sz="1400"/>
+              <a:t>문서 정리 </a:t>
+            </a:r>
+            <a:r>
+              <a:rPr lang="en-US" altLang="ko-KR" sz="1400"/>
+              <a:t>1</a:t>
+            </a:r>
+            <a:r>
+              <a:rPr lang="ko-KR" altLang="en-US" sz="1400"/>
+              <a:t>명</a:t>
+            </a:r>
+            <a:r>
+              <a:rPr lang="en-US" altLang="ko-KR" sz="1400"/>
+              <a:t>, </a:t>
+            </a:r>
+            <a:r>
+              <a:rPr lang="ko-KR" altLang="en-US" sz="1400"/>
+              <a:t>공용 코드 정리 및 주석</a:t>
+            </a:r>
+            <a:r>
+              <a:rPr lang="en-US" altLang="ko-KR" sz="1400"/>
+              <a:t>+ </a:t>
+            </a:r>
+            <a:r>
+              <a:rPr lang="ko-KR" altLang="en-US" sz="1400"/>
+              <a:t>프로젝트 파일 관리 </a:t>
+            </a:r>
+            <a:r>
+              <a:rPr lang="en-US" altLang="ko-KR" sz="1400"/>
+              <a:t>1</a:t>
+            </a:r>
+            <a:r>
+              <a:rPr lang="ko-KR" altLang="en-US" sz="1400"/>
+              <a:t>명</a:t>
+            </a:r>
+            <a:r>
+              <a:rPr lang="en-US" altLang="ko-KR" sz="1400"/>
+              <a:t>)</a:t>
+            </a:r>
+            <a:endParaRPr lang="ko-KR" altLang="en-US" sz="1400"/>
+          </a:p>
+          <a:p>
+            <a:pPr algn="ctr"/>
+            <a:endParaRPr lang="ko-KR" altLang="en-US" sz="1400"/>
+          </a:p>
+          <a:p>
+            <a:pPr algn="ctr"/>
+            <a:r>
+              <a:rPr lang="en-US" altLang="ko-KR" sz="1400"/>
+              <a:t>3. </a:t>
+            </a:r>
+            <a:r>
+              <a:rPr lang="ko-KR" altLang="en-US" sz="1400"/>
+              <a:t>유효성</a:t>
+            </a:r>
+            <a:r>
+              <a:rPr lang="en-US" altLang="ko-KR" sz="1400"/>
+              <a:t>, </a:t>
+            </a:r>
+            <a:r>
+              <a:rPr lang="ko-KR" altLang="en-US" sz="1400"/>
+              <a:t>정규식 테스트</a:t>
+            </a:r>
+          </a:p>
+          <a:p>
+            <a:pPr algn="ctr"/>
+            <a:endParaRPr lang="ko-KR" altLang="en-US" sz="1400"/>
+          </a:p>
+          <a:p>
+            <a:pPr algn="ctr"/>
+            <a:r>
+              <a:rPr lang="en-US" altLang="ko-KR" sz="1400"/>
+              <a:t>4. </a:t>
+            </a:r>
+            <a:r>
+              <a:rPr lang="ko-KR" altLang="en-US" sz="1400"/>
+              <a:t>각자 담당한 서비스에서 필요없는 코드 정리 및 주석 달기 등 청소</a:t>
+            </a:r>
+          </a:p>
+          <a:p>
+            <a:pPr algn="ctr"/>
+            <a:endParaRPr lang="ko-KR" altLang="en-US" sz="1400"/>
+          </a:p>
+          <a:p>
+            <a:pPr algn="ctr"/>
+            <a:r>
+              <a:rPr lang="en-US" altLang="ko-KR" sz="1400"/>
+              <a:t>5. </a:t>
+            </a:r>
+            <a:r>
+              <a:rPr lang="ko-KR" altLang="en-US" sz="1400"/>
+              <a:t>깃허브 프로젝트 최종 백업 일정 회의 및 배포 여부 회의</a:t>
+            </a:r>
+            <a:endParaRPr lang="en-US" altLang="ko-KR" sz="1400"/>
+          </a:p>
+          <a:p>
+            <a:pPr algn="ctr"/>
+            <a:r>
+              <a:rPr lang="en-US" altLang="ko-KR" sz="1400"/>
+              <a:t>(</a:t>
+            </a:r>
+            <a:r>
+              <a:rPr lang="ko-KR" altLang="en-US" sz="1400"/>
+              <a:t>카페</a:t>
+            </a:r>
+            <a:r>
+              <a:rPr lang="en-US" altLang="ko-KR" sz="1400"/>
+              <a:t>24 </a:t>
+            </a:r>
+            <a:r>
+              <a:rPr lang="ko-KR" altLang="en-US" sz="1400"/>
+              <a:t>호스팅</a:t>
+            </a:r>
+            <a:r>
+              <a:rPr lang="en-US" altLang="ko-KR" sz="1400"/>
+              <a:t> – DB </a:t>
+            </a:r>
+            <a:r>
+              <a:rPr lang="ko-KR" altLang="en-US" sz="1400"/>
+              <a:t>옮겨야함</a:t>
+            </a:r>
+            <a:r>
+              <a:rPr lang="en-US" altLang="ko-KR" sz="1400"/>
+              <a:t>)</a:t>
+            </a:r>
+          </a:p>
+          <a:p>
+            <a:pPr algn="ctr"/>
+            <a:r>
+              <a:rPr lang="ko-KR" altLang="en-US" sz="1400"/>
+              <a:t>들어가있는 데이터는 엑셀로 다운</a:t>
+            </a:r>
+            <a:r>
+              <a:rPr lang="en-US" altLang="ko-KR" sz="1400"/>
+              <a:t>-</a:t>
+            </a:r>
+            <a:r>
+              <a:rPr lang="ko-KR" altLang="en-US" sz="1400"/>
+              <a:t>업로드 가능</a:t>
+            </a:r>
+            <a:endParaRPr lang="en-US" altLang="ko-KR" sz="1400"/>
+          </a:p>
+        </p:txBody>
+      </p:sp>
+    </p:spTree>
+    <p:extLst>
+      <p:ext uri="{BB962C8B-B14F-4D97-AF65-F5344CB8AC3E}">
+        <p14:creationId xmlns:p14="http://schemas.microsoft.com/office/powerpoint/2010/main" val="938386550"/>
       </p:ext>
     </p:extLst>
   </p:cSld>

--- a/칸반보드.pptx
+++ b/칸반보드.pptx
@@ -14,6 +14,8 @@
     <p:sldId id="262" r:id="rId8"/>
     <p:sldId id="263" r:id="rId9"/>
     <p:sldId id="264" r:id="rId10"/>
+    <p:sldId id="265" r:id="rId11"/>
+    <p:sldId id="266" r:id="rId12"/>
   </p:sldIdLst>
   <p:sldSz cx="12192000" cy="6858000"/>
   <p:notesSz cx="6858000" cy="9144000"/>
@@ -267,7 +269,7 @@
           <a:p>
             <a:fld id="{19E96057-ABBF-44EC-96AE-4EFDAE11D92C}" type="datetimeFigureOut">
               <a:rPr lang="ko-KR" altLang="en-US" smtClean="0"/>
-              <a:t>2021-07-29</a:t>
+              <a:t>2021-07-30</a:t>
             </a:fld>
             <a:endParaRPr lang="ko-KR" altLang="en-US"/>
           </a:p>
@@ -465,7 +467,7 @@
           <a:p>
             <a:fld id="{19E96057-ABBF-44EC-96AE-4EFDAE11D92C}" type="datetimeFigureOut">
               <a:rPr lang="ko-KR" altLang="en-US" smtClean="0"/>
-              <a:t>2021-07-29</a:t>
+              <a:t>2021-07-30</a:t>
             </a:fld>
             <a:endParaRPr lang="ko-KR" altLang="en-US"/>
           </a:p>
@@ -673,7 +675,7 @@
           <a:p>
             <a:fld id="{19E96057-ABBF-44EC-96AE-4EFDAE11D92C}" type="datetimeFigureOut">
               <a:rPr lang="ko-KR" altLang="en-US" smtClean="0"/>
-              <a:t>2021-07-29</a:t>
+              <a:t>2021-07-30</a:t>
             </a:fld>
             <a:endParaRPr lang="ko-KR" altLang="en-US"/>
           </a:p>
@@ -871,7 +873,7 @@
           <a:p>
             <a:fld id="{19E96057-ABBF-44EC-96AE-4EFDAE11D92C}" type="datetimeFigureOut">
               <a:rPr lang="ko-KR" altLang="en-US" smtClean="0"/>
-              <a:t>2021-07-29</a:t>
+              <a:t>2021-07-30</a:t>
             </a:fld>
             <a:endParaRPr lang="ko-KR" altLang="en-US"/>
           </a:p>
@@ -1146,7 +1148,7 @@
           <a:p>
             <a:fld id="{19E96057-ABBF-44EC-96AE-4EFDAE11D92C}" type="datetimeFigureOut">
               <a:rPr lang="ko-KR" altLang="en-US" smtClean="0"/>
-              <a:t>2021-07-29</a:t>
+              <a:t>2021-07-30</a:t>
             </a:fld>
             <a:endParaRPr lang="ko-KR" altLang="en-US"/>
           </a:p>
@@ -1411,7 +1413,7 @@
           <a:p>
             <a:fld id="{19E96057-ABBF-44EC-96AE-4EFDAE11D92C}" type="datetimeFigureOut">
               <a:rPr lang="ko-KR" altLang="en-US" smtClean="0"/>
-              <a:t>2021-07-29</a:t>
+              <a:t>2021-07-30</a:t>
             </a:fld>
             <a:endParaRPr lang="ko-KR" altLang="en-US"/>
           </a:p>
@@ -1823,7 +1825,7 @@
           <a:p>
             <a:fld id="{19E96057-ABBF-44EC-96AE-4EFDAE11D92C}" type="datetimeFigureOut">
               <a:rPr lang="ko-KR" altLang="en-US" smtClean="0"/>
-              <a:t>2021-07-29</a:t>
+              <a:t>2021-07-30</a:t>
             </a:fld>
             <a:endParaRPr lang="ko-KR" altLang="en-US"/>
           </a:p>
@@ -1964,7 +1966,7 @@
           <a:p>
             <a:fld id="{19E96057-ABBF-44EC-96AE-4EFDAE11D92C}" type="datetimeFigureOut">
               <a:rPr lang="ko-KR" altLang="en-US" smtClean="0"/>
-              <a:t>2021-07-29</a:t>
+              <a:t>2021-07-30</a:t>
             </a:fld>
             <a:endParaRPr lang="ko-KR" altLang="en-US"/>
           </a:p>
@@ -2077,7 +2079,7 @@
           <a:p>
             <a:fld id="{19E96057-ABBF-44EC-96AE-4EFDAE11D92C}" type="datetimeFigureOut">
               <a:rPr lang="ko-KR" altLang="en-US" smtClean="0"/>
-              <a:t>2021-07-29</a:t>
+              <a:t>2021-07-30</a:t>
             </a:fld>
             <a:endParaRPr lang="ko-KR" altLang="en-US"/>
           </a:p>
@@ -2388,7 +2390,7 @@
           <a:p>
             <a:fld id="{19E96057-ABBF-44EC-96AE-4EFDAE11D92C}" type="datetimeFigureOut">
               <a:rPr lang="ko-KR" altLang="en-US" smtClean="0"/>
-              <a:t>2021-07-29</a:t>
+              <a:t>2021-07-30</a:t>
             </a:fld>
             <a:endParaRPr lang="ko-KR" altLang="en-US"/>
           </a:p>
@@ -2676,7 +2678,7 @@
           <a:p>
             <a:fld id="{19E96057-ABBF-44EC-96AE-4EFDAE11D92C}" type="datetimeFigureOut">
               <a:rPr lang="ko-KR" altLang="en-US" smtClean="0"/>
-              <a:t>2021-07-29</a:t>
+              <a:t>2021-07-30</a:t>
             </a:fld>
             <a:endParaRPr lang="ko-KR" altLang="en-US"/>
           </a:p>
@@ -2917,7 +2919,7 @@
           <a:p>
             <a:fld id="{19E96057-ABBF-44EC-96AE-4EFDAE11D92C}" type="datetimeFigureOut">
               <a:rPr lang="ko-KR" altLang="en-US" smtClean="0"/>
-              <a:t>2021-07-29</a:t>
+              <a:t>2021-07-30</a:t>
             </a:fld>
             <a:endParaRPr lang="ko-KR" altLang="en-US"/>
           </a:p>
@@ -4067,6 +4069,2477 @@
 </p:sld>
 </file>
 
+<file path=ppt/slides/slide10.xml><?xml version="1.0" encoding="utf-8"?>
+<p:sld xmlns:a="http://schemas.openxmlformats.org/drawingml/2006/main" xmlns:r="http://schemas.openxmlformats.org/officeDocument/2006/relationships" xmlns:p="http://schemas.openxmlformats.org/presentationml/2006/main">
+  <p:cSld>
+    <p:bg>
+      <p:bgPr>
+        <a:solidFill>
+          <a:schemeClr val="bg2">
+            <a:lumMod val="90000"/>
+          </a:schemeClr>
+        </a:solidFill>
+        <a:effectLst/>
+      </p:bgPr>
+    </p:bg>
+    <p:spTree>
+      <p:nvGrpSpPr>
+        <p:cNvPr id="1" name=""/>
+        <p:cNvGrpSpPr/>
+        <p:nvPr/>
+      </p:nvGrpSpPr>
+      <p:grpSpPr>
+        <a:xfrm>
+          <a:off x="0" y="0"/>
+          <a:ext cx="0" cy="0"/>
+          <a:chOff x="0" y="0"/>
+          <a:chExt cx="0" cy="0"/>
+        </a:xfrm>
+      </p:grpSpPr>
+      <p:sp>
+        <p:nvSpPr>
+          <p:cNvPr id="4" name="직사각형 3">
+            <a:extLst>
+              <a:ext uri="{FF2B5EF4-FFF2-40B4-BE49-F238E27FC236}">
+                <a16:creationId xmlns:a16="http://schemas.microsoft.com/office/drawing/2014/main" id="{1B84EBAF-0A2B-4903-A932-FF51E306C701}"/>
+              </a:ext>
+            </a:extLst>
+          </p:cNvPr>
+          <p:cNvSpPr/>
+          <p:nvPr/>
+        </p:nvSpPr>
+        <p:spPr>
+          <a:xfrm>
+            <a:off x="1427584" y="1254967"/>
+            <a:ext cx="9773038" cy="1198983"/>
+          </a:xfrm>
+          <a:prstGeom prst="rect">
+            <a:avLst/>
+          </a:prstGeom>
+          <a:solidFill>
+            <a:srgbClr val="FF0000">
+              <a:alpha val="20000"/>
+            </a:srgbClr>
+          </a:solidFill>
+          <a:ln>
+            <a:noFill/>
+          </a:ln>
+        </p:spPr>
+        <p:style>
+          <a:lnRef idx="2">
+            <a:schemeClr val="accent1">
+              <a:shade val="50000"/>
+            </a:schemeClr>
+          </a:lnRef>
+          <a:fillRef idx="1">
+            <a:schemeClr val="accent1"/>
+          </a:fillRef>
+          <a:effectRef idx="0">
+            <a:schemeClr val="accent1"/>
+          </a:effectRef>
+          <a:fontRef idx="minor">
+            <a:schemeClr val="lt1"/>
+          </a:fontRef>
+        </p:style>
+        <p:txBody>
+          <a:bodyPr rtlCol="0" anchor="ctr"/>
+          <a:lstStyle/>
+          <a:p>
+            <a:pPr algn="ctr"/>
+            <a:endParaRPr lang="ko-KR" altLang="en-US"/>
+          </a:p>
+        </p:txBody>
+      </p:sp>
+      <p:sp>
+        <p:nvSpPr>
+          <p:cNvPr id="5" name="TextBox 4">
+            <a:extLst>
+              <a:ext uri="{FF2B5EF4-FFF2-40B4-BE49-F238E27FC236}">
+                <a16:creationId xmlns:a16="http://schemas.microsoft.com/office/drawing/2014/main" id="{BECF346F-56F2-4352-AFCF-CD191492F809}"/>
+              </a:ext>
+            </a:extLst>
+          </p:cNvPr>
+          <p:cNvSpPr txBox="1"/>
+          <p:nvPr/>
+        </p:nvSpPr>
+        <p:spPr>
+          <a:xfrm>
+            <a:off x="2319099" y="523680"/>
+            <a:ext cx="1394484" cy="646331"/>
+          </a:xfrm>
+          <a:prstGeom prst="rect">
+            <a:avLst/>
+          </a:prstGeom>
+          <a:noFill/>
+        </p:spPr>
+        <p:txBody>
+          <a:bodyPr wrap="none" rtlCol="0">
+            <a:spAutoFit/>
+          </a:bodyPr>
+          <a:lstStyle/>
+          <a:p>
+            <a:r>
+              <a:rPr lang="en-US" altLang="ko-KR" sz="3600">
+                <a:latin typeface="나눔스퀘어 Bold" panose="020B0600000101010101" pitchFamily="50" charset="-127"/>
+                <a:ea typeface="나눔스퀘어 Bold" panose="020B0600000101010101" pitchFamily="50" charset="-127"/>
+              </a:rPr>
+              <a:t>To Do</a:t>
+            </a:r>
+            <a:endParaRPr lang="ko-KR" altLang="en-US" sz="3600">
+              <a:latin typeface="나눔스퀘어 Bold" panose="020B0600000101010101" pitchFamily="50" charset="-127"/>
+              <a:ea typeface="나눔스퀘어 Bold" panose="020B0600000101010101" pitchFamily="50" charset="-127"/>
+            </a:endParaRPr>
+          </a:p>
+        </p:txBody>
+      </p:sp>
+      <p:sp>
+        <p:nvSpPr>
+          <p:cNvPr id="8" name="직사각형 7">
+            <a:extLst>
+              <a:ext uri="{FF2B5EF4-FFF2-40B4-BE49-F238E27FC236}">
+                <a16:creationId xmlns:a16="http://schemas.microsoft.com/office/drawing/2014/main" id="{FE4E8BFE-B574-4FCC-B8A2-B1E58767D671}"/>
+              </a:ext>
+            </a:extLst>
+          </p:cNvPr>
+          <p:cNvSpPr/>
+          <p:nvPr/>
+        </p:nvSpPr>
+        <p:spPr>
+          <a:xfrm>
+            <a:off x="1427582" y="2614903"/>
+            <a:ext cx="9773038" cy="1198983"/>
+          </a:xfrm>
+          <a:prstGeom prst="rect">
+            <a:avLst/>
+          </a:prstGeom>
+          <a:solidFill>
+            <a:srgbClr val="FFFF00">
+              <a:alpha val="20000"/>
+            </a:srgbClr>
+          </a:solidFill>
+          <a:ln>
+            <a:noFill/>
+          </a:ln>
+        </p:spPr>
+        <p:style>
+          <a:lnRef idx="2">
+            <a:schemeClr val="accent1">
+              <a:shade val="50000"/>
+            </a:schemeClr>
+          </a:lnRef>
+          <a:fillRef idx="1">
+            <a:schemeClr val="accent1"/>
+          </a:fillRef>
+          <a:effectRef idx="0">
+            <a:schemeClr val="accent1"/>
+          </a:effectRef>
+          <a:fontRef idx="minor">
+            <a:schemeClr val="lt1"/>
+          </a:fontRef>
+        </p:style>
+        <p:txBody>
+          <a:bodyPr rtlCol="0" anchor="ctr"/>
+          <a:lstStyle/>
+          <a:p>
+            <a:pPr algn="ctr"/>
+            <a:endParaRPr lang="ko-KR" altLang="en-US"/>
+          </a:p>
+        </p:txBody>
+      </p:sp>
+      <p:sp>
+        <p:nvSpPr>
+          <p:cNvPr id="9" name="직사각형 8">
+            <a:extLst>
+              <a:ext uri="{FF2B5EF4-FFF2-40B4-BE49-F238E27FC236}">
+                <a16:creationId xmlns:a16="http://schemas.microsoft.com/office/drawing/2014/main" id="{68974D7F-CCE5-4593-B1F0-D65AAC486F7D}"/>
+              </a:ext>
+            </a:extLst>
+          </p:cNvPr>
+          <p:cNvSpPr/>
+          <p:nvPr/>
+        </p:nvSpPr>
+        <p:spPr>
+          <a:xfrm>
+            <a:off x="1427582" y="3944516"/>
+            <a:ext cx="9773038" cy="1198983"/>
+          </a:xfrm>
+          <a:prstGeom prst="rect">
+            <a:avLst/>
+          </a:prstGeom>
+          <a:solidFill>
+            <a:srgbClr val="00B050">
+              <a:alpha val="20000"/>
+            </a:srgbClr>
+          </a:solidFill>
+          <a:ln>
+            <a:noFill/>
+          </a:ln>
+        </p:spPr>
+        <p:style>
+          <a:lnRef idx="2">
+            <a:schemeClr val="accent1">
+              <a:shade val="50000"/>
+            </a:schemeClr>
+          </a:lnRef>
+          <a:fillRef idx="1">
+            <a:schemeClr val="accent1"/>
+          </a:fillRef>
+          <a:effectRef idx="0">
+            <a:schemeClr val="accent1"/>
+          </a:effectRef>
+          <a:fontRef idx="minor">
+            <a:schemeClr val="lt1"/>
+          </a:fontRef>
+        </p:style>
+        <p:txBody>
+          <a:bodyPr rtlCol="0" anchor="ctr"/>
+          <a:lstStyle/>
+          <a:p>
+            <a:pPr algn="ctr"/>
+            <a:endParaRPr lang="ko-KR" altLang="en-US"/>
+          </a:p>
+        </p:txBody>
+      </p:sp>
+      <p:sp>
+        <p:nvSpPr>
+          <p:cNvPr id="10" name="직사각형 9">
+            <a:extLst>
+              <a:ext uri="{FF2B5EF4-FFF2-40B4-BE49-F238E27FC236}">
+                <a16:creationId xmlns:a16="http://schemas.microsoft.com/office/drawing/2014/main" id="{A8A744CC-536E-4000-A0E0-93568EA97CB6}"/>
+              </a:ext>
+            </a:extLst>
+          </p:cNvPr>
+          <p:cNvSpPr/>
+          <p:nvPr/>
+        </p:nvSpPr>
+        <p:spPr>
+          <a:xfrm>
+            <a:off x="1427581" y="5288123"/>
+            <a:ext cx="9773038" cy="1198983"/>
+          </a:xfrm>
+          <a:prstGeom prst="rect">
+            <a:avLst/>
+          </a:prstGeom>
+          <a:solidFill>
+            <a:srgbClr val="002060">
+              <a:alpha val="20000"/>
+            </a:srgbClr>
+          </a:solidFill>
+          <a:ln>
+            <a:noFill/>
+          </a:ln>
+        </p:spPr>
+        <p:style>
+          <a:lnRef idx="2">
+            <a:schemeClr val="accent1">
+              <a:shade val="50000"/>
+            </a:schemeClr>
+          </a:lnRef>
+          <a:fillRef idx="1">
+            <a:schemeClr val="accent1"/>
+          </a:fillRef>
+          <a:effectRef idx="0">
+            <a:schemeClr val="accent1"/>
+          </a:effectRef>
+          <a:fontRef idx="minor">
+            <a:schemeClr val="lt1"/>
+          </a:fontRef>
+        </p:style>
+        <p:txBody>
+          <a:bodyPr rtlCol="0" anchor="ctr"/>
+          <a:lstStyle/>
+          <a:p>
+            <a:pPr algn="ctr"/>
+            <a:endParaRPr lang="ko-KR" altLang="en-US"/>
+          </a:p>
+        </p:txBody>
+      </p:sp>
+      <p:cxnSp>
+        <p:nvCxnSpPr>
+          <p:cNvPr id="12" name="직선 연결선 11">
+            <a:extLst>
+              <a:ext uri="{FF2B5EF4-FFF2-40B4-BE49-F238E27FC236}">
+                <a16:creationId xmlns:a16="http://schemas.microsoft.com/office/drawing/2014/main" id="{DC85EB95-36F1-44ED-9CD7-FF29E510531E}"/>
+              </a:ext>
+            </a:extLst>
+          </p:cNvPr>
+          <p:cNvCxnSpPr>
+            <a:cxnSpLocks/>
+          </p:cNvCxnSpPr>
+          <p:nvPr/>
+        </p:nvCxnSpPr>
+        <p:spPr>
+          <a:xfrm>
+            <a:off x="5179072" y="1254967"/>
+            <a:ext cx="0" cy="5232139"/>
+          </a:xfrm>
+          <a:prstGeom prst="line">
+            <a:avLst/>
+          </a:prstGeom>
+          <a:ln>
+            <a:solidFill>
+              <a:schemeClr val="bg1"/>
+            </a:solidFill>
+          </a:ln>
+        </p:spPr>
+        <p:style>
+          <a:lnRef idx="1">
+            <a:schemeClr val="accent1"/>
+          </a:lnRef>
+          <a:fillRef idx="0">
+            <a:schemeClr val="accent1"/>
+          </a:fillRef>
+          <a:effectRef idx="0">
+            <a:schemeClr val="accent1"/>
+          </a:effectRef>
+          <a:fontRef idx="minor">
+            <a:schemeClr val="tx1"/>
+          </a:fontRef>
+        </p:style>
+      </p:cxnSp>
+      <p:sp>
+        <p:nvSpPr>
+          <p:cNvPr id="14" name="TextBox 13">
+            <a:extLst>
+              <a:ext uri="{FF2B5EF4-FFF2-40B4-BE49-F238E27FC236}">
+                <a16:creationId xmlns:a16="http://schemas.microsoft.com/office/drawing/2014/main" id="{A0E737BC-FD52-4F4B-B3E5-B8CF7A961814}"/>
+              </a:ext>
+            </a:extLst>
+          </p:cNvPr>
+          <p:cNvSpPr txBox="1"/>
+          <p:nvPr/>
+        </p:nvSpPr>
+        <p:spPr>
+          <a:xfrm>
+            <a:off x="5590985" y="523679"/>
+            <a:ext cx="1446230" cy="646331"/>
+          </a:xfrm>
+          <a:prstGeom prst="rect">
+            <a:avLst/>
+          </a:prstGeom>
+          <a:noFill/>
+        </p:spPr>
+        <p:txBody>
+          <a:bodyPr wrap="none" rtlCol="0">
+            <a:spAutoFit/>
+          </a:bodyPr>
+          <a:lstStyle/>
+          <a:p>
+            <a:r>
+              <a:rPr lang="en-US" altLang="ko-KR" sz="3600">
+                <a:latin typeface="나눔스퀘어 Bold" panose="020B0600000101010101" pitchFamily="50" charset="-127"/>
+                <a:ea typeface="나눔스퀘어 Bold" panose="020B0600000101010101" pitchFamily="50" charset="-127"/>
+              </a:rPr>
+              <a:t>Doing</a:t>
+            </a:r>
+            <a:endParaRPr lang="ko-KR" altLang="en-US" sz="3600">
+              <a:latin typeface="나눔스퀘어 Bold" panose="020B0600000101010101" pitchFamily="50" charset="-127"/>
+              <a:ea typeface="나눔스퀘어 Bold" panose="020B0600000101010101" pitchFamily="50" charset="-127"/>
+            </a:endParaRPr>
+          </a:p>
+        </p:txBody>
+      </p:sp>
+      <p:sp>
+        <p:nvSpPr>
+          <p:cNvPr id="15" name="TextBox 14">
+            <a:extLst>
+              <a:ext uri="{FF2B5EF4-FFF2-40B4-BE49-F238E27FC236}">
+                <a16:creationId xmlns:a16="http://schemas.microsoft.com/office/drawing/2014/main" id="{A5B5FD08-F728-4D59-8F50-59F1A661BAEC}"/>
+              </a:ext>
+            </a:extLst>
+          </p:cNvPr>
+          <p:cNvSpPr txBox="1"/>
+          <p:nvPr/>
+        </p:nvSpPr>
+        <p:spPr>
+          <a:xfrm>
+            <a:off x="8914617" y="523678"/>
+            <a:ext cx="1309974" cy="646331"/>
+          </a:xfrm>
+          <a:prstGeom prst="rect">
+            <a:avLst/>
+          </a:prstGeom>
+          <a:noFill/>
+        </p:spPr>
+        <p:txBody>
+          <a:bodyPr wrap="none" rtlCol="0">
+            <a:spAutoFit/>
+          </a:bodyPr>
+          <a:lstStyle/>
+          <a:p>
+            <a:r>
+              <a:rPr lang="en-US" altLang="ko-KR" sz="3600">
+                <a:latin typeface="나눔스퀘어 Bold" panose="020B0600000101010101" pitchFamily="50" charset="-127"/>
+                <a:ea typeface="나눔스퀘어 Bold" panose="020B0600000101010101" pitchFamily="50" charset="-127"/>
+              </a:rPr>
+              <a:t>Done</a:t>
+            </a:r>
+            <a:endParaRPr lang="ko-KR" altLang="en-US" sz="3600">
+              <a:latin typeface="나눔스퀘어 Bold" panose="020B0600000101010101" pitchFamily="50" charset="-127"/>
+              <a:ea typeface="나눔스퀘어 Bold" panose="020B0600000101010101" pitchFamily="50" charset="-127"/>
+            </a:endParaRPr>
+          </a:p>
+        </p:txBody>
+      </p:sp>
+      <p:sp>
+        <p:nvSpPr>
+          <p:cNvPr id="20" name="TextBox 19">
+            <a:extLst>
+              <a:ext uri="{FF2B5EF4-FFF2-40B4-BE49-F238E27FC236}">
+                <a16:creationId xmlns:a16="http://schemas.microsoft.com/office/drawing/2014/main" id="{0441CE23-9CFD-46E8-8BFA-7AC6FF2DB2A9}"/>
+              </a:ext>
+            </a:extLst>
+          </p:cNvPr>
+          <p:cNvSpPr txBox="1"/>
+          <p:nvPr/>
+        </p:nvSpPr>
+        <p:spPr>
+          <a:xfrm rot="16200000">
+            <a:off x="587214" y="1623625"/>
+            <a:ext cx="1026243" cy="461665"/>
+          </a:xfrm>
+          <a:prstGeom prst="rect">
+            <a:avLst/>
+          </a:prstGeom>
+          <a:noFill/>
+        </p:spPr>
+        <p:txBody>
+          <a:bodyPr wrap="none" rtlCol="0">
+            <a:spAutoFit/>
+          </a:bodyPr>
+          <a:lstStyle/>
+          <a:p>
+            <a:r>
+              <a:rPr lang="ko-KR" altLang="en-US" sz="2400">
+                <a:latin typeface="나눔스퀘어 Bold" panose="020B0600000101010101" pitchFamily="50" charset="-127"/>
+                <a:ea typeface="나눔스퀘어 Bold" panose="020B0600000101010101" pitchFamily="50" charset="-127"/>
+              </a:rPr>
+              <a:t>김승철</a:t>
+            </a:r>
+          </a:p>
+        </p:txBody>
+      </p:sp>
+      <p:sp>
+        <p:nvSpPr>
+          <p:cNvPr id="21" name="TextBox 20">
+            <a:extLst>
+              <a:ext uri="{FF2B5EF4-FFF2-40B4-BE49-F238E27FC236}">
+                <a16:creationId xmlns:a16="http://schemas.microsoft.com/office/drawing/2014/main" id="{9CF3ECB3-977A-4271-929F-0386AF467B83}"/>
+              </a:ext>
+            </a:extLst>
+          </p:cNvPr>
+          <p:cNvSpPr txBox="1"/>
+          <p:nvPr/>
+        </p:nvSpPr>
+        <p:spPr>
+          <a:xfrm rot="16200000">
+            <a:off x="567876" y="5642786"/>
+            <a:ext cx="1026243" cy="461665"/>
+          </a:xfrm>
+          <a:prstGeom prst="rect">
+            <a:avLst/>
+          </a:prstGeom>
+          <a:noFill/>
+        </p:spPr>
+        <p:txBody>
+          <a:bodyPr wrap="none" rtlCol="0">
+            <a:spAutoFit/>
+          </a:bodyPr>
+          <a:lstStyle/>
+          <a:p>
+            <a:r>
+              <a:rPr lang="ko-KR" altLang="en-US" sz="2400">
+                <a:latin typeface="나눔스퀘어 Bold" panose="020B0600000101010101" pitchFamily="50" charset="-127"/>
+                <a:ea typeface="나눔스퀘어 Bold" panose="020B0600000101010101" pitchFamily="50" charset="-127"/>
+              </a:rPr>
+              <a:t>김인철</a:t>
+            </a:r>
+          </a:p>
+        </p:txBody>
+      </p:sp>
+      <p:sp>
+        <p:nvSpPr>
+          <p:cNvPr id="22" name="TextBox 21">
+            <a:extLst>
+              <a:ext uri="{FF2B5EF4-FFF2-40B4-BE49-F238E27FC236}">
+                <a16:creationId xmlns:a16="http://schemas.microsoft.com/office/drawing/2014/main" id="{ADDBDFE2-F631-49F2-91DA-1D2AF5E108C8}"/>
+              </a:ext>
+            </a:extLst>
+          </p:cNvPr>
+          <p:cNvSpPr txBox="1"/>
+          <p:nvPr/>
+        </p:nvSpPr>
+        <p:spPr>
+          <a:xfrm rot="16200000">
+            <a:off x="567876" y="4313174"/>
+            <a:ext cx="1026243" cy="461665"/>
+          </a:xfrm>
+          <a:prstGeom prst="rect">
+            <a:avLst/>
+          </a:prstGeom>
+          <a:noFill/>
+        </p:spPr>
+        <p:txBody>
+          <a:bodyPr wrap="none" rtlCol="0">
+            <a:spAutoFit/>
+          </a:bodyPr>
+          <a:lstStyle/>
+          <a:p>
+            <a:r>
+              <a:rPr lang="ko-KR" altLang="en-US" sz="2400">
+                <a:latin typeface="나눔스퀘어 Bold" panose="020B0600000101010101" pitchFamily="50" charset="-127"/>
+                <a:ea typeface="나눔스퀘어 Bold" panose="020B0600000101010101" pitchFamily="50" charset="-127"/>
+              </a:rPr>
+              <a:t>김민주</a:t>
+            </a:r>
+          </a:p>
+        </p:txBody>
+      </p:sp>
+      <p:sp>
+        <p:nvSpPr>
+          <p:cNvPr id="23" name="TextBox 22">
+            <a:extLst>
+              <a:ext uri="{FF2B5EF4-FFF2-40B4-BE49-F238E27FC236}">
+                <a16:creationId xmlns:a16="http://schemas.microsoft.com/office/drawing/2014/main" id="{DF5E7D36-64E5-484E-87DD-402055396757}"/>
+              </a:ext>
+            </a:extLst>
+          </p:cNvPr>
+          <p:cNvSpPr txBox="1"/>
+          <p:nvPr/>
+        </p:nvSpPr>
+        <p:spPr>
+          <a:xfrm rot="16200000">
+            <a:off x="567877" y="2983561"/>
+            <a:ext cx="1026243" cy="461665"/>
+          </a:xfrm>
+          <a:prstGeom prst="rect">
+            <a:avLst/>
+          </a:prstGeom>
+          <a:noFill/>
+        </p:spPr>
+        <p:txBody>
+          <a:bodyPr wrap="none" rtlCol="0">
+            <a:spAutoFit/>
+          </a:bodyPr>
+          <a:lstStyle/>
+          <a:p>
+            <a:r>
+              <a:rPr lang="ko-KR" altLang="en-US" sz="2400">
+                <a:latin typeface="나눔스퀘어 Bold" panose="020B0600000101010101" pitchFamily="50" charset="-127"/>
+                <a:ea typeface="나눔스퀘어 Bold" panose="020B0600000101010101" pitchFamily="50" charset="-127"/>
+              </a:rPr>
+              <a:t>편이슬</a:t>
+            </a:r>
+          </a:p>
+        </p:txBody>
+      </p:sp>
+      <p:sp>
+        <p:nvSpPr>
+          <p:cNvPr id="25" name="사각형: 둥근 모서리 24">
+            <a:extLst>
+              <a:ext uri="{FF2B5EF4-FFF2-40B4-BE49-F238E27FC236}">
+                <a16:creationId xmlns:a16="http://schemas.microsoft.com/office/drawing/2014/main" id="{EC5ED9F5-91E5-414A-A134-480CB1CCA16A}"/>
+              </a:ext>
+            </a:extLst>
+          </p:cNvPr>
+          <p:cNvSpPr/>
+          <p:nvPr/>
+        </p:nvSpPr>
+        <p:spPr>
+          <a:xfrm>
+            <a:off x="0" y="18258"/>
+            <a:ext cx="1447920" cy="505420"/>
+          </a:xfrm>
+          <a:prstGeom prst="roundRect">
+            <a:avLst/>
+          </a:prstGeom>
+          <a:noFill/>
+          <a:ln w="41275">
+            <a:solidFill>
+              <a:srgbClr val="FF0000"/>
+            </a:solidFill>
+          </a:ln>
+        </p:spPr>
+        <p:style>
+          <a:lnRef idx="2">
+            <a:schemeClr val="accent1">
+              <a:shade val="50000"/>
+            </a:schemeClr>
+          </a:lnRef>
+          <a:fillRef idx="1">
+            <a:schemeClr val="accent1"/>
+          </a:fillRef>
+          <a:effectRef idx="0">
+            <a:schemeClr val="accent1"/>
+          </a:effectRef>
+          <a:fontRef idx="minor">
+            <a:schemeClr val="lt1"/>
+          </a:fontRef>
+        </p:style>
+        <p:txBody>
+          <a:bodyPr rtlCol="0" anchor="ctr"/>
+          <a:lstStyle/>
+          <a:p>
+            <a:pPr algn="ctr"/>
+            <a:r>
+              <a:rPr lang="en-US" altLang="ko-KR" dirty="0" smtClean="0">
+                <a:solidFill>
+                  <a:schemeClr val="tx1"/>
+                </a:solidFill>
+              </a:rPr>
+              <a:t>2021-07-30</a:t>
+            </a:r>
+            <a:endParaRPr lang="en-US" altLang="ko-KR" dirty="0">
+              <a:solidFill>
+                <a:schemeClr val="tx1"/>
+              </a:solidFill>
+            </a:endParaRPr>
+          </a:p>
+          <a:p>
+            <a:pPr algn="ctr"/>
+            <a:r>
+              <a:rPr lang="en-US" altLang="ko-KR" sz="1200" dirty="0" err="1">
+                <a:solidFill>
+                  <a:schemeClr val="tx1"/>
+                </a:solidFill>
+              </a:rPr>
+              <a:t>Givengel</a:t>
+            </a:r>
+            <a:endParaRPr lang="ko-KR" altLang="en-US" sz="1200" dirty="0">
+              <a:solidFill>
+                <a:schemeClr val="tx1"/>
+              </a:solidFill>
+            </a:endParaRPr>
+          </a:p>
+        </p:txBody>
+      </p:sp>
+      <p:cxnSp>
+        <p:nvCxnSpPr>
+          <p:cNvPr id="33" name="직선 연결선 32">
+            <a:extLst>
+              <a:ext uri="{FF2B5EF4-FFF2-40B4-BE49-F238E27FC236}">
+                <a16:creationId xmlns:a16="http://schemas.microsoft.com/office/drawing/2014/main" id="{620AF5B9-F4A0-41E0-B508-86FA9E0B5B33}"/>
+              </a:ext>
+            </a:extLst>
+          </p:cNvPr>
+          <p:cNvCxnSpPr>
+            <a:cxnSpLocks/>
+          </p:cNvCxnSpPr>
+          <p:nvPr/>
+        </p:nvCxnSpPr>
+        <p:spPr>
+          <a:xfrm>
+            <a:off x="7609786" y="1254966"/>
+            <a:ext cx="0" cy="5232139"/>
+          </a:xfrm>
+          <a:prstGeom prst="line">
+            <a:avLst/>
+          </a:prstGeom>
+          <a:ln>
+            <a:solidFill>
+              <a:schemeClr val="bg1"/>
+            </a:solidFill>
+          </a:ln>
+        </p:spPr>
+        <p:style>
+          <a:lnRef idx="1">
+            <a:schemeClr val="accent1"/>
+          </a:lnRef>
+          <a:fillRef idx="0">
+            <a:schemeClr val="accent1"/>
+          </a:fillRef>
+          <a:effectRef idx="0">
+            <a:schemeClr val="accent1"/>
+          </a:effectRef>
+          <a:fontRef idx="minor">
+            <a:schemeClr val="tx1"/>
+          </a:fontRef>
+        </p:style>
+      </p:cxnSp>
+      <p:sp>
+        <p:nvSpPr>
+          <p:cNvPr id="17" name="사각형: 모서리가 접힌 도형 35">
+            <a:extLst>
+              <a:ext uri="{FF2B5EF4-FFF2-40B4-BE49-F238E27FC236}">
+                <a16:creationId xmlns:a16="http://schemas.microsoft.com/office/drawing/2014/main" id="{189D319E-FA39-4BE8-8908-4977D6024B4C}"/>
+              </a:ext>
+            </a:extLst>
+          </p:cNvPr>
+          <p:cNvSpPr/>
+          <p:nvPr/>
+        </p:nvSpPr>
+        <p:spPr>
+          <a:xfrm>
+            <a:off x="5372419" y="1559981"/>
+            <a:ext cx="1067965" cy="774618"/>
+          </a:xfrm>
+          <a:prstGeom prst="foldedCorner">
+            <a:avLst/>
+          </a:prstGeom>
+          <a:solidFill>
+            <a:schemeClr val="tx1">
+              <a:lumMod val="75000"/>
+              <a:lumOff val="25000"/>
+            </a:schemeClr>
+          </a:solidFill>
+        </p:spPr>
+        <p:style>
+          <a:lnRef idx="2">
+            <a:schemeClr val="accent1">
+              <a:shade val="50000"/>
+            </a:schemeClr>
+          </a:lnRef>
+          <a:fillRef idx="1">
+            <a:schemeClr val="accent1"/>
+          </a:fillRef>
+          <a:effectRef idx="0">
+            <a:schemeClr val="accent1"/>
+          </a:effectRef>
+          <a:fontRef idx="minor">
+            <a:schemeClr val="lt1"/>
+          </a:fontRef>
+        </p:style>
+        <p:txBody>
+          <a:bodyPr rtlCol="0" anchor="ctr"/>
+          <a:lstStyle/>
+          <a:p>
+            <a:pPr algn="ctr"/>
+            <a:r>
+              <a:rPr lang="en-US" altLang="ko-KR" sz="1050" dirty="0" smtClean="0"/>
+              <a:t>[</a:t>
+            </a:r>
+            <a:r>
+              <a:rPr lang="ko-KR" altLang="en-US" sz="1050" dirty="0" err="1" smtClean="0"/>
+              <a:t>마이페이지</a:t>
+            </a:r>
+            <a:r>
+              <a:rPr lang="en-US" altLang="ko-KR" sz="1050" dirty="0" smtClean="0"/>
+              <a:t>]</a:t>
+            </a:r>
+          </a:p>
+          <a:p>
+            <a:pPr algn="ctr"/>
+            <a:r>
+              <a:rPr lang="en-US" altLang="ko-KR" sz="1050" dirty="0" smtClean="0"/>
+              <a:t>1</a:t>
+            </a:r>
+            <a:r>
+              <a:rPr lang="ko-KR" altLang="en-US" sz="1050" dirty="0" smtClean="0"/>
+              <a:t>차 테스트 결과 개선 사항 </a:t>
+            </a:r>
+            <a:r>
+              <a:rPr lang="en-US" altLang="ko-KR" sz="1050" dirty="0" smtClean="0"/>
+              <a:t>8</a:t>
+            </a:r>
+            <a:r>
+              <a:rPr lang="ko-KR" altLang="en-US" sz="1050" dirty="0" smtClean="0"/>
+              <a:t>가지 수정하기</a:t>
+            </a:r>
+            <a:endParaRPr lang="en-US" altLang="ko-KR" sz="1050" dirty="0" smtClean="0"/>
+          </a:p>
+        </p:txBody>
+      </p:sp>
+      <p:sp>
+        <p:nvSpPr>
+          <p:cNvPr id="18" name="사각형: 모서리가 접힌 도형 35">
+            <a:extLst>
+              <a:ext uri="{FF2B5EF4-FFF2-40B4-BE49-F238E27FC236}">
+                <a16:creationId xmlns:a16="http://schemas.microsoft.com/office/drawing/2014/main" id="{189D319E-FA39-4BE8-8908-4977D6024B4C}"/>
+              </a:ext>
+            </a:extLst>
+          </p:cNvPr>
+          <p:cNvSpPr/>
+          <p:nvPr/>
+        </p:nvSpPr>
+        <p:spPr>
+          <a:xfrm>
+            <a:off x="2753679" y="1514261"/>
+            <a:ext cx="1067965" cy="774618"/>
+          </a:xfrm>
+          <a:prstGeom prst="foldedCorner">
+            <a:avLst/>
+          </a:prstGeom>
+          <a:solidFill>
+            <a:schemeClr val="tx1">
+              <a:lumMod val="75000"/>
+              <a:lumOff val="25000"/>
+            </a:schemeClr>
+          </a:solidFill>
+        </p:spPr>
+        <p:style>
+          <a:lnRef idx="2">
+            <a:schemeClr val="accent1">
+              <a:shade val="50000"/>
+            </a:schemeClr>
+          </a:lnRef>
+          <a:fillRef idx="1">
+            <a:schemeClr val="accent1"/>
+          </a:fillRef>
+          <a:effectRef idx="0">
+            <a:schemeClr val="accent1"/>
+          </a:effectRef>
+          <a:fontRef idx="minor">
+            <a:schemeClr val="lt1"/>
+          </a:fontRef>
+        </p:style>
+        <p:txBody>
+          <a:bodyPr rtlCol="0" anchor="ctr"/>
+          <a:lstStyle/>
+          <a:p>
+            <a:pPr algn="ctr"/>
+            <a:r>
+              <a:rPr lang="en-US" altLang="ko-KR" sz="1050" dirty="0" smtClean="0"/>
+              <a:t>[</a:t>
+            </a:r>
+            <a:r>
+              <a:rPr lang="ko-KR" altLang="en-US" sz="1050" dirty="0" smtClean="0"/>
+              <a:t>캠페인</a:t>
+            </a:r>
+            <a:r>
+              <a:rPr lang="en-US" altLang="ko-KR" sz="1050" dirty="0" smtClean="0"/>
+              <a:t>]</a:t>
+            </a:r>
+          </a:p>
+          <a:p>
+            <a:pPr algn="ctr"/>
+            <a:r>
+              <a:rPr lang="en-US" altLang="ko-KR" sz="1050" dirty="0" smtClean="0"/>
+              <a:t>1</a:t>
+            </a:r>
+            <a:r>
+              <a:rPr lang="ko-KR" altLang="en-US" sz="1050" dirty="0" smtClean="0"/>
+              <a:t>차 테스트 결과 개선 사항 </a:t>
+            </a:r>
+            <a:r>
+              <a:rPr lang="en-US" altLang="ko-KR" sz="1050" dirty="0" smtClean="0"/>
+              <a:t>3</a:t>
+            </a:r>
+            <a:r>
+              <a:rPr lang="ko-KR" altLang="en-US" sz="1050" dirty="0" smtClean="0"/>
+              <a:t>가지 수정하기</a:t>
+            </a:r>
+            <a:endParaRPr lang="en-US" altLang="ko-KR" sz="1050" dirty="0" smtClean="0"/>
+          </a:p>
+        </p:txBody>
+      </p:sp>
+      <p:sp>
+        <p:nvSpPr>
+          <p:cNvPr id="19" name="사각형: 모서리가 접힌 도형 35">
+            <a:extLst>
+              <a:ext uri="{FF2B5EF4-FFF2-40B4-BE49-F238E27FC236}">
+                <a16:creationId xmlns:a16="http://schemas.microsoft.com/office/drawing/2014/main" id="{189D319E-FA39-4BE8-8908-4977D6024B4C}"/>
+              </a:ext>
+            </a:extLst>
+          </p:cNvPr>
+          <p:cNvSpPr/>
+          <p:nvPr/>
+        </p:nvSpPr>
+        <p:spPr>
+          <a:xfrm>
+            <a:off x="5250499" y="2763941"/>
+            <a:ext cx="1067965" cy="774618"/>
+          </a:xfrm>
+          <a:prstGeom prst="foldedCorner">
+            <a:avLst/>
+          </a:prstGeom>
+          <a:solidFill>
+            <a:schemeClr val="tx1">
+              <a:lumMod val="75000"/>
+              <a:lumOff val="25000"/>
+            </a:schemeClr>
+          </a:solidFill>
+        </p:spPr>
+        <p:style>
+          <a:lnRef idx="2">
+            <a:schemeClr val="accent1">
+              <a:shade val="50000"/>
+            </a:schemeClr>
+          </a:lnRef>
+          <a:fillRef idx="1">
+            <a:schemeClr val="accent1"/>
+          </a:fillRef>
+          <a:effectRef idx="0">
+            <a:schemeClr val="accent1"/>
+          </a:effectRef>
+          <a:fontRef idx="minor">
+            <a:schemeClr val="lt1"/>
+          </a:fontRef>
+        </p:style>
+        <p:txBody>
+          <a:bodyPr rtlCol="0" anchor="ctr"/>
+          <a:lstStyle/>
+          <a:p>
+            <a:pPr algn="ctr"/>
+            <a:r>
+              <a:rPr lang="en-US" altLang="ko-KR" sz="1050" dirty="0" smtClean="0"/>
+              <a:t>[</a:t>
+            </a:r>
+            <a:r>
+              <a:rPr lang="ko-KR" altLang="en-US" sz="1050" dirty="0" smtClean="0"/>
+              <a:t>후원 단체</a:t>
+            </a:r>
+            <a:r>
+              <a:rPr lang="en-US" altLang="ko-KR" sz="1050" dirty="0" smtClean="0"/>
+              <a:t>]</a:t>
+            </a:r>
+          </a:p>
+          <a:p>
+            <a:pPr algn="ctr"/>
+            <a:r>
+              <a:rPr lang="en-US" altLang="ko-KR" sz="1050" dirty="0" smtClean="0"/>
+              <a:t>1</a:t>
+            </a:r>
+            <a:r>
+              <a:rPr lang="ko-KR" altLang="en-US" sz="1050" dirty="0" smtClean="0"/>
+              <a:t>차 테스트 결과 개선 사항 </a:t>
+            </a:r>
+            <a:r>
+              <a:rPr lang="en-US" altLang="ko-KR" sz="1050" dirty="0" smtClean="0"/>
+              <a:t>7</a:t>
+            </a:r>
+            <a:r>
+              <a:rPr lang="ko-KR" altLang="en-US" sz="1050" dirty="0" smtClean="0"/>
+              <a:t>가지 수정하기</a:t>
+            </a:r>
+            <a:endParaRPr lang="en-US" altLang="ko-KR" sz="1050" dirty="0" smtClean="0"/>
+          </a:p>
+        </p:txBody>
+      </p:sp>
+      <p:sp>
+        <p:nvSpPr>
+          <p:cNvPr id="24" name="사각형: 모서리가 접힌 도형 35">
+            <a:extLst>
+              <a:ext uri="{FF2B5EF4-FFF2-40B4-BE49-F238E27FC236}">
+                <a16:creationId xmlns:a16="http://schemas.microsoft.com/office/drawing/2014/main" id="{189D319E-FA39-4BE8-8908-4977D6024B4C}"/>
+              </a:ext>
+            </a:extLst>
+          </p:cNvPr>
+          <p:cNvSpPr/>
+          <p:nvPr/>
+        </p:nvSpPr>
+        <p:spPr>
+          <a:xfrm>
+            <a:off x="2639379" y="2713141"/>
+            <a:ext cx="1067965" cy="774618"/>
+          </a:xfrm>
+          <a:prstGeom prst="foldedCorner">
+            <a:avLst/>
+          </a:prstGeom>
+          <a:solidFill>
+            <a:schemeClr val="tx1">
+              <a:lumMod val="75000"/>
+              <a:lumOff val="25000"/>
+            </a:schemeClr>
+          </a:solidFill>
+        </p:spPr>
+        <p:style>
+          <a:lnRef idx="2">
+            <a:schemeClr val="accent1">
+              <a:shade val="50000"/>
+            </a:schemeClr>
+          </a:lnRef>
+          <a:fillRef idx="1">
+            <a:schemeClr val="accent1"/>
+          </a:fillRef>
+          <a:effectRef idx="0">
+            <a:schemeClr val="accent1"/>
+          </a:effectRef>
+          <a:fontRef idx="minor">
+            <a:schemeClr val="lt1"/>
+          </a:fontRef>
+        </p:style>
+        <p:txBody>
+          <a:bodyPr rtlCol="0" anchor="ctr"/>
+          <a:lstStyle/>
+          <a:p>
+            <a:pPr algn="ctr"/>
+            <a:r>
+              <a:rPr lang="en-US" altLang="ko-KR" sz="1050" dirty="0" smtClean="0"/>
+              <a:t>[</a:t>
+            </a:r>
+            <a:r>
+              <a:rPr lang="ko-KR" altLang="en-US" sz="1050" dirty="0" smtClean="0"/>
+              <a:t>중고 장터</a:t>
+            </a:r>
+            <a:r>
+              <a:rPr lang="en-US" altLang="ko-KR" sz="1050" dirty="0" smtClean="0"/>
+              <a:t>]</a:t>
+            </a:r>
+          </a:p>
+          <a:p>
+            <a:pPr algn="ctr"/>
+            <a:r>
+              <a:rPr lang="en-US" altLang="ko-KR" sz="1050" dirty="0" smtClean="0"/>
+              <a:t>1</a:t>
+            </a:r>
+            <a:r>
+              <a:rPr lang="ko-KR" altLang="en-US" sz="1050" dirty="0" smtClean="0"/>
+              <a:t>차 테스트 결과 개선 사항 </a:t>
+            </a:r>
+            <a:r>
+              <a:rPr lang="en-US" altLang="ko-KR" sz="1050" dirty="0" smtClean="0"/>
+              <a:t>5</a:t>
+            </a:r>
+            <a:r>
+              <a:rPr lang="ko-KR" altLang="en-US" sz="1050" dirty="0" smtClean="0"/>
+              <a:t>가지 수정하기</a:t>
+            </a:r>
+            <a:endParaRPr lang="en-US" altLang="ko-KR" sz="1050" dirty="0" smtClean="0"/>
+          </a:p>
+        </p:txBody>
+      </p:sp>
+      <p:sp>
+        <p:nvSpPr>
+          <p:cNvPr id="26" name="사각형: 모서리가 접힌 도형 35">
+            <a:extLst>
+              <a:ext uri="{FF2B5EF4-FFF2-40B4-BE49-F238E27FC236}">
+                <a16:creationId xmlns:a16="http://schemas.microsoft.com/office/drawing/2014/main" id="{189D319E-FA39-4BE8-8908-4977D6024B4C}"/>
+              </a:ext>
+            </a:extLst>
+          </p:cNvPr>
+          <p:cNvSpPr/>
+          <p:nvPr/>
+        </p:nvSpPr>
+        <p:spPr>
+          <a:xfrm>
+            <a:off x="5347019" y="4155861"/>
+            <a:ext cx="1067965" cy="774618"/>
+          </a:xfrm>
+          <a:prstGeom prst="foldedCorner">
+            <a:avLst/>
+          </a:prstGeom>
+          <a:solidFill>
+            <a:schemeClr val="tx1">
+              <a:lumMod val="75000"/>
+              <a:lumOff val="25000"/>
+            </a:schemeClr>
+          </a:solidFill>
+        </p:spPr>
+        <p:style>
+          <a:lnRef idx="2">
+            <a:schemeClr val="accent1">
+              <a:shade val="50000"/>
+            </a:schemeClr>
+          </a:lnRef>
+          <a:fillRef idx="1">
+            <a:schemeClr val="accent1"/>
+          </a:fillRef>
+          <a:effectRef idx="0">
+            <a:schemeClr val="accent1"/>
+          </a:effectRef>
+          <a:fontRef idx="minor">
+            <a:schemeClr val="lt1"/>
+          </a:fontRef>
+        </p:style>
+        <p:txBody>
+          <a:bodyPr rtlCol="0" anchor="ctr"/>
+          <a:lstStyle/>
+          <a:p>
+            <a:pPr algn="ctr"/>
+            <a:r>
+              <a:rPr lang="en-US" altLang="ko-KR" sz="1050" dirty="0" smtClean="0"/>
+              <a:t>[</a:t>
+            </a:r>
+            <a:r>
+              <a:rPr lang="ko-KR" altLang="en-US" sz="1050" dirty="0" smtClean="0"/>
+              <a:t>상품</a:t>
+            </a:r>
+            <a:r>
+              <a:rPr lang="en-US" altLang="ko-KR" sz="1050" dirty="0" smtClean="0"/>
+              <a:t>]</a:t>
+            </a:r>
+          </a:p>
+          <a:p>
+            <a:pPr algn="ctr"/>
+            <a:r>
+              <a:rPr lang="en-US" altLang="ko-KR" sz="1050" dirty="0" smtClean="0"/>
+              <a:t>1</a:t>
+            </a:r>
+            <a:r>
+              <a:rPr lang="ko-KR" altLang="en-US" sz="1050" dirty="0" smtClean="0"/>
+              <a:t>차 테스트 결과 개선 사항 </a:t>
+            </a:r>
+            <a:r>
+              <a:rPr lang="en-US" altLang="ko-KR" sz="1050" dirty="0"/>
+              <a:t>4</a:t>
+            </a:r>
+            <a:r>
+              <a:rPr lang="ko-KR" altLang="en-US" sz="1050" dirty="0" smtClean="0"/>
+              <a:t>가지 수정하기</a:t>
+            </a:r>
+            <a:endParaRPr lang="en-US" altLang="ko-KR" sz="1050" dirty="0" smtClean="0"/>
+          </a:p>
+        </p:txBody>
+      </p:sp>
+      <p:sp>
+        <p:nvSpPr>
+          <p:cNvPr id="27" name="사각형: 모서리가 접힌 도형 35">
+            <a:extLst>
+              <a:ext uri="{FF2B5EF4-FFF2-40B4-BE49-F238E27FC236}">
+                <a16:creationId xmlns:a16="http://schemas.microsoft.com/office/drawing/2014/main" id="{189D319E-FA39-4BE8-8908-4977D6024B4C}"/>
+              </a:ext>
+            </a:extLst>
+          </p:cNvPr>
+          <p:cNvSpPr/>
+          <p:nvPr/>
+        </p:nvSpPr>
+        <p:spPr>
+          <a:xfrm>
+            <a:off x="7744779" y="5542701"/>
+            <a:ext cx="1067965" cy="774618"/>
+          </a:xfrm>
+          <a:prstGeom prst="foldedCorner">
+            <a:avLst/>
+          </a:prstGeom>
+          <a:solidFill>
+            <a:schemeClr val="tx1">
+              <a:lumMod val="75000"/>
+              <a:lumOff val="25000"/>
+            </a:schemeClr>
+          </a:solidFill>
+        </p:spPr>
+        <p:style>
+          <a:lnRef idx="2">
+            <a:schemeClr val="accent1">
+              <a:shade val="50000"/>
+            </a:schemeClr>
+          </a:lnRef>
+          <a:fillRef idx="1">
+            <a:schemeClr val="accent1"/>
+          </a:fillRef>
+          <a:effectRef idx="0">
+            <a:schemeClr val="accent1"/>
+          </a:effectRef>
+          <a:fontRef idx="minor">
+            <a:schemeClr val="lt1"/>
+          </a:fontRef>
+        </p:style>
+        <p:txBody>
+          <a:bodyPr rtlCol="0" anchor="ctr"/>
+          <a:lstStyle/>
+          <a:p>
+            <a:pPr algn="ctr"/>
+            <a:r>
+              <a:rPr lang="en-US" altLang="ko-KR" sz="1050" dirty="0" smtClean="0"/>
+              <a:t>[</a:t>
+            </a:r>
+            <a:r>
+              <a:rPr lang="ko-KR" altLang="en-US" sz="1050" dirty="0" smtClean="0"/>
+              <a:t>로그인</a:t>
+            </a:r>
+            <a:r>
+              <a:rPr lang="en-US" altLang="ko-KR" sz="1050" dirty="0" smtClean="0"/>
+              <a:t>]</a:t>
+            </a:r>
+          </a:p>
+          <a:p>
+            <a:pPr algn="ctr"/>
+            <a:r>
+              <a:rPr lang="en-US" altLang="ko-KR" sz="1050" dirty="0"/>
+              <a:t>1</a:t>
+            </a:r>
+            <a:r>
+              <a:rPr lang="ko-KR" altLang="en-US" sz="1050" dirty="0"/>
+              <a:t>차 테스트 결과 개선 사항 </a:t>
+            </a:r>
+            <a:r>
+              <a:rPr lang="en-US" altLang="ko-KR" sz="1050" dirty="0"/>
+              <a:t>4</a:t>
+            </a:r>
+            <a:r>
+              <a:rPr lang="ko-KR" altLang="en-US" sz="1050" dirty="0"/>
+              <a:t>가지 수정하기</a:t>
+            </a:r>
+            <a:endParaRPr lang="en-US" altLang="ko-KR" sz="1050" dirty="0"/>
+          </a:p>
+        </p:txBody>
+      </p:sp>
+      <p:sp>
+        <p:nvSpPr>
+          <p:cNvPr id="28" name="사각형: 모서리가 접힌 도형 35">
+            <a:extLst>
+              <a:ext uri="{FF2B5EF4-FFF2-40B4-BE49-F238E27FC236}">
+                <a16:creationId xmlns:a16="http://schemas.microsoft.com/office/drawing/2014/main" id="{189D319E-FA39-4BE8-8908-4977D6024B4C}"/>
+              </a:ext>
+            </a:extLst>
+          </p:cNvPr>
+          <p:cNvSpPr/>
+          <p:nvPr/>
+        </p:nvSpPr>
+        <p:spPr>
+          <a:xfrm>
+            <a:off x="8890319" y="5527461"/>
+            <a:ext cx="1067965" cy="774618"/>
+          </a:xfrm>
+          <a:prstGeom prst="foldedCorner">
+            <a:avLst/>
+          </a:prstGeom>
+          <a:solidFill>
+            <a:schemeClr val="tx1">
+              <a:lumMod val="75000"/>
+              <a:lumOff val="25000"/>
+            </a:schemeClr>
+          </a:solidFill>
+        </p:spPr>
+        <p:style>
+          <a:lnRef idx="2">
+            <a:schemeClr val="accent1">
+              <a:shade val="50000"/>
+            </a:schemeClr>
+          </a:lnRef>
+          <a:fillRef idx="1">
+            <a:schemeClr val="accent1"/>
+          </a:fillRef>
+          <a:effectRef idx="0">
+            <a:schemeClr val="accent1"/>
+          </a:effectRef>
+          <a:fontRef idx="minor">
+            <a:schemeClr val="lt1"/>
+          </a:fontRef>
+        </p:style>
+        <p:txBody>
+          <a:bodyPr rtlCol="0" anchor="ctr"/>
+          <a:lstStyle/>
+          <a:p>
+            <a:pPr algn="ctr"/>
+            <a:r>
+              <a:rPr lang="en-US" altLang="ko-KR" sz="1050" dirty="0" smtClean="0"/>
+              <a:t>[</a:t>
+            </a:r>
+            <a:r>
+              <a:rPr lang="ko-KR" altLang="en-US" sz="1050" dirty="0" smtClean="0"/>
+              <a:t>개발자 모드</a:t>
+            </a:r>
+            <a:r>
+              <a:rPr lang="en-US" altLang="ko-KR" sz="1050" dirty="0" smtClean="0"/>
+              <a:t>]</a:t>
+            </a:r>
+          </a:p>
+          <a:p>
+            <a:pPr algn="ctr"/>
+            <a:r>
+              <a:rPr lang="en-US" altLang="ko-KR" sz="1050" dirty="0"/>
+              <a:t>1</a:t>
+            </a:r>
+            <a:r>
+              <a:rPr lang="ko-KR" altLang="en-US" sz="1050" dirty="0"/>
+              <a:t>차 테스트 결과 개선 사항 </a:t>
+            </a:r>
+            <a:r>
+              <a:rPr lang="en-US" altLang="ko-KR" sz="1050" dirty="0" smtClean="0"/>
+              <a:t>3</a:t>
+            </a:r>
+            <a:r>
+              <a:rPr lang="ko-KR" altLang="en-US" sz="1050" dirty="0" smtClean="0"/>
+              <a:t>가지 </a:t>
+            </a:r>
+            <a:r>
+              <a:rPr lang="ko-KR" altLang="en-US" sz="1050" dirty="0"/>
+              <a:t>수정하기</a:t>
+            </a:r>
+            <a:endParaRPr lang="en-US" altLang="ko-KR" sz="1050" dirty="0"/>
+          </a:p>
+        </p:txBody>
+      </p:sp>
+      <p:sp>
+        <p:nvSpPr>
+          <p:cNvPr id="30" name="사각형: 모서리가 접힌 도형 35">
+            <a:extLst>
+              <a:ext uri="{FF2B5EF4-FFF2-40B4-BE49-F238E27FC236}">
+                <a16:creationId xmlns:a16="http://schemas.microsoft.com/office/drawing/2014/main" id="{189D319E-FA39-4BE8-8908-4977D6024B4C}"/>
+              </a:ext>
+            </a:extLst>
+          </p:cNvPr>
+          <p:cNvSpPr/>
+          <p:nvPr/>
+        </p:nvSpPr>
+        <p:spPr>
+          <a:xfrm>
+            <a:off x="3015299" y="5374640"/>
+            <a:ext cx="1067965" cy="998559"/>
+          </a:xfrm>
+          <a:prstGeom prst="foldedCorner">
+            <a:avLst/>
+          </a:prstGeom>
+          <a:solidFill>
+            <a:schemeClr val="tx1">
+              <a:lumMod val="75000"/>
+              <a:lumOff val="25000"/>
+            </a:schemeClr>
+          </a:solidFill>
+        </p:spPr>
+        <p:style>
+          <a:lnRef idx="2">
+            <a:schemeClr val="accent1">
+              <a:shade val="50000"/>
+            </a:schemeClr>
+          </a:lnRef>
+          <a:fillRef idx="1">
+            <a:schemeClr val="accent1"/>
+          </a:fillRef>
+          <a:effectRef idx="0">
+            <a:schemeClr val="accent1"/>
+          </a:effectRef>
+          <a:fontRef idx="minor">
+            <a:schemeClr val="lt1"/>
+          </a:fontRef>
+        </p:style>
+        <p:txBody>
+          <a:bodyPr rtlCol="0" anchor="ctr"/>
+          <a:lstStyle/>
+          <a:p>
+            <a:pPr algn="ctr"/>
+            <a:r>
+              <a:rPr lang="ko-KR" altLang="en-US" sz="1050" dirty="0" smtClean="0"/>
+              <a:t>서비스 기능 구현 문서 및 설명 자료 만들어 </a:t>
+            </a:r>
+            <a:r>
+              <a:rPr lang="ko-KR" altLang="en-US" sz="1050" dirty="0" err="1" smtClean="0"/>
+              <a:t>발표팀에</a:t>
+            </a:r>
+            <a:r>
+              <a:rPr lang="ko-KR" altLang="en-US" sz="1050" dirty="0" smtClean="0"/>
+              <a:t> 전달</a:t>
+            </a:r>
+            <a:endParaRPr lang="en-US" altLang="ko-KR" sz="1050" dirty="0" smtClean="0"/>
+          </a:p>
+        </p:txBody>
+      </p:sp>
+      <p:sp>
+        <p:nvSpPr>
+          <p:cNvPr id="32" name="사각형: 모서리가 접힌 도형 35">
+            <a:extLst>
+              <a:ext uri="{FF2B5EF4-FFF2-40B4-BE49-F238E27FC236}">
+                <a16:creationId xmlns:a16="http://schemas.microsoft.com/office/drawing/2014/main" id="{189D319E-FA39-4BE8-8908-4977D6024B4C}"/>
+              </a:ext>
+            </a:extLst>
+          </p:cNvPr>
+          <p:cNvSpPr/>
+          <p:nvPr/>
+        </p:nvSpPr>
+        <p:spPr>
+          <a:xfrm>
+            <a:off x="3909379" y="2702560"/>
+            <a:ext cx="1067965" cy="998559"/>
+          </a:xfrm>
+          <a:prstGeom prst="foldedCorner">
+            <a:avLst/>
+          </a:prstGeom>
+          <a:solidFill>
+            <a:schemeClr val="tx1">
+              <a:lumMod val="75000"/>
+              <a:lumOff val="25000"/>
+            </a:schemeClr>
+          </a:solidFill>
+        </p:spPr>
+        <p:style>
+          <a:lnRef idx="2">
+            <a:schemeClr val="accent1">
+              <a:shade val="50000"/>
+            </a:schemeClr>
+          </a:lnRef>
+          <a:fillRef idx="1">
+            <a:schemeClr val="accent1"/>
+          </a:fillRef>
+          <a:effectRef idx="0">
+            <a:schemeClr val="accent1"/>
+          </a:effectRef>
+          <a:fontRef idx="minor">
+            <a:schemeClr val="lt1"/>
+          </a:fontRef>
+        </p:style>
+        <p:txBody>
+          <a:bodyPr rtlCol="0" anchor="ctr"/>
+          <a:lstStyle/>
+          <a:p>
+            <a:pPr algn="ctr"/>
+            <a:r>
+              <a:rPr lang="ko-KR" altLang="en-US" sz="1050" dirty="0" smtClean="0"/>
+              <a:t>서비스 기능 구현 문서 및 설명 자료 만들어 </a:t>
+            </a:r>
+            <a:r>
+              <a:rPr lang="ko-KR" altLang="en-US" sz="1050" dirty="0" err="1" smtClean="0"/>
+              <a:t>발표팀에</a:t>
+            </a:r>
+            <a:r>
+              <a:rPr lang="ko-KR" altLang="en-US" sz="1050" dirty="0" smtClean="0"/>
+              <a:t> 전달</a:t>
+            </a:r>
+            <a:endParaRPr lang="en-US" altLang="ko-KR" sz="1050" dirty="0" smtClean="0"/>
+          </a:p>
+        </p:txBody>
+      </p:sp>
+      <p:sp>
+        <p:nvSpPr>
+          <p:cNvPr id="34" name="사각형: 모서리가 접힌 도형 35">
+            <a:extLst>
+              <a:ext uri="{FF2B5EF4-FFF2-40B4-BE49-F238E27FC236}">
+                <a16:creationId xmlns:a16="http://schemas.microsoft.com/office/drawing/2014/main" id="{189D319E-FA39-4BE8-8908-4977D6024B4C}"/>
+              </a:ext>
+            </a:extLst>
+          </p:cNvPr>
+          <p:cNvSpPr/>
+          <p:nvPr/>
+        </p:nvSpPr>
+        <p:spPr>
+          <a:xfrm>
+            <a:off x="1511619" y="2804161"/>
+            <a:ext cx="1067965" cy="843280"/>
+          </a:xfrm>
+          <a:prstGeom prst="foldedCorner">
+            <a:avLst/>
+          </a:prstGeom>
+          <a:solidFill>
+            <a:schemeClr val="tx1">
+              <a:lumMod val="75000"/>
+              <a:lumOff val="25000"/>
+            </a:schemeClr>
+          </a:solidFill>
+        </p:spPr>
+        <p:style>
+          <a:lnRef idx="2">
+            <a:schemeClr val="accent1">
+              <a:shade val="50000"/>
+            </a:schemeClr>
+          </a:lnRef>
+          <a:fillRef idx="1">
+            <a:schemeClr val="accent1"/>
+          </a:fillRef>
+          <a:effectRef idx="0">
+            <a:schemeClr val="accent1"/>
+          </a:effectRef>
+          <a:fontRef idx="minor">
+            <a:schemeClr val="lt1"/>
+          </a:fontRef>
+        </p:style>
+        <p:txBody>
+          <a:bodyPr rtlCol="0" anchor="ctr"/>
+          <a:lstStyle/>
+          <a:p>
+            <a:pPr algn="ctr"/>
+            <a:r>
+              <a:rPr lang="ko-KR" altLang="en-US" sz="1050" dirty="0" smtClean="0"/>
+              <a:t>프로젝트 개발 중 </a:t>
+            </a:r>
+            <a:r>
+              <a:rPr lang="ko-KR" altLang="en-US" sz="1050" dirty="0" err="1" smtClean="0"/>
+              <a:t>관리되야할</a:t>
+            </a:r>
+            <a:r>
+              <a:rPr lang="ko-KR" altLang="en-US" sz="1050" dirty="0" smtClean="0"/>
+              <a:t> 문서 정리</a:t>
+            </a:r>
+            <a:endParaRPr lang="en-US" altLang="ko-KR" sz="1050" dirty="0" smtClean="0"/>
+          </a:p>
+        </p:txBody>
+      </p:sp>
+      <p:sp>
+        <p:nvSpPr>
+          <p:cNvPr id="35" name="사각형: 모서리가 접힌 도형 35">
+            <a:extLst>
+              <a:ext uri="{FF2B5EF4-FFF2-40B4-BE49-F238E27FC236}">
+                <a16:creationId xmlns:a16="http://schemas.microsoft.com/office/drawing/2014/main" id="{189D319E-FA39-4BE8-8908-4977D6024B4C}"/>
+              </a:ext>
+            </a:extLst>
+          </p:cNvPr>
+          <p:cNvSpPr/>
+          <p:nvPr/>
+        </p:nvSpPr>
+        <p:spPr>
+          <a:xfrm>
+            <a:off x="1577659" y="4186341"/>
+            <a:ext cx="1067965" cy="774618"/>
+          </a:xfrm>
+          <a:prstGeom prst="foldedCorner">
+            <a:avLst/>
+          </a:prstGeom>
+          <a:solidFill>
+            <a:schemeClr val="tx1">
+              <a:lumMod val="75000"/>
+              <a:lumOff val="25000"/>
+            </a:schemeClr>
+          </a:solidFill>
+        </p:spPr>
+        <p:style>
+          <a:lnRef idx="2">
+            <a:schemeClr val="accent1">
+              <a:shade val="50000"/>
+            </a:schemeClr>
+          </a:lnRef>
+          <a:fillRef idx="1">
+            <a:schemeClr val="accent1"/>
+          </a:fillRef>
+          <a:effectRef idx="0">
+            <a:schemeClr val="accent1"/>
+          </a:effectRef>
+          <a:fontRef idx="minor">
+            <a:schemeClr val="lt1"/>
+          </a:fontRef>
+        </p:style>
+        <p:txBody>
+          <a:bodyPr rtlCol="0" anchor="ctr"/>
+          <a:lstStyle/>
+          <a:p>
+            <a:pPr algn="ctr"/>
+            <a:r>
+              <a:rPr lang="en-US" altLang="ko-KR" sz="1050" dirty="0" smtClean="0"/>
+              <a:t>-</a:t>
+            </a:r>
+            <a:r>
+              <a:rPr lang="ko-KR" altLang="en-US" sz="1050" dirty="0" err="1" smtClean="0"/>
+              <a:t>발표팀</a:t>
+            </a:r>
+            <a:r>
+              <a:rPr lang="en-US" altLang="ko-KR" sz="1050" dirty="0" smtClean="0"/>
+              <a:t>-</a:t>
+            </a:r>
+          </a:p>
+          <a:p>
+            <a:pPr algn="ctr"/>
+            <a:r>
+              <a:rPr lang="ko-KR" altLang="en-US" sz="1050" dirty="0" smtClean="0"/>
+              <a:t>발표용 </a:t>
+            </a:r>
+            <a:r>
+              <a:rPr lang="en-US" altLang="ko-KR" sz="1050" dirty="0" err="1" smtClean="0"/>
+              <a:t>ppt</a:t>
+            </a:r>
+            <a:r>
+              <a:rPr lang="en-US" altLang="ko-KR" sz="1050" dirty="0" smtClean="0"/>
+              <a:t> </a:t>
+            </a:r>
+            <a:r>
+              <a:rPr lang="ko-KR" altLang="en-US" sz="1050" dirty="0" smtClean="0"/>
+              <a:t>템플릿 준비 및 자료 수집</a:t>
+            </a:r>
+            <a:endParaRPr lang="en-US" altLang="ko-KR" sz="1050" dirty="0" smtClean="0"/>
+          </a:p>
+        </p:txBody>
+      </p:sp>
+      <p:sp>
+        <p:nvSpPr>
+          <p:cNvPr id="36" name="사각형: 모서리가 접힌 도형 35">
+            <a:extLst>
+              <a:ext uri="{FF2B5EF4-FFF2-40B4-BE49-F238E27FC236}">
+                <a16:creationId xmlns:a16="http://schemas.microsoft.com/office/drawing/2014/main" id="{189D319E-FA39-4BE8-8908-4977D6024B4C}"/>
+              </a:ext>
+            </a:extLst>
+          </p:cNvPr>
+          <p:cNvSpPr/>
+          <p:nvPr/>
+        </p:nvSpPr>
+        <p:spPr>
+          <a:xfrm>
+            <a:off x="1537019" y="1493941"/>
+            <a:ext cx="1067965" cy="774618"/>
+          </a:xfrm>
+          <a:prstGeom prst="foldedCorner">
+            <a:avLst/>
+          </a:prstGeom>
+          <a:solidFill>
+            <a:schemeClr val="tx1">
+              <a:lumMod val="75000"/>
+              <a:lumOff val="25000"/>
+            </a:schemeClr>
+          </a:solidFill>
+        </p:spPr>
+        <p:style>
+          <a:lnRef idx="2">
+            <a:schemeClr val="accent1">
+              <a:shade val="50000"/>
+            </a:schemeClr>
+          </a:lnRef>
+          <a:fillRef idx="1">
+            <a:schemeClr val="accent1"/>
+          </a:fillRef>
+          <a:effectRef idx="0">
+            <a:schemeClr val="accent1"/>
+          </a:effectRef>
+          <a:fontRef idx="minor">
+            <a:schemeClr val="lt1"/>
+          </a:fontRef>
+        </p:style>
+        <p:txBody>
+          <a:bodyPr rtlCol="0" anchor="ctr"/>
+          <a:lstStyle/>
+          <a:p>
+            <a:pPr algn="ctr"/>
+            <a:r>
+              <a:rPr lang="en-US" altLang="ko-KR" sz="1050" dirty="0" smtClean="0"/>
+              <a:t>-</a:t>
+            </a:r>
+            <a:r>
+              <a:rPr lang="ko-KR" altLang="en-US" sz="1050" dirty="0" err="1" smtClean="0"/>
+              <a:t>발표팀</a:t>
+            </a:r>
+            <a:r>
+              <a:rPr lang="en-US" altLang="ko-KR" sz="1050" dirty="0" smtClean="0"/>
+              <a:t>-</a:t>
+            </a:r>
+          </a:p>
+          <a:p>
+            <a:pPr algn="ctr"/>
+            <a:r>
+              <a:rPr lang="ko-KR" altLang="en-US" sz="1050" dirty="0" smtClean="0"/>
+              <a:t>발표용 </a:t>
+            </a:r>
+            <a:r>
+              <a:rPr lang="en-US" altLang="ko-KR" sz="1050" dirty="0" err="1" smtClean="0"/>
+              <a:t>ppt</a:t>
+            </a:r>
+            <a:r>
+              <a:rPr lang="en-US" altLang="ko-KR" sz="1050" dirty="0" smtClean="0"/>
+              <a:t> </a:t>
+            </a:r>
+            <a:r>
+              <a:rPr lang="ko-KR" altLang="en-US" sz="1050" dirty="0" smtClean="0"/>
+              <a:t>템플릿 준비 및 자료 수집</a:t>
+            </a:r>
+            <a:endParaRPr lang="en-US" altLang="ko-KR" sz="1050" dirty="0" smtClean="0"/>
+          </a:p>
+        </p:txBody>
+      </p:sp>
+      <p:sp>
+        <p:nvSpPr>
+          <p:cNvPr id="38" name="사각형: 모서리가 접힌 도형 35">
+            <a:extLst>
+              <a:ext uri="{FF2B5EF4-FFF2-40B4-BE49-F238E27FC236}">
+                <a16:creationId xmlns:a16="http://schemas.microsoft.com/office/drawing/2014/main" id="{189D319E-FA39-4BE8-8908-4977D6024B4C}"/>
+              </a:ext>
+            </a:extLst>
+          </p:cNvPr>
+          <p:cNvSpPr/>
+          <p:nvPr/>
+        </p:nvSpPr>
+        <p:spPr>
+          <a:xfrm>
+            <a:off x="1664019" y="5455921"/>
+            <a:ext cx="1067965" cy="843280"/>
+          </a:xfrm>
+          <a:prstGeom prst="foldedCorner">
+            <a:avLst/>
+          </a:prstGeom>
+          <a:solidFill>
+            <a:schemeClr val="tx1">
+              <a:lumMod val="75000"/>
+              <a:lumOff val="25000"/>
+            </a:schemeClr>
+          </a:solidFill>
+        </p:spPr>
+        <p:style>
+          <a:lnRef idx="2">
+            <a:schemeClr val="accent1">
+              <a:shade val="50000"/>
+            </a:schemeClr>
+          </a:lnRef>
+          <a:fillRef idx="1">
+            <a:schemeClr val="accent1"/>
+          </a:fillRef>
+          <a:effectRef idx="0">
+            <a:schemeClr val="accent1"/>
+          </a:effectRef>
+          <a:fontRef idx="minor">
+            <a:schemeClr val="lt1"/>
+          </a:fontRef>
+        </p:style>
+        <p:txBody>
+          <a:bodyPr rtlCol="0" anchor="ctr"/>
+          <a:lstStyle/>
+          <a:p>
+            <a:pPr algn="ctr"/>
+            <a:r>
+              <a:rPr lang="ko-KR" altLang="en-US" sz="1050" dirty="0" smtClean="0"/>
+              <a:t>프로젝트 소프트 자원관리 테스트 및 코드 정리</a:t>
+            </a:r>
+            <a:endParaRPr lang="en-US" altLang="ko-KR" sz="1050" dirty="0" smtClean="0"/>
+          </a:p>
+        </p:txBody>
+      </p:sp>
+    </p:spTree>
+    <p:extLst>
+      <p:ext uri="{BB962C8B-B14F-4D97-AF65-F5344CB8AC3E}">
+        <p14:creationId xmlns:p14="http://schemas.microsoft.com/office/powerpoint/2010/main" val="2476254962"/>
+      </p:ext>
+    </p:extLst>
+  </p:cSld>
+  <p:clrMapOvr>
+    <a:masterClrMapping/>
+  </p:clrMapOvr>
+</p:sld>
+</file>
+
+<file path=ppt/slides/slide11.xml><?xml version="1.0" encoding="utf-8"?>
+<p:sld xmlns:a="http://schemas.openxmlformats.org/drawingml/2006/main" xmlns:r="http://schemas.openxmlformats.org/officeDocument/2006/relationships" xmlns:p="http://schemas.openxmlformats.org/presentationml/2006/main">
+  <p:cSld>
+    <p:bg>
+      <p:bgPr>
+        <a:solidFill>
+          <a:schemeClr val="bg2">
+            <a:lumMod val="90000"/>
+          </a:schemeClr>
+        </a:solidFill>
+        <a:effectLst/>
+      </p:bgPr>
+    </p:bg>
+    <p:spTree>
+      <p:nvGrpSpPr>
+        <p:cNvPr id="1" name=""/>
+        <p:cNvGrpSpPr/>
+        <p:nvPr/>
+      </p:nvGrpSpPr>
+      <p:grpSpPr>
+        <a:xfrm>
+          <a:off x="0" y="0"/>
+          <a:ext cx="0" cy="0"/>
+          <a:chOff x="0" y="0"/>
+          <a:chExt cx="0" cy="0"/>
+        </a:xfrm>
+      </p:grpSpPr>
+      <p:sp>
+        <p:nvSpPr>
+          <p:cNvPr id="4" name="TextBox 3"/>
+          <p:cNvSpPr txBox="1"/>
+          <p:nvPr/>
+        </p:nvSpPr>
+        <p:spPr>
+          <a:xfrm>
+            <a:off x="0" y="853440"/>
+            <a:ext cx="6431569" cy="5909310"/>
+          </a:xfrm>
+          <a:prstGeom prst="rect">
+            <a:avLst/>
+          </a:prstGeom>
+          <a:noFill/>
+        </p:spPr>
+        <p:txBody>
+          <a:bodyPr wrap="none" rtlCol="0">
+            <a:spAutoFit/>
+          </a:bodyPr>
+          <a:lstStyle/>
+          <a:p>
+            <a:r>
+              <a:rPr lang="en-US" altLang="ko-KR" dirty="0"/>
+              <a:t>[</a:t>
+            </a:r>
+            <a:r>
+              <a:rPr lang="ko-KR" altLang="en-US" dirty="0" err="1"/>
+              <a:t>마이페이지</a:t>
+            </a:r>
+            <a:r>
+              <a:rPr lang="ko-KR" altLang="en-US" dirty="0"/>
+              <a:t> </a:t>
+            </a:r>
+            <a:r>
+              <a:rPr lang="ko-KR" altLang="en-US" dirty="0" err="1"/>
+              <a:t>수정사함</a:t>
+            </a:r>
+            <a:r>
+              <a:rPr lang="en-US" altLang="ko-KR" dirty="0"/>
+              <a:t>]</a:t>
+            </a:r>
+          </a:p>
+          <a:p>
+            <a:r>
+              <a:rPr lang="en-US" altLang="ko-KR" dirty="0"/>
+              <a:t>2. </a:t>
+            </a:r>
+            <a:r>
+              <a:rPr lang="ko-KR" altLang="en-US" dirty="0"/>
+              <a:t>되돌아가기 구현하기</a:t>
+            </a:r>
+          </a:p>
+          <a:p>
+            <a:r>
+              <a:rPr lang="en-US" altLang="ko-KR" dirty="0"/>
+              <a:t>3. </a:t>
+            </a:r>
+            <a:r>
+              <a:rPr lang="ko-KR" altLang="en-US" dirty="0"/>
+              <a:t>장바구니 전체 </a:t>
+            </a:r>
+            <a:r>
+              <a:rPr lang="ko-KR" altLang="en-US" dirty="0" err="1"/>
+              <a:t>결제액</a:t>
+            </a:r>
+            <a:r>
+              <a:rPr lang="ko-KR" altLang="en-US" dirty="0"/>
+              <a:t> 합산</a:t>
+            </a:r>
+          </a:p>
+          <a:p>
+            <a:r>
+              <a:rPr lang="en-US" altLang="ko-KR" dirty="0"/>
+              <a:t>4. </a:t>
+            </a:r>
+            <a:r>
+              <a:rPr lang="ko-KR" altLang="en-US" dirty="0"/>
+              <a:t>유효성 검사</a:t>
+            </a:r>
+          </a:p>
+          <a:p>
+            <a:r>
+              <a:rPr lang="en-US" altLang="ko-KR" dirty="0"/>
+              <a:t>5. </a:t>
+            </a:r>
+            <a:r>
+              <a:rPr lang="ko-KR" altLang="en-US" dirty="0" err="1"/>
+              <a:t>페이징</a:t>
+            </a:r>
+            <a:r>
+              <a:rPr lang="ko-KR" altLang="en-US" dirty="0"/>
+              <a:t> 처리 제대로 하기</a:t>
+            </a:r>
+          </a:p>
+          <a:p>
+            <a:r>
+              <a:rPr lang="en-US" altLang="ko-KR" dirty="0"/>
+              <a:t>6. </a:t>
+            </a:r>
+            <a:r>
+              <a:rPr lang="ko-KR" altLang="en-US" dirty="0"/>
+              <a:t>정보 수정 후에 바로 </a:t>
+            </a:r>
+            <a:r>
+              <a:rPr lang="ko-KR" altLang="en-US" dirty="0" err="1"/>
+              <a:t>바뀐거</a:t>
+            </a:r>
+            <a:r>
+              <a:rPr lang="ko-KR" altLang="en-US" dirty="0"/>
+              <a:t> 볼 수 있도록</a:t>
+            </a:r>
+          </a:p>
+          <a:p>
+            <a:r>
+              <a:rPr lang="en-US" altLang="ko-KR" dirty="0"/>
+              <a:t>7. </a:t>
+            </a:r>
+            <a:r>
+              <a:rPr lang="ko-KR" altLang="en-US" dirty="0"/>
+              <a:t>전부 수정하고 </a:t>
+            </a:r>
+            <a:r>
+              <a:rPr lang="en-US" altLang="ko-KR" dirty="0"/>
+              <a:t>alert </a:t>
+            </a:r>
+            <a:r>
+              <a:rPr lang="ko-KR" altLang="en-US" dirty="0"/>
+              <a:t>지우기</a:t>
+            </a:r>
+          </a:p>
+          <a:p>
+            <a:r>
+              <a:rPr lang="en-US" altLang="ko-KR" dirty="0"/>
+              <a:t>8. </a:t>
+            </a:r>
+            <a:r>
+              <a:rPr lang="ko-KR" altLang="en-US" dirty="0"/>
+              <a:t>장바구니 </a:t>
+            </a:r>
+            <a:r>
+              <a:rPr lang="en-US" altLang="ko-KR" dirty="0"/>
+              <a:t>order by </a:t>
+            </a:r>
+            <a:r>
+              <a:rPr lang="en-US" altLang="ko-KR" dirty="0" err="1"/>
+              <a:t>desc</a:t>
+            </a:r>
+            <a:r>
+              <a:rPr lang="en-US" altLang="ko-KR" dirty="0"/>
+              <a:t>;</a:t>
+            </a:r>
+          </a:p>
+          <a:p>
+            <a:endParaRPr lang="en-US" altLang="ko-KR" dirty="0" smtClean="0"/>
+          </a:p>
+          <a:p>
+            <a:endParaRPr lang="en-US" altLang="ko-KR" dirty="0"/>
+          </a:p>
+          <a:p>
+            <a:r>
+              <a:rPr lang="en-US" altLang="ko-KR" dirty="0"/>
+              <a:t>[</a:t>
+            </a:r>
+            <a:r>
+              <a:rPr lang="ko-KR" altLang="en-US" dirty="0"/>
+              <a:t>상품</a:t>
+            </a:r>
+            <a:r>
+              <a:rPr lang="en-US" altLang="ko-KR" dirty="0"/>
+              <a:t>]</a:t>
+            </a:r>
+          </a:p>
+          <a:p>
+            <a:r>
+              <a:rPr lang="en-US" altLang="ko-KR" dirty="0"/>
+              <a:t>1. </a:t>
+            </a:r>
+            <a:r>
+              <a:rPr lang="ko-KR" altLang="en-US" dirty="0"/>
+              <a:t>기본적인 기능 검색</a:t>
+            </a:r>
+          </a:p>
+          <a:p>
+            <a:r>
+              <a:rPr lang="en-US" altLang="ko-KR" dirty="0"/>
+              <a:t>2. </a:t>
+            </a:r>
+            <a:r>
+              <a:rPr lang="ko-KR" altLang="en-US" dirty="0" err="1"/>
+              <a:t>페이징</a:t>
+            </a:r>
+            <a:r>
+              <a:rPr lang="ko-KR" altLang="en-US" dirty="0"/>
+              <a:t> </a:t>
+            </a:r>
+            <a:r>
+              <a:rPr lang="ko-KR" altLang="en-US" dirty="0" err="1"/>
+              <a:t>다시보기</a:t>
+            </a:r>
+            <a:endParaRPr lang="ko-KR" altLang="en-US" dirty="0"/>
+          </a:p>
+          <a:p>
+            <a:r>
+              <a:rPr lang="en-US" altLang="ko-KR" dirty="0"/>
+              <a:t>3. </a:t>
+            </a:r>
+            <a:r>
+              <a:rPr lang="ko-KR" altLang="en-US" dirty="0"/>
+              <a:t>상품 </a:t>
+            </a:r>
+            <a:r>
+              <a:rPr lang="ko-KR" altLang="en-US" dirty="0" err="1"/>
+              <a:t>구매시</a:t>
+            </a:r>
+            <a:r>
+              <a:rPr lang="ko-KR" altLang="en-US" dirty="0"/>
+              <a:t> 곱하기 </a:t>
+            </a:r>
+            <a:r>
+              <a:rPr lang="ko-KR" altLang="en-US" dirty="0" err="1"/>
+              <a:t>두번되는거</a:t>
+            </a:r>
+            <a:r>
+              <a:rPr lang="ko-KR" altLang="en-US" dirty="0"/>
+              <a:t> 고치기</a:t>
+            </a:r>
+          </a:p>
+          <a:p>
+            <a:r>
+              <a:rPr lang="en-US" altLang="ko-KR" dirty="0"/>
+              <a:t>4. </a:t>
+            </a:r>
+            <a:r>
+              <a:rPr lang="ko-KR" altLang="en-US" dirty="0"/>
+              <a:t>페이스북 등 </a:t>
+            </a:r>
+            <a:r>
+              <a:rPr lang="en-US" altLang="ko-KR" dirty="0" err="1"/>
+              <a:t>sns</a:t>
+            </a:r>
+            <a:r>
+              <a:rPr lang="en-US" altLang="ko-KR" dirty="0"/>
+              <a:t> </a:t>
+            </a:r>
+            <a:r>
+              <a:rPr lang="ko-KR" altLang="en-US" dirty="0"/>
+              <a:t>링크 달기</a:t>
+            </a:r>
+          </a:p>
+          <a:p>
+            <a:endParaRPr lang="ko-KR" altLang="en-US" dirty="0"/>
+          </a:p>
+          <a:p>
+            <a:endParaRPr lang="ko-KR" altLang="en-US" dirty="0"/>
+          </a:p>
+          <a:p>
+            <a:r>
+              <a:rPr lang="en-US" altLang="ko-KR" dirty="0"/>
+              <a:t>[</a:t>
+            </a:r>
+            <a:r>
+              <a:rPr lang="ko-KR" altLang="en-US" dirty="0"/>
+              <a:t>캠페인</a:t>
+            </a:r>
+            <a:r>
+              <a:rPr lang="en-US" altLang="ko-KR" dirty="0"/>
+              <a:t>]</a:t>
+            </a:r>
+          </a:p>
+          <a:p>
+            <a:r>
+              <a:rPr lang="en-US" altLang="ko-KR" dirty="0"/>
+              <a:t>1. </a:t>
+            </a:r>
+            <a:r>
+              <a:rPr lang="ko-KR" altLang="en-US" dirty="0"/>
+              <a:t>이런 후원 단체는 어떠세요</a:t>
+            </a:r>
+            <a:r>
+              <a:rPr lang="en-US" altLang="ko-KR" dirty="0"/>
+              <a:t>? </a:t>
+            </a:r>
+            <a:r>
+              <a:rPr lang="ko-KR" altLang="en-US" dirty="0"/>
+              <a:t>항목 </a:t>
+            </a:r>
+            <a:r>
+              <a:rPr lang="ko-KR" altLang="en-US" dirty="0" err="1"/>
+              <a:t>스폰</a:t>
+            </a:r>
+            <a:r>
+              <a:rPr lang="ko-KR" altLang="en-US" dirty="0"/>
+              <a:t> 불러와서 출력하기</a:t>
+            </a:r>
+          </a:p>
+          <a:p>
+            <a:r>
+              <a:rPr lang="en-US" altLang="ko-KR" dirty="0"/>
+              <a:t>2. </a:t>
+            </a:r>
+            <a:r>
+              <a:rPr lang="ko-KR" altLang="en-US" dirty="0" err="1"/>
+              <a:t>사기치다</a:t>
+            </a:r>
+            <a:r>
+              <a:rPr lang="ko-KR" altLang="en-US" dirty="0"/>
+              <a:t> 걸림</a:t>
+            </a:r>
+            <a:r>
+              <a:rPr lang="en-US" altLang="ko-KR" dirty="0"/>
+              <a:t>! - </a:t>
+            </a:r>
+            <a:r>
+              <a:rPr lang="ko-KR" altLang="en-US" dirty="0"/>
+              <a:t>캠페인 </a:t>
+            </a:r>
+            <a:r>
+              <a:rPr lang="ko-KR" altLang="en-US" dirty="0" err="1"/>
+              <a:t>댓글수</a:t>
+            </a:r>
+            <a:r>
+              <a:rPr lang="ko-KR" altLang="en-US" dirty="0"/>
+              <a:t> 사기 검거</a:t>
+            </a:r>
+          </a:p>
+          <a:p>
+            <a:r>
+              <a:rPr lang="en-US" altLang="ko-KR" dirty="0"/>
+              <a:t>3. </a:t>
+            </a:r>
+            <a:r>
+              <a:rPr lang="ko-KR" altLang="en-US" dirty="0"/>
+              <a:t>세션 정보 </a:t>
+            </a:r>
+            <a:r>
+              <a:rPr lang="ko-KR" altLang="en-US" dirty="0" err="1"/>
+              <a:t>가져온거</a:t>
+            </a:r>
+            <a:r>
+              <a:rPr lang="ko-KR" altLang="en-US" dirty="0"/>
+              <a:t> 바꾸기</a:t>
+            </a:r>
+            <a:r>
+              <a:rPr lang="en-US" altLang="ko-KR" dirty="0"/>
+              <a:t>, </a:t>
+            </a:r>
+            <a:r>
+              <a:rPr lang="ko-KR" altLang="en-US" dirty="0"/>
+              <a:t>전부 </a:t>
+            </a:r>
+            <a:r>
+              <a:rPr lang="en-US" altLang="ko-KR" dirty="0" err="1"/>
+              <a:t>db</a:t>
+            </a:r>
+            <a:r>
+              <a:rPr lang="ko-KR" altLang="en-US" dirty="0"/>
+              <a:t>에서 </a:t>
+            </a:r>
+            <a:r>
+              <a:rPr lang="ko-KR" altLang="en-US" dirty="0" err="1" smtClean="0"/>
+              <a:t>가져와야함</a:t>
+            </a:r>
+            <a:endParaRPr lang="ko-KR" altLang="en-US" dirty="0"/>
+          </a:p>
+        </p:txBody>
+      </p:sp>
+      <p:sp>
+        <p:nvSpPr>
+          <p:cNvPr id="6" name="TextBox 5"/>
+          <p:cNvSpPr txBox="1"/>
+          <p:nvPr/>
+        </p:nvSpPr>
+        <p:spPr>
+          <a:xfrm>
+            <a:off x="6532880" y="752971"/>
+            <a:ext cx="5835187" cy="6186309"/>
+          </a:xfrm>
+          <a:prstGeom prst="rect">
+            <a:avLst/>
+          </a:prstGeom>
+          <a:noFill/>
+        </p:spPr>
+        <p:txBody>
+          <a:bodyPr wrap="none" rtlCol="0">
+            <a:spAutoFit/>
+          </a:bodyPr>
+          <a:lstStyle/>
+          <a:p>
+            <a:r>
+              <a:rPr lang="en-US" altLang="ko-KR" dirty="0" smtClean="0"/>
+              <a:t>[</a:t>
+            </a:r>
+            <a:r>
+              <a:rPr lang="ko-KR" altLang="en-US" dirty="0"/>
+              <a:t>스폰서</a:t>
+            </a:r>
+            <a:r>
+              <a:rPr lang="en-US" altLang="ko-KR" dirty="0"/>
+              <a:t>]</a:t>
+            </a:r>
+          </a:p>
+          <a:p>
+            <a:r>
+              <a:rPr lang="en-US" altLang="ko-KR" dirty="0"/>
+              <a:t>1. </a:t>
+            </a:r>
+            <a:r>
+              <a:rPr lang="ko-KR" altLang="en-US" dirty="0"/>
+              <a:t>리스트화면에 </a:t>
+            </a:r>
+            <a:r>
+              <a:rPr lang="ko-KR" altLang="en-US" dirty="0" err="1"/>
+              <a:t>댓글수</a:t>
+            </a:r>
+            <a:r>
+              <a:rPr lang="ko-KR" altLang="en-US" dirty="0"/>
+              <a:t> 안보임</a:t>
+            </a:r>
+          </a:p>
+          <a:p>
+            <a:r>
+              <a:rPr lang="en-US" altLang="ko-KR" dirty="0"/>
+              <a:t>2. </a:t>
+            </a:r>
+            <a:r>
+              <a:rPr lang="ko-KR" altLang="en-US" dirty="0"/>
+              <a:t>댓글 삭제하기 고치기</a:t>
+            </a:r>
+          </a:p>
+          <a:p>
+            <a:r>
+              <a:rPr lang="en-US" altLang="ko-KR" dirty="0"/>
+              <a:t>3. </a:t>
+            </a:r>
+            <a:r>
+              <a:rPr lang="ko-KR" altLang="en-US" dirty="0" err="1"/>
+              <a:t>응원댓글</a:t>
+            </a:r>
+            <a:r>
+              <a:rPr lang="en-US" altLang="ko-KR" dirty="0"/>
+              <a:t>(n</a:t>
+            </a:r>
+            <a:r>
+              <a:rPr lang="ko-KR" altLang="en-US" dirty="0"/>
+              <a:t>개</a:t>
+            </a:r>
+            <a:r>
+              <a:rPr lang="en-US" altLang="ko-KR" dirty="0"/>
+              <a:t>) </a:t>
+            </a:r>
+            <a:r>
+              <a:rPr lang="ko-KR" altLang="en-US" dirty="0"/>
+              <a:t>고치기</a:t>
+            </a:r>
+          </a:p>
+          <a:p>
+            <a:r>
+              <a:rPr lang="en-US" altLang="ko-KR" dirty="0"/>
+              <a:t>4. </a:t>
+            </a:r>
+            <a:r>
+              <a:rPr lang="ko-KR" altLang="en-US" dirty="0" err="1"/>
+              <a:t>수정할때</a:t>
+            </a:r>
+            <a:r>
+              <a:rPr lang="ko-KR" altLang="en-US" dirty="0"/>
+              <a:t> </a:t>
+            </a:r>
+            <a:r>
+              <a:rPr lang="ko-KR" altLang="en-US" dirty="0" err="1"/>
+              <a:t>리로드</a:t>
+            </a:r>
+            <a:r>
+              <a:rPr lang="ko-KR" altLang="en-US" dirty="0"/>
+              <a:t> </a:t>
+            </a:r>
+            <a:r>
+              <a:rPr lang="ko-KR" altLang="en-US" dirty="0" err="1"/>
+              <a:t>되는거</a:t>
+            </a:r>
+            <a:r>
+              <a:rPr lang="ko-KR" altLang="en-US" dirty="0"/>
+              <a:t> 바꾸기 </a:t>
+            </a:r>
+          </a:p>
+          <a:p>
+            <a:r>
+              <a:rPr lang="en-US" altLang="ko-KR" dirty="0"/>
+              <a:t>5. </a:t>
+            </a:r>
+            <a:r>
+              <a:rPr lang="ko-KR" altLang="en-US" dirty="0"/>
+              <a:t>지금 이순간</a:t>
+            </a:r>
+            <a:r>
+              <a:rPr lang="en-US" altLang="ko-KR" dirty="0"/>
+              <a:t>, </a:t>
+            </a:r>
+            <a:r>
+              <a:rPr lang="ko-KR" altLang="en-US" dirty="0"/>
+              <a:t>캠페인 차트 불러오기</a:t>
+            </a:r>
+          </a:p>
+          <a:p>
+            <a:r>
+              <a:rPr lang="en-US" altLang="ko-KR" dirty="0"/>
+              <a:t>2. </a:t>
+            </a:r>
+            <a:r>
+              <a:rPr lang="ko-KR" altLang="en-US" dirty="0"/>
+              <a:t>디자인 상관은 없는데 조금 불편함</a:t>
+            </a:r>
+          </a:p>
+          <a:p>
+            <a:r>
+              <a:rPr lang="en-US" altLang="ko-KR" dirty="0"/>
+              <a:t>3. </a:t>
+            </a:r>
+            <a:r>
+              <a:rPr lang="ko-KR" altLang="en-US" dirty="0"/>
+              <a:t>리스트에서 댓글 수 안보임</a:t>
+            </a:r>
+          </a:p>
+          <a:p>
+            <a:endParaRPr lang="ko-KR" altLang="en-US" dirty="0"/>
+          </a:p>
+          <a:p>
+            <a:endParaRPr lang="ko-KR" altLang="en-US" dirty="0"/>
+          </a:p>
+          <a:p>
+            <a:r>
+              <a:rPr lang="en-US" altLang="ko-KR" dirty="0"/>
+              <a:t>[</a:t>
+            </a:r>
+            <a:r>
+              <a:rPr lang="ko-KR" altLang="en-US" dirty="0"/>
+              <a:t>중고장터</a:t>
+            </a:r>
+            <a:r>
+              <a:rPr lang="en-US" altLang="ko-KR" dirty="0"/>
+              <a:t>]</a:t>
+            </a:r>
+          </a:p>
+          <a:p>
+            <a:r>
+              <a:rPr lang="en-US" altLang="ko-KR" dirty="0"/>
+              <a:t>1. </a:t>
+            </a:r>
+            <a:r>
+              <a:rPr lang="ko-KR" altLang="en-US" dirty="0"/>
+              <a:t>신청하기 버튼에 잔상 없애기</a:t>
+            </a:r>
+          </a:p>
+          <a:p>
+            <a:r>
+              <a:rPr lang="en-US" altLang="ko-KR" dirty="0"/>
+              <a:t>2. Tags </a:t>
+            </a:r>
+            <a:r>
+              <a:rPr lang="ko-KR" altLang="en-US" dirty="0"/>
+              <a:t>지우기</a:t>
+            </a:r>
+          </a:p>
+          <a:p>
+            <a:r>
+              <a:rPr lang="en-US" altLang="ko-KR" dirty="0"/>
+              <a:t>3. </a:t>
+            </a:r>
+            <a:r>
+              <a:rPr lang="en-US" altLang="ko-KR" dirty="0" err="1"/>
+              <a:t>sns</a:t>
+            </a:r>
+            <a:r>
+              <a:rPr lang="en-US" altLang="ko-KR" dirty="0"/>
+              <a:t> </a:t>
+            </a:r>
+            <a:r>
+              <a:rPr lang="ko-KR" altLang="en-US" dirty="0"/>
+              <a:t>링크 걸기 </a:t>
+            </a:r>
+          </a:p>
+          <a:p>
+            <a:r>
+              <a:rPr lang="en-US" altLang="ko-KR" dirty="0"/>
+              <a:t>4. </a:t>
+            </a:r>
+            <a:r>
+              <a:rPr lang="ko-KR" altLang="en-US" dirty="0"/>
+              <a:t>뷰에서 이미지 </a:t>
+            </a:r>
+            <a:r>
+              <a:rPr lang="ko-KR" altLang="en-US" dirty="0" err="1"/>
+              <a:t>클릭할때</a:t>
+            </a:r>
+            <a:r>
+              <a:rPr lang="ko-KR" altLang="en-US" dirty="0"/>
+              <a:t> </a:t>
+            </a:r>
+            <a:r>
+              <a:rPr lang="ko-KR" altLang="en-US" dirty="0" err="1"/>
+              <a:t>리로드되는거</a:t>
+            </a:r>
+            <a:r>
+              <a:rPr lang="ko-KR" altLang="en-US" dirty="0"/>
+              <a:t> 없애기</a:t>
+            </a:r>
+          </a:p>
+          <a:p>
+            <a:r>
+              <a:rPr lang="en-US" altLang="ko-KR" dirty="0"/>
+              <a:t>5. </a:t>
+            </a:r>
+            <a:r>
+              <a:rPr lang="ko-KR" altLang="en-US" dirty="0"/>
+              <a:t>뷰 수정하기 구현하기</a:t>
+            </a:r>
+          </a:p>
+          <a:p>
+            <a:endParaRPr lang="ko-KR" altLang="en-US" dirty="0"/>
+          </a:p>
+          <a:p>
+            <a:endParaRPr lang="ko-KR" altLang="en-US" dirty="0"/>
+          </a:p>
+          <a:p>
+            <a:r>
+              <a:rPr lang="en-US" altLang="ko-KR" dirty="0"/>
+              <a:t>[</a:t>
+            </a:r>
+            <a:r>
+              <a:rPr lang="ko-KR" altLang="en-US" dirty="0" err="1"/>
+              <a:t>개발자모드</a:t>
+            </a:r>
+            <a:r>
+              <a:rPr lang="en-US" altLang="ko-KR" dirty="0"/>
+              <a:t>]</a:t>
+            </a:r>
+          </a:p>
+          <a:p>
+            <a:r>
+              <a:rPr lang="en-US" altLang="ko-KR" dirty="0"/>
+              <a:t>1. </a:t>
+            </a:r>
+            <a:r>
+              <a:rPr lang="ko-KR" altLang="en-US" dirty="0"/>
+              <a:t>상품 추가에서 </a:t>
+            </a:r>
+            <a:r>
+              <a:rPr lang="en-US" altLang="ko-KR" dirty="0"/>
+              <a:t>shoes </a:t>
+            </a:r>
+            <a:r>
+              <a:rPr lang="ko-KR" altLang="en-US" dirty="0"/>
+              <a:t>빼고 </a:t>
+            </a:r>
+            <a:r>
+              <a:rPr lang="en-US" altLang="ko-KR" dirty="0"/>
+              <a:t>campaign</a:t>
+            </a:r>
+            <a:r>
+              <a:rPr lang="ko-KR" altLang="en-US" dirty="0"/>
+              <a:t>으로 </a:t>
+            </a:r>
+            <a:r>
+              <a:rPr lang="en-US" altLang="ko-KR" dirty="0"/>
+              <a:t>(</a:t>
+            </a:r>
+            <a:r>
+              <a:rPr lang="ko-KR" altLang="en-US" dirty="0" err="1"/>
+              <a:t>밸류까지</a:t>
+            </a:r>
+            <a:r>
+              <a:rPr lang="en-US" altLang="ko-KR" dirty="0"/>
+              <a:t>)</a:t>
+            </a:r>
+          </a:p>
+          <a:p>
+            <a:r>
+              <a:rPr lang="en-US" altLang="ko-KR" dirty="0"/>
+              <a:t>2. </a:t>
+            </a:r>
+            <a:r>
+              <a:rPr lang="ko-KR" altLang="en-US" dirty="0"/>
+              <a:t>개발자 계정 관리 검색기능 망가짐</a:t>
+            </a:r>
+          </a:p>
+          <a:p>
+            <a:r>
+              <a:rPr lang="en-US" altLang="ko-KR" dirty="0"/>
+              <a:t>3. </a:t>
+            </a:r>
+            <a:r>
+              <a:rPr lang="ko-KR" altLang="en-US" dirty="0"/>
+              <a:t>세션 만료 후 액션 기능 제지하기</a:t>
+            </a:r>
+          </a:p>
+        </p:txBody>
+      </p:sp>
+      <p:sp>
+        <p:nvSpPr>
+          <p:cNvPr id="7" name="TextBox 6"/>
+          <p:cNvSpPr txBox="1"/>
+          <p:nvPr/>
+        </p:nvSpPr>
+        <p:spPr>
+          <a:xfrm>
+            <a:off x="4064000" y="0"/>
+            <a:ext cx="3906839" cy="707886"/>
+          </a:xfrm>
+          <a:prstGeom prst="rect">
+            <a:avLst/>
+          </a:prstGeom>
+          <a:noFill/>
+        </p:spPr>
+        <p:txBody>
+          <a:bodyPr wrap="none" rtlCol="0">
+            <a:spAutoFit/>
+          </a:bodyPr>
+          <a:lstStyle/>
+          <a:p>
+            <a:r>
+              <a:rPr lang="en-US" altLang="ko-KR" sz="4000" dirty="0" smtClean="0"/>
+              <a:t>1</a:t>
+            </a:r>
+            <a:r>
+              <a:rPr lang="ko-KR" altLang="en-US" sz="4000" dirty="0" smtClean="0"/>
+              <a:t>차 테스트 결과</a:t>
+            </a:r>
+            <a:endParaRPr lang="ko-KR" altLang="en-US" sz="4000" dirty="0"/>
+          </a:p>
+        </p:txBody>
+      </p:sp>
+    </p:spTree>
+    <p:extLst>
+      <p:ext uri="{BB962C8B-B14F-4D97-AF65-F5344CB8AC3E}">
+        <p14:creationId xmlns:p14="http://schemas.microsoft.com/office/powerpoint/2010/main" val="1151873716"/>
+      </p:ext>
+    </p:extLst>
+  </p:cSld>
+  <p:clrMapOvr>
+    <a:masterClrMapping/>
+  </p:clrMapOvr>
+</p:sld>
+</file>
+
 <file path=ppt/slides/slide2.xml><?xml version="1.0" encoding="utf-8"?>
 <p:sld xmlns:a="http://schemas.openxmlformats.org/drawingml/2006/main" xmlns:r="http://schemas.openxmlformats.org/officeDocument/2006/relationships" xmlns:p="http://schemas.openxmlformats.org/presentationml/2006/main">
   <p:cSld>
